--- a/Petabyte Pirates.pptx
+++ b/Petabyte Pirates.pptx
@@ -13,6 +13,7 @@
     <p:sldId id="262" r:id="rId7"/>
     <p:sldId id="259" r:id="rId8"/>
     <p:sldId id="260" r:id="rId9"/>
+    <p:sldId id="264" r:id="rId10"/>
   </p:sldIdLst>
   <p:sldSz cx="12192000" cy="6858000"/>
   <p:notesSz cx="6858000" cy="9144000"/>
@@ -111,7 +112,5596 @@
       </a:defRPr>
     </a:lvl9pPr>
   </p:defaultTextStyle>
+  <p:extLst>
+    <p:ext uri="{EFAFB233-063F-42B5-8137-9DF3F51BA10A}">
+      <p15:sldGuideLst xmlns:p15="http://schemas.microsoft.com/office/powerpoint/2012/main"/>
+    </p:ext>
+  </p:extLst>
 </p:presentation>
+</file>
+
+<file path=ppt/diagrams/colors1.xml><?xml version="1.0" encoding="utf-8"?>
+<dgm:colorsDef xmlns:dgm="http://schemas.openxmlformats.org/drawingml/2006/diagram" xmlns:a="http://schemas.openxmlformats.org/drawingml/2006/main" uniqueId="urn:microsoft.com/office/officeart/2005/8/colors/accent3_2">
+  <dgm:title val=""/>
+  <dgm:desc val=""/>
+  <dgm:catLst>
+    <dgm:cat type="accent3" pri="11200"/>
+  </dgm:catLst>
+  <dgm:styleLbl name="node0">
+    <dgm:fillClrLst meth="repeat">
+      <a:schemeClr val="accent3"/>
+    </dgm:fillClrLst>
+    <dgm:linClrLst meth="repeat">
+      <a:schemeClr val="lt1"/>
+    </dgm:linClrLst>
+    <dgm:effectClrLst/>
+    <dgm:txLinClrLst/>
+    <dgm:txFillClrLst/>
+    <dgm:txEffectClrLst/>
+  </dgm:styleLbl>
+  <dgm:styleLbl name="node1">
+    <dgm:fillClrLst meth="repeat">
+      <a:schemeClr val="accent3"/>
+    </dgm:fillClrLst>
+    <dgm:linClrLst meth="repeat">
+      <a:schemeClr val="lt1"/>
+    </dgm:linClrLst>
+    <dgm:effectClrLst/>
+    <dgm:txLinClrLst/>
+    <dgm:txFillClrLst/>
+    <dgm:txEffectClrLst/>
+  </dgm:styleLbl>
+  <dgm:styleLbl name="alignNode1">
+    <dgm:fillClrLst meth="repeat">
+      <a:schemeClr val="accent3"/>
+    </dgm:fillClrLst>
+    <dgm:linClrLst meth="repeat">
+      <a:schemeClr val="accent3"/>
+    </dgm:linClrLst>
+    <dgm:effectClrLst/>
+    <dgm:txLinClrLst/>
+    <dgm:txFillClrLst/>
+    <dgm:txEffectClrLst/>
+  </dgm:styleLbl>
+  <dgm:styleLbl name="lnNode1">
+    <dgm:fillClrLst meth="repeat">
+      <a:schemeClr val="accent3"/>
+    </dgm:fillClrLst>
+    <dgm:linClrLst meth="repeat">
+      <a:schemeClr val="lt1"/>
+    </dgm:linClrLst>
+    <dgm:effectClrLst/>
+    <dgm:txLinClrLst/>
+    <dgm:txFillClrLst/>
+    <dgm:txEffectClrLst/>
+  </dgm:styleLbl>
+  <dgm:styleLbl name="vennNode1">
+    <dgm:fillClrLst meth="repeat">
+      <a:schemeClr val="accent3">
+        <a:alpha val="50000"/>
+      </a:schemeClr>
+    </dgm:fillClrLst>
+    <dgm:linClrLst meth="repeat">
+      <a:schemeClr val="lt1"/>
+    </dgm:linClrLst>
+    <dgm:effectClrLst/>
+    <dgm:txLinClrLst/>
+    <dgm:txFillClrLst/>
+    <dgm:txEffectClrLst/>
+  </dgm:styleLbl>
+  <dgm:styleLbl name="node2">
+    <dgm:fillClrLst meth="repeat">
+      <a:schemeClr val="accent3"/>
+    </dgm:fillClrLst>
+    <dgm:linClrLst meth="repeat">
+      <a:schemeClr val="lt1"/>
+    </dgm:linClrLst>
+    <dgm:effectClrLst/>
+    <dgm:txLinClrLst/>
+    <dgm:txFillClrLst/>
+    <dgm:txEffectClrLst/>
+  </dgm:styleLbl>
+  <dgm:styleLbl name="node3">
+    <dgm:fillClrLst meth="repeat">
+      <a:schemeClr val="accent3"/>
+    </dgm:fillClrLst>
+    <dgm:linClrLst meth="repeat">
+      <a:schemeClr val="lt1"/>
+    </dgm:linClrLst>
+    <dgm:effectClrLst/>
+    <dgm:txLinClrLst/>
+    <dgm:txFillClrLst/>
+    <dgm:txEffectClrLst/>
+  </dgm:styleLbl>
+  <dgm:styleLbl name="node4">
+    <dgm:fillClrLst meth="repeat">
+      <a:schemeClr val="accent3"/>
+    </dgm:fillClrLst>
+    <dgm:linClrLst meth="repeat">
+      <a:schemeClr val="lt1"/>
+    </dgm:linClrLst>
+    <dgm:effectClrLst/>
+    <dgm:txLinClrLst/>
+    <dgm:txFillClrLst/>
+    <dgm:txEffectClrLst/>
+  </dgm:styleLbl>
+  <dgm:styleLbl name="fgImgPlace1">
+    <dgm:fillClrLst meth="repeat">
+      <a:schemeClr val="accent3">
+        <a:tint val="50000"/>
+      </a:schemeClr>
+    </dgm:fillClrLst>
+    <dgm:linClrLst meth="repeat">
+      <a:schemeClr val="lt1"/>
+    </dgm:linClrLst>
+    <dgm:effectClrLst/>
+    <dgm:txLinClrLst/>
+    <dgm:txFillClrLst meth="repeat">
+      <a:schemeClr val="lt1"/>
+    </dgm:txFillClrLst>
+    <dgm:txEffectClrLst/>
+  </dgm:styleLbl>
+  <dgm:styleLbl name="alignImgPlace1">
+    <dgm:fillClrLst meth="repeat">
+      <a:schemeClr val="accent3">
+        <a:tint val="50000"/>
+      </a:schemeClr>
+    </dgm:fillClrLst>
+    <dgm:linClrLst meth="repeat">
+      <a:schemeClr val="lt1"/>
+    </dgm:linClrLst>
+    <dgm:effectClrLst/>
+    <dgm:txLinClrLst/>
+    <dgm:txFillClrLst meth="repeat">
+      <a:schemeClr val="lt1"/>
+    </dgm:txFillClrLst>
+    <dgm:txEffectClrLst/>
+  </dgm:styleLbl>
+  <dgm:styleLbl name="bgImgPlace1">
+    <dgm:fillClrLst meth="repeat">
+      <a:schemeClr val="accent3">
+        <a:tint val="50000"/>
+      </a:schemeClr>
+    </dgm:fillClrLst>
+    <dgm:linClrLst meth="repeat">
+      <a:schemeClr val="lt1"/>
+    </dgm:linClrLst>
+    <dgm:effectClrLst/>
+    <dgm:txLinClrLst/>
+    <dgm:txFillClrLst meth="repeat">
+      <a:schemeClr val="lt1"/>
+    </dgm:txFillClrLst>
+    <dgm:txEffectClrLst/>
+  </dgm:styleLbl>
+  <dgm:styleLbl name="sibTrans2D1">
+    <dgm:fillClrLst meth="repeat">
+      <a:schemeClr val="accent3">
+        <a:tint val="60000"/>
+      </a:schemeClr>
+    </dgm:fillClrLst>
+    <dgm:linClrLst meth="repeat">
+      <a:schemeClr val="accent3">
+        <a:tint val="60000"/>
+      </a:schemeClr>
+    </dgm:linClrLst>
+    <dgm:effectClrLst/>
+    <dgm:txLinClrLst/>
+    <dgm:txFillClrLst/>
+    <dgm:txEffectClrLst/>
+  </dgm:styleLbl>
+  <dgm:styleLbl name="fgSibTrans2D1">
+    <dgm:fillClrLst meth="repeat">
+      <a:schemeClr val="accent3">
+        <a:tint val="60000"/>
+      </a:schemeClr>
+    </dgm:fillClrLst>
+    <dgm:linClrLst meth="repeat">
+      <a:schemeClr val="accent3">
+        <a:tint val="60000"/>
+      </a:schemeClr>
+    </dgm:linClrLst>
+    <dgm:effectClrLst/>
+    <dgm:txLinClrLst/>
+    <dgm:txFillClrLst/>
+    <dgm:txEffectClrLst/>
+  </dgm:styleLbl>
+  <dgm:styleLbl name="bgSibTrans2D1">
+    <dgm:fillClrLst meth="repeat">
+      <a:schemeClr val="accent3">
+        <a:tint val="60000"/>
+      </a:schemeClr>
+    </dgm:fillClrLst>
+    <dgm:linClrLst meth="repeat">
+      <a:schemeClr val="accent3">
+        <a:tint val="60000"/>
+      </a:schemeClr>
+    </dgm:linClrLst>
+    <dgm:effectClrLst/>
+    <dgm:txLinClrLst/>
+    <dgm:txFillClrLst/>
+    <dgm:txEffectClrLst/>
+  </dgm:styleLbl>
+  <dgm:styleLbl name="sibTrans1D1">
+    <dgm:fillClrLst meth="repeat">
+      <a:schemeClr val="accent3"/>
+    </dgm:fillClrLst>
+    <dgm:linClrLst meth="repeat">
+      <a:schemeClr val="accent3"/>
+    </dgm:linClrLst>
+    <dgm:effectClrLst/>
+    <dgm:txLinClrLst/>
+    <dgm:txFillClrLst meth="repeat">
+      <a:schemeClr val="tx1"/>
+    </dgm:txFillClrLst>
+    <dgm:txEffectClrLst/>
+  </dgm:styleLbl>
+  <dgm:styleLbl name="callout">
+    <dgm:fillClrLst meth="repeat">
+      <a:schemeClr val="accent3"/>
+    </dgm:fillClrLst>
+    <dgm:linClrLst meth="repeat">
+      <a:schemeClr val="accent3">
+        <a:tint val="50000"/>
+      </a:schemeClr>
+    </dgm:linClrLst>
+    <dgm:effectClrLst/>
+    <dgm:txLinClrLst/>
+    <dgm:txFillClrLst meth="repeat">
+      <a:schemeClr val="tx1"/>
+    </dgm:txFillClrLst>
+    <dgm:txEffectClrLst/>
+  </dgm:styleLbl>
+  <dgm:styleLbl name="asst0">
+    <dgm:fillClrLst meth="repeat">
+      <a:schemeClr val="accent3"/>
+    </dgm:fillClrLst>
+    <dgm:linClrLst meth="repeat">
+      <a:schemeClr val="lt1"/>
+    </dgm:linClrLst>
+    <dgm:effectClrLst/>
+    <dgm:txLinClrLst/>
+    <dgm:txFillClrLst/>
+    <dgm:txEffectClrLst/>
+  </dgm:styleLbl>
+  <dgm:styleLbl name="asst1">
+    <dgm:fillClrLst meth="repeat">
+      <a:schemeClr val="accent3"/>
+    </dgm:fillClrLst>
+    <dgm:linClrLst meth="repeat">
+      <a:schemeClr val="lt1"/>
+    </dgm:linClrLst>
+    <dgm:effectClrLst/>
+    <dgm:txLinClrLst/>
+    <dgm:txFillClrLst/>
+    <dgm:txEffectClrLst/>
+  </dgm:styleLbl>
+  <dgm:styleLbl name="asst2">
+    <dgm:fillClrLst meth="repeat">
+      <a:schemeClr val="accent3"/>
+    </dgm:fillClrLst>
+    <dgm:linClrLst meth="repeat">
+      <a:schemeClr val="lt1"/>
+    </dgm:linClrLst>
+    <dgm:effectClrLst/>
+    <dgm:txLinClrLst/>
+    <dgm:txFillClrLst/>
+    <dgm:txEffectClrLst/>
+  </dgm:styleLbl>
+  <dgm:styleLbl name="asst3">
+    <dgm:fillClrLst meth="repeat">
+      <a:schemeClr val="accent3"/>
+    </dgm:fillClrLst>
+    <dgm:linClrLst meth="repeat">
+      <a:schemeClr val="lt1"/>
+    </dgm:linClrLst>
+    <dgm:effectClrLst/>
+    <dgm:txLinClrLst/>
+    <dgm:txFillClrLst/>
+    <dgm:txEffectClrLst/>
+  </dgm:styleLbl>
+  <dgm:styleLbl name="asst4">
+    <dgm:fillClrLst meth="repeat">
+      <a:schemeClr val="accent3"/>
+    </dgm:fillClrLst>
+    <dgm:linClrLst meth="repeat">
+      <a:schemeClr val="lt1"/>
+    </dgm:linClrLst>
+    <dgm:effectClrLst/>
+    <dgm:txLinClrLst/>
+    <dgm:txFillClrLst/>
+    <dgm:txEffectClrLst/>
+  </dgm:styleLbl>
+  <dgm:styleLbl name="parChTrans2D1">
+    <dgm:fillClrLst meth="repeat">
+      <a:schemeClr val="accent3">
+        <a:tint val="60000"/>
+      </a:schemeClr>
+    </dgm:fillClrLst>
+    <dgm:linClrLst meth="repeat">
+      <a:schemeClr val="accent3">
+        <a:tint val="60000"/>
+      </a:schemeClr>
+    </dgm:linClrLst>
+    <dgm:effectClrLst/>
+    <dgm:txLinClrLst/>
+    <dgm:txFillClrLst meth="repeat">
+      <a:schemeClr val="lt1"/>
+    </dgm:txFillClrLst>
+    <dgm:txEffectClrLst/>
+  </dgm:styleLbl>
+  <dgm:styleLbl name="parChTrans2D2">
+    <dgm:fillClrLst meth="repeat">
+      <a:schemeClr val="accent3"/>
+    </dgm:fillClrLst>
+    <dgm:linClrLst meth="repeat">
+      <a:schemeClr val="accent3"/>
+    </dgm:linClrLst>
+    <dgm:effectClrLst/>
+    <dgm:txLinClrLst/>
+    <dgm:txFillClrLst meth="repeat">
+      <a:schemeClr val="lt1"/>
+    </dgm:txFillClrLst>
+    <dgm:txEffectClrLst/>
+  </dgm:styleLbl>
+  <dgm:styleLbl name="parChTrans2D3">
+    <dgm:fillClrLst meth="repeat">
+      <a:schemeClr val="accent3"/>
+    </dgm:fillClrLst>
+    <dgm:linClrLst meth="repeat">
+      <a:schemeClr val="accent3"/>
+    </dgm:linClrLst>
+    <dgm:effectClrLst/>
+    <dgm:txLinClrLst/>
+    <dgm:txFillClrLst meth="repeat">
+      <a:schemeClr val="lt1"/>
+    </dgm:txFillClrLst>
+    <dgm:txEffectClrLst/>
+  </dgm:styleLbl>
+  <dgm:styleLbl name="parChTrans2D4">
+    <dgm:fillClrLst meth="repeat">
+      <a:schemeClr val="accent3"/>
+    </dgm:fillClrLst>
+    <dgm:linClrLst meth="repeat">
+      <a:schemeClr val="accent3"/>
+    </dgm:linClrLst>
+    <dgm:effectClrLst/>
+    <dgm:txLinClrLst/>
+    <dgm:txFillClrLst meth="repeat">
+      <a:schemeClr val="lt1"/>
+    </dgm:txFillClrLst>
+    <dgm:txEffectClrLst/>
+  </dgm:styleLbl>
+  <dgm:styleLbl name="parChTrans1D1">
+    <dgm:fillClrLst meth="repeat">
+      <a:schemeClr val="accent3"/>
+    </dgm:fillClrLst>
+    <dgm:linClrLst meth="repeat">
+      <a:schemeClr val="accent3">
+        <a:shade val="60000"/>
+      </a:schemeClr>
+    </dgm:linClrLst>
+    <dgm:effectClrLst/>
+    <dgm:txLinClrLst/>
+    <dgm:txFillClrLst meth="repeat">
+      <a:schemeClr val="tx1"/>
+    </dgm:txFillClrLst>
+    <dgm:txEffectClrLst/>
+  </dgm:styleLbl>
+  <dgm:styleLbl name="parChTrans1D2">
+    <dgm:fillClrLst meth="repeat">
+      <a:schemeClr val="accent3"/>
+    </dgm:fillClrLst>
+    <dgm:linClrLst meth="repeat">
+      <a:schemeClr val="accent3">
+        <a:shade val="60000"/>
+      </a:schemeClr>
+    </dgm:linClrLst>
+    <dgm:effectClrLst/>
+    <dgm:txLinClrLst/>
+    <dgm:txFillClrLst meth="repeat">
+      <a:schemeClr val="tx1"/>
+    </dgm:txFillClrLst>
+    <dgm:txEffectClrLst/>
+  </dgm:styleLbl>
+  <dgm:styleLbl name="parChTrans1D3">
+    <dgm:fillClrLst meth="repeat">
+      <a:schemeClr val="accent3"/>
+    </dgm:fillClrLst>
+    <dgm:linClrLst meth="repeat">
+      <a:schemeClr val="accent3">
+        <a:shade val="80000"/>
+      </a:schemeClr>
+    </dgm:linClrLst>
+    <dgm:effectClrLst/>
+    <dgm:txLinClrLst/>
+    <dgm:txFillClrLst meth="repeat">
+      <a:schemeClr val="tx1"/>
+    </dgm:txFillClrLst>
+    <dgm:txEffectClrLst/>
+  </dgm:styleLbl>
+  <dgm:styleLbl name="parChTrans1D4">
+    <dgm:fillClrLst meth="repeat">
+      <a:schemeClr val="accent3"/>
+    </dgm:fillClrLst>
+    <dgm:linClrLst meth="repeat">
+      <a:schemeClr val="accent3">
+        <a:shade val="80000"/>
+      </a:schemeClr>
+    </dgm:linClrLst>
+    <dgm:effectClrLst/>
+    <dgm:txLinClrLst/>
+    <dgm:txFillClrLst meth="repeat">
+      <a:schemeClr val="tx1"/>
+    </dgm:txFillClrLst>
+    <dgm:txEffectClrLst/>
+  </dgm:styleLbl>
+  <dgm:styleLbl name="fgAcc1">
+    <dgm:fillClrLst meth="repeat">
+      <a:schemeClr val="lt1">
+        <a:alpha val="90000"/>
+      </a:schemeClr>
+    </dgm:fillClrLst>
+    <dgm:linClrLst meth="repeat">
+      <a:schemeClr val="accent3"/>
+    </dgm:linClrLst>
+    <dgm:effectClrLst/>
+    <dgm:txLinClrLst/>
+    <dgm:txFillClrLst meth="repeat">
+      <a:schemeClr val="dk1"/>
+    </dgm:txFillClrLst>
+    <dgm:txEffectClrLst/>
+  </dgm:styleLbl>
+  <dgm:styleLbl name="conFgAcc1">
+    <dgm:fillClrLst meth="repeat">
+      <a:schemeClr val="lt1">
+        <a:alpha val="90000"/>
+      </a:schemeClr>
+    </dgm:fillClrLst>
+    <dgm:linClrLst meth="repeat">
+      <a:schemeClr val="accent3"/>
+    </dgm:linClrLst>
+    <dgm:effectClrLst/>
+    <dgm:txLinClrLst/>
+    <dgm:txFillClrLst meth="repeat">
+      <a:schemeClr val="dk1"/>
+    </dgm:txFillClrLst>
+    <dgm:txEffectClrLst/>
+  </dgm:styleLbl>
+  <dgm:styleLbl name="alignAcc1">
+    <dgm:fillClrLst meth="repeat">
+      <a:schemeClr val="lt1">
+        <a:alpha val="90000"/>
+      </a:schemeClr>
+    </dgm:fillClrLst>
+    <dgm:linClrLst meth="repeat">
+      <a:schemeClr val="accent3"/>
+    </dgm:linClrLst>
+    <dgm:effectClrLst/>
+    <dgm:txLinClrLst/>
+    <dgm:txFillClrLst meth="repeat">
+      <a:schemeClr val="dk1"/>
+    </dgm:txFillClrLst>
+    <dgm:txEffectClrLst/>
+  </dgm:styleLbl>
+  <dgm:styleLbl name="trAlignAcc1">
+    <dgm:fillClrLst meth="repeat">
+      <a:schemeClr val="lt1">
+        <a:alpha val="40000"/>
+      </a:schemeClr>
+    </dgm:fillClrLst>
+    <dgm:linClrLst meth="repeat">
+      <a:schemeClr val="accent3"/>
+    </dgm:linClrLst>
+    <dgm:effectClrLst/>
+    <dgm:txLinClrLst/>
+    <dgm:txFillClrLst meth="repeat">
+      <a:schemeClr val="dk1"/>
+    </dgm:txFillClrLst>
+    <dgm:txEffectClrLst/>
+  </dgm:styleLbl>
+  <dgm:styleLbl name="bgAcc1">
+    <dgm:fillClrLst meth="repeat">
+      <a:schemeClr val="lt1">
+        <a:alpha val="90000"/>
+      </a:schemeClr>
+    </dgm:fillClrLst>
+    <dgm:linClrLst meth="repeat">
+      <a:schemeClr val="accent3"/>
+    </dgm:linClrLst>
+    <dgm:effectClrLst/>
+    <dgm:txLinClrLst/>
+    <dgm:txFillClrLst meth="repeat">
+      <a:schemeClr val="dk1"/>
+    </dgm:txFillClrLst>
+    <dgm:txEffectClrLst/>
+  </dgm:styleLbl>
+  <dgm:styleLbl name="solidFgAcc1">
+    <dgm:fillClrLst meth="repeat">
+      <a:schemeClr val="lt1"/>
+    </dgm:fillClrLst>
+    <dgm:linClrLst meth="repeat">
+      <a:schemeClr val="accent3"/>
+    </dgm:linClrLst>
+    <dgm:effectClrLst/>
+    <dgm:txLinClrLst/>
+    <dgm:txFillClrLst meth="repeat">
+      <a:schemeClr val="dk1"/>
+    </dgm:txFillClrLst>
+    <dgm:txEffectClrLst/>
+  </dgm:styleLbl>
+  <dgm:styleLbl name="solidAlignAcc1">
+    <dgm:fillClrLst meth="repeat">
+      <a:schemeClr val="lt1"/>
+    </dgm:fillClrLst>
+    <dgm:linClrLst meth="repeat">
+      <a:schemeClr val="accent3"/>
+    </dgm:linClrLst>
+    <dgm:effectClrLst/>
+    <dgm:txLinClrLst/>
+    <dgm:txFillClrLst meth="repeat">
+      <a:schemeClr val="dk1"/>
+    </dgm:txFillClrLst>
+    <dgm:txEffectClrLst/>
+  </dgm:styleLbl>
+  <dgm:styleLbl name="solidBgAcc1">
+    <dgm:fillClrLst meth="repeat">
+      <a:schemeClr val="lt1"/>
+    </dgm:fillClrLst>
+    <dgm:linClrLst meth="repeat">
+      <a:schemeClr val="accent3"/>
+    </dgm:linClrLst>
+    <dgm:effectClrLst/>
+    <dgm:txLinClrLst/>
+    <dgm:txFillClrLst meth="repeat">
+      <a:schemeClr val="dk1"/>
+    </dgm:txFillClrLst>
+    <dgm:txEffectClrLst/>
+  </dgm:styleLbl>
+  <dgm:styleLbl name="fgAccFollowNode1">
+    <dgm:fillClrLst meth="repeat">
+      <a:schemeClr val="accent3">
+        <a:alpha val="90000"/>
+        <a:tint val="40000"/>
+      </a:schemeClr>
+    </dgm:fillClrLst>
+    <dgm:linClrLst meth="repeat">
+      <a:schemeClr val="accent3">
+        <a:alpha val="90000"/>
+        <a:tint val="40000"/>
+      </a:schemeClr>
+    </dgm:linClrLst>
+    <dgm:effectClrLst/>
+    <dgm:txLinClrLst/>
+    <dgm:txFillClrLst meth="repeat">
+      <a:schemeClr val="dk1"/>
+    </dgm:txFillClrLst>
+    <dgm:txEffectClrLst/>
+  </dgm:styleLbl>
+  <dgm:styleLbl name="alignAccFollowNode1">
+    <dgm:fillClrLst meth="repeat">
+      <a:schemeClr val="accent3">
+        <a:alpha val="90000"/>
+        <a:tint val="40000"/>
+      </a:schemeClr>
+    </dgm:fillClrLst>
+    <dgm:linClrLst meth="repeat">
+      <a:schemeClr val="accent3">
+        <a:alpha val="90000"/>
+        <a:tint val="40000"/>
+      </a:schemeClr>
+    </dgm:linClrLst>
+    <dgm:effectClrLst/>
+    <dgm:txLinClrLst/>
+    <dgm:txFillClrLst meth="repeat">
+      <a:schemeClr val="dk1"/>
+    </dgm:txFillClrLst>
+    <dgm:txEffectClrLst/>
+  </dgm:styleLbl>
+  <dgm:styleLbl name="bgAccFollowNode1">
+    <dgm:fillClrLst meth="repeat">
+      <a:schemeClr val="accent3">
+        <a:alpha val="90000"/>
+        <a:tint val="40000"/>
+      </a:schemeClr>
+    </dgm:fillClrLst>
+    <dgm:linClrLst meth="repeat">
+      <a:schemeClr val="accent3">
+        <a:alpha val="90000"/>
+        <a:tint val="40000"/>
+      </a:schemeClr>
+    </dgm:linClrLst>
+    <dgm:effectClrLst/>
+    <dgm:txLinClrLst/>
+    <dgm:txFillClrLst meth="repeat">
+      <a:schemeClr val="dk1"/>
+    </dgm:txFillClrLst>
+    <dgm:txEffectClrLst/>
+  </dgm:styleLbl>
+  <dgm:styleLbl name="fgAcc0">
+    <dgm:fillClrLst meth="repeat">
+      <a:schemeClr val="lt1">
+        <a:alpha val="90000"/>
+      </a:schemeClr>
+    </dgm:fillClrLst>
+    <dgm:linClrLst meth="repeat">
+      <a:schemeClr val="accent3"/>
+    </dgm:linClrLst>
+    <dgm:effectClrLst/>
+    <dgm:txLinClrLst/>
+    <dgm:txFillClrLst meth="repeat">
+      <a:schemeClr val="dk1"/>
+    </dgm:txFillClrLst>
+    <dgm:txEffectClrLst/>
+  </dgm:styleLbl>
+  <dgm:styleLbl name="fgAcc2">
+    <dgm:fillClrLst meth="repeat">
+      <a:schemeClr val="lt1">
+        <a:alpha val="90000"/>
+      </a:schemeClr>
+    </dgm:fillClrLst>
+    <dgm:linClrLst meth="repeat">
+      <a:schemeClr val="accent3"/>
+    </dgm:linClrLst>
+    <dgm:effectClrLst/>
+    <dgm:txLinClrLst/>
+    <dgm:txFillClrLst meth="repeat">
+      <a:schemeClr val="dk1"/>
+    </dgm:txFillClrLst>
+    <dgm:txEffectClrLst/>
+  </dgm:styleLbl>
+  <dgm:styleLbl name="fgAcc3">
+    <dgm:fillClrLst meth="repeat">
+      <a:schemeClr val="lt1">
+        <a:alpha val="90000"/>
+      </a:schemeClr>
+    </dgm:fillClrLst>
+    <dgm:linClrLst meth="repeat">
+      <a:schemeClr val="accent3"/>
+    </dgm:linClrLst>
+    <dgm:effectClrLst/>
+    <dgm:txLinClrLst/>
+    <dgm:txFillClrLst meth="repeat">
+      <a:schemeClr val="dk1"/>
+    </dgm:txFillClrLst>
+    <dgm:txEffectClrLst/>
+  </dgm:styleLbl>
+  <dgm:styleLbl name="fgAcc4">
+    <dgm:fillClrLst meth="repeat">
+      <a:schemeClr val="lt1">
+        <a:alpha val="90000"/>
+      </a:schemeClr>
+    </dgm:fillClrLst>
+    <dgm:linClrLst meth="repeat">
+      <a:schemeClr val="accent3"/>
+    </dgm:linClrLst>
+    <dgm:effectClrLst/>
+    <dgm:txLinClrLst/>
+    <dgm:txFillClrLst meth="repeat">
+      <a:schemeClr val="dk1"/>
+    </dgm:txFillClrLst>
+    <dgm:txEffectClrLst/>
+  </dgm:styleLbl>
+  <dgm:styleLbl name="bgShp">
+    <dgm:fillClrLst meth="repeat">
+      <a:schemeClr val="accent3">
+        <a:tint val="40000"/>
+      </a:schemeClr>
+    </dgm:fillClrLst>
+    <dgm:linClrLst meth="repeat">
+      <a:schemeClr val="accent3"/>
+    </dgm:linClrLst>
+    <dgm:effectClrLst/>
+    <dgm:txLinClrLst/>
+    <dgm:txFillClrLst meth="repeat">
+      <a:schemeClr val="dk1"/>
+    </dgm:txFillClrLst>
+    <dgm:txEffectClrLst/>
+  </dgm:styleLbl>
+  <dgm:styleLbl name="dkBgShp">
+    <dgm:fillClrLst meth="repeat">
+      <a:schemeClr val="accent3">
+        <a:shade val="80000"/>
+      </a:schemeClr>
+    </dgm:fillClrLst>
+    <dgm:linClrLst meth="repeat">
+      <a:schemeClr val="accent3"/>
+    </dgm:linClrLst>
+    <dgm:effectClrLst/>
+    <dgm:txLinClrLst/>
+    <dgm:txFillClrLst meth="repeat">
+      <a:schemeClr val="lt1"/>
+    </dgm:txFillClrLst>
+    <dgm:txEffectClrLst/>
+  </dgm:styleLbl>
+  <dgm:styleLbl name="trBgShp">
+    <dgm:fillClrLst meth="repeat">
+      <a:schemeClr val="accent3">
+        <a:tint val="50000"/>
+        <a:alpha val="40000"/>
+      </a:schemeClr>
+    </dgm:fillClrLst>
+    <dgm:linClrLst meth="repeat">
+      <a:schemeClr val="accent3"/>
+    </dgm:linClrLst>
+    <dgm:effectClrLst/>
+    <dgm:txLinClrLst/>
+    <dgm:txFillClrLst meth="repeat">
+      <a:schemeClr val="lt1"/>
+    </dgm:txFillClrLst>
+    <dgm:txEffectClrLst/>
+  </dgm:styleLbl>
+  <dgm:styleLbl name="fgShp">
+    <dgm:fillClrLst meth="repeat">
+      <a:schemeClr val="accent3">
+        <a:tint val="60000"/>
+      </a:schemeClr>
+    </dgm:fillClrLst>
+    <dgm:linClrLst meth="repeat">
+      <a:schemeClr val="lt1"/>
+    </dgm:linClrLst>
+    <dgm:effectClrLst/>
+    <dgm:txLinClrLst/>
+    <dgm:txFillClrLst meth="repeat">
+      <a:schemeClr val="dk1"/>
+    </dgm:txFillClrLst>
+    <dgm:txEffectClrLst/>
+  </dgm:styleLbl>
+  <dgm:styleLbl name="revTx">
+    <dgm:fillClrLst meth="repeat">
+      <a:schemeClr val="lt1">
+        <a:alpha val="0"/>
+      </a:schemeClr>
+    </dgm:fillClrLst>
+    <dgm:linClrLst meth="repeat">
+      <a:schemeClr val="dk1">
+        <a:alpha val="0"/>
+      </a:schemeClr>
+    </dgm:linClrLst>
+    <dgm:effectClrLst/>
+    <dgm:txLinClrLst/>
+    <dgm:txFillClrLst meth="repeat">
+      <a:schemeClr val="tx1"/>
+    </dgm:txFillClrLst>
+    <dgm:txEffectClrLst/>
+  </dgm:styleLbl>
+</dgm:colorsDef>
+</file>
+
+<file path=ppt/diagrams/colors2.xml><?xml version="1.0" encoding="utf-8"?>
+<dgm:colorsDef xmlns:dgm="http://schemas.openxmlformats.org/drawingml/2006/diagram" xmlns:a="http://schemas.openxmlformats.org/drawingml/2006/main" uniqueId="urn:microsoft.com/office/officeart/2005/8/colors/colorful1">
+  <dgm:title val=""/>
+  <dgm:desc val=""/>
+  <dgm:catLst>
+    <dgm:cat type="colorful" pri="10100"/>
+  </dgm:catLst>
+  <dgm:styleLbl name="node0">
+    <dgm:fillClrLst meth="repeat">
+      <a:schemeClr val="accent1"/>
+    </dgm:fillClrLst>
+    <dgm:linClrLst meth="repeat">
+      <a:schemeClr val="lt1"/>
+    </dgm:linClrLst>
+    <dgm:effectClrLst/>
+    <dgm:txLinClrLst/>
+    <dgm:txFillClrLst/>
+    <dgm:txEffectClrLst/>
+  </dgm:styleLbl>
+  <dgm:styleLbl name="node1">
+    <dgm:fillClrLst meth="repeat">
+      <a:schemeClr val="accent2"/>
+      <a:schemeClr val="accent3"/>
+      <a:schemeClr val="accent4"/>
+      <a:schemeClr val="accent5"/>
+      <a:schemeClr val="accent6"/>
+    </dgm:fillClrLst>
+    <dgm:linClrLst meth="repeat">
+      <a:schemeClr val="lt1"/>
+    </dgm:linClrLst>
+    <dgm:effectClrLst/>
+    <dgm:txLinClrLst/>
+    <dgm:txFillClrLst/>
+    <dgm:txEffectClrLst/>
+  </dgm:styleLbl>
+  <dgm:styleLbl name="alignNode1">
+    <dgm:fillClrLst meth="repeat">
+      <a:schemeClr val="accent2"/>
+      <a:schemeClr val="accent3"/>
+      <a:schemeClr val="accent4"/>
+      <a:schemeClr val="accent5"/>
+      <a:schemeClr val="accent6"/>
+    </dgm:fillClrLst>
+    <dgm:linClrLst meth="repeat">
+      <a:schemeClr val="accent2"/>
+      <a:schemeClr val="accent3"/>
+      <a:schemeClr val="accent4"/>
+      <a:schemeClr val="accent5"/>
+      <a:schemeClr val="accent6"/>
+    </dgm:linClrLst>
+    <dgm:effectClrLst/>
+    <dgm:txLinClrLst/>
+    <dgm:txFillClrLst/>
+    <dgm:txEffectClrLst/>
+  </dgm:styleLbl>
+  <dgm:styleLbl name="lnNode1">
+    <dgm:fillClrLst meth="repeat">
+      <a:schemeClr val="accent2"/>
+      <a:schemeClr val="accent3"/>
+      <a:schemeClr val="accent4"/>
+      <a:schemeClr val="accent5"/>
+      <a:schemeClr val="accent6"/>
+    </dgm:fillClrLst>
+    <dgm:linClrLst meth="repeat">
+      <a:schemeClr val="lt1"/>
+    </dgm:linClrLst>
+    <dgm:effectClrLst/>
+    <dgm:txLinClrLst/>
+    <dgm:txFillClrLst/>
+    <dgm:txEffectClrLst/>
+  </dgm:styleLbl>
+  <dgm:styleLbl name="vennNode1">
+    <dgm:fillClrLst meth="repeat">
+      <a:schemeClr val="accent2">
+        <a:alpha val="50000"/>
+      </a:schemeClr>
+      <a:schemeClr val="accent3">
+        <a:alpha val="50000"/>
+      </a:schemeClr>
+      <a:schemeClr val="accent4">
+        <a:alpha val="50000"/>
+      </a:schemeClr>
+      <a:schemeClr val="accent5">
+        <a:alpha val="50000"/>
+      </a:schemeClr>
+      <a:schemeClr val="accent6">
+        <a:alpha val="50000"/>
+      </a:schemeClr>
+    </dgm:fillClrLst>
+    <dgm:linClrLst meth="repeat">
+      <a:schemeClr val="lt1"/>
+    </dgm:linClrLst>
+    <dgm:effectClrLst/>
+    <dgm:txLinClrLst/>
+    <dgm:txFillClrLst/>
+    <dgm:txEffectClrLst/>
+  </dgm:styleLbl>
+  <dgm:styleLbl name="node2">
+    <dgm:fillClrLst>
+      <a:schemeClr val="accent2"/>
+    </dgm:fillClrLst>
+    <dgm:linClrLst meth="repeat">
+      <a:schemeClr val="lt1"/>
+    </dgm:linClrLst>
+    <dgm:effectClrLst/>
+    <dgm:txLinClrLst/>
+    <dgm:txFillClrLst/>
+    <dgm:txEffectClrLst/>
+  </dgm:styleLbl>
+  <dgm:styleLbl name="node3">
+    <dgm:fillClrLst>
+      <a:schemeClr val="accent3"/>
+    </dgm:fillClrLst>
+    <dgm:linClrLst meth="repeat">
+      <a:schemeClr val="lt1"/>
+    </dgm:linClrLst>
+    <dgm:effectClrLst/>
+    <dgm:txLinClrLst/>
+    <dgm:txFillClrLst/>
+    <dgm:txEffectClrLst/>
+  </dgm:styleLbl>
+  <dgm:styleLbl name="node4">
+    <dgm:fillClrLst>
+      <a:schemeClr val="accent4"/>
+    </dgm:fillClrLst>
+    <dgm:linClrLst meth="repeat">
+      <a:schemeClr val="lt1"/>
+    </dgm:linClrLst>
+    <dgm:effectClrLst/>
+    <dgm:txLinClrLst/>
+    <dgm:txFillClrLst/>
+    <dgm:txEffectClrLst/>
+  </dgm:styleLbl>
+  <dgm:styleLbl name="fgImgPlace1">
+    <dgm:fillClrLst meth="repeat">
+      <a:schemeClr val="accent2">
+        <a:tint val="50000"/>
+      </a:schemeClr>
+      <a:schemeClr val="accent3">
+        <a:tint val="50000"/>
+      </a:schemeClr>
+      <a:schemeClr val="accent4">
+        <a:tint val="50000"/>
+      </a:schemeClr>
+      <a:schemeClr val="accent5">
+        <a:tint val="50000"/>
+      </a:schemeClr>
+      <a:schemeClr val="accent6">
+        <a:tint val="50000"/>
+      </a:schemeClr>
+    </dgm:fillClrLst>
+    <dgm:linClrLst meth="repeat">
+      <a:schemeClr val="lt1"/>
+    </dgm:linClrLst>
+    <dgm:effectClrLst/>
+    <dgm:txLinClrLst/>
+    <dgm:txFillClrLst meth="repeat">
+      <a:schemeClr val="lt1"/>
+    </dgm:txFillClrLst>
+    <dgm:txEffectClrLst/>
+  </dgm:styleLbl>
+  <dgm:styleLbl name="alignImgPlace1">
+    <dgm:fillClrLst>
+      <a:schemeClr val="accent1">
+        <a:tint val="50000"/>
+      </a:schemeClr>
+      <a:schemeClr val="accent2">
+        <a:tint val="20000"/>
+      </a:schemeClr>
+    </dgm:fillClrLst>
+    <dgm:linClrLst meth="repeat">
+      <a:schemeClr val="lt1"/>
+    </dgm:linClrLst>
+    <dgm:effectClrLst/>
+    <dgm:txLinClrLst/>
+    <dgm:txFillClrLst meth="repeat">
+      <a:schemeClr val="lt1"/>
+    </dgm:txFillClrLst>
+    <dgm:txEffectClrLst/>
+  </dgm:styleLbl>
+  <dgm:styleLbl name="bgImgPlace1">
+    <dgm:fillClrLst>
+      <a:schemeClr val="accent1">
+        <a:tint val="50000"/>
+      </a:schemeClr>
+      <a:schemeClr val="accent2">
+        <a:tint val="20000"/>
+      </a:schemeClr>
+    </dgm:fillClrLst>
+    <dgm:linClrLst meth="repeat">
+      <a:schemeClr val="lt1"/>
+    </dgm:linClrLst>
+    <dgm:effectClrLst/>
+    <dgm:txLinClrLst/>
+    <dgm:txFillClrLst meth="repeat">
+      <a:schemeClr val="lt1"/>
+    </dgm:txFillClrLst>
+    <dgm:txEffectClrLst/>
+  </dgm:styleLbl>
+  <dgm:styleLbl name="sibTrans2D1">
+    <dgm:fillClrLst meth="repeat">
+      <a:schemeClr val="accent2"/>
+      <a:schemeClr val="accent3"/>
+      <a:schemeClr val="accent4"/>
+      <a:schemeClr val="accent5"/>
+      <a:schemeClr val="accent6"/>
+    </dgm:fillClrLst>
+    <dgm:linClrLst meth="cycle">
+      <a:schemeClr val="lt1"/>
+    </dgm:linClrLst>
+    <dgm:effectClrLst/>
+    <dgm:txLinClrLst/>
+    <dgm:txFillClrLst/>
+    <dgm:txEffectClrLst/>
+  </dgm:styleLbl>
+  <dgm:styleLbl name="fgSibTrans2D1">
+    <dgm:fillClrLst meth="repeat">
+      <a:schemeClr val="accent2"/>
+      <a:schemeClr val="accent3"/>
+      <a:schemeClr val="accent4"/>
+      <a:schemeClr val="accent5"/>
+      <a:schemeClr val="accent6"/>
+    </dgm:fillClrLst>
+    <dgm:linClrLst meth="cycle">
+      <a:schemeClr val="lt1"/>
+    </dgm:linClrLst>
+    <dgm:effectClrLst/>
+    <dgm:txLinClrLst/>
+    <dgm:txFillClrLst meth="repeat">
+      <a:schemeClr val="lt1"/>
+    </dgm:txFillClrLst>
+    <dgm:txEffectClrLst/>
+  </dgm:styleLbl>
+  <dgm:styleLbl name="bgSibTrans2D1">
+    <dgm:fillClrLst meth="repeat">
+      <a:schemeClr val="accent2"/>
+      <a:schemeClr val="accent3"/>
+      <a:schemeClr val="accent4"/>
+      <a:schemeClr val="accent5"/>
+      <a:schemeClr val="accent6"/>
+    </dgm:fillClrLst>
+    <dgm:linClrLst meth="cycle">
+      <a:schemeClr val="lt1"/>
+    </dgm:linClrLst>
+    <dgm:effectClrLst/>
+    <dgm:txLinClrLst/>
+    <dgm:txFillClrLst meth="repeat">
+      <a:schemeClr val="lt1"/>
+    </dgm:txFillClrLst>
+    <dgm:txEffectClrLst/>
+  </dgm:styleLbl>
+  <dgm:styleLbl name="sibTrans1D1">
+    <dgm:fillClrLst meth="repeat">
+      <a:schemeClr val="accent2"/>
+      <a:schemeClr val="accent3"/>
+      <a:schemeClr val="accent4"/>
+      <a:schemeClr val="accent5"/>
+      <a:schemeClr val="accent6"/>
+    </dgm:fillClrLst>
+    <dgm:linClrLst meth="repeat">
+      <a:schemeClr val="accent2"/>
+      <a:schemeClr val="accent3"/>
+      <a:schemeClr val="accent4"/>
+      <a:schemeClr val="accent5"/>
+      <a:schemeClr val="accent6"/>
+    </dgm:linClrLst>
+    <dgm:effectClrLst/>
+    <dgm:txLinClrLst/>
+    <dgm:txFillClrLst meth="repeat">
+      <a:schemeClr val="tx1"/>
+    </dgm:txFillClrLst>
+    <dgm:txEffectClrLst/>
+  </dgm:styleLbl>
+  <dgm:styleLbl name="callout">
+    <dgm:fillClrLst meth="repeat">
+      <a:schemeClr val="accent2"/>
+    </dgm:fillClrLst>
+    <dgm:linClrLst meth="repeat">
+      <a:schemeClr val="accent2">
+        <a:tint val="50000"/>
+      </a:schemeClr>
+    </dgm:linClrLst>
+    <dgm:effectClrLst/>
+    <dgm:txLinClrLst/>
+    <dgm:txFillClrLst meth="repeat">
+      <a:schemeClr val="tx1"/>
+    </dgm:txFillClrLst>
+    <dgm:txEffectClrLst/>
+  </dgm:styleLbl>
+  <dgm:styleLbl name="asst0">
+    <dgm:fillClrLst meth="repeat">
+      <a:schemeClr val="accent1"/>
+    </dgm:fillClrLst>
+    <dgm:linClrLst meth="repeat">
+      <a:schemeClr val="lt1"/>
+    </dgm:linClrLst>
+    <dgm:effectClrLst/>
+    <dgm:txLinClrLst/>
+    <dgm:txFillClrLst/>
+    <dgm:txEffectClrLst/>
+  </dgm:styleLbl>
+  <dgm:styleLbl name="asst1">
+    <dgm:fillClrLst meth="repeat">
+      <a:schemeClr val="accent2"/>
+    </dgm:fillClrLst>
+    <dgm:linClrLst meth="repeat">
+      <a:schemeClr val="lt1"/>
+    </dgm:linClrLst>
+    <dgm:effectClrLst/>
+    <dgm:txLinClrLst/>
+    <dgm:txFillClrLst/>
+    <dgm:txEffectClrLst/>
+  </dgm:styleLbl>
+  <dgm:styleLbl name="asst2">
+    <dgm:fillClrLst>
+      <a:schemeClr val="accent3"/>
+    </dgm:fillClrLst>
+    <dgm:linClrLst meth="repeat">
+      <a:schemeClr val="lt1"/>
+    </dgm:linClrLst>
+    <dgm:effectClrLst/>
+    <dgm:txLinClrLst/>
+    <dgm:txFillClrLst/>
+    <dgm:txEffectClrLst/>
+  </dgm:styleLbl>
+  <dgm:styleLbl name="asst3">
+    <dgm:fillClrLst>
+      <a:schemeClr val="accent4"/>
+    </dgm:fillClrLst>
+    <dgm:linClrLst meth="repeat">
+      <a:schemeClr val="lt1"/>
+    </dgm:linClrLst>
+    <dgm:effectClrLst/>
+    <dgm:txLinClrLst/>
+    <dgm:txFillClrLst/>
+    <dgm:txEffectClrLst/>
+  </dgm:styleLbl>
+  <dgm:styleLbl name="asst4">
+    <dgm:fillClrLst>
+      <a:schemeClr val="accent5"/>
+    </dgm:fillClrLst>
+    <dgm:linClrLst meth="repeat">
+      <a:schemeClr val="lt1"/>
+    </dgm:linClrLst>
+    <dgm:effectClrLst/>
+    <dgm:txLinClrLst/>
+    <dgm:txFillClrLst/>
+    <dgm:txEffectClrLst/>
+  </dgm:styleLbl>
+  <dgm:styleLbl name="parChTrans2D1">
+    <dgm:fillClrLst meth="repeat">
+      <a:schemeClr val="accent2"/>
+    </dgm:fillClrLst>
+    <dgm:linClrLst meth="repeat">
+      <a:schemeClr val="lt1"/>
+    </dgm:linClrLst>
+    <dgm:effectClrLst/>
+    <dgm:txLinClrLst/>
+    <dgm:txFillClrLst meth="repeat">
+      <a:schemeClr val="lt1"/>
+    </dgm:txFillClrLst>
+    <dgm:txEffectClrLst/>
+  </dgm:styleLbl>
+  <dgm:styleLbl name="parChTrans2D2">
+    <dgm:fillClrLst meth="repeat">
+      <a:schemeClr val="accent3"/>
+    </dgm:fillClrLst>
+    <dgm:linClrLst meth="repeat">
+      <a:schemeClr val="lt1"/>
+    </dgm:linClrLst>
+    <dgm:effectClrLst/>
+    <dgm:txLinClrLst/>
+    <dgm:txFillClrLst/>
+    <dgm:txEffectClrLst/>
+  </dgm:styleLbl>
+  <dgm:styleLbl name="parChTrans2D3">
+    <dgm:fillClrLst meth="repeat">
+      <a:schemeClr val="accent4"/>
+    </dgm:fillClrLst>
+    <dgm:linClrLst meth="repeat">
+      <a:schemeClr val="lt1"/>
+    </dgm:linClrLst>
+    <dgm:effectClrLst/>
+    <dgm:txLinClrLst/>
+    <dgm:txFillClrLst/>
+    <dgm:txEffectClrLst/>
+  </dgm:styleLbl>
+  <dgm:styleLbl name="parChTrans2D4">
+    <dgm:fillClrLst meth="repeat">
+      <a:schemeClr val="accent5"/>
+    </dgm:fillClrLst>
+    <dgm:linClrLst meth="repeat">
+      <a:schemeClr val="lt1"/>
+    </dgm:linClrLst>
+    <dgm:effectClrLst/>
+    <dgm:txLinClrLst/>
+    <dgm:txFillClrLst meth="repeat">
+      <a:schemeClr val="lt1"/>
+    </dgm:txFillClrLst>
+    <dgm:txEffectClrLst/>
+  </dgm:styleLbl>
+  <dgm:styleLbl name="parChTrans1D1">
+    <dgm:fillClrLst meth="repeat">
+      <a:schemeClr val="accent2"/>
+    </dgm:fillClrLst>
+    <dgm:linClrLst meth="repeat">
+      <a:schemeClr val="accent1"/>
+    </dgm:linClrLst>
+    <dgm:effectClrLst/>
+    <dgm:txLinClrLst/>
+    <dgm:txFillClrLst meth="repeat">
+      <a:schemeClr val="tx1"/>
+    </dgm:txFillClrLst>
+    <dgm:txEffectClrLst/>
+  </dgm:styleLbl>
+  <dgm:styleLbl name="parChTrans1D2">
+    <dgm:fillClrLst meth="repeat">
+      <a:schemeClr val="accent3">
+        <a:tint val="90000"/>
+      </a:schemeClr>
+    </dgm:fillClrLst>
+    <dgm:linClrLst meth="repeat">
+      <a:schemeClr val="accent2"/>
+    </dgm:linClrLst>
+    <dgm:effectClrLst/>
+    <dgm:txLinClrLst/>
+    <dgm:txFillClrLst meth="repeat">
+      <a:schemeClr val="tx1"/>
+    </dgm:txFillClrLst>
+    <dgm:txEffectClrLst/>
+  </dgm:styleLbl>
+  <dgm:styleLbl name="parChTrans1D3">
+    <dgm:fillClrLst meth="repeat">
+      <a:schemeClr val="accent4">
+        <a:tint val="70000"/>
+      </a:schemeClr>
+    </dgm:fillClrLst>
+    <dgm:linClrLst meth="repeat">
+      <a:schemeClr val="accent3"/>
+    </dgm:linClrLst>
+    <dgm:effectClrLst/>
+    <dgm:txLinClrLst/>
+    <dgm:txFillClrLst meth="repeat">
+      <a:schemeClr val="tx1"/>
+    </dgm:txFillClrLst>
+    <dgm:txEffectClrLst/>
+  </dgm:styleLbl>
+  <dgm:styleLbl name="parChTrans1D4">
+    <dgm:fillClrLst meth="repeat">
+      <a:schemeClr val="accent5">
+        <a:tint val="50000"/>
+      </a:schemeClr>
+    </dgm:fillClrLst>
+    <dgm:linClrLst meth="repeat">
+      <a:schemeClr val="accent4"/>
+    </dgm:linClrLst>
+    <dgm:effectClrLst/>
+    <dgm:txLinClrLst/>
+    <dgm:txFillClrLst meth="repeat">
+      <a:schemeClr val="tx1"/>
+    </dgm:txFillClrLst>
+    <dgm:txEffectClrLst/>
+  </dgm:styleLbl>
+  <dgm:styleLbl name="fgAcc1">
+    <dgm:fillClrLst meth="repeat">
+      <a:schemeClr val="lt1">
+        <a:alpha val="90000"/>
+      </a:schemeClr>
+    </dgm:fillClrLst>
+    <dgm:linClrLst meth="repeat">
+      <a:schemeClr val="accent2"/>
+      <a:schemeClr val="accent3"/>
+      <a:schemeClr val="accent4"/>
+      <a:schemeClr val="accent5"/>
+      <a:schemeClr val="accent6"/>
+    </dgm:linClrLst>
+    <dgm:effectClrLst/>
+    <dgm:txLinClrLst/>
+    <dgm:txFillClrLst meth="repeat">
+      <a:schemeClr val="dk1"/>
+    </dgm:txFillClrLst>
+    <dgm:txEffectClrLst/>
+  </dgm:styleLbl>
+  <dgm:styleLbl name="conFgAcc1">
+    <dgm:fillClrLst meth="repeat">
+      <a:schemeClr val="lt1">
+        <a:alpha val="90000"/>
+      </a:schemeClr>
+    </dgm:fillClrLst>
+    <dgm:linClrLst meth="repeat">
+      <a:schemeClr val="accent2"/>
+      <a:schemeClr val="accent3"/>
+      <a:schemeClr val="accent4"/>
+      <a:schemeClr val="accent5"/>
+      <a:schemeClr val="accent6"/>
+    </dgm:linClrLst>
+    <dgm:effectClrLst/>
+    <dgm:txLinClrLst/>
+    <dgm:txFillClrLst meth="repeat">
+      <a:schemeClr val="dk1"/>
+    </dgm:txFillClrLst>
+    <dgm:txEffectClrLst/>
+  </dgm:styleLbl>
+  <dgm:styleLbl name="alignAcc1">
+    <dgm:fillClrLst meth="repeat">
+      <a:schemeClr val="lt1">
+        <a:alpha val="90000"/>
+      </a:schemeClr>
+    </dgm:fillClrLst>
+    <dgm:linClrLst meth="repeat">
+      <a:schemeClr val="accent2"/>
+      <a:schemeClr val="accent3"/>
+      <a:schemeClr val="accent4"/>
+      <a:schemeClr val="accent5"/>
+      <a:schemeClr val="accent6"/>
+    </dgm:linClrLst>
+    <dgm:effectClrLst/>
+    <dgm:txLinClrLst/>
+    <dgm:txFillClrLst meth="repeat">
+      <a:schemeClr val="dk1"/>
+    </dgm:txFillClrLst>
+    <dgm:txEffectClrLst/>
+  </dgm:styleLbl>
+  <dgm:styleLbl name="trAlignAcc1">
+    <dgm:fillClrLst meth="repeat">
+      <a:schemeClr val="lt1">
+        <a:alpha val="40000"/>
+      </a:schemeClr>
+    </dgm:fillClrLst>
+    <dgm:linClrLst meth="repeat">
+      <a:schemeClr val="accent1"/>
+    </dgm:linClrLst>
+    <dgm:effectClrLst/>
+    <dgm:txLinClrLst/>
+    <dgm:txFillClrLst meth="repeat">
+      <a:schemeClr val="dk1"/>
+    </dgm:txFillClrLst>
+    <dgm:txEffectClrLst/>
+  </dgm:styleLbl>
+  <dgm:styleLbl name="bgAcc1">
+    <dgm:fillClrLst meth="repeat">
+      <a:schemeClr val="lt1">
+        <a:alpha val="90000"/>
+      </a:schemeClr>
+    </dgm:fillClrLst>
+    <dgm:linClrLst meth="repeat">
+      <a:schemeClr val="accent2"/>
+      <a:schemeClr val="accent3"/>
+      <a:schemeClr val="accent4"/>
+      <a:schemeClr val="accent5"/>
+      <a:schemeClr val="accent6"/>
+    </dgm:linClrLst>
+    <dgm:effectClrLst/>
+    <dgm:txLinClrLst/>
+    <dgm:txFillClrLst meth="repeat">
+      <a:schemeClr val="dk1"/>
+    </dgm:txFillClrLst>
+    <dgm:txEffectClrLst/>
+  </dgm:styleLbl>
+  <dgm:styleLbl name="solidFgAcc1">
+    <dgm:fillClrLst meth="repeat">
+      <a:schemeClr val="lt1"/>
+    </dgm:fillClrLst>
+    <dgm:linClrLst meth="repeat">
+      <a:schemeClr val="accent2"/>
+      <a:schemeClr val="accent3"/>
+      <a:schemeClr val="accent4"/>
+      <a:schemeClr val="accent5"/>
+      <a:schemeClr val="accent6"/>
+    </dgm:linClrLst>
+    <dgm:effectClrLst/>
+    <dgm:txLinClrLst/>
+    <dgm:txFillClrLst meth="repeat">
+      <a:schemeClr val="dk1"/>
+    </dgm:txFillClrLst>
+    <dgm:txEffectClrLst/>
+  </dgm:styleLbl>
+  <dgm:styleLbl name="solidAlignAcc1">
+    <dgm:fillClrLst meth="repeat">
+      <a:schemeClr val="lt1"/>
+    </dgm:fillClrLst>
+    <dgm:linClrLst meth="repeat">
+      <a:schemeClr val="accent2"/>
+      <a:schemeClr val="accent3"/>
+      <a:schemeClr val="accent4"/>
+      <a:schemeClr val="accent5"/>
+      <a:schemeClr val="accent6"/>
+    </dgm:linClrLst>
+    <dgm:effectClrLst/>
+    <dgm:txLinClrLst/>
+    <dgm:txFillClrLst meth="repeat">
+      <a:schemeClr val="dk1"/>
+    </dgm:txFillClrLst>
+    <dgm:txEffectClrLst/>
+  </dgm:styleLbl>
+  <dgm:styleLbl name="solidBgAcc1">
+    <dgm:fillClrLst meth="repeat">
+      <a:schemeClr val="lt1"/>
+    </dgm:fillClrLst>
+    <dgm:linClrLst meth="repeat">
+      <a:schemeClr val="accent2"/>
+      <a:schemeClr val="accent3"/>
+      <a:schemeClr val="accent4"/>
+      <a:schemeClr val="accent5"/>
+      <a:schemeClr val="accent6"/>
+    </dgm:linClrLst>
+    <dgm:effectClrLst/>
+    <dgm:txLinClrLst/>
+    <dgm:txFillClrLst meth="repeat">
+      <a:schemeClr val="dk1"/>
+    </dgm:txFillClrLst>
+    <dgm:txEffectClrLst/>
+  </dgm:styleLbl>
+  <dgm:styleLbl name="fgAccFollowNode1">
+    <dgm:fillClrLst meth="repeat">
+      <a:schemeClr val="accent2">
+        <a:tint val="40000"/>
+        <a:alpha val="90000"/>
+      </a:schemeClr>
+      <a:schemeClr val="accent3">
+        <a:tint val="40000"/>
+        <a:alpha val="90000"/>
+      </a:schemeClr>
+      <a:schemeClr val="accent4">
+        <a:tint val="40000"/>
+        <a:alpha val="90000"/>
+      </a:schemeClr>
+      <a:schemeClr val="accent5">
+        <a:tint val="40000"/>
+        <a:alpha val="90000"/>
+      </a:schemeClr>
+      <a:schemeClr val="accent6">
+        <a:tint val="40000"/>
+        <a:alpha val="90000"/>
+      </a:schemeClr>
+    </dgm:fillClrLst>
+    <dgm:linClrLst meth="repeat">
+      <a:schemeClr val="accent2">
+        <a:tint val="40000"/>
+        <a:alpha val="90000"/>
+      </a:schemeClr>
+      <a:schemeClr val="accent3">
+        <a:tint val="40000"/>
+        <a:alpha val="90000"/>
+      </a:schemeClr>
+      <a:schemeClr val="accent4">
+        <a:tint val="40000"/>
+        <a:alpha val="90000"/>
+      </a:schemeClr>
+      <a:schemeClr val="accent5">
+        <a:tint val="40000"/>
+        <a:alpha val="90000"/>
+      </a:schemeClr>
+      <a:schemeClr val="accent6">
+        <a:tint val="40000"/>
+        <a:alpha val="90000"/>
+      </a:schemeClr>
+    </dgm:linClrLst>
+    <dgm:effectClrLst/>
+    <dgm:txLinClrLst/>
+    <dgm:txFillClrLst meth="repeat">
+      <a:schemeClr val="dk1"/>
+    </dgm:txFillClrLst>
+    <dgm:txEffectClrLst/>
+  </dgm:styleLbl>
+  <dgm:styleLbl name="alignAccFollowNode1">
+    <dgm:fillClrLst meth="repeat">
+      <a:schemeClr val="accent2">
+        <a:tint val="40000"/>
+        <a:alpha val="90000"/>
+      </a:schemeClr>
+      <a:schemeClr val="accent3">
+        <a:tint val="40000"/>
+        <a:alpha val="90000"/>
+      </a:schemeClr>
+      <a:schemeClr val="accent4">
+        <a:tint val="40000"/>
+        <a:alpha val="90000"/>
+      </a:schemeClr>
+      <a:schemeClr val="accent5">
+        <a:tint val="40000"/>
+        <a:alpha val="90000"/>
+      </a:schemeClr>
+      <a:schemeClr val="accent6">
+        <a:tint val="40000"/>
+        <a:alpha val="90000"/>
+      </a:schemeClr>
+    </dgm:fillClrLst>
+    <dgm:linClrLst meth="repeat">
+      <a:schemeClr val="accent2">
+        <a:tint val="40000"/>
+        <a:alpha val="90000"/>
+      </a:schemeClr>
+      <a:schemeClr val="accent3">
+        <a:tint val="40000"/>
+        <a:alpha val="90000"/>
+      </a:schemeClr>
+      <a:schemeClr val="accent4">
+        <a:tint val="40000"/>
+        <a:alpha val="90000"/>
+      </a:schemeClr>
+      <a:schemeClr val="accent5">
+        <a:tint val="40000"/>
+        <a:alpha val="90000"/>
+      </a:schemeClr>
+      <a:schemeClr val="accent6">
+        <a:tint val="40000"/>
+        <a:alpha val="90000"/>
+      </a:schemeClr>
+    </dgm:linClrLst>
+    <dgm:effectClrLst/>
+    <dgm:txLinClrLst/>
+    <dgm:txFillClrLst meth="repeat">
+      <a:schemeClr val="dk1"/>
+    </dgm:txFillClrLst>
+    <dgm:txEffectClrLst/>
+  </dgm:styleLbl>
+  <dgm:styleLbl name="bgAccFollowNode1">
+    <dgm:fillClrLst meth="repeat">
+      <a:schemeClr val="accent2">
+        <a:tint val="40000"/>
+        <a:alpha val="90000"/>
+      </a:schemeClr>
+      <a:schemeClr val="accent3">
+        <a:tint val="40000"/>
+        <a:alpha val="90000"/>
+      </a:schemeClr>
+      <a:schemeClr val="accent4">
+        <a:tint val="40000"/>
+        <a:alpha val="90000"/>
+      </a:schemeClr>
+      <a:schemeClr val="accent5">
+        <a:tint val="40000"/>
+        <a:alpha val="90000"/>
+      </a:schemeClr>
+      <a:schemeClr val="accent6">
+        <a:tint val="40000"/>
+        <a:alpha val="90000"/>
+      </a:schemeClr>
+    </dgm:fillClrLst>
+    <dgm:linClrLst meth="repeat">
+      <a:schemeClr val="accent2">
+        <a:tint val="40000"/>
+        <a:alpha val="90000"/>
+      </a:schemeClr>
+      <a:schemeClr val="accent3">
+        <a:tint val="40000"/>
+        <a:alpha val="90000"/>
+      </a:schemeClr>
+      <a:schemeClr val="accent4">
+        <a:tint val="40000"/>
+        <a:alpha val="90000"/>
+      </a:schemeClr>
+      <a:schemeClr val="accent5">
+        <a:tint val="40000"/>
+        <a:alpha val="90000"/>
+      </a:schemeClr>
+      <a:schemeClr val="accent6">
+        <a:tint val="40000"/>
+        <a:alpha val="90000"/>
+      </a:schemeClr>
+    </dgm:linClrLst>
+    <dgm:effectClrLst/>
+    <dgm:txLinClrLst/>
+    <dgm:txFillClrLst meth="repeat">
+      <a:schemeClr val="dk1"/>
+    </dgm:txFillClrLst>
+    <dgm:txEffectClrLst/>
+  </dgm:styleLbl>
+  <dgm:styleLbl name="fgAcc0">
+    <dgm:fillClrLst meth="repeat">
+      <a:schemeClr val="lt1">
+        <a:alpha val="90000"/>
+      </a:schemeClr>
+    </dgm:fillClrLst>
+    <dgm:linClrLst>
+      <a:schemeClr val="accent1"/>
+    </dgm:linClrLst>
+    <dgm:effectClrLst/>
+    <dgm:txLinClrLst/>
+    <dgm:txFillClrLst meth="repeat">
+      <a:schemeClr val="dk1"/>
+    </dgm:txFillClrLst>
+    <dgm:txEffectClrLst/>
+  </dgm:styleLbl>
+  <dgm:styleLbl name="fgAcc2">
+    <dgm:fillClrLst meth="repeat">
+      <a:schemeClr val="lt1">
+        <a:alpha val="90000"/>
+      </a:schemeClr>
+    </dgm:fillClrLst>
+    <dgm:linClrLst>
+      <a:schemeClr val="accent2"/>
+    </dgm:linClrLst>
+    <dgm:effectClrLst/>
+    <dgm:txLinClrLst/>
+    <dgm:txFillClrLst meth="repeat">
+      <a:schemeClr val="dk1"/>
+    </dgm:txFillClrLst>
+    <dgm:txEffectClrLst/>
+  </dgm:styleLbl>
+  <dgm:styleLbl name="fgAcc3">
+    <dgm:fillClrLst meth="repeat">
+      <a:schemeClr val="lt1">
+        <a:alpha val="90000"/>
+      </a:schemeClr>
+    </dgm:fillClrLst>
+    <dgm:linClrLst>
+      <a:schemeClr val="accent3"/>
+    </dgm:linClrLst>
+    <dgm:effectClrLst/>
+    <dgm:txLinClrLst/>
+    <dgm:txFillClrLst meth="repeat">
+      <a:schemeClr val="dk1"/>
+    </dgm:txFillClrLst>
+    <dgm:txEffectClrLst/>
+  </dgm:styleLbl>
+  <dgm:styleLbl name="fgAcc4">
+    <dgm:fillClrLst meth="repeat">
+      <a:schemeClr val="lt1">
+        <a:alpha val="90000"/>
+      </a:schemeClr>
+    </dgm:fillClrLst>
+    <dgm:linClrLst>
+      <a:schemeClr val="accent4"/>
+    </dgm:linClrLst>
+    <dgm:effectClrLst/>
+    <dgm:txLinClrLst/>
+    <dgm:txFillClrLst meth="repeat">
+      <a:schemeClr val="dk1"/>
+    </dgm:txFillClrLst>
+    <dgm:txEffectClrLst/>
+  </dgm:styleLbl>
+  <dgm:styleLbl name="bgShp">
+    <dgm:fillClrLst meth="repeat">
+      <a:schemeClr val="accent2">
+        <a:tint val="40000"/>
+      </a:schemeClr>
+    </dgm:fillClrLst>
+    <dgm:linClrLst meth="repeat">
+      <a:schemeClr val="dk1"/>
+    </dgm:linClrLst>
+    <dgm:effectClrLst/>
+    <dgm:txLinClrLst/>
+    <dgm:txFillClrLst meth="repeat">
+      <a:schemeClr val="dk1"/>
+    </dgm:txFillClrLst>
+    <dgm:txEffectClrLst/>
+  </dgm:styleLbl>
+  <dgm:styleLbl name="dkBgShp">
+    <dgm:fillClrLst meth="repeat">
+      <a:schemeClr val="accent2">
+        <a:shade val="90000"/>
+      </a:schemeClr>
+    </dgm:fillClrLst>
+    <dgm:linClrLst meth="repeat">
+      <a:schemeClr val="dk1"/>
+    </dgm:linClrLst>
+    <dgm:effectClrLst/>
+    <dgm:txLinClrLst/>
+    <dgm:txFillClrLst meth="repeat">
+      <a:schemeClr val="lt1"/>
+    </dgm:txFillClrLst>
+    <dgm:txEffectClrLst/>
+  </dgm:styleLbl>
+  <dgm:styleLbl name="trBgShp">
+    <dgm:fillClrLst meth="repeat">
+      <a:schemeClr val="accent1">
+        <a:tint val="50000"/>
+        <a:alpha val="40000"/>
+      </a:schemeClr>
+    </dgm:fillClrLst>
+    <dgm:linClrLst meth="repeat">
+      <a:schemeClr val="accent2"/>
+    </dgm:linClrLst>
+    <dgm:effectClrLst/>
+    <dgm:txLinClrLst/>
+    <dgm:txFillClrLst meth="repeat">
+      <a:schemeClr val="lt1"/>
+    </dgm:txFillClrLst>
+    <dgm:txEffectClrLst/>
+  </dgm:styleLbl>
+  <dgm:styleLbl name="fgShp">
+    <dgm:fillClrLst meth="repeat">
+      <a:schemeClr val="accent2">
+        <a:tint val="40000"/>
+      </a:schemeClr>
+    </dgm:fillClrLst>
+    <dgm:linClrLst meth="repeat">
+      <a:schemeClr val="lt1"/>
+    </dgm:linClrLst>
+    <dgm:effectClrLst/>
+    <dgm:txLinClrLst/>
+    <dgm:txFillClrLst meth="repeat">
+      <a:schemeClr val="dk1"/>
+    </dgm:txFillClrLst>
+    <dgm:txEffectClrLst/>
+  </dgm:styleLbl>
+  <dgm:styleLbl name="revTx">
+    <dgm:fillClrLst meth="repeat">
+      <a:schemeClr val="lt1">
+        <a:alpha val="0"/>
+      </a:schemeClr>
+    </dgm:fillClrLst>
+    <dgm:linClrLst meth="repeat">
+      <a:schemeClr val="dk1">
+        <a:alpha val="0"/>
+      </a:schemeClr>
+    </dgm:linClrLst>
+    <dgm:effectClrLst/>
+    <dgm:txLinClrLst/>
+    <dgm:txFillClrLst meth="repeat">
+      <a:schemeClr val="tx1"/>
+    </dgm:txFillClrLst>
+    <dgm:txEffectClrLst/>
+  </dgm:styleLbl>
+</dgm:colorsDef>
+</file>
+
+<file path=ppt/diagrams/data1.xml><?xml version="1.0" encoding="utf-8"?>
+<dgm:dataModel xmlns:dgm="http://schemas.openxmlformats.org/drawingml/2006/diagram" xmlns:a="http://schemas.openxmlformats.org/drawingml/2006/main">
+  <dgm:ptLst>
+    <dgm:pt modelId="{F25DD8B4-520E-4135-AA1D-A2623232AB6E}" type="doc">
+      <dgm:prSet loTypeId="urn:microsoft.com/office/officeart/2005/8/layout/vList5" loCatId="list" qsTypeId="urn:microsoft.com/office/officeart/2005/8/quickstyle/simple1" qsCatId="simple" csTypeId="urn:microsoft.com/office/officeart/2005/8/colors/accent3_2" csCatId="accent3"/>
+      <dgm:spPr/>
+      <dgm:t>
+        <a:bodyPr/>
+        <a:lstStyle/>
+        <a:p>
+          <a:endParaRPr lang="en-US"/>
+        </a:p>
+      </dgm:t>
+    </dgm:pt>
+    <dgm:pt modelId="{8ABAB5FB-26B5-4029-B918-F4E23B7FCD22}">
+      <dgm:prSet/>
+      <dgm:spPr/>
+      <dgm:t>
+        <a:bodyPr/>
+        <a:lstStyle/>
+        <a:p>
+          <a:r>
+            <a:rPr lang="en-US"/>
+            <a:t>Interests included:</a:t>
+          </a:r>
+        </a:p>
+      </dgm:t>
+    </dgm:pt>
+    <dgm:pt modelId="{76415312-3F2F-4CE1-A067-2AB67EB88ED0}" type="parTrans" cxnId="{A99D21C5-4E99-430B-A89F-C41D4A25A614}">
+      <dgm:prSet/>
+      <dgm:spPr/>
+      <dgm:t>
+        <a:bodyPr/>
+        <a:lstStyle/>
+        <a:p>
+          <a:endParaRPr lang="en-US"/>
+        </a:p>
+      </dgm:t>
+    </dgm:pt>
+    <dgm:pt modelId="{D3D663C5-60E7-4DCC-9719-81D7BFB623C9}" type="sibTrans" cxnId="{A99D21C5-4E99-430B-A89F-C41D4A25A614}">
+      <dgm:prSet/>
+      <dgm:spPr/>
+      <dgm:t>
+        <a:bodyPr/>
+        <a:lstStyle/>
+        <a:p>
+          <a:endParaRPr lang="en-US"/>
+        </a:p>
+      </dgm:t>
+    </dgm:pt>
+    <dgm:pt modelId="{7BE53DC9-BFCD-4002-A129-3EDB477B4EE2}">
+      <dgm:prSet/>
+      <dgm:spPr/>
+      <dgm:t>
+        <a:bodyPr/>
+        <a:lstStyle/>
+        <a:p>
+          <a:r>
+            <a:rPr lang="en-US"/>
+            <a:t>Housing market trends</a:t>
+          </a:r>
+        </a:p>
+      </dgm:t>
+    </dgm:pt>
+    <dgm:pt modelId="{98CF60F2-B927-42C7-B33E-B48B59D7DB3D}" type="parTrans" cxnId="{0C7B9707-4313-4458-814C-A52F57C64C5D}">
+      <dgm:prSet/>
+      <dgm:spPr/>
+      <dgm:t>
+        <a:bodyPr/>
+        <a:lstStyle/>
+        <a:p>
+          <a:endParaRPr lang="en-US"/>
+        </a:p>
+      </dgm:t>
+    </dgm:pt>
+    <dgm:pt modelId="{B909DD08-E58D-4120-9E04-F97EF7EDE264}" type="sibTrans" cxnId="{0C7B9707-4313-4458-814C-A52F57C64C5D}">
+      <dgm:prSet/>
+      <dgm:spPr/>
+      <dgm:t>
+        <a:bodyPr/>
+        <a:lstStyle/>
+        <a:p>
+          <a:endParaRPr lang="en-US"/>
+        </a:p>
+      </dgm:t>
+    </dgm:pt>
+    <dgm:pt modelId="{86FE033D-813D-4AC0-AB02-C85231FB0C83}">
+      <dgm:prSet/>
+      <dgm:spPr/>
+      <dgm:t>
+        <a:bodyPr/>
+        <a:lstStyle/>
+        <a:p>
+          <a:r>
+            <a:rPr lang="en-US"/>
+            <a:t>Predicting failure of Infrastructure</a:t>
+          </a:r>
+        </a:p>
+      </dgm:t>
+    </dgm:pt>
+    <dgm:pt modelId="{EA071B3C-6FAC-4F9A-8DA5-F834B2C8F7F8}" type="parTrans" cxnId="{6F0DEBB1-6A6A-48FC-81FB-9A0A9563CD7F}">
+      <dgm:prSet/>
+      <dgm:spPr/>
+      <dgm:t>
+        <a:bodyPr/>
+        <a:lstStyle/>
+        <a:p>
+          <a:endParaRPr lang="en-US"/>
+        </a:p>
+      </dgm:t>
+    </dgm:pt>
+    <dgm:pt modelId="{FA179649-6BC9-476D-9A6D-17378677DADB}" type="sibTrans" cxnId="{6F0DEBB1-6A6A-48FC-81FB-9A0A9563CD7F}">
+      <dgm:prSet/>
+      <dgm:spPr/>
+      <dgm:t>
+        <a:bodyPr/>
+        <a:lstStyle/>
+        <a:p>
+          <a:endParaRPr lang="en-US"/>
+        </a:p>
+      </dgm:t>
+    </dgm:pt>
+    <dgm:pt modelId="{4D38DDA3-070A-4135-8298-BF3475077549}">
+      <dgm:prSet/>
+      <dgm:spPr/>
+      <dgm:t>
+        <a:bodyPr/>
+        <a:lstStyle/>
+        <a:p>
+          <a:r>
+            <a:rPr lang="en-US"/>
+            <a:t>Diagnostics for Healthcare </a:t>
+          </a:r>
+        </a:p>
+      </dgm:t>
+    </dgm:pt>
+    <dgm:pt modelId="{092CF4F5-B4A4-4384-A3AF-78D62D79FD7F}" type="parTrans" cxnId="{FE8C2333-3546-4193-B13A-281D824107F8}">
+      <dgm:prSet/>
+      <dgm:spPr/>
+      <dgm:t>
+        <a:bodyPr/>
+        <a:lstStyle/>
+        <a:p>
+          <a:endParaRPr lang="en-US"/>
+        </a:p>
+      </dgm:t>
+    </dgm:pt>
+    <dgm:pt modelId="{3265ED6B-0A45-42EA-A133-1008832419E6}" type="sibTrans" cxnId="{FE8C2333-3546-4193-B13A-281D824107F8}">
+      <dgm:prSet/>
+      <dgm:spPr/>
+      <dgm:t>
+        <a:bodyPr/>
+        <a:lstStyle/>
+        <a:p>
+          <a:endParaRPr lang="en-US"/>
+        </a:p>
+      </dgm:t>
+    </dgm:pt>
+    <dgm:pt modelId="{3B74D6AB-AD31-40AC-B54F-6289F189EB0A}">
+      <dgm:prSet/>
+      <dgm:spPr/>
+      <dgm:t>
+        <a:bodyPr/>
+        <a:lstStyle/>
+        <a:p>
+          <a:r>
+            <a:rPr lang="en-US"/>
+            <a:t>Diagnostics for Machine Maintenance</a:t>
+          </a:r>
+        </a:p>
+      </dgm:t>
+    </dgm:pt>
+    <dgm:pt modelId="{3E2171B2-7880-4307-A13D-B23C63140D57}" type="parTrans" cxnId="{D56ED9FD-D507-4A1F-910E-5B5098C210D7}">
+      <dgm:prSet/>
+      <dgm:spPr/>
+      <dgm:t>
+        <a:bodyPr/>
+        <a:lstStyle/>
+        <a:p>
+          <a:endParaRPr lang="en-US"/>
+        </a:p>
+      </dgm:t>
+    </dgm:pt>
+    <dgm:pt modelId="{A17C556D-453B-4EAC-8B6A-FD997EE9C55F}" type="sibTrans" cxnId="{D56ED9FD-D507-4A1F-910E-5B5098C210D7}">
+      <dgm:prSet/>
+      <dgm:spPr/>
+      <dgm:t>
+        <a:bodyPr/>
+        <a:lstStyle/>
+        <a:p>
+          <a:endParaRPr lang="en-US"/>
+        </a:p>
+      </dgm:t>
+    </dgm:pt>
+    <dgm:pt modelId="{9AC471E7-6965-4FD0-85F0-AA4B3DEE53D9}">
+      <dgm:prSet/>
+      <dgm:spPr/>
+      <dgm:t>
+        <a:bodyPr/>
+        <a:lstStyle/>
+        <a:p>
+          <a:r>
+            <a:rPr lang="en-US"/>
+            <a:t>And a few more… </a:t>
+          </a:r>
+        </a:p>
+      </dgm:t>
+    </dgm:pt>
+    <dgm:pt modelId="{DAA74806-004C-4FCD-A0EA-5D0A97AC312D}" type="parTrans" cxnId="{17710CC9-3377-43F2-AB9F-23FA33B903DD}">
+      <dgm:prSet/>
+      <dgm:spPr/>
+      <dgm:t>
+        <a:bodyPr/>
+        <a:lstStyle/>
+        <a:p>
+          <a:endParaRPr lang="en-US"/>
+        </a:p>
+      </dgm:t>
+    </dgm:pt>
+    <dgm:pt modelId="{485869A9-210F-4875-95B4-B61D0CB45291}" type="sibTrans" cxnId="{17710CC9-3377-43F2-AB9F-23FA33B903DD}">
+      <dgm:prSet/>
+      <dgm:spPr/>
+      <dgm:t>
+        <a:bodyPr/>
+        <a:lstStyle/>
+        <a:p>
+          <a:endParaRPr lang="en-US"/>
+        </a:p>
+      </dgm:t>
+    </dgm:pt>
+    <dgm:pt modelId="{CCAC5222-A613-4E15-8546-296F5C98AEFF}">
+      <dgm:prSet/>
+      <dgm:spPr/>
+      <dgm:t>
+        <a:bodyPr/>
+        <a:lstStyle/>
+        <a:p>
+          <a:r>
+            <a:rPr lang="en-US"/>
+            <a:t>Decided on:</a:t>
+          </a:r>
+        </a:p>
+      </dgm:t>
+    </dgm:pt>
+    <dgm:pt modelId="{5FE73893-8C41-4B90-98E7-3853647966FC}" type="parTrans" cxnId="{5ACC9D9F-B2D7-43A4-9F35-43E3A5A58951}">
+      <dgm:prSet/>
+      <dgm:spPr/>
+      <dgm:t>
+        <a:bodyPr/>
+        <a:lstStyle/>
+        <a:p>
+          <a:endParaRPr lang="en-US"/>
+        </a:p>
+      </dgm:t>
+    </dgm:pt>
+    <dgm:pt modelId="{3AE73283-3960-4899-A7CB-5BF6BCB65D0F}" type="sibTrans" cxnId="{5ACC9D9F-B2D7-43A4-9F35-43E3A5A58951}">
+      <dgm:prSet/>
+      <dgm:spPr/>
+      <dgm:t>
+        <a:bodyPr/>
+        <a:lstStyle/>
+        <a:p>
+          <a:endParaRPr lang="en-US"/>
+        </a:p>
+      </dgm:t>
+    </dgm:pt>
+    <dgm:pt modelId="{97F3F97E-5E35-43CE-892D-82E10EB4E0F5}">
+      <dgm:prSet/>
+      <dgm:spPr/>
+      <dgm:t>
+        <a:bodyPr/>
+        <a:lstStyle/>
+        <a:p>
+          <a:r>
+            <a:rPr lang="en-US"/>
+            <a:t>Predict the sale price of a house going up for sale</a:t>
+          </a:r>
+        </a:p>
+      </dgm:t>
+    </dgm:pt>
+    <dgm:pt modelId="{1019F09C-C02C-4A11-9C12-49CF0856922C}" type="parTrans" cxnId="{45521C8B-5E60-4E31-ACA0-02826AC7B967}">
+      <dgm:prSet/>
+      <dgm:spPr/>
+      <dgm:t>
+        <a:bodyPr/>
+        <a:lstStyle/>
+        <a:p>
+          <a:endParaRPr lang="en-US"/>
+        </a:p>
+      </dgm:t>
+    </dgm:pt>
+    <dgm:pt modelId="{2D07A651-0254-4FA9-AF6F-0ED8A66259BD}" type="sibTrans" cxnId="{45521C8B-5E60-4E31-ACA0-02826AC7B967}">
+      <dgm:prSet/>
+      <dgm:spPr/>
+      <dgm:t>
+        <a:bodyPr/>
+        <a:lstStyle/>
+        <a:p>
+          <a:endParaRPr lang="en-US"/>
+        </a:p>
+      </dgm:t>
+    </dgm:pt>
+    <dgm:pt modelId="{F085642B-E7D8-4B2E-A09E-86186F2B7DA7}" type="pres">
+      <dgm:prSet presAssocID="{F25DD8B4-520E-4135-AA1D-A2623232AB6E}" presName="Name0" presStyleCnt="0">
+        <dgm:presLayoutVars>
+          <dgm:dir/>
+          <dgm:animLvl val="lvl"/>
+          <dgm:resizeHandles val="exact"/>
+        </dgm:presLayoutVars>
+      </dgm:prSet>
+      <dgm:spPr/>
+    </dgm:pt>
+    <dgm:pt modelId="{65637DED-C273-488F-9335-D1C3C9B22003}" type="pres">
+      <dgm:prSet presAssocID="{8ABAB5FB-26B5-4029-B918-F4E23B7FCD22}" presName="linNode" presStyleCnt="0"/>
+      <dgm:spPr/>
+    </dgm:pt>
+    <dgm:pt modelId="{C0BFD27A-0820-474D-9B58-0E907D39BF43}" type="pres">
+      <dgm:prSet presAssocID="{8ABAB5FB-26B5-4029-B918-F4E23B7FCD22}" presName="parentText" presStyleLbl="node1" presStyleIdx="0" presStyleCnt="2">
+        <dgm:presLayoutVars>
+          <dgm:chMax val="1"/>
+          <dgm:bulletEnabled val="1"/>
+        </dgm:presLayoutVars>
+      </dgm:prSet>
+      <dgm:spPr/>
+    </dgm:pt>
+    <dgm:pt modelId="{799EB899-16B5-4DF0-BD54-8AEFA5EF4735}" type="pres">
+      <dgm:prSet presAssocID="{8ABAB5FB-26B5-4029-B918-F4E23B7FCD22}" presName="descendantText" presStyleLbl="alignAccFollowNode1" presStyleIdx="0" presStyleCnt="2">
+        <dgm:presLayoutVars>
+          <dgm:bulletEnabled val="1"/>
+        </dgm:presLayoutVars>
+      </dgm:prSet>
+      <dgm:spPr/>
+    </dgm:pt>
+    <dgm:pt modelId="{1CEA3798-95E2-4A5D-A6BB-8E9DC679D307}" type="pres">
+      <dgm:prSet presAssocID="{D3D663C5-60E7-4DCC-9719-81D7BFB623C9}" presName="sp" presStyleCnt="0"/>
+      <dgm:spPr/>
+    </dgm:pt>
+    <dgm:pt modelId="{9B22FB17-C4AD-4062-BE43-59535E7FFCB2}" type="pres">
+      <dgm:prSet presAssocID="{CCAC5222-A613-4E15-8546-296F5C98AEFF}" presName="linNode" presStyleCnt="0"/>
+      <dgm:spPr/>
+    </dgm:pt>
+    <dgm:pt modelId="{4DC8C6CD-4A4A-4C00-8D18-8E2CC7C70E7A}" type="pres">
+      <dgm:prSet presAssocID="{CCAC5222-A613-4E15-8546-296F5C98AEFF}" presName="parentText" presStyleLbl="node1" presStyleIdx="1" presStyleCnt="2">
+        <dgm:presLayoutVars>
+          <dgm:chMax val="1"/>
+          <dgm:bulletEnabled val="1"/>
+        </dgm:presLayoutVars>
+      </dgm:prSet>
+      <dgm:spPr/>
+    </dgm:pt>
+    <dgm:pt modelId="{FAF9BD88-5FA1-4DEE-9E53-71DD5F3C67CF}" type="pres">
+      <dgm:prSet presAssocID="{CCAC5222-A613-4E15-8546-296F5C98AEFF}" presName="descendantText" presStyleLbl="alignAccFollowNode1" presStyleIdx="1" presStyleCnt="2">
+        <dgm:presLayoutVars>
+          <dgm:bulletEnabled val="1"/>
+        </dgm:presLayoutVars>
+      </dgm:prSet>
+      <dgm:spPr/>
+    </dgm:pt>
+  </dgm:ptLst>
+  <dgm:cxnLst>
+    <dgm:cxn modelId="{0C7B9707-4313-4458-814C-A52F57C64C5D}" srcId="{8ABAB5FB-26B5-4029-B918-F4E23B7FCD22}" destId="{7BE53DC9-BFCD-4002-A129-3EDB477B4EE2}" srcOrd="0" destOrd="0" parTransId="{98CF60F2-B927-42C7-B33E-B48B59D7DB3D}" sibTransId="{B909DD08-E58D-4120-9E04-F97EF7EDE264}"/>
+    <dgm:cxn modelId="{EF20530C-DD06-4983-B679-76B561DBF801}" type="presOf" srcId="{86FE033D-813D-4AC0-AB02-C85231FB0C83}" destId="{799EB899-16B5-4DF0-BD54-8AEFA5EF4735}" srcOrd="0" destOrd="1" presId="urn:microsoft.com/office/officeart/2005/8/layout/vList5"/>
+    <dgm:cxn modelId="{0224EB1A-9AF9-41B5-9927-0363B306A192}" type="presOf" srcId="{8ABAB5FB-26B5-4029-B918-F4E23B7FCD22}" destId="{C0BFD27A-0820-474D-9B58-0E907D39BF43}" srcOrd="0" destOrd="0" presId="urn:microsoft.com/office/officeart/2005/8/layout/vList5"/>
+    <dgm:cxn modelId="{FE8C2333-3546-4193-B13A-281D824107F8}" srcId="{8ABAB5FB-26B5-4029-B918-F4E23B7FCD22}" destId="{4D38DDA3-070A-4135-8298-BF3475077549}" srcOrd="2" destOrd="0" parTransId="{092CF4F5-B4A4-4384-A3AF-78D62D79FD7F}" sibTransId="{3265ED6B-0A45-42EA-A133-1008832419E6}"/>
+    <dgm:cxn modelId="{B1A15F3E-4834-4EB6-A05F-38AF86202287}" type="presOf" srcId="{CCAC5222-A613-4E15-8546-296F5C98AEFF}" destId="{4DC8C6CD-4A4A-4C00-8D18-8E2CC7C70E7A}" srcOrd="0" destOrd="0" presId="urn:microsoft.com/office/officeart/2005/8/layout/vList5"/>
+    <dgm:cxn modelId="{D9E90E61-64AB-4CEC-93CB-0258EF864616}" type="presOf" srcId="{9AC471E7-6965-4FD0-85F0-AA4B3DEE53D9}" destId="{799EB899-16B5-4DF0-BD54-8AEFA5EF4735}" srcOrd="0" destOrd="4" presId="urn:microsoft.com/office/officeart/2005/8/layout/vList5"/>
+    <dgm:cxn modelId="{C5A59241-8547-435E-BF37-C96A86B95FBA}" type="presOf" srcId="{F25DD8B4-520E-4135-AA1D-A2623232AB6E}" destId="{F085642B-E7D8-4B2E-A09E-86186F2B7DA7}" srcOrd="0" destOrd="0" presId="urn:microsoft.com/office/officeart/2005/8/layout/vList5"/>
+    <dgm:cxn modelId="{94208845-1F90-4E6B-8E53-2BA135C195DD}" type="presOf" srcId="{4D38DDA3-070A-4135-8298-BF3475077549}" destId="{799EB899-16B5-4DF0-BD54-8AEFA5EF4735}" srcOrd="0" destOrd="2" presId="urn:microsoft.com/office/officeart/2005/8/layout/vList5"/>
+    <dgm:cxn modelId="{EF2EE877-28B9-4DB9-929D-5FE8DD448142}" type="presOf" srcId="{7BE53DC9-BFCD-4002-A129-3EDB477B4EE2}" destId="{799EB899-16B5-4DF0-BD54-8AEFA5EF4735}" srcOrd="0" destOrd="0" presId="urn:microsoft.com/office/officeart/2005/8/layout/vList5"/>
+    <dgm:cxn modelId="{45521C8B-5E60-4E31-ACA0-02826AC7B967}" srcId="{CCAC5222-A613-4E15-8546-296F5C98AEFF}" destId="{97F3F97E-5E35-43CE-892D-82E10EB4E0F5}" srcOrd="0" destOrd="0" parTransId="{1019F09C-C02C-4A11-9C12-49CF0856922C}" sibTransId="{2D07A651-0254-4FA9-AF6F-0ED8A66259BD}"/>
+    <dgm:cxn modelId="{01F70191-F7C2-47C8-A98F-BD9A24029850}" type="presOf" srcId="{3B74D6AB-AD31-40AC-B54F-6289F189EB0A}" destId="{799EB899-16B5-4DF0-BD54-8AEFA5EF4735}" srcOrd="0" destOrd="3" presId="urn:microsoft.com/office/officeart/2005/8/layout/vList5"/>
+    <dgm:cxn modelId="{5ACC9D9F-B2D7-43A4-9F35-43E3A5A58951}" srcId="{F25DD8B4-520E-4135-AA1D-A2623232AB6E}" destId="{CCAC5222-A613-4E15-8546-296F5C98AEFF}" srcOrd="1" destOrd="0" parTransId="{5FE73893-8C41-4B90-98E7-3853647966FC}" sibTransId="{3AE73283-3960-4899-A7CB-5BF6BCB65D0F}"/>
+    <dgm:cxn modelId="{6F0DEBB1-6A6A-48FC-81FB-9A0A9563CD7F}" srcId="{8ABAB5FB-26B5-4029-B918-F4E23B7FCD22}" destId="{86FE033D-813D-4AC0-AB02-C85231FB0C83}" srcOrd="1" destOrd="0" parTransId="{EA071B3C-6FAC-4F9A-8DA5-F834B2C8F7F8}" sibTransId="{FA179649-6BC9-476D-9A6D-17378677DADB}"/>
+    <dgm:cxn modelId="{A99D21C5-4E99-430B-A89F-C41D4A25A614}" srcId="{F25DD8B4-520E-4135-AA1D-A2623232AB6E}" destId="{8ABAB5FB-26B5-4029-B918-F4E23B7FCD22}" srcOrd="0" destOrd="0" parTransId="{76415312-3F2F-4CE1-A067-2AB67EB88ED0}" sibTransId="{D3D663C5-60E7-4DCC-9719-81D7BFB623C9}"/>
+    <dgm:cxn modelId="{17710CC9-3377-43F2-AB9F-23FA33B903DD}" srcId="{8ABAB5FB-26B5-4029-B918-F4E23B7FCD22}" destId="{9AC471E7-6965-4FD0-85F0-AA4B3DEE53D9}" srcOrd="4" destOrd="0" parTransId="{DAA74806-004C-4FCD-A0EA-5D0A97AC312D}" sibTransId="{485869A9-210F-4875-95B4-B61D0CB45291}"/>
+    <dgm:cxn modelId="{0E8B89CF-374B-4273-96D8-AB32201CC215}" type="presOf" srcId="{97F3F97E-5E35-43CE-892D-82E10EB4E0F5}" destId="{FAF9BD88-5FA1-4DEE-9E53-71DD5F3C67CF}" srcOrd="0" destOrd="0" presId="urn:microsoft.com/office/officeart/2005/8/layout/vList5"/>
+    <dgm:cxn modelId="{D56ED9FD-D507-4A1F-910E-5B5098C210D7}" srcId="{8ABAB5FB-26B5-4029-B918-F4E23B7FCD22}" destId="{3B74D6AB-AD31-40AC-B54F-6289F189EB0A}" srcOrd="3" destOrd="0" parTransId="{3E2171B2-7880-4307-A13D-B23C63140D57}" sibTransId="{A17C556D-453B-4EAC-8B6A-FD997EE9C55F}"/>
+    <dgm:cxn modelId="{2DF68D17-A04A-46C4-A0FB-96BDE770C7FA}" type="presParOf" srcId="{F085642B-E7D8-4B2E-A09E-86186F2B7DA7}" destId="{65637DED-C273-488F-9335-D1C3C9B22003}" srcOrd="0" destOrd="0" presId="urn:microsoft.com/office/officeart/2005/8/layout/vList5"/>
+    <dgm:cxn modelId="{9FABBB21-E2B7-485B-A922-0CCDB7787A60}" type="presParOf" srcId="{65637DED-C273-488F-9335-D1C3C9B22003}" destId="{C0BFD27A-0820-474D-9B58-0E907D39BF43}" srcOrd="0" destOrd="0" presId="urn:microsoft.com/office/officeart/2005/8/layout/vList5"/>
+    <dgm:cxn modelId="{44CBB2ED-DE11-4A6E-BE73-4420D43BF678}" type="presParOf" srcId="{65637DED-C273-488F-9335-D1C3C9B22003}" destId="{799EB899-16B5-4DF0-BD54-8AEFA5EF4735}" srcOrd="1" destOrd="0" presId="urn:microsoft.com/office/officeart/2005/8/layout/vList5"/>
+    <dgm:cxn modelId="{511ED7FF-C214-45E8-8807-3C61311CE9A7}" type="presParOf" srcId="{F085642B-E7D8-4B2E-A09E-86186F2B7DA7}" destId="{1CEA3798-95E2-4A5D-A6BB-8E9DC679D307}" srcOrd="1" destOrd="0" presId="urn:microsoft.com/office/officeart/2005/8/layout/vList5"/>
+    <dgm:cxn modelId="{22A2473F-4E8A-4EE1-BDB0-965A7A1B2C81}" type="presParOf" srcId="{F085642B-E7D8-4B2E-A09E-86186F2B7DA7}" destId="{9B22FB17-C4AD-4062-BE43-59535E7FFCB2}" srcOrd="2" destOrd="0" presId="urn:microsoft.com/office/officeart/2005/8/layout/vList5"/>
+    <dgm:cxn modelId="{A75BDC52-40AE-46E0-9620-89C54F1470D4}" type="presParOf" srcId="{9B22FB17-C4AD-4062-BE43-59535E7FFCB2}" destId="{4DC8C6CD-4A4A-4C00-8D18-8E2CC7C70E7A}" srcOrd="0" destOrd="0" presId="urn:microsoft.com/office/officeart/2005/8/layout/vList5"/>
+    <dgm:cxn modelId="{EBCCAE3C-6A85-4C72-AE25-F61D5E0C006F}" type="presParOf" srcId="{9B22FB17-C4AD-4062-BE43-59535E7FFCB2}" destId="{FAF9BD88-5FA1-4DEE-9E53-71DD5F3C67CF}" srcOrd="1" destOrd="0" presId="urn:microsoft.com/office/officeart/2005/8/layout/vList5"/>
+  </dgm:cxnLst>
+  <dgm:bg/>
+  <dgm:whole/>
+  <dgm:extLst>
+    <a:ext uri="http://schemas.microsoft.com/office/drawing/2008/diagram">
+      <dsp:dataModelExt xmlns:dsp="http://schemas.microsoft.com/office/drawing/2008/diagram" relId="rId7" minVer="http://schemas.openxmlformats.org/drawingml/2006/diagram"/>
+    </a:ext>
+  </dgm:extLst>
+</dgm:dataModel>
+</file>
+
+<file path=ppt/diagrams/data2.xml><?xml version="1.0" encoding="utf-8"?>
+<dgm:dataModel xmlns:dgm="http://schemas.openxmlformats.org/drawingml/2006/diagram" xmlns:a="http://schemas.openxmlformats.org/drawingml/2006/main">
+  <dgm:ptLst>
+    <dgm:pt modelId="{CA42D434-26DB-4B32-A858-84A9488B59B0}" type="doc">
+      <dgm:prSet loTypeId="urn:microsoft.com/office/officeart/2005/8/layout/matrix3" loCatId="matrix" qsTypeId="urn:microsoft.com/office/officeart/2005/8/quickstyle/simple1" qsCatId="simple" csTypeId="urn:microsoft.com/office/officeart/2005/8/colors/colorful1" csCatId="colorful"/>
+      <dgm:spPr/>
+      <dgm:t>
+        <a:bodyPr/>
+        <a:lstStyle/>
+        <a:p>
+          <a:endParaRPr lang="en-US"/>
+        </a:p>
+      </dgm:t>
+    </dgm:pt>
+    <dgm:pt modelId="{567FBCC3-5DC5-41F8-AAF1-D518716F9C6B}">
+      <dgm:prSet/>
+      <dgm:spPr/>
+      <dgm:t>
+        <a:bodyPr/>
+        <a:lstStyle/>
+        <a:p>
+          <a:r>
+            <a:rPr lang="en-US"/>
+            <a:t>Number of Instances: 2,930</a:t>
+          </a:r>
+        </a:p>
+      </dgm:t>
+    </dgm:pt>
+    <dgm:pt modelId="{48A70B59-3639-4ABA-BE3F-2579B9087E22}" type="parTrans" cxnId="{031ED4BD-3172-4811-BEFE-EC50046F52BE}">
+      <dgm:prSet/>
+      <dgm:spPr/>
+      <dgm:t>
+        <a:bodyPr/>
+        <a:lstStyle/>
+        <a:p>
+          <a:endParaRPr lang="en-US"/>
+        </a:p>
+      </dgm:t>
+    </dgm:pt>
+    <dgm:pt modelId="{A3632AA5-5BF7-48D7-A7FB-126F842FDE7A}" type="sibTrans" cxnId="{031ED4BD-3172-4811-BEFE-EC50046F52BE}">
+      <dgm:prSet/>
+      <dgm:spPr/>
+      <dgm:t>
+        <a:bodyPr/>
+        <a:lstStyle/>
+        <a:p>
+          <a:endParaRPr lang="en-US"/>
+        </a:p>
+      </dgm:t>
+    </dgm:pt>
+    <dgm:pt modelId="{776E5206-5E89-47AB-884E-5E8393864E49}">
+      <dgm:prSet/>
+      <dgm:spPr/>
+      <dgm:t>
+        <a:bodyPr/>
+        <a:lstStyle/>
+        <a:p>
+          <a:r>
+            <a:rPr lang="en-US"/>
+            <a:t>Number of Features: 79</a:t>
+          </a:r>
+        </a:p>
+      </dgm:t>
+    </dgm:pt>
+    <dgm:pt modelId="{4E5FDB53-E40C-4386-B4FF-5AAE05A99C29}" type="parTrans" cxnId="{5CC4E0A6-63D1-406D-82D1-321FFD46793B}">
+      <dgm:prSet/>
+      <dgm:spPr/>
+      <dgm:t>
+        <a:bodyPr/>
+        <a:lstStyle/>
+        <a:p>
+          <a:endParaRPr lang="en-US"/>
+        </a:p>
+      </dgm:t>
+    </dgm:pt>
+    <dgm:pt modelId="{112EAB6E-6FF7-41F5-BB9D-39B4BE65F771}" type="sibTrans" cxnId="{5CC4E0A6-63D1-406D-82D1-321FFD46793B}">
+      <dgm:prSet/>
+      <dgm:spPr/>
+      <dgm:t>
+        <a:bodyPr/>
+        <a:lstStyle/>
+        <a:p>
+          <a:endParaRPr lang="en-US"/>
+        </a:p>
+      </dgm:t>
+    </dgm:pt>
+    <dgm:pt modelId="{7A6D755C-592B-4198-81A9-2A02A71C8141}">
+      <dgm:prSet/>
+      <dgm:spPr/>
+      <dgm:t>
+        <a:bodyPr/>
+        <a:lstStyle/>
+        <a:p>
+          <a:r>
+            <a:rPr lang="en-US"/>
+            <a:t>Data types include both numerical and categorical values</a:t>
+          </a:r>
+        </a:p>
+      </dgm:t>
+    </dgm:pt>
+    <dgm:pt modelId="{AF052794-A1F0-4756-94B5-F4F323D6D904}" type="parTrans" cxnId="{5653D436-6849-4F60-8DA6-70D429847B7C}">
+      <dgm:prSet/>
+      <dgm:spPr/>
+      <dgm:t>
+        <a:bodyPr/>
+        <a:lstStyle/>
+        <a:p>
+          <a:endParaRPr lang="en-US"/>
+        </a:p>
+      </dgm:t>
+    </dgm:pt>
+    <dgm:pt modelId="{81CC1908-3460-4B39-A3DD-46FC68E05014}" type="sibTrans" cxnId="{5653D436-6849-4F60-8DA6-70D429847B7C}">
+      <dgm:prSet/>
+      <dgm:spPr/>
+      <dgm:t>
+        <a:bodyPr/>
+        <a:lstStyle/>
+        <a:p>
+          <a:endParaRPr lang="en-US"/>
+        </a:p>
+      </dgm:t>
+    </dgm:pt>
+    <dgm:pt modelId="{06DD80C8-A557-45B6-8489-DFA2F9527BFE}">
+      <dgm:prSet/>
+      <dgm:spPr/>
+      <dgm:t>
+        <a:bodyPr/>
+        <a:lstStyle/>
+        <a:p>
+          <a:r>
+            <a:rPr lang="en-US"/>
+            <a:t>Record of home sales from January 2006 to July 2010</a:t>
+          </a:r>
+        </a:p>
+      </dgm:t>
+    </dgm:pt>
+    <dgm:pt modelId="{5F4A69EA-7A5C-449F-BBD9-AF1CA56573F4}" type="parTrans" cxnId="{894C52FA-D3A4-43D8-8510-F5D762476CAD}">
+      <dgm:prSet/>
+      <dgm:spPr/>
+      <dgm:t>
+        <a:bodyPr/>
+        <a:lstStyle/>
+        <a:p>
+          <a:endParaRPr lang="en-US"/>
+        </a:p>
+      </dgm:t>
+    </dgm:pt>
+    <dgm:pt modelId="{888CDDA4-0ADA-4F81-B86C-783D8D03E0FF}" type="sibTrans" cxnId="{894C52FA-D3A4-43D8-8510-F5D762476CAD}">
+      <dgm:prSet/>
+      <dgm:spPr/>
+      <dgm:t>
+        <a:bodyPr/>
+        <a:lstStyle/>
+        <a:p>
+          <a:endParaRPr lang="en-US"/>
+        </a:p>
+      </dgm:t>
+    </dgm:pt>
+    <dgm:pt modelId="{28E69061-326E-4B9C-8938-6F95AD388ED3}" type="pres">
+      <dgm:prSet presAssocID="{CA42D434-26DB-4B32-A858-84A9488B59B0}" presName="matrix" presStyleCnt="0">
+        <dgm:presLayoutVars>
+          <dgm:chMax val="1"/>
+          <dgm:dir/>
+          <dgm:resizeHandles val="exact"/>
+        </dgm:presLayoutVars>
+      </dgm:prSet>
+      <dgm:spPr/>
+    </dgm:pt>
+    <dgm:pt modelId="{7E9BED59-76BC-43AA-B563-2E4A44E4110C}" type="pres">
+      <dgm:prSet presAssocID="{CA42D434-26DB-4B32-A858-84A9488B59B0}" presName="diamond" presStyleLbl="bgShp" presStyleIdx="0" presStyleCnt="1"/>
+      <dgm:spPr/>
+    </dgm:pt>
+    <dgm:pt modelId="{F151FCCC-6C96-47A2-B138-FEC2F73A241E}" type="pres">
+      <dgm:prSet presAssocID="{CA42D434-26DB-4B32-A858-84A9488B59B0}" presName="quad1" presStyleLbl="node1" presStyleIdx="0" presStyleCnt="4">
+        <dgm:presLayoutVars>
+          <dgm:chMax val="0"/>
+          <dgm:chPref val="0"/>
+          <dgm:bulletEnabled val="1"/>
+        </dgm:presLayoutVars>
+      </dgm:prSet>
+      <dgm:spPr/>
+    </dgm:pt>
+    <dgm:pt modelId="{E22C0F84-BDCC-4A23-A0CF-C73FA40B0FC8}" type="pres">
+      <dgm:prSet presAssocID="{CA42D434-26DB-4B32-A858-84A9488B59B0}" presName="quad2" presStyleLbl="node1" presStyleIdx="1" presStyleCnt="4">
+        <dgm:presLayoutVars>
+          <dgm:chMax val="0"/>
+          <dgm:chPref val="0"/>
+          <dgm:bulletEnabled val="1"/>
+        </dgm:presLayoutVars>
+      </dgm:prSet>
+      <dgm:spPr/>
+    </dgm:pt>
+    <dgm:pt modelId="{33AB13E3-A103-42E3-BFD2-5F55C94DFE4B}" type="pres">
+      <dgm:prSet presAssocID="{CA42D434-26DB-4B32-A858-84A9488B59B0}" presName="quad3" presStyleLbl="node1" presStyleIdx="2" presStyleCnt="4">
+        <dgm:presLayoutVars>
+          <dgm:chMax val="0"/>
+          <dgm:chPref val="0"/>
+          <dgm:bulletEnabled val="1"/>
+        </dgm:presLayoutVars>
+      </dgm:prSet>
+      <dgm:spPr/>
+    </dgm:pt>
+    <dgm:pt modelId="{8CCB618D-9DEC-4A13-AC5B-78D782F29431}" type="pres">
+      <dgm:prSet presAssocID="{CA42D434-26DB-4B32-A858-84A9488B59B0}" presName="quad4" presStyleLbl="node1" presStyleIdx="3" presStyleCnt="4">
+        <dgm:presLayoutVars>
+          <dgm:chMax val="0"/>
+          <dgm:chPref val="0"/>
+          <dgm:bulletEnabled val="1"/>
+        </dgm:presLayoutVars>
+      </dgm:prSet>
+      <dgm:spPr/>
+    </dgm:pt>
+  </dgm:ptLst>
+  <dgm:cxnLst>
+    <dgm:cxn modelId="{73497729-38AD-46EA-9514-FD8927EB9C9F}" type="presOf" srcId="{776E5206-5E89-47AB-884E-5E8393864E49}" destId="{E22C0F84-BDCC-4A23-A0CF-C73FA40B0FC8}" srcOrd="0" destOrd="0" presId="urn:microsoft.com/office/officeart/2005/8/layout/matrix3"/>
+    <dgm:cxn modelId="{5653D436-6849-4F60-8DA6-70D429847B7C}" srcId="{CA42D434-26DB-4B32-A858-84A9488B59B0}" destId="{7A6D755C-592B-4198-81A9-2A02A71C8141}" srcOrd="2" destOrd="0" parTransId="{AF052794-A1F0-4756-94B5-F4F323D6D904}" sibTransId="{81CC1908-3460-4B39-A3DD-46FC68E05014}"/>
+    <dgm:cxn modelId="{48EB095E-2D3B-4BFA-AD38-B3FFB96E3803}" type="presOf" srcId="{567FBCC3-5DC5-41F8-AAF1-D518716F9C6B}" destId="{F151FCCC-6C96-47A2-B138-FEC2F73A241E}" srcOrd="0" destOrd="0" presId="urn:microsoft.com/office/officeart/2005/8/layout/matrix3"/>
+    <dgm:cxn modelId="{D0C23B76-A2A8-4302-A7DB-59317DA77918}" type="presOf" srcId="{7A6D755C-592B-4198-81A9-2A02A71C8141}" destId="{33AB13E3-A103-42E3-BFD2-5F55C94DFE4B}" srcOrd="0" destOrd="0" presId="urn:microsoft.com/office/officeart/2005/8/layout/matrix3"/>
+    <dgm:cxn modelId="{77730689-07D7-4009-BC08-C18F0D20A0EE}" type="presOf" srcId="{CA42D434-26DB-4B32-A858-84A9488B59B0}" destId="{28E69061-326E-4B9C-8938-6F95AD388ED3}" srcOrd="0" destOrd="0" presId="urn:microsoft.com/office/officeart/2005/8/layout/matrix3"/>
+    <dgm:cxn modelId="{5CC4E0A6-63D1-406D-82D1-321FFD46793B}" srcId="{CA42D434-26DB-4B32-A858-84A9488B59B0}" destId="{776E5206-5E89-47AB-884E-5E8393864E49}" srcOrd="1" destOrd="0" parTransId="{4E5FDB53-E40C-4386-B4FF-5AAE05A99C29}" sibTransId="{112EAB6E-6FF7-41F5-BB9D-39B4BE65F771}"/>
+    <dgm:cxn modelId="{031ED4BD-3172-4811-BEFE-EC50046F52BE}" srcId="{CA42D434-26DB-4B32-A858-84A9488B59B0}" destId="{567FBCC3-5DC5-41F8-AAF1-D518716F9C6B}" srcOrd="0" destOrd="0" parTransId="{48A70B59-3639-4ABA-BE3F-2579B9087E22}" sibTransId="{A3632AA5-5BF7-48D7-A7FB-126F842FDE7A}"/>
+    <dgm:cxn modelId="{682C34C0-1EF0-43B6-955D-8EB768E03542}" type="presOf" srcId="{06DD80C8-A557-45B6-8489-DFA2F9527BFE}" destId="{8CCB618D-9DEC-4A13-AC5B-78D782F29431}" srcOrd="0" destOrd="0" presId="urn:microsoft.com/office/officeart/2005/8/layout/matrix3"/>
+    <dgm:cxn modelId="{894C52FA-D3A4-43D8-8510-F5D762476CAD}" srcId="{CA42D434-26DB-4B32-A858-84A9488B59B0}" destId="{06DD80C8-A557-45B6-8489-DFA2F9527BFE}" srcOrd="3" destOrd="0" parTransId="{5F4A69EA-7A5C-449F-BBD9-AF1CA56573F4}" sibTransId="{888CDDA4-0ADA-4F81-B86C-783D8D03E0FF}"/>
+    <dgm:cxn modelId="{6D9576D8-8B3E-4A72-A9A1-D9A914F4210C}" type="presParOf" srcId="{28E69061-326E-4B9C-8938-6F95AD388ED3}" destId="{7E9BED59-76BC-43AA-B563-2E4A44E4110C}" srcOrd="0" destOrd="0" presId="urn:microsoft.com/office/officeart/2005/8/layout/matrix3"/>
+    <dgm:cxn modelId="{F5444762-247C-4643-ADD9-B05C4A663596}" type="presParOf" srcId="{28E69061-326E-4B9C-8938-6F95AD388ED3}" destId="{F151FCCC-6C96-47A2-B138-FEC2F73A241E}" srcOrd="1" destOrd="0" presId="urn:microsoft.com/office/officeart/2005/8/layout/matrix3"/>
+    <dgm:cxn modelId="{F6E2CB54-6DD4-42F6-8808-3DBD56182EA3}" type="presParOf" srcId="{28E69061-326E-4B9C-8938-6F95AD388ED3}" destId="{E22C0F84-BDCC-4A23-A0CF-C73FA40B0FC8}" srcOrd="2" destOrd="0" presId="urn:microsoft.com/office/officeart/2005/8/layout/matrix3"/>
+    <dgm:cxn modelId="{1784E2EF-2CA0-4DDE-9F97-96910F0A175B}" type="presParOf" srcId="{28E69061-326E-4B9C-8938-6F95AD388ED3}" destId="{33AB13E3-A103-42E3-BFD2-5F55C94DFE4B}" srcOrd="3" destOrd="0" presId="urn:microsoft.com/office/officeart/2005/8/layout/matrix3"/>
+    <dgm:cxn modelId="{3CAF33AF-832A-4926-9BD8-828A9BD5A210}" type="presParOf" srcId="{28E69061-326E-4B9C-8938-6F95AD388ED3}" destId="{8CCB618D-9DEC-4A13-AC5B-78D782F29431}" srcOrd="4" destOrd="0" presId="urn:microsoft.com/office/officeart/2005/8/layout/matrix3"/>
+  </dgm:cxnLst>
+  <dgm:bg/>
+  <dgm:whole/>
+  <dgm:extLst>
+    <a:ext uri="http://schemas.microsoft.com/office/drawing/2008/diagram">
+      <dsp:dataModelExt xmlns:dsp="http://schemas.microsoft.com/office/drawing/2008/diagram" relId="rId6" minVer="http://schemas.openxmlformats.org/drawingml/2006/diagram"/>
+    </a:ext>
+  </dgm:extLst>
+</dgm:dataModel>
+</file>
+
+<file path=ppt/diagrams/drawing1.xml><?xml version="1.0" encoding="utf-8"?>
+<dsp:drawing xmlns:dgm="http://schemas.openxmlformats.org/drawingml/2006/diagram" xmlns:dsp="http://schemas.microsoft.com/office/drawing/2008/diagram" xmlns:a="http://schemas.openxmlformats.org/drawingml/2006/main">
+  <dsp:spTree>
+    <dsp:nvGrpSpPr>
+      <dsp:cNvPr id="0" name=""/>
+      <dsp:cNvGrpSpPr/>
+    </dsp:nvGrpSpPr>
+    <dsp:grpSpPr/>
+    <dsp:sp modelId="{799EB899-16B5-4DF0-BD54-8AEFA5EF4735}">
+      <dsp:nvSpPr>
+        <dsp:cNvPr id="0" name=""/>
+        <dsp:cNvSpPr/>
+      </dsp:nvSpPr>
+      <dsp:spPr>
+        <a:xfrm rot="5400000">
+          <a:off x="6301587" y="-2303662"/>
+          <a:ext cx="1698041" cy="6729984"/>
+        </a:xfrm>
+        <a:prstGeom prst="round2SameRect">
+          <a:avLst/>
+        </a:prstGeom>
+        <a:solidFill>
+          <a:schemeClr val="accent3">
+            <a:alpha val="90000"/>
+            <a:tint val="40000"/>
+            <a:hueOff val="0"/>
+            <a:satOff val="0"/>
+            <a:lumOff val="0"/>
+            <a:alphaOff val="0"/>
+          </a:schemeClr>
+        </a:solidFill>
+        <a:ln w="19050" cap="flat" cmpd="sng" algn="ctr">
+          <a:solidFill>
+            <a:schemeClr val="accent3">
+              <a:alpha val="90000"/>
+              <a:tint val="40000"/>
+              <a:hueOff val="0"/>
+              <a:satOff val="0"/>
+              <a:lumOff val="0"/>
+              <a:alphaOff val="0"/>
+            </a:schemeClr>
+          </a:solidFill>
+          <a:prstDash val="solid"/>
+          <a:miter lim="800000"/>
+        </a:ln>
+        <a:effectLst/>
+      </dsp:spPr>
+      <dsp:style>
+        <a:lnRef idx="2">
+          <a:scrgbClr r="0" g="0" b="0"/>
+        </a:lnRef>
+        <a:fillRef idx="1">
+          <a:scrgbClr r="0" g="0" b="0"/>
+        </a:fillRef>
+        <a:effectRef idx="0">
+          <a:scrgbClr r="0" g="0" b="0"/>
+        </a:effectRef>
+        <a:fontRef idx="minor"/>
+      </dsp:style>
+      <dsp:txBody>
+        <a:bodyPr spcFirstLastPara="0" vert="horz" wrap="square" lIns="68580" tIns="34290" rIns="68580" bIns="34290" numCol="1" spcCol="1270" anchor="ctr" anchorCtr="0">
+          <a:noAutofit/>
+        </a:bodyPr>
+        <a:lstStyle/>
+        <a:p>
+          <a:pPr marL="171450" lvl="1" indent="-171450" algn="l" defTabSz="800100">
+            <a:lnSpc>
+              <a:spcPct val="90000"/>
+            </a:lnSpc>
+            <a:spcBef>
+              <a:spcPct val="0"/>
+            </a:spcBef>
+            <a:spcAft>
+              <a:spcPct val="15000"/>
+            </a:spcAft>
+            <a:buChar char="•"/>
+          </a:pPr>
+          <a:r>
+            <a:rPr lang="en-US" sz="1800" kern="1200"/>
+            <a:t>Housing market trends</a:t>
+          </a:r>
+        </a:p>
+        <a:p>
+          <a:pPr marL="171450" lvl="1" indent="-171450" algn="l" defTabSz="800100">
+            <a:lnSpc>
+              <a:spcPct val="90000"/>
+            </a:lnSpc>
+            <a:spcBef>
+              <a:spcPct val="0"/>
+            </a:spcBef>
+            <a:spcAft>
+              <a:spcPct val="15000"/>
+            </a:spcAft>
+            <a:buChar char="•"/>
+          </a:pPr>
+          <a:r>
+            <a:rPr lang="en-US" sz="1800" kern="1200"/>
+            <a:t>Predicting failure of Infrastructure</a:t>
+          </a:r>
+        </a:p>
+        <a:p>
+          <a:pPr marL="171450" lvl="1" indent="-171450" algn="l" defTabSz="800100">
+            <a:lnSpc>
+              <a:spcPct val="90000"/>
+            </a:lnSpc>
+            <a:spcBef>
+              <a:spcPct val="0"/>
+            </a:spcBef>
+            <a:spcAft>
+              <a:spcPct val="15000"/>
+            </a:spcAft>
+            <a:buChar char="•"/>
+          </a:pPr>
+          <a:r>
+            <a:rPr lang="en-US" sz="1800" kern="1200"/>
+            <a:t>Diagnostics for Healthcare </a:t>
+          </a:r>
+        </a:p>
+        <a:p>
+          <a:pPr marL="171450" lvl="1" indent="-171450" algn="l" defTabSz="800100">
+            <a:lnSpc>
+              <a:spcPct val="90000"/>
+            </a:lnSpc>
+            <a:spcBef>
+              <a:spcPct val="0"/>
+            </a:spcBef>
+            <a:spcAft>
+              <a:spcPct val="15000"/>
+            </a:spcAft>
+            <a:buChar char="•"/>
+          </a:pPr>
+          <a:r>
+            <a:rPr lang="en-US" sz="1800" kern="1200"/>
+            <a:t>Diagnostics for Machine Maintenance</a:t>
+          </a:r>
+        </a:p>
+        <a:p>
+          <a:pPr marL="171450" lvl="1" indent="-171450" algn="l" defTabSz="800100">
+            <a:lnSpc>
+              <a:spcPct val="90000"/>
+            </a:lnSpc>
+            <a:spcBef>
+              <a:spcPct val="0"/>
+            </a:spcBef>
+            <a:spcAft>
+              <a:spcPct val="15000"/>
+            </a:spcAft>
+            <a:buChar char="•"/>
+          </a:pPr>
+          <a:r>
+            <a:rPr lang="en-US" sz="1800" kern="1200"/>
+            <a:t>And a few more… </a:t>
+          </a:r>
+        </a:p>
+      </dsp:txBody>
+      <dsp:txXfrm rot="-5400000">
+        <a:off x="3785616" y="295201"/>
+        <a:ext cx="6647092" cy="1532257"/>
+      </dsp:txXfrm>
+    </dsp:sp>
+    <dsp:sp modelId="{C0BFD27A-0820-474D-9B58-0E907D39BF43}">
+      <dsp:nvSpPr>
+        <dsp:cNvPr id="0" name=""/>
+        <dsp:cNvSpPr/>
+      </dsp:nvSpPr>
+      <dsp:spPr>
+        <a:xfrm>
+          <a:off x="0" y="53"/>
+          <a:ext cx="3785616" cy="2122552"/>
+        </a:xfrm>
+        <a:prstGeom prst="roundRect">
+          <a:avLst/>
+        </a:prstGeom>
+        <a:solidFill>
+          <a:schemeClr val="accent3">
+            <a:hueOff val="0"/>
+            <a:satOff val="0"/>
+            <a:lumOff val="0"/>
+            <a:alphaOff val="0"/>
+          </a:schemeClr>
+        </a:solidFill>
+        <a:ln w="19050" cap="flat" cmpd="sng" algn="ctr">
+          <a:solidFill>
+            <a:schemeClr val="lt1">
+              <a:hueOff val="0"/>
+              <a:satOff val="0"/>
+              <a:lumOff val="0"/>
+              <a:alphaOff val="0"/>
+            </a:schemeClr>
+          </a:solidFill>
+          <a:prstDash val="solid"/>
+          <a:miter lim="800000"/>
+        </a:ln>
+        <a:effectLst/>
+      </dsp:spPr>
+      <dsp:style>
+        <a:lnRef idx="2">
+          <a:scrgbClr r="0" g="0" b="0"/>
+        </a:lnRef>
+        <a:fillRef idx="1">
+          <a:scrgbClr r="0" g="0" b="0"/>
+        </a:fillRef>
+        <a:effectRef idx="0">
+          <a:scrgbClr r="0" g="0" b="0"/>
+        </a:effectRef>
+        <a:fontRef idx="minor">
+          <a:schemeClr val="lt1"/>
+        </a:fontRef>
+      </dsp:style>
+      <dsp:txBody>
+        <a:bodyPr spcFirstLastPara="0" vert="horz" wrap="square" lIns="217170" tIns="108585" rIns="217170" bIns="108585" numCol="1" spcCol="1270" anchor="ctr" anchorCtr="0">
+          <a:noAutofit/>
+        </a:bodyPr>
+        <a:lstStyle/>
+        <a:p>
+          <a:pPr marL="0" lvl="0" indent="0" algn="ctr" defTabSz="2533650">
+            <a:lnSpc>
+              <a:spcPct val="90000"/>
+            </a:lnSpc>
+            <a:spcBef>
+              <a:spcPct val="0"/>
+            </a:spcBef>
+            <a:spcAft>
+              <a:spcPct val="35000"/>
+            </a:spcAft>
+            <a:buNone/>
+          </a:pPr>
+          <a:r>
+            <a:rPr lang="en-US" sz="5700" kern="1200"/>
+            <a:t>Interests included:</a:t>
+          </a:r>
+        </a:p>
+      </dsp:txBody>
+      <dsp:txXfrm>
+        <a:off x="103614" y="103667"/>
+        <a:ext cx="3578388" cy="1915324"/>
+      </dsp:txXfrm>
+    </dsp:sp>
+    <dsp:sp modelId="{FAF9BD88-5FA1-4DEE-9E53-71DD5F3C67CF}">
+      <dsp:nvSpPr>
+        <dsp:cNvPr id="0" name=""/>
+        <dsp:cNvSpPr/>
+      </dsp:nvSpPr>
+      <dsp:spPr>
+        <a:xfrm rot="5400000">
+          <a:off x="6301587" y="-74983"/>
+          <a:ext cx="1698041" cy="6729984"/>
+        </a:xfrm>
+        <a:prstGeom prst="round2SameRect">
+          <a:avLst/>
+        </a:prstGeom>
+        <a:solidFill>
+          <a:schemeClr val="accent3">
+            <a:alpha val="90000"/>
+            <a:tint val="40000"/>
+            <a:hueOff val="0"/>
+            <a:satOff val="0"/>
+            <a:lumOff val="0"/>
+            <a:alphaOff val="0"/>
+          </a:schemeClr>
+        </a:solidFill>
+        <a:ln w="19050" cap="flat" cmpd="sng" algn="ctr">
+          <a:solidFill>
+            <a:schemeClr val="accent3">
+              <a:alpha val="90000"/>
+              <a:tint val="40000"/>
+              <a:hueOff val="0"/>
+              <a:satOff val="0"/>
+              <a:lumOff val="0"/>
+              <a:alphaOff val="0"/>
+            </a:schemeClr>
+          </a:solidFill>
+          <a:prstDash val="solid"/>
+          <a:miter lim="800000"/>
+        </a:ln>
+        <a:effectLst/>
+      </dsp:spPr>
+      <dsp:style>
+        <a:lnRef idx="2">
+          <a:scrgbClr r="0" g="0" b="0"/>
+        </a:lnRef>
+        <a:fillRef idx="1">
+          <a:scrgbClr r="0" g="0" b="0"/>
+        </a:fillRef>
+        <a:effectRef idx="0">
+          <a:scrgbClr r="0" g="0" b="0"/>
+        </a:effectRef>
+        <a:fontRef idx="minor"/>
+      </dsp:style>
+      <dsp:txBody>
+        <a:bodyPr spcFirstLastPara="0" vert="horz" wrap="square" lIns="68580" tIns="34290" rIns="68580" bIns="34290" numCol="1" spcCol="1270" anchor="ctr" anchorCtr="0">
+          <a:noAutofit/>
+        </a:bodyPr>
+        <a:lstStyle/>
+        <a:p>
+          <a:pPr marL="171450" lvl="1" indent="-171450" algn="l" defTabSz="800100">
+            <a:lnSpc>
+              <a:spcPct val="90000"/>
+            </a:lnSpc>
+            <a:spcBef>
+              <a:spcPct val="0"/>
+            </a:spcBef>
+            <a:spcAft>
+              <a:spcPct val="15000"/>
+            </a:spcAft>
+            <a:buChar char="•"/>
+          </a:pPr>
+          <a:r>
+            <a:rPr lang="en-US" sz="1800" kern="1200"/>
+            <a:t>Predict the sale price of a house going up for sale</a:t>
+          </a:r>
+        </a:p>
+      </dsp:txBody>
+      <dsp:txXfrm rot="-5400000">
+        <a:off x="3785616" y="2523880"/>
+        <a:ext cx="6647092" cy="1532257"/>
+      </dsp:txXfrm>
+    </dsp:sp>
+    <dsp:sp modelId="{4DC8C6CD-4A4A-4C00-8D18-8E2CC7C70E7A}">
+      <dsp:nvSpPr>
+        <dsp:cNvPr id="0" name=""/>
+        <dsp:cNvSpPr/>
+      </dsp:nvSpPr>
+      <dsp:spPr>
+        <a:xfrm>
+          <a:off x="0" y="2228732"/>
+          <a:ext cx="3785616" cy="2122552"/>
+        </a:xfrm>
+        <a:prstGeom prst="roundRect">
+          <a:avLst/>
+        </a:prstGeom>
+        <a:solidFill>
+          <a:schemeClr val="accent3">
+            <a:hueOff val="0"/>
+            <a:satOff val="0"/>
+            <a:lumOff val="0"/>
+            <a:alphaOff val="0"/>
+          </a:schemeClr>
+        </a:solidFill>
+        <a:ln w="19050" cap="flat" cmpd="sng" algn="ctr">
+          <a:solidFill>
+            <a:schemeClr val="lt1">
+              <a:hueOff val="0"/>
+              <a:satOff val="0"/>
+              <a:lumOff val="0"/>
+              <a:alphaOff val="0"/>
+            </a:schemeClr>
+          </a:solidFill>
+          <a:prstDash val="solid"/>
+          <a:miter lim="800000"/>
+        </a:ln>
+        <a:effectLst/>
+      </dsp:spPr>
+      <dsp:style>
+        <a:lnRef idx="2">
+          <a:scrgbClr r="0" g="0" b="0"/>
+        </a:lnRef>
+        <a:fillRef idx="1">
+          <a:scrgbClr r="0" g="0" b="0"/>
+        </a:fillRef>
+        <a:effectRef idx="0">
+          <a:scrgbClr r="0" g="0" b="0"/>
+        </a:effectRef>
+        <a:fontRef idx="minor">
+          <a:schemeClr val="lt1"/>
+        </a:fontRef>
+      </dsp:style>
+      <dsp:txBody>
+        <a:bodyPr spcFirstLastPara="0" vert="horz" wrap="square" lIns="217170" tIns="108585" rIns="217170" bIns="108585" numCol="1" spcCol="1270" anchor="ctr" anchorCtr="0">
+          <a:noAutofit/>
+        </a:bodyPr>
+        <a:lstStyle/>
+        <a:p>
+          <a:pPr marL="0" lvl="0" indent="0" algn="ctr" defTabSz="2533650">
+            <a:lnSpc>
+              <a:spcPct val="90000"/>
+            </a:lnSpc>
+            <a:spcBef>
+              <a:spcPct val="0"/>
+            </a:spcBef>
+            <a:spcAft>
+              <a:spcPct val="35000"/>
+            </a:spcAft>
+            <a:buNone/>
+          </a:pPr>
+          <a:r>
+            <a:rPr lang="en-US" sz="5700" kern="1200"/>
+            <a:t>Decided on:</a:t>
+          </a:r>
+        </a:p>
+      </dsp:txBody>
+      <dsp:txXfrm>
+        <a:off x="103614" y="2332346"/>
+        <a:ext cx="3578388" cy="1915324"/>
+      </dsp:txXfrm>
+    </dsp:sp>
+  </dsp:spTree>
+</dsp:drawing>
+</file>
+
+<file path=ppt/diagrams/drawing2.xml><?xml version="1.0" encoding="utf-8"?>
+<dsp:drawing xmlns:dgm="http://schemas.openxmlformats.org/drawingml/2006/diagram" xmlns:dsp="http://schemas.microsoft.com/office/drawing/2008/diagram" xmlns:a="http://schemas.openxmlformats.org/drawingml/2006/main">
+  <dsp:spTree>
+    <dsp:nvGrpSpPr>
+      <dsp:cNvPr id="0" name=""/>
+      <dsp:cNvGrpSpPr/>
+    </dsp:nvGrpSpPr>
+    <dsp:grpSpPr/>
+    <dsp:sp modelId="{7E9BED59-76BC-43AA-B563-2E4A44E4110C}">
+      <dsp:nvSpPr>
+        <dsp:cNvPr id="0" name=""/>
+        <dsp:cNvSpPr/>
+      </dsp:nvSpPr>
+      <dsp:spPr>
+        <a:xfrm>
+          <a:off x="682185" y="0"/>
+          <a:ext cx="5536141" cy="5536141"/>
+        </a:xfrm>
+        <a:prstGeom prst="diamond">
+          <a:avLst/>
+        </a:prstGeom>
+        <a:solidFill>
+          <a:schemeClr val="accent2">
+            <a:tint val="40000"/>
+            <a:hueOff val="0"/>
+            <a:satOff val="0"/>
+            <a:lumOff val="0"/>
+            <a:alphaOff val="0"/>
+          </a:schemeClr>
+        </a:solidFill>
+        <a:ln>
+          <a:noFill/>
+        </a:ln>
+        <a:effectLst/>
+      </dsp:spPr>
+      <dsp:style>
+        <a:lnRef idx="0">
+          <a:scrgbClr r="0" g="0" b="0"/>
+        </a:lnRef>
+        <a:fillRef idx="1">
+          <a:scrgbClr r="0" g="0" b="0"/>
+        </a:fillRef>
+        <a:effectRef idx="0">
+          <a:scrgbClr r="0" g="0" b="0"/>
+        </a:effectRef>
+        <a:fontRef idx="minor"/>
+      </dsp:style>
+    </dsp:sp>
+    <dsp:sp modelId="{F151FCCC-6C96-47A2-B138-FEC2F73A241E}">
+      <dsp:nvSpPr>
+        <dsp:cNvPr id="0" name=""/>
+        <dsp:cNvSpPr/>
+      </dsp:nvSpPr>
+      <dsp:spPr>
+        <a:xfrm>
+          <a:off x="1208118" y="525933"/>
+          <a:ext cx="2159094" cy="2159094"/>
+        </a:xfrm>
+        <a:prstGeom prst="roundRect">
+          <a:avLst/>
+        </a:prstGeom>
+        <a:solidFill>
+          <a:schemeClr val="accent2">
+            <a:hueOff val="0"/>
+            <a:satOff val="0"/>
+            <a:lumOff val="0"/>
+            <a:alphaOff val="0"/>
+          </a:schemeClr>
+        </a:solidFill>
+        <a:ln w="19050" cap="flat" cmpd="sng" algn="ctr">
+          <a:solidFill>
+            <a:schemeClr val="lt1">
+              <a:hueOff val="0"/>
+              <a:satOff val="0"/>
+              <a:lumOff val="0"/>
+              <a:alphaOff val="0"/>
+            </a:schemeClr>
+          </a:solidFill>
+          <a:prstDash val="solid"/>
+          <a:miter lim="800000"/>
+        </a:ln>
+        <a:effectLst/>
+      </dsp:spPr>
+      <dsp:style>
+        <a:lnRef idx="2">
+          <a:scrgbClr r="0" g="0" b="0"/>
+        </a:lnRef>
+        <a:fillRef idx="1">
+          <a:scrgbClr r="0" g="0" b="0"/>
+        </a:fillRef>
+        <a:effectRef idx="0">
+          <a:scrgbClr r="0" g="0" b="0"/>
+        </a:effectRef>
+        <a:fontRef idx="minor">
+          <a:schemeClr val="lt1"/>
+        </a:fontRef>
+      </dsp:style>
+      <dsp:txBody>
+        <a:bodyPr spcFirstLastPara="0" vert="horz" wrap="square" lIns="83820" tIns="83820" rIns="83820" bIns="83820" numCol="1" spcCol="1270" anchor="ctr" anchorCtr="0">
+          <a:noAutofit/>
+        </a:bodyPr>
+        <a:lstStyle/>
+        <a:p>
+          <a:pPr marL="0" lvl="0" indent="0" algn="ctr" defTabSz="977900">
+            <a:lnSpc>
+              <a:spcPct val="90000"/>
+            </a:lnSpc>
+            <a:spcBef>
+              <a:spcPct val="0"/>
+            </a:spcBef>
+            <a:spcAft>
+              <a:spcPct val="35000"/>
+            </a:spcAft>
+            <a:buNone/>
+          </a:pPr>
+          <a:r>
+            <a:rPr lang="en-US" sz="2200" kern="1200"/>
+            <a:t>Number of Instances: 2,930</a:t>
+          </a:r>
+        </a:p>
+      </dsp:txBody>
+      <dsp:txXfrm>
+        <a:off x="1313516" y="631331"/>
+        <a:ext cx="1948298" cy="1948298"/>
+      </dsp:txXfrm>
+    </dsp:sp>
+    <dsp:sp modelId="{E22C0F84-BDCC-4A23-A0CF-C73FA40B0FC8}">
+      <dsp:nvSpPr>
+        <dsp:cNvPr id="0" name=""/>
+        <dsp:cNvSpPr/>
+      </dsp:nvSpPr>
+      <dsp:spPr>
+        <a:xfrm>
+          <a:off x="3533298" y="525933"/>
+          <a:ext cx="2159094" cy="2159094"/>
+        </a:xfrm>
+        <a:prstGeom prst="roundRect">
+          <a:avLst/>
+        </a:prstGeom>
+        <a:solidFill>
+          <a:schemeClr val="accent3">
+            <a:hueOff val="0"/>
+            <a:satOff val="0"/>
+            <a:lumOff val="0"/>
+            <a:alphaOff val="0"/>
+          </a:schemeClr>
+        </a:solidFill>
+        <a:ln w="19050" cap="flat" cmpd="sng" algn="ctr">
+          <a:solidFill>
+            <a:schemeClr val="lt1">
+              <a:hueOff val="0"/>
+              <a:satOff val="0"/>
+              <a:lumOff val="0"/>
+              <a:alphaOff val="0"/>
+            </a:schemeClr>
+          </a:solidFill>
+          <a:prstDash val="solid"/>
+          <a:miter lim="800000"/>
+        </a:ln>
+        <a:effectLst/>
+      </dsp:spPr>
+      <dsp:style>
+        <a:lnRef idx="2">
+          <a:scrgbClr r="0" g="0" b="0"/>
+        </a:lnRef>
+        <a:fillRef idx="1">
+          <a:scrgbClr r="0" g="0" b="0"/>
+        </a:fillRef>
+        <a:effectRef idx="0">
+          <a:scrgbClr r="0" g="0" b="0"/>
+        </a:effectRef>
+        <a:fontRef idx="minor">
+          <a:schemeClr val="lt1"/>
+        </a:fontRef>
+      </dsp:style>
+      <dsp:txBody>
+        <a:bodyPr spcFirstLastPara="0" vert="horz" wrap="square" lIns="83820" tIns="83820" rIns="83820" bIns="83820" numCol="1" spcCol="1270" anchor="ctr" anchorCtr="0">
+          <a:noAutofit/>
+        </a:bodyPr>
+        <a:lstStyle/>
+        <a:p>
+          <a:pPr marL="0" lvl="0" indent="0" algn="ctr" defTabSz="977900">
+            <a:lnSpc>
+              <a:spcPct val="90000"/>
+            </a:lnSpc>
+            <a:spcBef>
+              <a:spcPct val="0"/>
+            </a:spcBef>
+            <a:spcAft>
+              <a:spcPct val="35000"/>
+            </a:spcAft>
+            <a:buNone/>
+          </a:pPr>
+          <a:r>
+            <a:rPr lang="en-US" sz="2200" kern="1200"/>
+            <a:t>Number of Features: 79</a:t>
+          </a:r>
+        </a:p>
+      </dsp:txBody>
+      <dsp:txXfrm>
+        <a:off x="3638696" y="631331"/>
+        <a:ext cx="1948298" cy="1948298"/>
+      </dsp:txXfrm>
+    </dsp:sp>
+    <dsp:sp modelId="{33AB13E3-A103-42E3-BFD2-5F55C94DFE4B}">
+      <dsp:nvSpPr>
+        <dsp:cNvPr id="0" name=""/>
+        <dsp:cNvSpPr/>
+      </dsp:nvSpPr>
+      <dsp:spPr>
+        <a:xfrm>
+          <a:off x="1208118" y="2851112"/>
+          <a:ext cx="2159094" cy="2159094"/>
+        </a:xfrm>
+        <a:prstGeom prst="roundRect">
+          <a:avLst/>
+        </a:prstGeom>
+        <a:solidFill>
+          <a:schemeClr val="accent4">
+            <a:hueOff val="0"/>
+            <a:satOff val="0"/>
+            <a:lumOff val="0"/>
+            <a:alphaOff val="0"/>
+          </a:schemeClr>
+        </a:solidFill>
+        <a:ln w="19050" cap="flat" cmpd="sng" algn="ctr">
+          <a:solidFill>
+            <a:schemeClr val="lt1">
+              <a:hueOff val="0"/>
+              <a:satOff val="0"/>
+              <a:lumOff val="0"/>
+              <a:alphaOff val="0"/>
+            </a:schemeClr>
+          </a:solidFill>
+          <a:prstDash val="solid"/>
+          <a:miter lim="800000"/>
+        </a:ln>
+        <a:effectLst/>
+      </dsp:spPr>
+      <dsp:style>
+        <a:lnRef idx="2">
+          <a:scrgbClr r="0" g="0" b="0"/>
+        </a:lnRef>
+        <a:fillRef idx="1">
+          <a:scrgbClr r="0" g="0" b="0"/>
+        </a:fillRef>
+        <a:effectRef idx="0">
+          <a:scrgbClr r="0" g="0" b="0"/>
+        </a:effectRef>
+        <a:fontRef idx="minor">
+          <a:schemeClr val="lt1"/>
+        </a:fontRef>
+      </dsp:style>
+      <dsp:txBody>
+        <a:bodyPr spcFirstLastPara="0" vert="horz" wrap="square" lIns="83820" tIns="83820" rIns="83820" bIns="83820" numCol="1" spcCol="1270" anchor="ctr" anchorCtr="0">
+          <a:noAutofit/>
+        </a:bodyPr>
+        <a:lstStyle/>
+        <a:p>
+          <a:pPr marL="0" lvl="0" indent="0" algn="ctr" defTabSz="977900">
+            <a:lnSpc>
+              <a:spcPct val="90000"/>
+            </a:lnSpc>
+            <a:spcBef>
+              <a:spcPct val="0"/>
+            </a:spcBef>
+            <a:spcAft>
+              <a:spcPct val="35000"/>
+            </a:spcAft>
+            <a:buNone/>
+          </a:pPr>
+          <a:r>
+            <a:rPr lang="en-US" sz="2200" kern="1200"/>
+            <a:t>Data types include both numerical and categorical values</a:t>
+          </a:r>
+        </a:p>
+      </dsp:txBody>
+      <dsp:txXfrm>
+        <a:off x="1313516" y="2956510"/>
+        <a:ext cx="1948298" cy="1948298"/>
+      </dsp:txXfrm>
+    </dsp:sp>
+    <dsp:sp modelId="{8CCB618D-9DEC-4A13-AC5B-78D782F29431}">
+      <dsp:nvSpPr>
+        <dsp:cNvPr id="0" name=""/>
+        <dsp:cNvSpPr/>
+      </dsp:nvSpPr>
+      <dsp:spPr>
+        <a:xfrm>
+          <a:off x="3533298" y="2851112"/>
+          <a:ext cx="2159094" cy="2159094"/>
+        </a:xfrm>
+        <a:prstGeom prst="roundRect">
+          <a:avLst/>
+        </a:prstGeom>
+        <a:solidFill>
+          <a:schemeClr val="accent5">
+            <a:hueOff val="0"/>
+            <a:satOff val="0"/>
+            <a:lumOff val="0"/>
+            <a:alphaOff val="0"/>
+          </a:schemeClr>
+        </a:solidFill>
+        <a:ln w="19050" cap="flat" cmpd="sng" algn="ctr">
+          <a:solidFill>
+            <a:schemeClr val="lt1">
+              <a:hueOff val="0"/>
+              <a:satOff val="0"/>
+              <a:lumOff val="0"/>
+              <a:alphaOff val="0"/>
+            </a:schemeClr>
+          </a:solidFill>
+          <a:prstDash val="solid"/>
+          <a:miter lim="800000"/>
+        </a:ln>
+        <a:effectLst/>
+      </dsp:spPr>
+      <dsp:style>
+        <a:lnRef idx="2">
+          <a:scrgbClr r="0" g="0" b="0"/>
+        </a:lnRef>
+        <a:fillRef idx="1">
+          <a:scrgbClr r="0" g="0" b="0"/>
+        </a:fillRef>
+        <a:effectRef idx="0">
+          <a:scrgbClr r="0" g="0" b="0"/>
+        </a:effectRef>
+        <a:fontRef idx="minor">
+          <a:schemeClr val="lt1"/>
+        </a:fontRef>
+      </dsp:style>
+      <dsp:txBody>
+        <a:bodyPr spcFirstLastPara="0" vert="horz" wrap="square" lIns="83820" tIns="83820" rIns="83820" bIns="83820" numCol="1" spcCol="1270" anchor="ctr" anchorCtr="0">
+          <a:noAutofit/>
+        </a:bodyPr>
+        <a:lstStyle/>
+        <a:p>
+          <a:pPr marL="0" lvl="0" indent="0" algn="ctr" defTabSz="977900">
+            <a:lnSpc>
+              <a:spcPct val="90000"/>
+            </a:lnSpc>
+            <a:spcBef>
+              <a:spcPct val="0"/>
+            </a:spcBef>
+            <a:spcAft>
+              <a:spcPct val="35000"/>
+            </a:spcAft>
+            <a:buNone/>
+          </a:pPr>
+          <a:r>
+            <a:rPr lang="en-US" sz="2200" kern="1200"/>
+            <a:t>Record of home sales from January 2006 to July 2010</a:t>
+          </a:r>
+        </a:p>
+      </dsp:txBody>
+      <dsp:txXfrm>
+        <a:off x="3638696" y="2956510"/>
+        <a:ext cx="1948298" cy="1948298"/>
+      </dsp:txXfrm>
+    </dsp:sp>
+  </dsp:spTree>
+</dsp:drawing>
+</file>
+
+<file path=ppt/diagrams/layout1.xml><?xml version="1.0" encoding="utf-8"?>
+<dgm:layoutDef xmlns:dgm="http://schemas.openxmlformats.org/drawingml/2006/diagram" xmlns:a="http://schemas.openxmlformats.org/drawingml/2006/main" uniqueId="urn:microsoft.com/office/officeart/2005/8/layout/vList5">
+  <dgm:title val=""/>
+  <dgm:desc val=""/>
+  <dgm:catLst>
+    <dgm:cat type="list" pri="15000"/>
+    <dgm:cat type="convert" pri="2000"/>
+  </dgm:catLst>
+  <dgm:sampData>
+    <dgm:dataModel>
+      <dgm:ptLst>
+        <dgm:pt modelId="0" type="doc"/>
+        <dgm:pt modelId="1">
+          <dgm:prSet phldr="1"/>
+        </dgm:pt>
+        <dgm:pt modelId="11">
+          <dgm:prSet phldr="1"/>
+        </dgm:pt>
+        <dgm:pt modelId="12">
+          <dgm:prSet phldr="1"/>
+        </dgm:pt>
+        <dgm:pt modelId="2">
+          <dgm:prSet phldr="1"/>
+        </dgm:pt>
+        <dgm:pt modelId="21">
+          <dgm:prSet phldr="1"/>
+        </dgm:pt>
+        <dgm:pt modelId="22">
+          <dgm:prSet phldr="1"/>
+        </dgm:pt>
+        <dgm:pt modelId="3">
+          <dgm:prSet phldr="1"/>
+        </dgm:pt>
+        <dgm:pt modelId="31">
+          <dgm:prSet phldr="1"/>
+        </dgm:pt>
+        <dgm:pt modelId="32">
+          <dgm:prSet phldr="1"/>
+        </dgm:pt>
+      </dgm:ptLst>
+      <dgm:cxnLst>
+        <dgm:cxn modelId="4" srcId="0" destId="1" srcOrd="0" destOrd="0"/>
+        <dgm:cxn modelId="5" srcId="0" destId="2" srcOrd="1" destOrd="0"/>
+        <dgm:cxn modelId="6" srcId="0" destId="3" srcOrd="2" destOrd="0"/>
+        <dgm:cxn modelId="13" srcId="1" destId="11" srcOrd="0" destOrd="0"/>
+        <dgm:cxn modelId="14" srcId="1" destId="12" srcOrd="1" destOrd="0"/>
+        <dgm:cxn modelId="23" srcId="2" destId="21" srcOrd="0" destOrd="0"/>
+        <dgm:cxn modelId="24" srcId="2" destId="22" srcOrd="1" destOrd="0"/>
+        <dgm:cxn modelId="33" srcId="3" destId="31" srcOrd="0" destOrd="0"/>
+        <dgm:cxn modelId="34" srcId="3" destId="32" srcOrd="1" destOrd="0"/>
+      </dgm:cxnLst>
+      <dgm:bg/>
+      <dgm:whole/>
+    </dgm:dataModel>
+  </dgm:sampData>
+  <dgm:styleData>
+    <dgm:dataModel>
+      <dgm:ptLst>
+        <dgm:pt modelId="0" type="doc"/>
+        <dgm:pt modelId="1"/>
+        <dgm:pt modelId="11"/>
+        <dgm:pt modelId="2"/>
+        <dgm:pt modelId="21"/>
+      </dgm:ptLst>
+      <dgm:cxnLst>
+        <dgm:cxn modelId="4" srcId="0" destId="1" srcOrd="0" destOrd="0"/>
+        <dgm:cxn modelId="5" srcId="0" destId="2" srcOrd="1" destOrd="0"/>
+        <dgm:cxn modelId="13" srcId="1" destId="11" srcOrd="0" destOrd="0"/>
+        <dgm:cxn modelId="23" srcId="2" destId="21" srcOrd="0" destOrd="0"/>
+      </dgm:cxnLst>
+      <dgm:bg/>
+      <dgm:whole/>
+    </dgm:dataModel>
+  </dgm:styleData>
+  <dgm:clrData>
+    <dgm:dataModel>
+      <dgm:ptLst>
+        <dgm:pt modelId="0" type="doc"/>
+        <dgm:pt modelId="1"/>
+        <dgm:pt modelId="11"/>
+        <dgm:pt modelId="2"/>
+        <dgm:pt modelId="21"/>
+        <dgm:pt modelId="3"/>
+        <dgm:pt modelId="31"/>
+        <dgm:pt modelId="4"/>
+        <dgm:pt modelId="41"/>
+      </dgm:ptLst>
+      <dgm:cxnLst>
+        <dgm:cxn modelId="5" srcId="0" destId="1" srcOrd="0" destOrd="0"/>
+        <dgm:cxn modelId="6" srcId="0" destId="2" srcOrd="1" destOrd="0"/>
+        <dgm:cxn modelId="7" srcId="0" destId="3" srcOrd="2" destOrd="0"/>
+        <dgm:cxn modelId="8" srcId="0" destId="4" srcOrd="3" destOrd="0"/>
+        <dgm:cxn modelId="13" srcId="1" destId="11" srcOrd="0" destOrd="0"/>
+        <dgm:cxn modelId="23" srcId="2" destId="21" srcOrd="0" destOrd="0"/>
+        <dgm:cxn modelId="33" srcId="3" destId="31" srcOrd="0" destOrd="0"/>
+        <dgm:cxn modelId="43" srcId="4" destId="41" srcOrd="0" destOrd="0"/>
+      </dgm:cxnLst>
+      <dgm:bg/>
+      <dgm:whole/>
+    </dgm:dataModel>
+  </dgm:clrData>
+  <dgm:layoutNode name="Name0">
+    <dgm:varLst>
+      <dgm:dir/>
+      <dgm:animLvl val="lvl"/>
+      <dgm:resizeHandles val="exact"/>
+    </dgm:varLst>
+    <dgm:choose name="Name1">
+      <dgm:if name="Name2" func="var" arg="dir" op="equ" val="norm">
+        <dgm:alg type="lin">
+          <dgm:param type="linDir" val="fromT"/>
+          <dgm:param type="nodeHorzAlign" val="l"/>
+        </dgm:alg>
+      </dgm:if>
+      <dgm:else name="Name3">
+        <dgm:alg type="lin">
+          <dgm:param type="linDir" val="fromT"/>
+          <dgm:param type="nodeHorzAlign" val="r"/>
+        </dgm:alg>
+      </dgm:else>
+    </dgm:choose>
+    <dgm:shape xmlns:r="http://schemas.openxmlformats.org/officeDocument/2006/relationships" r:blip="">
+      <dgm:adjLst/>
+    </dgm:shape>
+    <dgm:presOf/>
+    <dgm:constrLst>
+      <dgm:constr type="h" for="ch" forName="linNode" refType="h"/>
+      <dgm:constr type="w" for="ch" forName="linNode" refType="w"/>
+      <dgm:constr type="h" for="ch" forName="sp" refType="h" fact="0.05"/>
+      <dgm:constr type="primFontSz" for="des" forName="parentText" op="equ" val="65"/>
+      <dgm:constr type="secFontSz" for="des" forName="descendantText" op="equ"/>
+    </dgm:constrLst>
+    <dgm:ruleLst/>
+    <dgm:forEach name="Name4" axis="ch" ptType="node">
+      <dgm:layoutNode name="linNode">
+        <dgm:choose name="Name5">
+          <dgm:if name="Name6" func="var" arg="dir" op="equ" val="norm">
+            <dgm:alg type="lin">
+              <dgm:param type="linDir" val="fromL"/>
+            </dgm:alg>
+          </dgm:if>
+          <dgm:else name="Name7">
+            <dgm:alg type="lin">
+              <dgm:param type="linDir" val="fromR"/>
+            </dgm:alg>
+          </dgm:else>
+        </dgm:choose>
+        <dgm:shape xmlns:r="http://schemas.openxmlformats.org/officeDocument/2006/relationships" r:blip="">
+          <dgm:adjLst/>
+        </dgm:shape>
+        <dgm:presOf/>
+        <dgm:constrLst>
+          <dgm:constr type="w" for="ch" forName="parentText" refType="w" fact="0.36"/>
+          <dgm:constr type="w" for="ch" forName="descendantText" refType="w" fact="0.64"/>
+          <dgm:constr type="h" for="ch" forName="parentText" refType="h"/>
+          <dgm:constr type="h" for="ch" forName="descendantText" refType="h" refFor="ch" refForName="parentText" fact="0.8"/>
+        </dgm:constrLst>
+        <dgm:ruleLst/>
+        <dgm:layoutNode name="parentText">
+          <dgm:varLst>
+            <dgm:chMax val="1"/>
+            <dgm:bulletEnabled val="1"/>
+          </dgm:varLst>
+          <dgm:alg type="tx"/>
+          <dgm:shape xmlns:r="http://schemas.openxmlformats.org/officeDocument/2006/relationships" type="roundRect" r:blip="" zOrderOff="3">
+            <dgm:adjLst/>
+          </dgm:shape>
+          <dgm:presOf axis="self" ptType="node"/>
+          <dgm:constrLst>
+            <dgm:constr type="tMarg" refType="primFontSz" fact="0.15"/>
+            <dgm:constr type="bMarg" refType="primFontSz" fact="0.15"/>
+            <dgm:constr type="lMarg" refType="primFontSz" fact="0.3"/>
+            <dgm:constr type="rMarg" refType="primFontSz" fact="0.3"/>
+          </dgm:constrLst>
+          <dgm:ruleLst>
+            <dgm:rule type="primFontSz" val="5" fact="NaN" max="NaN"/>
+          </dgm:ruleLst>
+        </dgm:layoutNode>
+        <dgm:choose name="Name8">
+          <dgm:if name="Name9" axis="ch" ptType="node" func="cnt" op="gte" val="1">
+            <dgm:layoutNode name="descendantText" styleLbl="alignAccFollowNode1">
+              <dgm:varLst>
+                <dgm:bulletEnabled val="1"/>
+              </dgm:varLst>
+              <dgm:alg type="tx">
+                <dgm:param type="stBulletLvl" val="1"/>
+                <dgm:param type="txAnchorVertCh" val="mid"/>
+              </dgm:alg>
+              <dgm:choose name="Name10">
+                <dgm:if name="Name11" func="var" arg="dir" op="equ" val="norm">
+                  <dgm:shape xmlns:r="http://schemas.openxmlformats.org/officeDocument/2006/relationships" rot="90" type="round2SameRect" r:blip="">
+                    <dgm:adjLst/>
+                  </dgm:shape>
+                </dgm:if>
+                <dgm:else name="Name12">
+                  <dgm:shape xmlns:r="http://schemas.openxmlformats.org/officeDocument/2006/relationships" rot="-90" type="round2SameRect" r:blip="">
+                    <dgm:adjLst/>
+                  </dgm:shape>
+                </dgm:else>
+              </dgm:choose>
+              <dgm:presOf axis="des" ptType="node"/>
+              <dgm:constrLst>
+                <dgm:constr type="secFontSz" val="65"/>
+                <dgm:constr type="primFontSz" refType="secFontSz"/>
+                <dgm:constr type="lMarg" refType="secFontSz" fact="0.3"/>
+                <dgm:constr type="rMarg" refType="secFontSz" fact="0.3"/>
+                <dgm:constr type="tMarg" refType="secFontSz" fact="0.15"/>
+                <dgm:constr type="bMarg" refType="secFontSz" fact="0.15"/>
+              </dgm:constrLst>
+              <dgm:ruleLst>
+                <dgm:rule type="secFontSz" val="5" fact="NaN" max="NaN"/>
+              </dgm:ruleLst>
+            </dgm:layoutNode>
+          </dgm:if>
+          <dgm:else name="Name13"/>
+        </dgm:choose>
+      </dgm:layoutNode>
+      <dgm:forEach name="Name14" axis="followSib" ptType="sibTrans" cnt="1">
+        <dgm:layoutNode name="sp">
+          <dgm:alg type="sp"/>
+          <dgm:shape xmlns:r="http://schemas.openxmlformats.org/officeDocument/2006/relationships" r:blip="">
+            <dgm:adjLst/>
+          </dgm:shape>
+          <dgm:presOf/>
+          <dgm:constrLst/>
+          <dgm:ruleLst/>
+        </dgm:layoutNode>
+      </dgm:forEach>
+    </dgm:forEach>
+  </dgm:layoutNode>
+</dgm:layoutDef>
+</file>
+
+<file path=ppt/diagrams/layout2.xml><?xml version="1.0" encoding="utf-8"?>
+<dgm:layoutDef xmlns:dgm="http://schemas.openxmlformats.org/drawingml/2006/diagram" xmlns:a="http://schemas.openxmlformats.org/drawingml/2006/main" uniqueId="urn:microsoft.com/office/officeart/2005/8/layout/matrix3">
+  <dgm:title val=""/>
+  <dgm:desc val=""/>
+  <dgm:catLst>
+    <dgm:cat type="matrix" pri="1000"/>
+    <dgm:cat type="convert" pri="18000"/>
+  </dgm:catLst>
+  <dgm:sampData>
+    <dgm:dataModel>
+      <dgm:ptLst>
+        <dgm:pt modelId="0" type="doc"/>
+        <dgm:pt modelId="1">
+          <dgm:prSet phldr="1"/>
+        </dgm:pt>
+        <dgm:pt modelId="2">
+          <dgm:prSet phldr="1"/>
+        </dgm:pt>
+        <dgm:pt modelId="3">
+          <dgm:prSet phldr="1"/>
+        </dgm:pt>
+        <dgm:pt modelId="4">
+          <dgm:prSet phldr="1"/>
+        </dgm:pt>
+      </dgm:ptLst>
+      <dgm:cxnLst>
+        <dgm:cxn modelId="5" srcId="0" destId="1" srcOrd="0" destOrd="0"/>
+        <dgm:cxn modelId="6" srcId="0" destId="2" srcOrd="1" destOrd="0"/>
+        <dgm:cxn modelId="7" srcId="0" destId="3" srcOrd="0" destOrd="0"/>
+        <dgm:cxn modelId="8" srcId="0" destId="4" srcOrd="1" destOrd="0"/>
+      </dgm:cxnLst>
+      <dgm:bg/>
+      <dgm:whole/>
+    </dgm:dataModel>
+  </dgm:sampData>
+  <dgm:styleData useDef="1">
+    <dgm:dataModel>
+      <dgm:ptLst/>
+      <dgm:bg/>
+      <dgm:whole/>
+    </dgm:dataModel>
+  </dgm:styleData>
+  <dgm:clrData useDef="1">
+    <dgm:dataModel>
+      <dgm:ptLst/>
+      <dgm:bg/>
+      <dgm:whole/>
+    </dgm:dataModel>
+  </dgm:clrData>
+  <dgm:layoutNode name="matrix">
+    <dgm:varLst>
+      <dgm:chMax val="1"/>
+      <dgm:dir/>
+      <dgm:resizeHandles val="exact"/>
+    </dgm:varLst>
+    <dgm:alg type="composite">
+      <dgm:param type="ar" val="1"/>
+    </dgm:alg>
+    <dgm:shape xmlns:r="http://schemas.openxmlformats.org/officeDocument/2006/relationships" r:blip="">
+      <dgm:adjLst/>
+    </dgm:shape>
+    <dgm:presOf/>
+    <dgm:choose name="Name0">
+      <dgm:if name="Name1" func="var" arg="dir" op="equ" val="norm">
+        <dgm:constrLst>
+          <dgm:constr type="w" for="ch" forName="diamond" refType="w"/>
+          <dgm:constr type="h" for="ch" forName="diamond" refType="h"/>
+          <dgm:constr type="w" for="ch" forName="quad1" refType="w" fact="0.39"/>
+          <dgm:constr type="h" for="ch" forName="quad1" refType="h" fact="0.39"/>
+          <dgm:constr type="ctrX" for="ch" forName="quad1" refType="w" fact="0.29"/>
+          <dgm:constr type="ctrY" for="ch" forName="quad1" refType="h" fact="0.29"/>
+          <dgm:constr type="w" for="ch" forName="quad2" refType="w" fact="0.39"/>
+          <dgm:constr type="h" for="ch" forName="quad2" refType="h" fact="0.39"/>
+          <dgm:constr type="ctrX" for="ch" forName="quad2" refType="w" fact="0.71"/>
+          <dgm:constr type="ctrY" for="ch" forName="quad2" refType="h" fact="0.29"/>
+          <dgm:constr type="w" for="ch" forName="quad3" refType="w" fact="0.39"/>
+          <dgm:constr type="h" for="ch" forName="quad3" refType="h" fact="0.39"/>
+          <dgm:constr type="ctrX" for="ch" forName="quad3" refType="w" fact="0.29"/>
+          <dgm:constr type="ctrY" for="ch" forName="quad3" refType="h" fact="0.71"/>
+          <dgm:constr type="w" for="ch" forName="quad4" refType="w" fact="0.39"/>
+          <dgm:constr type="h" for="ch" forName="quad4" refType="h" fact="0.39"/>
+          <dgm:constr type="ctrX" for="ch" forName="quad4" refType="w" fact="0.71"/>
+          <dgm:constr type="ctrY" for="ch" forName="quad4" refType="h" fact="0.71"/>
+          <dgm:constr type="primFontSz" for="des" ptType="node" op="equ" val="65"/>
+        </dgm:constrLst>
+      </dgm:if>
+      <dgm:else name="Name2">
+        <dgm:constrLst>
+          <dgm:constr type="w" for="ch" forName="diamond" refType="w"/>
+          <dgm:constr type="h" for="ch" forName="diamond" refType="h"/>
+          <dgm:constr type="w" for="ch" forName="quad1" refType="w" fact="0.39"/>
+          <dgm:constr type="h" for="ch" forName="quad1" refType="h" fact="0.39"/>
+          <dgm:constr type="ctrX" for="ch" forName="quad1" refType="w" fact="0.71"/>
+          <dgm:constr type="ctrY" for="ch" forName="quad1" refType="h" fact="0.29"/>
+          <dgm:constr type="w" for="ch" forName="quad2" refType="w" fact="0.39"/>
+          <dgm:constr type="h" for="ch" forName="quad2" refType="h" fact="0.39"/>
+          <dgm:constr type="ctrX" for="ch" forName="quad2" refType="w" fact="0.29"/>
+          <dgm:constr type="ctrY" for="ch" forName="quad2" refType="h" fact="0.29"/>
+          <dgm:constr type="w" for="ch" forName="quad3" refType="w" fact="0.39"/>
+          <dgm:constr type="h" for="ch" forName="quad3" refType="h" fact="0.39"/>
+          <dgm:constr type="ctrX" for="ch" forName="quad3" refType="w" fact="0.71"/>
+          <dgm:constr type="ctrY" for="ch" forName="quad3" refType="h" fact="0.71"/>
+          <dgm:constr type="w" for="ch" forName="quad4" refType="w" fact="0.39"/>
+          <dgm:constr type="h" for="ch" forName="quad4" refType="h" fact="0.39"/>
+          <dgm:constr type="ctrX" for="ch" forName="quad4" refType="w" fact="0.29"/>
+          <dgm:constr type="ctrY" for="ch" forName="quad4" refType="h" fact="0.71"/>
+          <dgm:constr type="primFontSz" for="des" ptType="node" op="equ" val="65"/>
+        </dgm:constrLst>
+      </dgm:else>
+    </dgm:choose>
+    <dgm:ruleLst/>
+    <dgm:choose name="Name3">
+      <dgm:if name="Name4" axis="ch" ptType="node" func="cnt" op="gte" val="1">
+        <dgm:layoutNode name="diamond" styleLbl="bgShp">
+          <dgm:alg type="sp"/>
+          <dgm:shape xmlns:r="http://schemas.openxmlformats.org/officeDocument/2006/relationships" type="diamond" r:blip="">
+            <dgm:adjLst/>
+          </dgm:shape>
+          <dgm:presOf/>
+          <dgm:constrLst>
+            <dgm:constr type="w" refType="h" op="equ"/>
+          </dgm:constrLst>
+          <dgm:ruleLst/>
+        </dgm:layoutNode>
+        <dgm:layoutNode name="quad1">
+          <dgm:varLst>
+            <dgm:chMax val="0"/>
+            <dgm:chPref val="0"/>
+            <dgm:bulletEnabled val="1"/>
+          </dgm:varLst>
+          <dgm:alg type="tx"/>
+          <dgm:shape xmlns:r="http://schemas.openxmlformats.org/officeDocument/2006/relationships" type="roundRect" r:blip="">
+            <dgm:adjLst/>
+          </dgm:shape>
+          <dgm:presOf axis="ch desOrSelf" ptType="node node" st="1 1" cnt="1 0"/>
+          <dgm:constrLst>
+            <dgm:constr type="w" refType="h" op="equ"/>
+            <dgm:constr type="tMarg" refType="primFontSz" fact="0.3"/>
+            <dgm:constr type="bMarg" refType="primFontSz" fact="0.3"/>
+            <dgm:constr type="lMarg" refType="primFontSz" fact="0.3"/>
+            <dgm:constr type="rMarg" refType="primFontSz" fact="0.3"/>
+          </dgm:constrLst>
+          <dgm:ruleLst>
+            <dgm:rule type="primFontSz" val="5" fact="NaN" max="NaN"/>
+          </dgm:ruleLst>
+        </dgm:layoutNode>
+        <dgm:layoutNode name="quad2">
+          <dgm:varLst>
+            <dgm:chMax val="0"/>
+            <dgm:chPref val="0"/>
+            <dgm:bulletEnabled val="1"/>
+          </dgm:varLst>
+          <dgm:alg type="tx"/>
+          <dgm:shape xmlns:r="http://schemas.openxmlformats.org/officeDocument/2006/relationships" type="roundRect" r:blip="">
+            <dgm:adjLst/>
+          </dgm:shape>
+          <dgm:presOf axis="ch desOrSelf" ptType="node node" st="2 1" cnt="1 0"/>
+          <dgm:constrLst>
+            <dgm:constr type="w" refType="h" op="equ"/>
+            <dgm:constr type="tMarg" refType="primFontSz" fact="0.3"/>
+            <dgm:constr type="bMarg" refType="primFontSz" fact="0.3"/>
+            <dgm:constr type="lMarg" refType="primFontSz" fact="0.3"/>
+            <dgm:constr type="rMarg" refType="primFontSz" fact="0.3"/>
+          </dgm:constrLst>
+          <dgm:ruleLst>
+            <dgm:rule type="primFontSz" val="5" fact="NaN" max="NaN"/>
+          </dgm:ruleLst>
+        </dgm:layoutNode>
+        <dgm:layoutNode name="quad3">
+          <dgm:varLst>
+            <dgm:chMax val="0"/>
+            <dgm:chPref val="0"/>
+            <dgm:bulletEnabled val="1"/>
+          </dgm:varLst>
+          <dgm:alg type="tx"/>
+          <dgm:shape xmlns:r="http://schemas.openxmlformats.org/officeDocument/2006/relationships" type="roundRect" r:blip="">
+            <dgm:adjLst/>
+          </dgm:shape>
+          <dgm:presOf axis="ch desOrSelf" ptType="node node" st="3 1" cnt="1 0"/>
+          <dgm:constrLst>
+            <dgm:constr type="w" refType="h" op="equ"/>
+            <dgm:constr type="tMarg" refType="primFontSz" fact="0.3"/>
+            <dgm:constr type="bMarg" refType="primFontSz" fact="0.3"/>
+            <dgm:constr type="lMarg" refType="primFontSz" fact="0.3"/>
+            <dgm:constr type="rMarg" refType="primFontSz" fact="0.3"/>
+          </dgm:constrLst>
+          <dgm:ruleLst>
+            <dgm:rule type="primFontSz" val="5" fact="NaN" max="NaN"/>
+          </dgm:ruleLst>
+        </dgm:layoutNode>
+        <dgm:layoutNode name="quad4">
+          <dgm:varLst>
+            <dgm:chMax val="0"/>
+            <dgm:chPref val="0"/>
+            <dgm:bulletEnabled val="1"/>
+          </dgm:varLst>
+          <dgm:alg type="tx"/>
+          <dgm:shape xmlns:r="http://schemas.openxmlformats.org/officeDocument/2006/relationships" type="roundRect" r:blip="">
+            <dgm:adjLst/>
+          </dgm:shape>
+          <dgm:presOf axis="ch desOrSelf" ptType="node node" st="4 1" cnt="1 0"/>
+          <dgm:constrLst>
+            <dgm:constr type="w" refType="h" op="equ"/>
+            <dgm:constr type="tMarg" refType="primFontSz" fact="0.3"/>
+            <dgm:constr type="bMarg" refType="primFontSz" fact="0.3"/>
+            <dgm:constr type="lMarg" refType="primFontSz" fact="0.3"/>
+            <dgm:constr type="rMarg" refType="primFontSz" fact="0.3"/>
+          </dgm:constrLst>
+          <dgm:ruleLst>
+            <dgm:rule type="primFontSz" val="5" fact="NaN" max="NaN"/>
+          </dgm:ruleLst>
+        </dgm:layoutNode>
+      </dgm:if>
+      <dgm:else name="Name5"/>
+    </dgm:choose>
+  </dgm:layoutNode>
+</dgm:layoutDef>
+</file>
+
+<file path=ppt/diagrams/quickStyle1.xml><?xml version="1.0" encoding="utf-8"?>
+<dgm:styleDef xmlns:dgm="http://schemas.openxmlformats.org/drawingml/2006/diagram" xmlns:a="http://schemas.openxmlformats.org/drawingml/2006/main" uniqueId="urn:microsoft.com/office/officeart/2005/8/quickstyle/simple1">
+  <dgm:title val=""/>
+  <dgm:desc val=""/>
+  <dgm:catLst>
+    <dgm:cat type="simple" pri="10100"/>
+  </dgm:catLst>
+  <dgm:scene3d>
+    <a:camera prst="orthographicFront"/>
+    <a:lightRig rig="threePt" dir="t"/>
+  </dgm:scene3d>
+  <dgm:styleLbl name="node0">
+    <dgm:scene3d>
+      <a:camera prst="orthographicFront"/>
+      <a:lightRig rig="threePt" dir="t"/>
+    </dgm:scene3d>
+    <dgm:sp3d/>
+    <dgm:txPr/>
+    <dgm:style>
+      <a:lnRef idx="2">
+        <a:scrgbClr r="0" g="0" b="0"/>
+      </a:lnRef>
+      <a:fillRef idx="1">
+        <a:scrgbClr r="0" g="0" b="0"/>
+      </a:fillRef>
+      <a:effectRef idx="0">
+        <a:scrgbClr r="0" g="0" b="0"/>
+      </a:effectRef>
+      <a:fontRef idx="minor">
+        <a:schemeClr val="lt1"/>
+      </a:fontRef>
+    </dgm:style>
+  </dgm:styleLbl>
+  <dgm:styleLbl name="lnNode1">
+    <dgm:scene3d>
+      <a:camera prst="orthographicFront"/>
+      <a:lightRig rig="threePt" dir="t"/>
+    </dgm:scene3d>
+    <dgm:sp3d/>
+    <dgm:txPr/>
+    <dgm:style>
+      <a:lnRef idx="2">
+        <a:scrgbClr r="0" g="0" b="0"/>
+      </a:lnRef>
+      <a:fillRef idx="1">
+        <a:scrgbClr r="0" g="0" b="0"/>
+      </a:fillRef>
+      <a:effectRef idx="0">
+        <a:scrgbClr r="0" g="0" b="0"/>
+      </a:effectRef>
+      <a:fontRef idx="minor">
+        <a:schemeClr val="lt1"/>
+      </a:fontRef>
+    </dgm:style>
+  </dgm:styleLbl>
+  <dgm:styleLbl name="vennNode1">
+    <dgm:scene3d>
+      <a:camera prst="orthographicFront"/>
+      <a:lightRig rig="threePt" dir="t"/>
+    </dgm:scene3d>
+    <dgm:sp3d/>
+    <dgm:txPr/>
+    <dgm:style>
+      <a:lnRef idx="2">
+        <a:scrgbClr r="0" g="0" b="0"/>
+      </a:lnRef>
+      <a:fillRef idx="1">
+        <a:scrgbClr r="0" g="0" b="0"/>
+      </a:fillRef>
+      <a:effectRef idx="0">
+        <a:scrgbClr r="0" g="0" b="0"/>
+      </a:effectRef>
+      <a:fontRef idx="minor">
+        <a:schemeClr val="tx1"/>
+      </a:fontRef>
+    </dgm:style>
+  </dgm:styleLbl>
+  <dgm:styleLbl name="alignNode1">
+    <dgm:scene3d>
+      <a:camera prst="orthographicFront"/>
+      <a:lightRig rig="threePt" dir="t"/>
+    </dgm:scene3d>
+    <dgm:sp3d/>
+    <dgm:txPr/>
+    <dgm:style>
+      <a:lnRef idx="2">
+        <a:scrgbClr r="0" g="0" b="0"/>
+      </a:lnRef>
+      <a:fillRef idx="1">
+        <a:scrgbClr r="0" g="0" b="0"/>
+      </a:fillRef>
+      <a:effectRef idx="0">
+        <a:scrgbClr r="0" g="0" b="0"/>
+      </a:effectRef>
+      <a:fontRef idx="minor">
+        <a:schemeClr val="lt1"/>
+      </a:fontRef>
+    </dgm:style>
+  </dgm:styleLbl>
+  <dgm:styleLbl name="node1">
+    <dgm:scene3d>
+      <a:camera prst="orthographicFront"/>
+      <a:lightRig rig="threePt" dir="t"/>
+    </dgm:scene3d>
+    <dgm:sp3d/>
+    <dgm:txPr/>
+    <dgm:style>
+      <a:lnRef idx="2">
+        <a:scrgbClr r="0" g="0" b="0"/>
+      </a:lnRef>
+      <a:fillRef idx="1">
+        <a:scrgbClr r="0" g="0" b="0"/>
+      </a:fillRef>
+      <a:effectRef idx="0">
+        <a:scrgbClr r="0" g="0" b="0"/>
+      </a:effectRef>
+      <a:fontRef idx="minor">
+        <a:schemeClr val="lt1"/>
+      </a:fontRef>
+    </dgm:style>
+  </dgm:styleLbl>
+  <dgm:styleLbl name="node2">
+    <dgm:scene3d>
+      <a:camera prst="orthographicFront"/>
+      <a:lightRig rig="threePt" dir="t"/>
+    </dgm:scene3d>
+    <dgm:sp3d/>
+    <dgm:txPr/>
+    <dgm:style>
+      <a:lnRef idx="2">
+        <a:scrgbClr r="0" g="0" b="0"/>
+      </a:lnRef>
+      <a:fillRef idx="1">
+        <a:scrgbClr r="0" g="0" b="0"/>
+      </a:fillRef>
+      <a:effectRef idx="0">
+        <a:scrgbClr r="0" g="0" b="0"/>
+      </a:effectRef>
+      <a:fontRef idx="minor">
+        <a:schemeClr val="lt1"/>
+      </a:fontRef>
+    </dgm:style>
+  </dgm:styleLbl>
+  <dgm:styleLbl name="node3">
+    <dgm:scene3d>
+      <a:camera prst="orthographicFront"/>
+      <a:lightRig rig="threePt" dir="t"/>
+    </dgm:scene3d>
+    <dgm:sp3d/>
+    <dgm:txPr/>
+    <dgm:style>
+      <a:lnRef idx="2">
+        <a:scrgbClr r="0" g="0" b="0"/>
+      </a:lnRef>
+      <a:fillRef idx="1">
+        <a:scrgbClr r="0" g="0" b="0"/>
+      </a:fillRef>
+      <a:effectRef idx="0">
+        <a:scrgbClr r="0" g="0" b="0"/>
+      </a:effectRef>
+      <a:fontRef idx="minor">
+        <a:schemeClr val="lt1"/>
+      </a:fontRef>
+    </dgm:style>
+  </dgm:styleLbl>
+  <dgm:styleLbl name="node4">
+    <dgm:scene3d>
+      <a:camera prst="orthographicFront"/>
+      <a:lightRig rig="threePt" dir="t"/>
+    </dgm:scene3d>
+    <dgm:sp3d/>
+    <dgm:txPr/>
+    <dgm:style>
+      <a:lnRef idx="2">
+        <a:scrgbClr r="0" g="0" b="0"/>
+      </a:lnRef>
+      <a:fillRef idx="1">
+        <a:scrgbClr r="0" g="0" b="0"/>
+      </a:fillRef>
+      <a:effectRef idx="0">
+        <a:scrgbClr r="0" g="0" b="0"/>
+      </a:effectRef>
+      <a:fontRef idx="minor">
+        <a:schemeClr val="lt1"/>
+      </a:fontRef>
+    </dgm:style>
+  </dgm:styleLbl>
+  <dgm:styleLbl name="fgImgPlace1">
+    <dgm:scene3d>
+      <a:camera prst="orthographicFront"/>
+      <a:lightRig rig="threePt" dir="t"/>
+    </dgm:scene3d>
+    <dgm:sp3d/>
+    <dgm:txPr/>
+    <dgm:style>
+      <a:lnRef idx="2">
+        <a:scrgbClr r="0" g="0" b="0"/>
+      </a:lnRef>
+      <a:fillRef idx="1">
+        <a:scrgbClr r="0" g="0" b="0"/>
+      </a:fillRef>
+      <a:effectRef idx="0">
+        <a:scrgbClr r="0" g="0" b="0"/>
+      </a:effectRef>
+      <a:fontRef idx="minor"/>
+    </dgm:style>
+  </dgm:styleLbl>
+  <dgm:styleLbl name="alignImgPlace1">
+    <dgm:scene3d>
+      <a:camera prst="orthographicFront"/>
+      <a:lightRig rig="threePt" dir="t"/>
+    </dgm:scene3d>
+    <dgm:sp3d/>
+    <dgm:txPr/>
+    <dgm:style>
+      <a:lnRef idx="2">
+        <a:scrgbClr r="0" g="0" b="0"/>
+      </a:lnRef>
+      <a:fillRef idx="1">
+        <a:scrgbClr r="0" g="0" b="0"/>
+      </a:fillRef>
+      <a:effectRef idx="0">
+        <a:scrgbClr r="0" g="0" b="0"/>
+      </a:effectRef>
+      <a:fontRef idx="minor"/>
+    </dgm:style>
+  </dgm:styleLbl>
+  <dgm:styleLbl name="bgImgPlace1">
+    <dgm:scene3d>
+      <a:camera prst="orthographicFront"/>
+      <a:lightRig rig="threePt" dir="t"/>
+    </dgm:scene3d>
+    <dgm:sp3d/>
+    <dgm:txPr/>
+    <dgm:style>
+      <a:lnRef idx="2">
+        <a:scrgbClr r="0" g="0" b="0"/>
+      </a:lnRef>
+      <a:fillRef idx="1">
+        <a:scrgbClr r="0" g="0" b="0"/>
+      </a:fillRef>
+      <a:effectRef idx="0">
+        <a:scrgbClr r="0" g="0" b="0"/>
+      </a:effectRef>
+      <a:fontRef idx="minor"/>
+    </dgm:style>
+  </dgm:styleLbl>
+  <dgm:styleLbl name="sibTrans2D1">
+    <dgm:scene3d>
+      <a:camera prst="orthographicFront"/>
+      <a:lightRig rig="threePt" dir="t"/>
+    </dgm:scene3d>
+    <dgm:sp3d/>
+    <dgm:txPr/>
+    <dgm:style>
+      <a:lnRef idx="0">
+        <a:scrgbClr r="0" g="0" b="0"/>
+      </a:lnRef>
+      <a:fillRef idx="1">
+        <a:scrgbClr r="0" g="0" b="0"/>
+      </a:fillRef>
+      <a:effectRef idx="0">
+        <a:scrgbClr r="0" g="0" b="0"/>
+      </a:effectRef>
+      <a:fontRef idx="minor">
+        <a:schemeClr val="lt1"/>
+      </a:fontRef>
+    </dgm:style>
+  </dgm:styleLbl>
+  <dgm:styleLbl name="fgSibTrans2D1">
+    <dgm:scene3d>
+      <a:camera prst="orthographicFront"/>
+      <a:lightRig rig="threePt" dir="t"/>
+    </dgm:scene3d>
+    <dgm:sp3d/>
+    <dgm:txPr/>
+    <dgm:style>
+      <a:lnRef idx="0">
+        <a:scrgbClr r="0" g="0" b="0"/>
+      </a:lnRef>
+      <a:fillRef idx="1">
+        <a:scrgbClr r="0" g="0" b="0"/>
+      </a:fillRef>
+      <a:effectRef idx="0">
+        <a:scrgbClr r="0" g="0" b="0"/>
+      </a:effectRef>
+      <a:fontRef idx="minor">
+        <a:schemeClr val="lt1"/>
+      </a:fontRef>
+    </dgm:style>
+  </dgm:styleLbl>
+  <dgm:styleLbl name="bgSibTrans2D1">
+    <dgm:scene3d>
+      <a:camera prst="orthographicFront"/>
+      <a:lightRig rig="threePt" dir="t"/>
+    </dgm:scene3d>
+    <dgm:sp3d/>
+    <dgm:txPr/>
+    <dgm:style>
+      <a:lnRef idx="0">
+        <a:scrgbClr r="0" g="0" b="0"/>
+      </a:lnRef>
+      <a:fillRef idx="1">
+        <a:scrgbClr r="0" g="0" b="0"/>
+      </a:fillRef>
+      <a:effectRef idx="0">
+        <a:scrgbClr r="0" g="0" b="0"/>
+      </a:effectRef>
+      <a:fontRef idx="minor">
+        <a:schemeClr val="lt1"/>
+      </a:fontRef>
+    </dgm:style>
+  </dgm:styleLbl>
+  <dgm:styleLbl name="sibTrans1D1">
+    <dgm:scene3d>
+      <a:camera prst="orthographicFront"/>
+      <a:lightRig rig="threePt" dir="t"/>
+    </dgm:scene3d>
+    <dgm:sp3d/>
+    <dgm:txPr/>
+    <dgm:style>
+      <a:lnRef idx="1">
+        <a:scrgbClr r="0" g="0" b="0"/>
+      </a:lnRef>
+      <a:fillRef idx="0">
+        <a:scrgbClr r="0" g="0" b="0"/>
+      </a:fillRef>
+      <a:effectRef idx="0">
+        <a:scrgbClr r="0" g="0" b="0"/>
+      </a:effectRef>
+      <a:fontRef idx="minor"/>
+    </dgm:style>
+  </dgm:styleLbl>
+  <dgm:styleLbl name="callout">
+    <dgm:scene3d>
+      <a:camera prst="orthographicFront"/>
+      <a:lightRig rig="threePt" dir="t"/>
+    </dgm:scene3d>
+    <dgm:sp3d/>
+    <dgm:txPr/>
+    <dgm:style>
+      <a:lnRef idx="2">
+        <a:scrgbClr r="0" g="0" b="0"/>
+      </a:lnRef>
+      <a:fillRef idx="1">
+        <a:scrgbClr r="0" g="0" b="0"/>
+      </a:fillRef>
+      <a:effectRef idx="0">
+        <a:scrgbClr r="0" g="0" b="0"/>
+      </a:effectRef>
+      <a:fontRef idx="minor"/>
+    </dgm:style>
+  </dgm:styleLbl>
+  <dgm:styleLbl name="asst0">
+    <dgm:scene3d>
+      <a:camera prst="orthographicFront"/>
+      <a:lightRig rig="threePt" dir="t"/>
+    </dgm:scene3d>
+    <dgm:sp3d/>
+    <dgm:txPr/>
+    <dgm:style>
+      <a:lnRef idx="2">
+        <a:scrgbClr r="0" g="0" b="0"/>
+      </a:lnRef>
+      <a:fillRef idx="1">
+        <a:scrgbClr r="0" g="0" b="0"/>
+      </a:fillRef>
+      <a:effectRef idx="0">
+        <a:scrgbClr r="0" g="0" b="0"/>
+      </a:effectRef>
+      <a:fontRef idx="minor">
+        <a:schemeClr val="lt1"/>
+      </a:fontRef>
+    </dgm:style>
+  </dgm:styleLbl>
+  <dgm:styleLbl name="asst1">
+    <dgm:scene3d>
+      <a:camera prst="orthographicFront"/>
+      <a:lightRig rig="threePt" dir="t"/>
+    </dgm:scene3d>
+    <dgm:sp3d/>
+    <dgm:txPr/>
+    <dgm:style>
+      <a:lnRef idx="2">
+        <a:scrgbClr r="0" g="0" b="0"/>
+      </a:lnRef>
+      <a:fillRef idx="1">
+        <a:scrgbClr r="0" g="0" b="0"/>
+      </a:fillRef>
+      <a:effectRef idx="0">
+        <a:scrgbClr r="0" g="0" b="0"/>
+      </a:effectRef>
+      <a:fontRef idx="minor">
+        <a:schemeClr val="lt1"/>
+      </a:fontRef>
+    </dgm:style>
+  </dgm:styleLbl>
+  <dgm:styleLbl name="asst2">
+    <dgm:scene3d>
+      <a:camera prst="orthographicFront"/>
+      <a:lightRig rig="threePt" dir="t"/>
+    </dgm:scene3d>
+    <dgm:sp3d/>
+    <dgm:txPr/>
+    <dgm:style>
+      <a:lnRef idx="2">
+        <a:scrgbClr r="0" g="0" b="0"/>
+      </a:lnRef>
+      <a:fillRef idx="1">
+        <a:scrgbClr r="0" g="0" b="0"/>
+      </a:fillRef>
+      <a:effectRef idx="0">
+        <a:scrgbClr r="0" g="0" b="0"/>
+      </a:effectRef>
+      <a:fontRef idx="minor">
+        <a:schemeClr val="lt1"/>
+      </a:fontRef>
+    </dgm:style>
+  </dgm:styleLbl>
+  <dgm:styleLbl name="asst3">
+    <dgm:scene3d>
+      <a:camera prst="orthographicFront"/>
+      <a:lightRig rig="threePt" dir="t"/>
+    </dgm:scene3d>
+    <dgm:sp3d/>
+    <dgm:txPr/>
+    <dgm:style>
+      <a:lnRef idx="2">
+        <a:scrgbClr r="0" g="0" b="0"/>
+      </a:lnRef>
+      <a:fillRef idx="1">
+        <a:scrgbClr r="0" g="0" b="0"/>
+      </a:fillRef>
+      <a:effectRef idx="0">
+        <a:scrgbClr r="0" g="0" b="0"/>
+      </a:effectRef>
+      <a:fontRef idx="minor">
+        <a:schemeClr val="lt1"/>
+      </a:fontRef>
+    </dgm:style>
+  </dgm:styleLbl>
+  <dgm:styleLbl name="asst4">
+    <dgm:scene3d>
+      <a:camera prst="orthographicFront"/>
+      <a:lightRig rig="threePt" dir="t"/>
+    </dgm:scene3d>
+    <dgm:sp3d/>
+    <dgm:txPr/>
+    <dgm:style>
+      <a:lnRef idx="2">
+        <a:scrgbClr r="0" g="0" b="0"/>
+      </a:lnRef>
+      <a:fillRef idx="1">
+        <a:scrgbClr r="0" g="0" b="0"/>
+      </a:fillRef>
+      <a:effectRef idx="0">
+        <a:scrgbClr r="0" g="0" b="0"/>
+      </a:effectRef>
+      <a:fontRef idx="minor">
+        <a:schemeClr val="lt1"/>
+      </a:fontRef>
+    </dgm:style>
+  </dgm:styleLbl>
+  <dgm:styleLbl name="parChTrans2D1">
+    <dgm:scene3d>
+      <a:camera prst="orthographicFront"/>
+      <a:lightRig rig="threePt" dir="t"/>
+    </dgm:scene3d>
+    <dgm:sp3d/>
+    <dgm:txPr/>
+    <dgm:style>
+      <a:lnRef idx="2">
+        <a:scrgbClr r="0" g="0" b="0"/>
+      </a:lnRef>
+      <a:fillRef idx="1">
+        <a:scrgbClr r="0" g="0" b="0"/>
+      </a:fillRef>
+      <a:effectRef idx="0">
+        <a:scrgbClr r="0" g="0" b="0"/>
+      </a:effectRef>
+      <a:fontRef idx="minor">
+        <a:schemeClr val="lt1"/>
+      </a:fontRef>
+    </dgm:style>
+  </dgm:styleLbl>
+  <dgm:styleLbl name="parChTrans2D2">
+    <dgm:scene3d>
+      <a:camera prst="orthographicFront"/>
+      <a:lightRig rig="threePt" dir="t"/>
+    </dgm:scene3d>
+    <dgm:sp3d/>
+    <dgm:txPr/>
+    <dgm:style>
+      <a:lnRef idx="2">
+        <a:scrgbClr r="0" g="0" b="0"/>
+      </a:lnRef>
+      <a:fillRef idx="1">
+        <a:scrgbClr r="0" g="0" b="0"/>
+      </a:fillRef>
+      <a:effectRef idx="0">
+        <a:scrgbClr r="0" g="0" b="0"/>
+      </a:effectRef>
+      <a:fontRef idx="minor">
+        <a:schemeClr val="lt1"/>
+      </a:fontRef>
+    </dgm:style>
+  </dgm:styleLbl>
+  <dgm:styleLbl name="parChTrans2D3">
+    <dgm:scene3d>
+      <a:camera prst="orthographicFront"/>
+      <a:lightRig rig="threePt" dir="t"/>
+    </dgm:scene3d>
+    <dgm:sp3d/>
+    <dgm:txPr/>
+    <dgm:style>
+      <a:lnRef idx="2">
+        <a:scrgbClr r="0" g="0" b="0"/>
+      </a:lnRef>
+      <a:fillRef idx="1">
+        <a:scrgbClr r="0" g="0" b="0"/>
+      </a:fillRef>
+      <a:effectRef idx="0">
+        <a:scrgbClr r="0" g="0" b="0"/>
+      </a:effectRef>
+      <a:fontRef idx="minor">
+        <a:schemeClr val="lt1"/>
+      </a:fontRef>
+    </dgm:style>
+  </dgm:styleLbl>
+  <dgm:styleLbl name="parChTrans2D4">
+    <dgm:scene3d>
+      <a:camera prst="orthographicFront"/>
+      <a:lightRig rig="threePt" dir="t"/>
+    </dgm:scene3d>
+    <dgm:sp3d/>
+    <dgm:txPr/>
+    <dgm:style>
+      <a:lnRef idx="2">
+        <a:scrgbClr r="0" g="0" b="0"/>
+      </a:lnRef>
+      <a:fillRef idx="1">
+        <a:scrgbClr r="0" g="0" b="0"/>
+      </a:fillRef>
+      <a:effectRef idx="0">
+        <a:scrgbClr r="0" g="0" b="0"/>
+      </a:effectRef>
+      <a:fontRef idx="minor">
+        <a:schemeClr val="lt1"/>
+      </a:fontRef>
+    </dgm:style>
+  </dgm:styleLbl>
+  <dgm:styleLbl name="parChTrans1D1">
+    <dgm:scene3d>
+      <a:camera prst="orthographicFront"/>
+      <a:lightRig rig="threePt" dir="t"/>
+    </dgm:scene3d>
+    <dgm:sp3d/>
+    <dgm:txPr/>
+    <dgm:style>
+      <a:lnRef idx="2">
+        <a:scrgbClr r="0" g="0" b="0"/>
+      </a:lnRef>
+      <a:fillRef idx="0">
+        <a:scrgbClr r="0" g="0" b="0"/>
+      </a:fillRef>
+      <a:effectRef idx="0">
+        <a:scrgbClr r="0" g="0" b="0"/>
+      </a:effectRef>
+      <a:fontRef idx="minor"/>
+    </dgm:style>
+  </dgm:styleLbl>
+  <dgm:styleLbl name="parChTrans1D2">
+    <dgm:scene3d>
+      <a:camera prst="orthographicFront"/>
+      <a:lightRig rig="threePt" dir="t"/>
+    </dgm:scene3d>
+    <dgm:sp3d/>
+    <dgm:txPr/>
+    <dgm:style>
+      <a:lnRef idx="2">
+        <a:scrgbClr r="0" g="0" b="0"/>
+      </a:lnRef>
+      <a:fillRef idx="0">
+        <a:scrgbClr r="0" g="0" b="0"/>
+      </a:fillRef>
+      <a:effectRef idx="0">
+        <a:scrgbClr r="0" g="0" b="0"/>
+      </a:effectRef>
+      <a:fontRef idx="minor"/>
+    </dgm:style>
+  </dgm:styleLbl>
+  <dgm:styleLbl name="parChTrans1D3">
+    <dgm:scene3d>
+      <a:camera prst="orthographicFront"/>
+      <a:lightRig rig="threePt" dir="t"/>
+    </dgm:scene3d>
+    <dgm:sp3d/>
+    <dgm:txPr/>
+    <dgm:style>
+      <a:lnRef idx="2">
+        <a:scrgbClr r="0" g="0" b="0"/>
+      </a:lnRef>
+      <a:fillRef idx="0">
+        <a:scrgbClr r="0" g="0" b="0"/>
+      </a:fillRef>
+      <a:effectRef idx="0">
+        <a:scrgbClr r="0" g="0" b="0"/>
+      </a:effectRef>
+      <a:fontRef idx="minor"/>
+    </dgm:style>
+  </dgm:styleLbl>
+  <dgm:styleLbl name="parChTrans1D4">
+    <dgm:scene3d>
+      <a:camera prst="orthographicFront"/>
+      <a:lightRig rig="threePt" dir="t"/>
+    </dgm:scene3d>
+    <dgm:sp3d/>
+    <dgm:txPr/>
+    <dgm:style>
+      <a:lnRef idx="2">
+        <a:scrgbClr r="0" g="0" b="0"/>
+      </a:lnRef>
+      <a:fillRef idx="0">
+        <a:scrgbClr r="0" g="0" b="0"/>
+      </a:fillRef>
+      <a:effectRef idx="0">
+        <a:scrgbClr r="0" g="0" b="0"/>
+      </a:effectRef>
+      <a:fontRef idx="minor"/>
+    </dgm:style>
+  </dgm:styleLbl>
+  <dgm:styleLbl name="fgAcc1">
+    <dgm:scene3d>
+      <a:camera prst="orthographicFront"/>
+      <a:lightRig rig="threePt" dir="t"/>
+    </dgm:scene3d>
+    <dgm:sp3d/>
+    <dgm:txPr/>
+    <dgm:style>
+      <a:lnRef idx="2">
+        <a:scrgbClr r="0" g="0" b="0"/>
+      </a:lnRef>
+      <a:fillRef idx="1">
+        <a:scrgbClr r="0" g="0" b="0"/>
+      </a:fillRef>
+      <a:effectRef idx="0">
+        <a:scrgbClr r="0" g="0" b="0"/>
+      </a:effectRef>
+      <a:fontRef idx="minor"/>
+    </dgm:style>
+  </dgm:styleLbl>
+  <dgm:styleLbl name="conFgAcc1">
+    <dgm:scene3d>
+      <a:camera prst="orthographicFront"/>
+      <a:lightRig rig="threePt" dir="t"/>
+    </dgm:scene3d>
+    <dgm:sp3d/>
+    <dgm:txPr/>
+    <dgm:style>
+      <a:lnRef idx="2">
+        <a:scrgbClr r="0" g="0" b="0"/>
+      </a:lnRef>
+      <a:fillRef idx="1">
+        <a:scrgbClr r="0" g="0" b="0"/>
+      </a:fillRef>
+      <a:effectRef idx="0">
+        <a:scrgbClr r="0" g="0" b="0"/>
+      </a:effectRef>
+      <a:fontRef idx="minor"/>
+    </dgm:style>
+  </dgm:styleLbl>
+  <dgm:styleLbl name="alignAcc1">
+    <dgm:scene3d>
+      <a:camera prst="orthographicFront"/>
+      <a:lightRig rig="threePt" dir="t"/>
+    </dgm:scene3d>
+    <dgm:sp3d/>
+    <dgm:txPr/>
+    <dgm:style>
+      <a:lnRef idx="2">
+        <a:scrgbClr r="0" g="0" b="0"/>
+      </a:lnRef>
+      <a:fillRef idx="1">
+        <a:scrgbClr r="0" g="0" b="0"/>
+      </a:fillRef>
+      <a:effectRef idx="0">
+        <a:scrgbClr r="0" g="0" b="0"/>
+      </a:effectRef>
+      <a:fontRef idx="minor"/>
+    </dgm:style>
+  </dgm:styleLbl>
+  <dgm:styleLbl name="trAlignAcc1">
+    <dgm:scene3d>
+      <a:camera prst="orthographicFront"/>
+      <a:lightRig rig="threePt" dir="t"/>
+    </dgm:scene3d>
+    <dgm:sp3d/>
+    <dgm:txPr/>
+    <dgm:style>
+      <a:lnRef idx="1">
+        <a:scrgbClr r="0" g="0" b="0"/>
+      </a:lnRef>
+      <a:fillRef idx="1">
+        <a:scrgbClr r="0" g="0" b="0"/>
+      </a:fillRef>
+      <a:effectRef idx="0">
+        <a:scrgbClr r="0" g="0" b="0"/>
+      </a:effectRef>
+      <a:fontRef idx="minor"/>
+    </dgm:style>
+  </dgm:styleLbl>
+  <dgm:styleLbl name="bgAcc1">
+    <dgm:scene3d>
+      <a:camera prst="orthographicFront"/>
+      <a:lightRig rig="threePt" dir="t"/>
+    </dgm:scene3d>
+    <dgm:sp3d/>
+    <dgm:txPr/>
+    <dgm:style>
+      <a:lnRef idx="2">
+        <a:scrgbClr r="0" g="0" b="0"/>
+      </a:lnRef>
+      <a:fillRef idx="1">
+        <a:scrgbClr r="0" g="0" b="0"/>
+      </a:fillRef>
+      <a:effectRef idx="0">
+        <a:scrgbClr r="0" g="0" b="0"/>
+      </a:effectRef>
+      <a:fontRef idx="minor"/>
+    </dgm:style>
+  </dgm:styleLbl>
+  <dgm:styleLbl name="solidFgAcc1">
+    <dgm:scene3d>
+      <a:camera prst="orthographicFront"/>
+      <a:lightRig rig="threePt" dir="t"/>
+    </dgm:scene3d>
+    <dgm:sp3d/>
+    <dgm:txPr/>
+    <dgm:style>
+      <a:lnRef idx="2">
+        <a:scrgbClr r="0" g="0" b="0"/>
+      </a:lnRef>
+      <a:fillRef idx="1">
+        <a:scrgbClr r="0" g="0" b="0"/>
+      </a:fillRef>
+      <a:effectRef idx="0">
+        <a:scrgbClr r="0" g="0" b="0"/>
+      </a:effectRef>
+      <a:fontRef idx="minor"/>
+    </dgm:style>
+  </dgm:styleLbl>
+  <dgm:styleLbl name="solidAlignAcc1">
+    <dgm:scene3d>
+      <a:camera prst="orthographicFront"/>
+      <a:lightRig rig="threePt" dir="t"/>
+    </dgm:scene3d>
+    <dgm:sp3d/>
+    <dgm:txPr/>
+    <dgm:style>
+      <a:lnRef idx="2">
+        <a:scrgbClr r="0" g="0" b="0"/>
+      </a:lnRef>
+      <a:fillRef idx="1">
+        <a:scrgbClr r="0" g="0" b="0"/>
+      </a:fillRef>
+      <a:effectRef idx="0">
+        <a:scrgbClr r="0" g="0" b="0"/>
+      </a:effectRef>
+      <a:fontRef idx="minor"/>
+    </dgm:style>
+  </dgm:styleLbl>
+  <dgm:styleLbl name="solidBgAcc1">
+    <dgm:scene3d>
+      <a:camera prst="orthographicFront"/>
+      <a:lightRig rig="threePt" dir="t"/>
+    </dgm:scene3d>
+    <dgm:sp3d/>
+    <dgm:txPr/>
+    <dgm:style>
+      <a:lnRef idx="2">
+        <a:scrgbClr r="0" g="0" b="0"/>
+      </a:lnRef>
+      <a:fillRef idx="1">
+        <a:scrgbClr r="0" g="0" b="0"/>
+      </a:fillRef>
+      <a:effectRef idx="0">
+        <a:scrgbClr r="0" g="0" b="0"/>
+      </a:effectRef>
+      <a:fontRef idx="minor"/>
+    </dgm:style>
+  </dgm:styleLbl>
+  <dgm:styleLbl name="fgAccFollowNode1">
+    <dgm:scene3d>
+      <a:camera prst="orthographicFront"/>
+      <a:lightRig rig="threePt" dir="t"/>
+    </dgm:scene3d>
+    <dgm:sp3d/>
+    <dgm:txPr/>
+    <dgm:style>
+      <a:lnRef idx="2">
+        <a:scrgbClr r="0" g="0" b="0"/>
+      </a:lnRef>
+      <a:fillRef idx="1">
+        <a:scrgbClr r="0" g="0" b="0"/>
+      </a:fillRef>
+      <a:effectRef idx="0">
+        <a:scrgbClr r="0" g="0" b="0"/>
+      </a:effectRef>
+      <a:fontRef idx="minor"/>
+    </dgm:style>
+  </dgm:styleLbl>
+  <dgm:styleLbl name="alignAccFollowNode1">
+    <dgm:scene3d>
+      <a:camera prst="orthographicFront"/>
+      <a:lightRig rig="threePt" dir="t"/>
+    </dgm:scene3d>
+    <dgm:sp3d/>
+    <dgm:txPr/>
+    <dgm:style>
+      <a:lnRef idx="2">
+        <a:scrgbClr r="0" g="0" b="0"/>
+      </a:lnRef>
+      <a:fillRef idx="1">
+        <a:scrgbClr r="0" g="0" b="0"/>
+      </a:fillRef>
+      <a:effectRef idx="0">
+        <a:scrgbClr r="0" g="0" b="0"/>
+      </a:effectRef>
+      <a:fontRef idx="minor"/>
+    </dgm:style>
+  </dgm:styleLbl>
+  <dgm:styleLbl name="bgAccFollowNode1">
+    <dgm:scene3d>
+      <a:camera prst="orthographicFront"/>
+      <a:lightRig rig="threePt" dir="t"/>
+    </dgm:scene3d>
+    <dgm:sp3d/>
+    <dgm:txPr/>
+    <dgm:style>
+      <a:lnRef idx="2">
+        <a:scrgbClr r="0" g="0" b="0"/>
+      </a:lnRef>
+      <a:fillRef idx="1">
+        <a:scrgbClr r="0" g="0" b="0"/>
+      </a:fillRef>
+      <a:effectRef idx="0">
+        <a:scrgbClr r="0" g="0" b="0"/>
+      </a:effectRef>
+      <a:fontRef idx="minor"/>
+    </dgm:style>
+  </dgm:styleLbl>
+  <dgm:styleLbl name="fgAcc0">
+    <dgm:scene3d>
+      <a:camera prst="orthographicFront"/>
+      <a:lightRig rig="threePt" dir="t"/>
+    </dgm:scene3d>
+    <dgm:sp3d/>
+    <dgm:txPr/>
+    <dgm:style>
+      <a:lnRef idx="2">
+        <a:scrgbClr r="0" g="0" b="0"/>
+      </a:lnRef>
+      <a:fillRef idx="1">
+        <a:scrgbClr r="0" g="0" b="0"/>
+      </a:fillRef>
+      <a:effectRef idx="0">
+        <a:scrgbClr r="0" g="0" b="0"/>
+      </a:effectRef>
+      <a:fontRef idx="minor"/>
+    </dgm:style>
+  </dgm:styleLbl>
+  <dgm:styleLbl name="fgAcc2">
+    <dgm:scene3d>
+      <a:camera prst="orthographicFront"/>
+      <a:lightRig rig="threePt" dir="t"/>
+    </dgm:scene3d>
+    <dgm:sp3d/>
+    <dgm:txPr/>
+    <dgm:style>
+      <a:lnRef idx="2">
+        <a:scrgbClr r="0" g="0" b="0"/>
+      </a:lnRef>
+      <a:fillRef idx="1">
+        <a:scrgbClr r="0" g="0" b="0"/>
+      </a:fillRef>
+      <a:effectRef idx="0">
+        <a:scrgbClr r="0" g="0" b="0"/>
+      </a:effectRef>
+      <a:fontRef idx="minor"/>
+    </dgm:style>
+  </dgm:styleLbl>
+  <dgm:styleLbl name="fgAcc3">
+    <dgm:scene3d>
+      <a:camera prst="orthographicFront"/>
+      <a:lightRig rig="threePt" dir="t"/>
+    </dgm:scene3d>
+    <dgm:sp3d/>
+    <dgm:txPr/>
+    <dgm:style>
+      <a:lnRef idx="2">
+        <a:scrgbClr r="0" g="0" b="0"/>
+      </a:lnRef>
+      <a:fillRef idx="1">
+        <a:scrgbClr r="0" g="0" b="0"/>
+      </a:fillRef>
+      <a:effectRef idx="0">
+        <a:scrgbClr r="0" g="0" b="0"/>
+      </a:effectRef>
+      <a:fontRef idx="minor"/>
+    </dgm:style>
+  </dgm:styleLbl>
+  <dgm:styleLbl name="fgAcc4">
+    <dgm:scene3d>
+      <a:camera prst="orthographicFront"/>
+      <a:lightRig rig="threePt" dir="t"/>
+    </dgm:scene3d>
+    <dgm:sp3d/>
+    <dgm:txPr/>
+    <dgm:style>
+      <a:lnRef idx="2">
+        <a:scrgbClr r="0" g="0" b="0"/>
+      </a:lnRef>
+      <a:fillRef idx="1">
+        <a:scrgbClr r="0" g="0" b="0"/>
+      </a:fillRef>
+      <a:effectRef idx="0">
+        <a:scrgbClr r="0" g="0" b="0"/>
+      </a:effectRef>
+      <a:fontRef idx="minor"/>
+    </dgm:style>
+  </dgm:styleLbl>
+  <dgm:styleLbl name="bgShp">
+    <dgm:scene3d>
+      <a:camera prst="orthographicFront"/>
+      <a:lightRig rig="threePt" dir="t"/>
+    </dgm:scene3d>
+    <dgm:sp3d/>
+    <dgm:txPr/>
+    <dgm:style>
+      <a:lnRef idx="0">
+        <a:scrgbClr r="0" g="0" b="0"/>
+      </a:lnRef>
+      <a:fillRef idx="1">
+        <a:scrgbClr r="0" g="0" b="0"/>
+      </a:fillRef>
+      <a:effectRef idx="0">
+        <a:scrgbClr r="0" g="0" b="0"/>
+      </a:effectRef>
+      <a:fontRef idx="minor"/>
+    </dgm:style>
+  </dgm:styleLbl>
+  <dgm:styleLbl name="dkBgShp">
+    <dgm:scene3d>
+      <a:camera prst="orthographicFront"/>
+      <a:lightRig rig="threePt" dir="t"/>
+    </dgm:scene3d>
+    <dgm:sp3d/>
+    <dgm:txPr/>
+    <dgm:style>
+      <a:lnRef idx="0">
+        <a:scrgbClr r="0" g="0" b="0"/>
+      </a:lnRef>
+      <a:fillRef idx="1">
+        <a:scrgbClr r="0" g="0" b="0"/>
+      </a:fillRef>
+      <a:effectRef idx="0">
+        <a:scrgbClr r="0" g="0" b="0"/>
+      </a:effectRef>
+      <a:fontRef idx="minor"/>
+    </dgm:style>
+  </dgm:styleLbl>
+  <dgm:styleLbl name="trBgShp">
+    <dgm:scene3d>
+      <a:camera prst="orthographicFront"/>
+      <a:lightRig rig="threePt" dir="t"/>
+    </dgm:scene3d>
+    <dgm:sp3d/>
+    <dgm:txPr/>
+    <dgm:style>
+      <a:lnRef idx="0">
+        <a:scrgbClr r="0" g="0" b="0"/>
+      </a:lnRef>
+      <a:fillRef idx="1">
+        <a:scrgbClr r="0" g="0" b="0"/>
+      </a:fillRef>
+      <a:effectRef idx="0">
+        <a:scrgbClr r="0" g="0" b="0"/>
+      </a:effectRef>
+      <a:fontRef idx="minor"/>
+    </dgm:style>
+  </dgm:styleLbl>
+  <dgm:styleLbl name="fgShp">
+    <dgm:scene3d>
+      <a:camera prst="orthographicFront"/>
+      <a:lightRig rig="threePt" dir="t"/>
+    </dgm:scene3d>
+    <dgm:sp3d/>
+    <dgm:txPr/>
+    <dgm:style>
+      <a:lnRef idx="2">
+        <a:scrgbClr r="0" g="0" b="0"/>
+      </a:lnRef>
+      <a:fillRef idx="1">
+        <a:scrgbClr r="0" g="0" b="0"/>
+      </a:fillRef>
+      <a:effectRef idx="0">
+        <a:scrgbClr r="0" g="0" b="0"/>
+      </a:effectRef>
+      <a:fontRef idx="minor"/>
+    </dgm:style>
+  </dgm:styleLbl>
+  <dgm:styleLbl name="revTx">
+    <dgm:scene3d>
+      <a:camera prst="orthographicFront"/>
+      <a:lightRig rig="threePt" dir="t"/>
+    </dgm:scene3d>
+    <dgm:sp3d/>
+    <dgm:txPr/>
+    <dgm:style>
+      <a:lnRef idx="0">
+        <a:scrgbClr r="0" g="0" b="0"/>
+      </a:lnRef>
+      <a:fillRef idx="0">
+        <a:scrgbClr r="0" g="0" b="0"/>
+      </a:fillRef>
+      <a:effectRef idx="0">
+        <a:scrgbClr r="0" g="0" b="0"/>
+      </a:effectRef>
+      <a:fontRef idx="minor"/>
+    </dgm:style>
+  </dgm:styleLbl>
+</dgm:styleDef>
+</file>
+
+<file path=ppt/diagrams/quickStyle2.xml><?xml version="1.0" encoding="utf-8"?>
+<dgm:styleDef xmlns:dgm="http://schemas.openxmlformats.org/drawingml/2006/diagram" xmlns:a="http://schemas.openxmlformats.org/drawingml/2006/main" uniqueId="urn:microsoft.com/office/officeart/2005/8/quickstyle/simple1">
+  <dgm:title val=""/>
+  <dgm:desc val=""/>
+  <dgm:catLst>
+    <dgm:cat type="simple" pri="10100"/>
+  </dgm:catLst>
+  <dgm:scene3d>
+    <a:camera prst="orthographicFront"/>
+    <a:lightRig rig="threePt" dir="t"/>
+  </dgm:scene3d>
+  <dgm:styleLbl name="node0">
+    <dgm:scene3d>
+      <a:camera prst="orthographicFront"/>
+      <a:lightRig rig="threePt" dir="t"/>
+    </dgm:scene3d>
+    <dgm:sp3d/>
+    <dgm:txPr/>
+    <dgm:style>
+      <a:lnRef idx="2">
+        <a:scrgbClr r="0" g="0" b="0"/>
+      </a:lnRef>
+      <a:fillRef idx="1">
+        <a:scrgbClr r="0" g="0" b="0"/>
+      </a:fillRef>
+      <a:effectRef idx="0">
+        <a:scrgbClr r="0" g="0" b="0"/>
+      </a:effectRef>
+      <a:fontRef idx="minor">
+        <a:schemeClr val="lt1"/>
+      </a:fontRef>
+    </dgm:style>
+  </dgm:styleLbl>
+  <dgm:styleLbl name="lnNode1">
+    <dgm:scene3d>
+      <a:camera prst="orthographicFront"/>
+      <a:lightRig rig="threePt" dir="t"/>
+    </dgm:scene3d>
+    <dgm:sp3d/>
+    <dgm:txPr/>
+    <dgm:style>
+      <a:lnRef idx="2">
+        <a:scrgbClr r="0" g="0" b="0"/>
+      </a:lnRef>
+      <a:fillRef idx="1">
+        <a:scrgbClr r="0" g="0" b="0"/>
+      </a:fillRef>
+      <a:effectRef idx="0">
+        <a:scrgbClr r="0" g="0" b="0"/>
+      </a:effectRef>
+      <a:fontRef idx="minor">
+        <a:schemeClr val="lt1"/>
+      </a:fontRef>
+    </dgm:style>
+  </dgm:styleLbl>
+  <dgm:styleLbl name="vennNode1">
+    <dgm:scene3d>
+      <a:camera prst="orthographicFront"/>
+      <a:lightRig rig="threePt" dir="t"/>
+    </dgm:scene3d>
+    <dgm:sp3d/>
+    <dgm:txPr/>
+    <dgm:style>
+      <a:lnRef idx="2">
+        <a:scrgbClr r="0" g="0" b="0"/>
+      </a:lnRef>
+      <a:fillRef idx="1">
+        <a:scrgbClr r="0" g="0" b="0"/>
+      </a:fillRef>
+      <a:effectRef idx="0">
+        <a:scrgbClr r="0" g="0" b="0"/>
+      </a:effectRef>
+      <a:fontRef idx="minor">
+        <a:schemeClr val="tx1"/>
+      </a:fontRef>
+    </dgm:style>
+  </dgm:styleLbl>
+  <dgm:styleLbl name="alignNode1">
+    <dgm:scene3d>
+      <a:camera prst="orthographicFront"/>
+      <a:lightRig rig="threePt" dir="t"/>
+    </dgm:scene3d>
+    <dgm:sp3d/>
+    <dgm:txPr/>
+    <dgm:style>
+      <a:lnRef idx="2">
+        <a:scrgbClr r="0" g="0" b="0"/>
+      </a:lnRef>
+      <a:fillRef idx="1">
+        <a:scrgbClr r="0" g="0" b="0"/>
+      </a:fillRef>
+      <a:effectRef idx="0">
+        <a:scrgbClr r="0" g="0" b="0"/>
+      </a:effectRef>
+      <a:fontRef idx="minor">
+        <a:schemeClr val="lt1"/>
+      </a:fontRef>
+    </dgm:style>
+  </dgm:styleLbl>
+  <dgm:styleLbl name="node1">
+    <dgm:scene3d>
+      <a:camera prst="orthographicFront"/>
+      <a:lightRig rig="threePt" dir="t"/>
+    </dgm:scene3d>
+    <dgm:sp3d/>
+    <dgm:txPr/>
+    <dgm:style>
+      <a:lnRef idx="2">
+        <a:scrgbClr r="0" g="0" b="0"/>
+      </a:lnRef>
+      <a:fillRef idx="1">
+        <a:scrgbClr r="0" g="0" b="0"/>
+      </a:fillRef>
+      <a:effectRef idx="0">
+        <a:scrgbClr r="0" g="0" b="0"/>
+      </a:effectRef>
+      <a:fontRef idx="minor">
+        <a:schemeClr val="lt1"/>
+      </a:fontRef>
+    </dgm:style>
+  </dgm:styleLbl>
+  <dgm:styleLbl name="node2">
+    <dgm:scene3d>
+      <a:camera prst="orthographicFront"/>
+      <a:lightRig rig="threePt" dir="t"/>
+    </dgm:scene3d>
+    <dgm:sp3d/>
+    <dgm:txPr/>
+    <dgm:style>
+      <a:lnRef idx="2">
+        <a:scrgbClr r="0" g="0" b="0"/>
+      </a:lnRef>
+      <a:fillRef idx="1">
+        <a:scrgbClr r="0" g="0" b="0"/>
+      </a:fillRef>
+      <a:effectRef idx="0">
+        <a:scrgbClr r="0" g="0" b="0"/>
+      </a:effectRef>
+      <a:fontRef idx="minor">
+        <a:schemeClr val="lt1"/>
+      </a:fontRef>
+    </dgm:style>
+  </dgm:styleLbl>
+  <dgm:styleLbl name="node3">
+    <dgm:scene3d>
+      <a:camera prst="orthographicFront"/>
+      <a:lightRig rig="threePt" dir="t"/>
+    </dgm:scene3d>
+    <dgm:sp3d/>
+    <dgm:txPr/>
+    <dgm:style>
+      <a:lnRef idx="2">
+        <a:scrgbClr r="0" g="0" b="0"/>
+      </a:lnRef>
+      <a:fillRef idx="1">
+        <a:scrgbClr r="0" g="0" b="0"/>
+      </a:fillRef>
+      <a:effectRef idx="0">
+        <a:scrgbClr r="0" g="0" b="0"/>
+      </a:effectRef>
+      <a:fontRef idx="minor">
+        <a:schemeClr val="lt1"/>
+      </a:fontRef>
+    </dgm:style>
+  </dgm:styleLbl>
+  <dgm:styleLbl name="node4">
+    <dgm:scene3d>
+      <a:camera prst="orthographicFront"/>
+      <a:lightRig rig="threePt" dir="t"/>
+    </dgm:scene3d>
+    <dgm:sp3d/>
+    <dgm:txPr/>
+    <dgm:style>
+      <a:lnRef idx="2">
+        <a:scrgbClr r="0" g="0" b="0"/>
+      </a:lnRef>
+      <a:fillRef idx="1">
+        <a:scrgbClr r="0" g="0" b="0"/>
+      </a:fillRef>
+      <a:effectRef idx="0">
+        <a:scrgbClr r="0" g="0" b="0"/>
+      </a:effectRef>
+      <a:fontRef idx="minor">
+        <a:schemeClr val="lt1"/>
+      </a:fontRef>
+    </dgm:style>
+  </dgm:styleLbl>
+  <dgm:styleLbl name="fgImgPlace1">
+    <dgm:scene3d>
+      <a:camera prst="orthographicFront"/>
+      <a:lightRig rig="threePt" dir="t"/>
+    </dgm:scene3d>
+    <dgm:sp3d/>
+    <dgm:txPr/>
+    <dgm:style>
+      <a:lnRef idx="2">
+        <a:scrgbClr r="0" g="0" b="0"/>
+      </a:lnRef>
+      <a:fillRef idx="1">
+        <a:scrgbClr r="0" g="0" b="0"/>
+      </a:fillRef>
+      <a:effectRef idx="0">
+        <a:scrgbClr r="0" g="0" b="0"/>
+      </a:effectRef>
+      <a:fontRef idx="minor"/>
+    </dgm:style>
+  </dgm:styleLbl>
+  <dgm:styleLbl name="alignImgPlace1">
+    <dgm:scene3d>
+      <a:camera prst="orthographicFront"/>
+      <a:lightRig rig="threePt" dir="t"/>
+    </dgm:scene3d>
+    <dgm:sp3d/>
+    <dgm:txPr/>
+    <dgm:style>
+      <a:lnRef idx="2">
+        <a:scrgbClr r="0" g="0" b="0"/>
+      </a:lnRef>
+      <a:fillRef idx="1">
+        <a:scrgbClr r="0" g="0" b="0"/>
+      </a:fillRef>
+      <a:effectRef idx="0">
+        <a:scrgbClr r="0" g="0" b="0"/>
+      </a:effectRef>
+      <a:fontRef idx="minor"/>
+    </dgm:style>
+  </dgm:styleLbl>
+  <dgm:styleLbl name="bgImgPlace1">
+    <dgm:scene3d>
+      <a:camera prst="orthographicFront"/>
+      <a:lightRig rig="threePt" dir="t"/>
+    </dgm:scene3d>
+    <dgm:sp3d/>
+    <dgm:txPr/>
+    <dgm:style>
+      <a:lnRef idx="2">
+        <a:scrgbClr r="0" g="0" b="0"/>
+      </a:lnRef>
+      <a:fillRef idx="1">
+        <a:scrgbClr r="0" g="0" b="0"/>
+      </a:fillRef>
+      <a:effectRef idx="0">
+        <a:scrgbClr r="0" g="0" b="0"/>
+      </a:effectRef>
+      <a:fontRef idx="minor"/>
+    </dgm:style>
+  </dgm:styleLbl>
+  <dgm:styleLbl name="sibTrans2D1">
+    <dgm:scene3d>
+      <a:camera prst="orthographicFront"/>
+      <a:lightRig rig="threePt" dir="t"/>
+    </dgm:scene3d>
+    <dgm:sp3d/>
+    <dgm:txPr/>
+    <dgm:style>
+      <a:lnRef idx="0">
+        <a:scrgbClr r="0" g="0" b="0"/>
+      </a:lnRef>
+      <a:fillRef idx="1">
+        <a:scrgbClr r="0" g="0" b="0"/>
+      </a:fillRef>
+      <a:effectRef idx="0">
+        <a:scrgbClr r="0" g="0" b="0"/>
+      </a:effectRef>
+      <a:fontRef idx="minor">
+        <a:schemeClr val="lt1"/>
+      </a:fontRef>
+    </dgm:style>
+  </dgm:styleLbl>
+  <dgm:styleLbl name="fgSibTrans2D1">
+    <dgm:scene3d>
+      <a:camera prst="orthographicFront"/>
+      <a:lightRig rig="threePt" dir="t"/>
+    </dgm:scene3d>
+    <dgm:sp3d/>
+    <dgm:txPr/>
+    <dgm:style>
+      <a:lnRef idx="0">
+        <a:scrgbClr r="0" g="0" b="0"/>
+      </a:lnRef>
+      <a:fillRef idx="1">
+        <a:scrgbClr r="0" g="0" b="0"/>
+      </a:fillRef>
+      <a:effectRef idx="0">
+        <a:scrgbClr r="0" g="0" b="0"/>
+      </a:effectRef>
+      <a:fontRef idx="minor">
+        <a:schemeClr val="lt1"/>
+      </a:fontRef>
+    </dgm:style>
+  </dgm:styleLbl>
+  <dgm:styleLbl name="bgSibTrans2D1">
+    <dgm:scene3d>
+      <a:camera prst="orthographicFront"/>
+      <a:lightRig rig="threePt" dir="t"/>
+    </dgm:scene3d>
+    <dgm:sp3d/>
+    <dgm:txPr/>
+    <dgm:style>
+      <a:lnRef idx="0">
+        <a:scrgbClr r="0" g="0" b="0"/>
+      </a:lnRef>
+      <a:fillRef idx="1">
+        <a:scrgbClr r="0" g="0" b="0"/>
+      </a:fillRef>
+      <a:effectRef idx="0">
+        <a:scrgbClr r="0" g="0" b="0"/>
+      </a:effectRef>
+      <a:fontRef idx="minor">
+        <a:schemeClr val="lt1"/>
+      </a:fontRef>
+    </dgm:style>
+  </dgm:styleLbl>
+  <dgm:styleLbl name="sibTrans1D1">
+    <dgm:scene3d>
+      <a:camera prst="orthographicFront"/>
+      <a:lightRig rig="threePt" dir="t"/>
+    </dgm:scene3d>
+    <dgm:sp3d/>
+    <dgm:txPr/>
+    <dgm:style>
+      <a:lnRef idx="1">
+        <a:scrgbClr r="0" g="0" b="0"/>
+      </a:lnRef>
+      <a:fillRef idx="0">
+        <a:scrgbClr r="0" g="0" b="0"/>
+      </a:fillRef>
+      <a:effectRef idx="0">
+        <a:scrgbClr r="0" g="0" b="0"/>
+      </a:effectRef>
+      <a:fontRef idx="minor"/>
+    </dgm:style>
+  </dgm:styleLbl>
+  <dgm:styleLbl name="callout">
+    <dgm:scene3d>
+      <a:camera prst="orthographicFront"/>
+      <a:lightRig rig="threePt" dir="t"/>
+    </dgm:scene3d>
+    <dgm:sp3d/>
+    <dgm:txPr/>
+    <dgm:style>
+      <a:lnRef idx="2">
+        <a:scrgbClr r="0" g="0" b="0"/>
+      </a:lnRef>
+      <a:fillRef idx="1">
+        <a:scrgbClr r="0" g="0" b="0"/>
+      </a:fillRef>
+      <a:effectRef idx="0">
+        <a:scrgbClr r="0" g="0" b="0"/>
+      </a:effectRef>
+      <a:fontRef idx="minor"/>
+    </dgm:style>
+  </dgm:styleLbl>
+  <dgm:styleLbl name="asst0">
+    <dgm:scene3d>
+      <a:camera prst="orthographicFront"/>
+      <a:lightRig rig="threePt" dir="t"/>
+    </dgm:scene3d>
+    <dgm:sp3d/>
+    <dgm:txPr/>
+    <dgm:style>
+      <a:lnRef idx="2">
+        <a:scrgbClr r="0" g="0" b="0"/>
+      </a:lnRef>
+      <a:fillRef idx="1">
+        <a:scrgbClr r="0" g="0" b="0"/>
+      </a:fillRef>
+      <a:effectRef idx="0">
+        <a:scrgbClr r="0" g="0" b="0"/>
+      </a:effectRef>
+      <a:fontRef idx="minor">
+        <a:schemeClr val="lt1"/>
+      </a:fontRef>
+    </dgm:style>
+  </dgm:styleLbl>
+  <dgm:styleLbl name="asst1">
+    <dgm:scene3d>
+      <a:camera prst="orthographicFront"/>
+      <a:lightRig rig="threePt" dir="t"/>
+    </dgm:scene3d>
+    <dgm:sp3d/>
+    <dgm:txPr/>
+    <dgm:style>
+      <a:lnRef idx="2">
+        <a:scrgbClr r="0" g="0" b="0"/>
+      </a:lnRef>
+      <a:fillRef idx="1">
+        <a:scrgbClr r="0" g="0" b="0"/>
+      </a:fillRef>
+      <a:effectRef idx="0">
+        <a:scrgbClr r="0" g="0" b="0"/>
+      </a:effectRef>
+      <a:fontRef idx="minor">
+        <a:schemeClr val="lt1"/>
+      </a:fontRef>
+    </dgm:style>
+  </dgm:styleLbl>
+  <dgm:styleLbl name="asst2">
+    <dgm:scene3d>
+      <a:camera prst="orthographicFront"/>
+      <a:lightRig rig="threePt" dir="t"/>
+    </dgm:scene3d>
+    <dgm:sp3d/>
+    <dgm:txPr/>
+    <dgm:style>
+      <a:lnRef idx="2">
+        <a:scrgbClr r="0" g="0" b="0"/>
+      </a:lnRef>
+      <a:fillRef idx="1">
+        <a:scrgbClr r="0" g="0" b="0"/>
+      </a:fillRef>
+      <a:effectRef idx="0">
+        <a:scrgbClr r="0" g="0" b="0"/>
+      </a:effectRef>
+      <a:fontRef idx="minor">
+        <a:schemeClr val="lt1"/>
+      </a:fontRef>
+    </dgm:style>
+  </dgm:styleLbl>
+  <dgm:styleLbl name="asst3">
+    <dgm:scene3d>
+      <a:camera prst="orthographicFront"/>
+      <a:lightRig rig="threePt" dir="t"/>
+    </dgm:scene3d>
+    <dgm:sp3d/>
+    <dgm:txPr/>
+    <dgm:style>
+      <a:lnRef idx="2">
+        <a:scrgbClr r="0" g="0" b="0"/>
+      </a:lnRef>
+      <a:fillRef idx="1">
+        <a:scrgbClr r="0" g="0" b="0"/>
+      </a:fillRef>
+      <a:effectRef idx="0">
+        <a:scrgbClr r="0" g="0" b="0"/>
+      </a:effectRef>
+      <a:fontRef idx="minor">
+        <a:schemeClr val="lt1"/>
+      </a:fontRef>
+    </dgm:style>
+  </dgm:styleLbl>
+  <dgm:styleLbl name="asst4">
+    <dgm:scene3d>
+      <a:camera prst="orthographicFront"/>
+      <a:lightRig rig="threePt" dir="t"/>
+    </dgm:scene3d>
+    <dgm:sp3d/>
+    <dgm:txPr/>
+    <dgm:style>
+      <a:lnRef idx="2">
+        <a:scrgbClr r="0" g="0" b="0"/>
+      </a:lnRef>
+      <a:fillRef idx="1">
+        <a:scrgbClr r="0" g="0" b="0"/>
+      </a:fillRef>
+      <a:effectRef idx="0">
+        <a:scrgbClr r="0" g="0" b="0"/>
+      </a:effectRef>
+      <a:fontRef idx="minor">
+        <a:schemeClr val="lt1"/>
+      </a:fontRef>
+    </dgm:style>
+  </dgm:styleLbl>
+  <dgm:styleLbl name="parChTrans2D1">
+    <dgm:scene3d>
+      <a:camera prst="orthographicFront"/>
+      <a:lightRig rig="threePt" dir="t"/>
+    </dgm:scene3d>
+    <dgm:sp3d/>
+    <dgm:txPr/>
+    <dgm:style>
+      <a:lnRef idx="2">
+        <a:scrgbClr r="0" g="0" b="0"/>
+      </a:lnRef>
+      <a:fillRef idx="1">
+        <a:scrgbClr r="0" g="0" b="0"/>
+      </a:fillRef>
+      <a:effectRef idx="0">
+        <a:scrgbClr r="0" g="0" b="0"/>
+      </a:effectRef>
+      <a:fontRef idx="minor">
+        <a:schemeClr val="lt1"/>
+      </a:fontRef>
+    </dgm:style>
+  </dgm:styleLbl>
+  <dgm:styleLbl name="parChTrans2D2">
+    <dgm:scene3d>
+      <a:camera prst="orthographicFront"/>
+      <a:lightRig rig="threePt" dir="t"/>
+    </dgm:scene3d>
+    <dgm:sp3d/>
+    <dgm:txPr/>
+    <dgm:style>
+      <a:lnRef idx="2">
+        <a:scrgbClr r="0" g="0" b="0"/>
+      </a:lnRef>
+      <a:fillRef idx="1">
+        <a:scrgbClr r="0" g="0" b="0"/>
+      </a:fillRef>
+      <a:effectRef idx="0">
+        <a:scrgbClr r="0" g="0" b="0"/>
+      </a:effectRef>
+      <a:fontRef idx="minor">
+        <a:schemeClr val="lt1"/>
+      </a:fontRef>
+    </dgm:style>
+  </dgm:styleLbl>
+  <dgm:styleLbl name="parChTrans2D3">
+    <dgm:scene3d>
+      <a:camera prst="orthographicFront"/>
+      <a:lightRig rig="threePt" dir="t"/>
+    </dgm:scene3d>
+    <dgm:sp3d/>
+    <dgm:txPr/>
+    <dgm:style>
+      <a:lnRef idx="2">
+        <a:scrgbClr r="0" g="0" b="0"/>
+      </a:lnRef>
+      <a:fillRef idx="1">
+        <a:scrgbClr r="0" g="0" b="0"/>
+      </a:fillRef>
+      <a:effectRef idx="0">
+        <a:scrgbClr r="0" g="0" b="0"/>
+      </a:effectRef>
+      <a:fontRef idx="minor">
+        <a:schemeClr val="lt1"/>
+      </a:fontRef>
+    </dgm:style>
+  </dgm:styleLbl>
+  <dgm:styleLbl name="parChTrans2D4">
+    <dgm:scene3d>
+      <a:camera prst="orthographicFront"/>
+      <a:lightRig rig="threePt" dir="t"/>
+    </dgm:scene3d>
+    <dgm:sp3d/>
+    <dgm:txPr/>
+    <dgm:style>
+      <a:lnRef idx="2">
+        <a:scrgbClr r="0" g="0" b="0"/>
+      </a:lnRef>
+      <a:fillRef idx="1">
+        <a:scrgbClr r="0" g="0" b="0"/>
+      </a:fillRef>
+      <a:effectRef idx="0">
+        <a:scrgbClr r="0" g="0" b="0"/>
+      </a:effectRef>
+      <a:fontRef idx="minor">
+        <a:schemeClr val="lt1"/>
+      </a:fontRef>
+    </dgm:style>
+  </dgm:styleLbl>
+  <dgm:styleLbl name="parChTrans1D1">
+    <dgm:scene3d>
+      <a:camera prst="orthographicFront"/>
+      <a:lightRig rig="threePt" dir="t"/>
+    </dgm:scene3d>
+    <dgm:sp3d/>
+    <dgm:txPr/>
+    <dgm:style>
+      <a:lnRef idx="2">
+        <a:scrgbClr r="0" g="0" b="0"/>
+      </a:lnRef>
+      <a:fillRef idx="0">
+        <a:scrgbClr r="0" g="0" b="0"/>
+      </a:fillRef>
+      <a:effectRef idx="0">
+        <a:scrgbClr r="0" g="0" b="0"/>
+      </a:effectRef>
+      <a:fontRef idx="minor"/>
+    </dgm:style>
+  </dgm:styleLbl>
+  <dgm:styleLbl name="parChTrans1D2">
+    <dgm:scene3d>
+      <a:camera prst="orthographicFront"/>
+      <a:lightRig rig="threePt" dir="t"/>
+    </dgm:scene3d>
+    <dgm:sp3d/>
+    <dgm:txPr/>
+    <dgm:style>
+      <a:lnRef idx="2">
+        <a:scrgbClr r="0" g="0" b="0"/>
+      </a:lnRef>
+      <a:fillRef idx="0">
+        <a:scrgbClr r="0" g="0" b="0"/>
+      </a:fillRef>
+      <a:effectRef idx="0">
+        <a:scrgbClr r="0" g="0" b="0"/>
+      </a:effectRef>
+      <a:fontRef idx="minor"/>
+    </dgm:style>
+  </dgm:styleLbl>
+  <dgm:styleLbl name="parChTrans1D3">
+    <dgm:scene3d>
+      <a:camera prst="orthographicFront"/>
+      <a:lightRig rig="threePt" dir="t"/>
+    </dgm:scene3d>
+    <dgm:sp3d/>
+    <dgm:txPr/>
+    <dgm:style>
+      <a:lnRef idx="2">
+        <a:scrgbClr r="0" g="0" b="0"/>
+      </a:lnRef>
+      <a:fillRef idx="0">
+        <a:scrgbClr r="0" g="0" b="0"/>
+      </a:fillRef>
+      <a:effectRef idx="0">
+        <a:scrgbClr r="0" g="0" b="0"/>
+      </a:effectRef>
+      <a:fontRef idx="minor"/>
+    </dgm:style>
+  </dgm:styleLbl>
+  <dgm:styleLbl name="parChTrans1D4">
+    <dgm:scene3d>
+      <a:camera prst="orthographicFront"/>
+      <a:lightRig rig="threePt" dir="t"/>
+    </dgm:scene3d>
+    <dgm:sp3d/>
+    <dgm:txPr/>
+    <dgm:style>
+      <a:lnRef idx="2">
+        <a:scrgbClr r="0" g="0" b="0"/>
+      </a:lnRef>
+      <a:fillRef idx="0">
+        <a:scrgbClr r="0" g="0" b="0"/>
+      </a:fillRef>
+      <a:effectRef idx="0">
+        <a:scrgbClr r="0" g="0" b="0"/>
+      </a:effectRef>
+      <a:fontRef idx="minor"/>
+    </dgm:style>
+  </dgm:styleLbl>
+  <dgm:styleLbl name="fgAcc1">
+    <dgm:scene3d>
+      <a:camera prst="orthographicFront"/>
+      <a:lightRig rig="threePt" dir="t"/>
+    </dgm:scene3d>
+    <dgm:sp3d/>
+    <dgm:txPr/>
+    <dgm:style>
+      <a:lnRef idx="2">
+        <a:scrgbClr r="0" g="0" b="0"/>
+      </a:lnRef>
+      <a:fillRef idx="1">
+        <a:scrgbClr r="0" g="0" b="0"/>
+      </a:fillRef>
+      <a:effectRef idx="0">
+        <a:scrgbClr r="0" g="0" b="0"/>
+      </a:effectRef>
+      <a:fontRef idx="minor"/>
+    </dgm:style>
+  </dgm:styleLbl>
+  <dgm:styleLbl name="conFgAcc1">
+    <dgm:scene3d>
+      <a:camera prst="orthographicFront"/>
+      <a:lightRig rig="threePt" dir="t"/>
+    </dgm:scene3d>
+    <dgm:sp3d/>
+    <dgm:txPr/>
+    <dgm:style>
+      <a:lnRef idx="2">
+        <a:scrgbClr r="0" g="0" b="0"/>
+      </a:lnRef>
+      <a:fillRef idx="1">
+        <a:scrgbClr r="0" g="0" b="0"/>
+      </a:fillRef>
+      <a:effectRef idx="0">
+        <a:scrgbClr r="0" g="0" b="0"/>
+      </a:effectRef>
+      <a:fontRef idx="minor"/>
+    </dgm:style>
+  </dgm:styleLbl>
+  <dgm:styleLbl name="alignAcc1">
+    <dgm:scene3d>
+      <a:camera prst="orthographicFront"/>
+      <a:lightRig rig="threePt" dir="t"/>
+    </dgm:scene3d>
+    <dgm:sp3d/>
+    <dgm:txPr/>
+    <dgm:style>
+      <a:lnRef idx="2">
+        <a:scrgbClr r="0" g="0" b="0"/>
+      </a:lnRef>
+      <a:fillRef idx="1">
+        <a:scrgbClr r="0" g="0" b="0"/>
+      </a:fillRef>
+      <a:effectRef idx="0">
+        <a:scrgbClr r="0" g="0" b="0"/>
+      </a:effectRef>
+      <a:fontRef idx="minor"/>
+    </dgm:style>
+  </dgm:styleLbl>
+  <dgm:styleLbl name="trAlignAcc1">
+    <dgm:scene3d>
+      <a:camera prst="orthographicFront"/>
+      <a:lightRig rig="threePt" dir="t"/>
+    </dgm:scene3d>
+    <dgm:sp3d/>
+    <dgm:txPr/>
+    <dgm:style>
+      <a:lnRef idx="1">
+        <a:scrgbClr r="0" g="0" b="0"/>
+      </a:lnRef>
+      <a:fillRef idx="1">
+        <a:scrgbClr r="0" g="0" b="0"/>
+      </a:fillRef>
+      <a:effectRef idx="0">
+        <a:scrgbClr r="0" g="0" b="0"/>
+      </a:effectRef>
+      <a:fontRef idx="minor"/>
+    </dgm:style>
+  </dgm:styleLbl>
+  <dgm:styleLbl name="bgAcc1">
+    <dgm:scene3d>
+      <a:camera prst="orthographicFront"/>
+      <a:lightRig rig="threePt" dir="t"/>
+    </dgm:scene3d>
+    <dgm:sp3d/>
+    <dgm:txPr/>
+    <dgm:style>
+      <a:lnRef idx="2">
+        <a:scrgbClr r="0" g="0" b="0"/>
+      </a:lnRef>
+      <a:fillRef idx="1">
+        <a:scrgbClr r="0" g="0" b="0"/>
+      </a:fillRef>
+      <a:effectRef idx="0">
+        <a:scrgbClr r="0" g="0" b="0"/>
+      </a:effectRef>
+      <a:fontRef idx="minor"/>
+    </dgm:style>
+  </dgm:styleLbl>
+  <dgm:styleLbl name="solidFgAcc1">
+    <dgm:scene3d>
+      <a:camera prst="orthographicFront"/>
+      <a:lightRig rig="threePt" dir="t"/>
+    </dgm:scene3d>
+    <dgm:sp3d/>
+    <dgm:txPr/>
+    <dgm:style>
+      <a:lnRef idx="2">
+        <a:scrgbClr r="0" g="0" b="0"/>
+      </a:lnRef>
+      <a:fillRef idx="1">
+        <a:scrgbClr r="0" g="0" b="0"/>
+      </a:fillRef>
+      <a:effectRef idx="0">
+        <a:scrgbClr r="0" g="0" b="0"/>
+      </a:effectRef>
+      <a:fontRef idx="minor"/>
+    </dgm:style>
+  </dgm:styleLbl>
+  <dgm:styleLbl name="solidAlignAcc1">
+    <dgm:scene3d>
+      <a:camera prst="orthographicFront"/>
+      <a:lightRig rig="threePt" dir="t"/>
+    </dgm:scene3d>
+    <dgm:sp3d/>
+    <dgm:txPr/>
+    <dgm:style>
+      <a:lnRef idx="2">
+        <a:scrgbClr r="0" g="0" b="0"/>
+      </a:lnRef>
+      <a:fillRef idx="1">
+        <a:scrgbClr r="0" g="0" b="0"/>
+      </a:fillRef>
+      <a:effectRef idx="0">
+        <a:scrgbClr r="0" g="0" b="0"/>
+      </a:effectRef>
+      <a:fontRef idx="minor"/>
+    </dgm:style>
+  </dgm:styleLbl>
+  <dgm:styleLbl name="solidBgAcc1">
+    <dgm:scene3d>
+      <a:camera prst="orthographicFront"/>
+      <a:lightRig rig="threePt" dir="t"/>
+    </dgm:scene3d>
+    <dgm:sp3d/>
+    <dgm:txPr/>
+    <dgm:style>
+      <a:lnRef idx="2">
+        <a:scrgbClr r="0" g="0" b="0"/>
+      </a:lnRef>
+      <a:fillRef idx="1">
+        <a:scrgbClr r="0" g="0" b="0"/>
+      </a:fillRef>
+      <a:effectRef idx="0">
+        <a:scrgbClr r="0" g="0" b="0"/>
+      </a:effectRef>
+      <a:fontRef idx="minor"/>
+    </dgm:style>
+  </dgm:styleLbl>
+  <dgm:styleLbl name="fgAccFollowNode1">
+    <dgm:scene3d>
+      <a:camera prst="orthographicFront"/>
+      <a:lightRig rig="threePt" dir="t"/>
+    </dgm:scene3d>
+    <dgm:sp3d/>
+    <dgm:txPr/>
+    <dgm:style>
+      <a:lnRef idx="2">
+        <a:scrgbClr r="0" g="0" b="0"/>
+      </a:lnRef>
+      <a:fillRef idx="1">
+        <a:scrgbClr r="0" g="0" b="0"/>
+      </a:fillRef>
+      <a:effectRef idx="0">
+        <a:scrgbClr r="0" g="0" b="0"/>
+      </a:effectRef>
+      <a:fontRef idx="minor"/>
+    </dgm:style>
+  </dgm:styleLbl>
+  <dgm:styleLbl name="alignAccFollowNode1">
+    <dgm:scene3d>
+      <a:camera prst="orthographicFront"/>
+      <a:lightRig rig="threePt" dir="t"/>
+    </dgm:scene3d>
+    <dgm:sp3d/>
+    <dgm:txPr/>
+    <dgm:style>
+      <a:lnRef idx="2">
+        <a:scrgbClr r="0" g="0" b="0"/>
+      </a:lnRef>
+      <a:fillRef idx="1">
+        <a:scrgbClr r="0" g="0" b="0"/>
+      </a:fillRef>
+      <a:effectRef idx="0">
+        <a:scrgbClr r="0" g="0" b="0"/>
+      </a:effectRef>
+      <a:fontRef idx="minor"/>
+    </dgm:style>
+  </dgm:styleLbl>
+  <dgm:styleLbl name="bgAccFollowNode1">
+    <dgm:scene3d>
+      <a:camera prst="orthographicFront"/>
+      <a:lightRig rig="threePt" dir="t"/>
+    </dgm:scene3d>
+    <dgm:sp3d/>
+    <dgm:txPr/>
+    <dgm:style>
+      <a:lnRef idx="2">
+        <a:scrgbClr r="0" g="0" b="0"/>
+      </a:lnRef>
+      <a:fillRef idx="1">
+        <a:scrgbClr r="0" g="0" b="0"/>
+      </a:fillRef>
+      <a:effectRef idx="0">
+        <a:scrgbClr r="0" g="0" b="0"/>
+      </a:effectRef>
+      <a:fontRef idx="minor"/>
+    </dgm:style>
+  </dgm:styleLbl>
+  <dgm:styleLbl name="fgAcc0">
+    <dgm:scene3d>
+      <a:camera prst="orthographicFront"/>
+      <a:lightRig rig="threePt" dir="t"/>
+    </dgm:scene3d>
+    <dgm:sp3d/>
+    <dgm:txPr/>
+    <dgm:style>
+      <a:lnRef idx="2">
+        <a:scrgbClr r="0" g="0" b="0"/>
+      </a:lnRef>
+      <a:fillRef idx="1">
+        <a:scrgbClr r="0" g="0" b="0"/>
+      </a:fillRef>
+      <a:effectRef idx="0">
+        <a:scrgbClr r="0" g="0" b="0"/>
+      </a:effectRef>
+      <a:fontRef idx="minor"/>
+    </dgm:style>
+  </dgm:styleLbl>
+  <dgm:styleLbl name="fgAcc2">
+    <dgm:scene3d>
+      <a:camera prst="orthographicFront"/>
+      <a:lightRig rig="threePt" dir="t"/>
+    </dgm:scene3d>
+    <dgm:sp3d/>
+    <dgm:txPr/>
+    <dgm:style>
+      <a:lnRef idx="2">
+        <a:scrgbClr r="0" g="0" b="0"/>
+      </a:lnRef>
+      <a:fillRef idx="1">
+        <a:scrgbClr r="0" g="0" b="0"/>
+      </a:fillRef>
+      <a:effectRef idx="0">
+        <a:scrgbClr r="0" g="0" b="0"/>
+      </a:effectRef>
+      <a:fontRef idx="minor"/>
+    </dgm:style>
+  </dgm:styleLbl>
+  <dgm:styleLbl name="fgAcc3">
+    <dgm:scene3d>
+      <a:camera prst="orthographicFront"/>
+      <a:lightRig rig="threePt" dir="t"/>
+    </dgm:scene3d>
+    <dgm:sp3d/>
+    <dgm:txPr/>
+    <dgm:style>
+      <a:lnRef idx="2">
+        <a:scrgbClr r="0" g="0" b="0"/>
+      </a:lnRef>
+      <a:fillRef idx="1">
+        <a:scrgbClr r="0" g="0" b="0"/>
+      </a:fillRef>
+      <a:effectRef idx="0">
+        <a:scrgbClr r="0" g="0" b="0"/>
+      </a:effectRef>
+      <a:fontRef idx="minor"/>
+    </dgm:style>
+  </dgm:styleLbl>
+  <dgm:styleLbl name="fgAcc4">
+    <dgm:scene3d>
+      <a:camera prst="orthographicFront"/>
+      <a:lightRig rig="threePt" dir="t"/>
+    </dgm:scene3d>
+    <dgm:sp3d/>
+    <dgm:txPr/>
+    <dgm:style>
+      <a:lnRef idx="2">
+        <a:scrgbClr r="0" g="0" b="0"/>
+      </a:lnRef>
+      <a:fillRef idx="1">
+        <a:scrgbClr r="0" g="0" b="0"/>
+      </a:fillRef>
+      <a:effectRef idx="0">
+        <a:scrgbClr r="0" g="0" b="0"/>
+      </a:effectRef>
+      <a:fontRef idx="minor"/>
+    </dgm:style>
+  </dgm:styleLbl>
+  <dgm:styleLbl name="bgShp">
+    <dgm:scene3d>
+      <a:camera prst="orthographicFront"/>
+      <a:lightRig rig="threePt" dir="t"/>
+    </dgm:scene3d>
+    <dgm:sp3d/>
+    <dgm:txPr/>
+    <dgm:style>
+      <a:lnRef idx="0">
+        <a:scrgbClr r="0" g="0" b="0"/>
+      </a:lnRef>
+      <a:fillRef idx="1">
+        <a:scrgbClr r="0" g="0" b="0"/>
+      </a:fillRef>
+      <a:effectRef idx="0">
+        <a:scrgbClr r="0" g="0" b="0"/>
+      </a:effectRef>
+      <a:fontRef idx="minor"/>
+    </dgm:style>
+  </dgm:styleLbl>
+  <dgm:styleLbl name="dkBgShp">
+    <dgm:scene3d>
+      <a:camera prst="orthographicFront"/>
+      <a:lightRig rig="threePt" dir="t"/>
+    </dgm:scene3d>
+    <dgm:sp3d/>
+    <dgm:txPr/>
+    <dgm:style>
+      <a:lnRef idx="0">
+        <a:scrgbClr r="0" g="0" b="0"/>
+      </a:lnRef>
+      <a:fillRef idx="1">
+        <a:scrgbClr r="0" g="0" b="0"/>
+      </a:fillRef>
+      <a:effectRef idx="0">
+        <a:scrgbClr r="0" g="0" b="0"/>
+      </a:effectRef>
+      <a:fontRef idx="minor"/>
+    </dgm:style>
+  </dgm:styleLbl>
+  <dgm:styleLbl name="trBgShp">
+    <dgm:scene3d>
+      <a:camera prst="orthographicFront"/>
+      <a:lightRig rig="threePt" dir="t"/>
+    </dgm:scene3d>
+    <dgm:sp3d/>
+    <dgm:txPr/>
+    <dgm:style>
+      <a:lnRef idx="0">
+        <a:scrgbClr r="0" g="0" b="0"/>
+      </a:lnRef>
+      <a:fillRef idx="1">
+        <a:scrgbClr r="0" g="0" b="0"/>
+      </a:fillRef>
+      <a:effectRef idx="0">
+        <a:scrgbClr r="0" g="0" b="0"/>
+      </a:effectRef>
+      <a:fontRef idx="minor"/>
+    </dgm:style>
+  </dgm:styleLbl>
+  <dgm:styleLbl name="fgShp">
+    <dgm:scene3d>
+      <a:camera prst="orthographicFront"/>
+      <a:lightRig rig="threePt" dir="t"/>
+    </dgm:scene3d>
+    <dgm:sp3d/>
+    <dgm:txPr/>
+    <dgm:style>
+      <a:lnRef idx="2">
+        <a:scrgbClr r="0" g="0" b="0"/>
+      </a:lnRef>
+      <a:fillRef idx="1">
+        <a:scrgbClr r="0" g="0" b="0"/>
+      </a:fillRef>
+      <a:effectRef idx="0">
+        <a:scrgbClr r="0" g="0" b="0"/>
+      </a:effectRef>
+      <a:fontRef idx="minor"/>
+    </dgm:style>
+  </dgm:styleLbl>
+  <dgm:styleLbl name="revTx">
+    <dgm:scene3d>
+      <a:camera prst="orthographicFront"/>
+      <a:lightRig rig="threePt" dir="t"/>
+    </dgm:scene3d>
+    <dgm:sp3d/>
+    <dgm:txPr/>
+    <dgm:style>
+      <a:lnRef idx="0">
+        <a:scrgbClr r="0" g="0" b="0"/>
+      </a:lnRef>
+      <a:fillRef idx="0">
+        <a:scrgbClr r="0" g="0" b="0"/>
+      </a:fillRef>
+      <a:effectRef idx="0">
+        <a:scrgbClr r="0" g="0" b="0"/>
+      </a:effectRef>
+      <a:fontRef idx="minor"/>
+    </dgm:style>
+  </dgm:styleLbl>
+</dgm:styleDef>
 </file>
 
 <file path=ppt/slideLayouts/slideLayout1.xml><?xml version="1.0" encoding="utf-8"?>
@@ -3338,10 +8928,10 @@
       </p:grpSpPr>
       <p:sp useBgFill="1">
         <p:nvSpPr>
-          <p:cNvPr id="14" name="Rectangle 13">
+          <p:cNvPr id="24" name="Rectangle 23">
             <a:extLst>
               <a:ext uri="{FF2B5EF4-FFF2-40B4-BE49-F238E27FC236}">
-                <a16:creationId xmlns:a16="http://schemas.microsoft.com/office/drawing/2014/main" id="{9B7AD9F6-8CE7-4299-8FC6-328F4DCD3FF9}"/>
+                <a16:creationId xmlns:a16="http://schemas.microsoft.com/office/drawing/2014/main" id="{337940BB-FBC4-492E-BD92-3B7B914D0EAE}"/>
               </a:ext>
               <a:ext uri="{C183D7F6-B498-43B3-948B-1728B52AA6E4}">
                 <adec:decorative xmlns:adec="http://schemas.microsoft.com/office/drawing/2017/decorative" val="1"/>
@@ -3362,7 +8952,7 @@
         <p:spPr>
           <a:xfrm>
             <a:off x="0" y="0"/>
-            <a:ext cx="12188952" cy="6858000"/>
+            <a:ext cx="12192000" cy="6858000"/>
           </a:xfrm>
           <a:prstGeom prst="rect">
             <a:avLst/>
@@ -3414,19 +9004,19 @@
         </p:nvSpPr>
         <p:spPr>
           <a:xfrm>
-            <a:off x="5297762" y="640080"/>
-            <a:ext cx="6251110" cy="3566160"/>
+            <a:off x="4853988" y="320041"/>
+            <a:ext cx="6707084" cy="3892668"/>
           </a:xfrm>
         </p:spPr>
         <p:txBody>
-          <a:bodyPr anchor="b">
+          <a:bodyPr>
             <a:normAutofit/>
           </a:bodyPr>
           <a:lstStyle/>
           <a:p>
             <a:pPr algn="l"/>
             <a:r>
-              <a:rPr lang="en-US" sz="5400"/>
+              <a:rPr lang="en-US" sz="6600"/>
               <a:t>Petabyte Pirates</a:t>
             </a:r>
           </a:p>
@@ -3461,132 +9051,20 @@
         </p:blipFill>
         <p:spPr>
           <a:xfrm>
-            <a:off x="1" y="10"/>
-            <a:ext cx="4657344" cy="6857990"/>
+            <a:off x="360415" y="320040"/>
+            <a:ext cx="4006618" cy="5899785"/>
           </a:xfrm>
-          <a:custGeom>
+          <a:prstGeom prst="rect">
             <a:avLst/>
-            <a:gdLst/>
-            <a:ahLst/>
-            <a:cxnLst/>
-            <a:rect l="l" t="t" r="r" b="b"/>
-            <a:pathLst>
-              <a:path w="4657344" h="6858000">
-                <a:moveTo>
-                  <a:pt x="0" y="0"/>
-                </a:moveTo>
-                <a:lnTo>
-                  <a:pt x="3429755" y="0"/>
-                </a:lnTo>
-                <a:lnTo>
-                  <a:pt x="3526016" y="148742"/>
-                </a:lnTo>
-                <a:cubicBezTo>
-                  <a:pt x="3657740" y="365513"/>
-                  <a:pt x="3777402" y="589569"/>
-                  <a:pt x="3886489" y="819975"/>
-                </a:cubicBezTo>
-                <a:cubicBezTo>
-                  <a:pt x="3891856" y="833492"/>
-                  <a:pt x="3900663" y="845393"/>
-                  <a:pt x="3912049" y="854514"/>
-                </a:cubicBezTo>
-                <a:cubicBezTo>
-                  <a:pt x="3897352" y="819849"/>
-                  <a:pt x="3883037" y="784928"/>
-                  <a:pt x="3868083" y="750263"/>
-                </a:cubicBezTo>
-                <a:cubicBezTo>
-                  <a:pt x="3806989" y="608712"/>
-                  <a:pt x="3742478" y="469145"/>
-                  <a:pt x="3674155" y="331786"/>
-                </a:cubicBezTo>
-                <a:lnTo>
-                  <a:pt x="3496656" y="0"/>
-                </a:lnTo>
-                <a:lnTo>
-                  <a:pt x="3554371" y="0"/>
-                </a:lnTo>
-                <a:lnTo>
-                  <a:pt x="3661621" y="196614"/>
-                </a:lnTo>
-                <a:cubicBezTo>
-                  <a:pt x="3856899" y="573253"/>
-                  <a:pt x="4021071" y="966066"/>
-                  <a:pt x="4161279" y="1371196"/>
-                </a:cubicBezTo>
-                <a:cubicBezTo>
-                  <a:pt x="4379525" y="2007265"/>
-                  <a:pt x="4530141" y="2664286"/>
-                  <a:pt x="4610660" y="3331516"/>
-                </a:cubicBezTo>
-                <a:cubicBezTo>
-                  <a:pt x="4652837" y="3672965"/>
-                  <a:pt x="4671625" y="4013908"/>
-                  <a:pt x="4645040" y="4357388"/>
-                </a:cubicBezTo>
-                <a:cubicBezTo>
-                  <a:pt x="4613599" y="4758899"/>
-                  <a:pt x="4566181" y="5157998"/>
-                  <a:pt x="4485789" y="5552906"/>
-                </a:cubicBezTo>
-                <a:cubicBezTo>
-                  <a:pt x="4397121" y="5988893"/>
-                  <a:pt x="4276748" y="6414594"/>
-                  <a:pt x="4117769" y="6828295"/>
-                </a:cubicBezTo>
-                <a:lnTo>
-                  <a:pt x="4105288" y="6858000"/>
-                </a:lnTo>
-                <a:lnTo>
-                  <a:pt x="4052520" y="6858000"/>
-                </a:lnTo>
-                <a:lnTo>
-                  <a:pt x="4059369" y="6841549"/>
-                </a:lnTo>
-                <a:cubicBezTo>
-                  <a:pt x="4147276" y="6614016"/>
-                  <a:pt x="4224193" y="6380817"/>
-                  <a:pt x="4291518" y="6142729"/>
-                </a:cubicBezTo>
-                <a:cubicBezTo>
-                  <a:pt x="4350055" y="5935370"/>
-                  <a:pt x="4393256" y="5723695"/>
-                  <a:pt x="4443357" y="5513923"/>
-                </a:cubicBezTo>
-                <a:cubicBezTo>
-                  <a:pt x="4444541" y="5502788"/>
-                  <a:pt x="4445137" y="5491601"/>
-                  <a:pt x="4445146" y="5480401"/>
-                </a:cubicBezTo>
-                <a:cubicBezTo>
-                  <a:pt x="4408465" y="5607635"/>
-                  <a:pt x="4379196" y="5719759"/>
-                  <a:pt x="4344559" y="5830359"/>
-                </a:cubicBezTo>
-                <a:cubicBezTo>
-                  <a:pt x="4254261" y="6118381"/>
-                  <a:pt x="4150112" y="6398531"/>
-                  <a:pt x="4031702" y="6670527"/>
-                </a:cubicBezTo>
-                <a:lnTo>
-                  <a:pt x="3943824" y="6858000"/>
-                </a:lnTo>
-                <a:lnTo>
-                  <a:pt x="0" y="6858000"/>
-                </a:lnTo>
-                <a:close/>
-              </a:path>
-            </a:pathLst>
-          </a:custGeom>
+          </a:prstGeom>
         </p:spPr>
       </p:pic>
       <p:sp>
         <p:nvSpPr>
-          <p:cNvPr id="15" name="sketchy line">
+          <p:cNvPr id="25" name="sketch line">
             <a:extLst>
               <a:ext uri="{FF2B5EF4-FFF2-40B4-BE49-F238E27FC236}">
-                <a16:creationId xmlns:a16="http://schemas.microsoft.com/office/drawing/2014/main" id="{F49775AF-8896-43EE-92C6-83497D6DC56F}"/>
+                <a16:creationId xmlns:a16="http://schemas.microsoft.com/office/drawing/2014/main" id="{3FCFB1DE-0B7E-48CC-BA90-B2AB0889F9D6}"/>
               </a:ext>
               <a:ext uri="{C183D7F6-B498-43B3-948B-1728B52AA6E4}">
                 <adec:decorative xmlns:adec="http://schemas.microsoft.com/office/drawing/2017/decorative" val="1"/>
@@ -3606,46 +9084,46 @@
         </p:nvSpPr>
         <p:spPr>
           <a:xfrm>
-            <a:off x="5412862" y="4409267"/>
-            <a:ext cx="4243589" cy="18288"/>
+            <a:off x="4853987" y="4409267"/>
+            <a:ext cx="4243589" cy="27432"/>
           </a:xfrm>
           <a:custGeom>
             <a:avLst/>
             <a:gdLst>
               <a:gd name="connsiteX0" fmla="*/ 0 w 4243589"/>
-              <a:gd name="connsiteY0" fmla="*/ 0 h 18288"/>
+              <a:gd name="connsiteY0" fmla="*/ 0 h 27432"/>
               <a:gd name="connsiteX1" fmla="*/ 563791 w 4243589"/>
-              <a:gd name="connsiteY1" fmla="*/ 0 h 18288"/>
+              <a:gd name="connsiteY1" fmla="*/ 0 h 27432"/>
               <a:gd name="connsiteX2" fmla="*/ 1042710 w 4243589"/>
-              <a:gd name="connsiteY2" fmla="*/ 0 h 18288"/>
+              <a:gd name="connsiteY2" fmla="*/ 0 h 27432"/>
               <a:gd name="connsiteX3" fmla="*/ 1564066 w 4243589"/>
-              <a:gd name="connsiteY3" fmla="*/ 0 h 18288"/>
+              <a:gd name="connsiteY3" fmla="*/ 0 h 27432"/>
               <a:gd name="connsiteX4" fmla="*/ 2212729 w 4243589"/>
-              <a:gd name="connsiteY4" fmla="*/ 0 h 18288"/>
+              <a:gd name="connsiteY4" fmla="*/ 0 h 27432"/>
               <a:gd name="connsiteX5" fmla="*/ 2776520 w 4243589"/>
-              <a:gd name="connsiteY5" fmla="*/ 0 h 18288"/>
+              <a:gd name="connsiteY5" fmla="*/ 0 h 27432"/>
               <a:gd name="connsiteX6" fmla="*/ 3297875 w 4243589"/>
-              <a:gd name="connsiteY6" fmla="*/ 0 h 18288"/>
+              <a:gd name="connsiteY6" fmla="*/ 0 h 27432"/>
               <a:gd name="connsiteX7" fmla="*/ 4243589 w 4243589"/>
-              <a:gd name="connsiteY7" fmla="*/ 0 h 18288"/>
+              <a:gd name="connsiteY7" fmla="*/ 0 h 27432"/>
               <a:gd name="connsiteX8" fmla="*/ 4243589 w 4243589"/>
-              <a:gd name="connsiteY8" fmla="*/ 18288 h 18288"/>
+              <a:gd name="connsiteY8" fmla="*/ 27432 h 27432"/>
               <a:gd name="connsiteX9" fmla="*/ 3637362 w 4243589"/>
-              <a:gd name="connsiteY9" fmla="*/ 18288 h 18288"/>
+              <a:gd name="connsiteY9" fmla="*/ 27432 h 27432"/>
               <a:gd name="connsiteX10" fmla="*/ 3116007 w 4243589"/>
-              <a:gd name="connsiteY10" fmla="*/ 18288 h 18288"/>
+              <a:gd name="connsiteY10" fmla="*/ 27432 h 27432"/>
               <a:gd name="connsiteX11" fmla="*/ 2424908 w 4243589"/>
-              <a:gd name="connsiteY11" fmla="*/ 18288 h 18288"/>
+              <a:gd name="connsiteY11" fmla="*/ 27432 h 27432"/>
               <a:gd name="connsiteX12" fmla="*/ 1861117 w 4243589"/>
-              <a:gd name="connsiteY12" fmla="*/ 18288 h 18288"/>
+              <a:gd name="connsiteY12" fmla="*/ 27432 h 27432"/>
               <a:gd name="connsiteX13" fmla="*/ 1382198 w 4243589"/>
-              <a:gd name="connsiteY13" fmla="*/ 18288 h 18288"/>
+              <a:gd name="connsiteY13" fmla="*/ 27432 h 27432"/>
               <a:gd name="connsiteX14" fmla="*/ 733535 w 4243589"/>
-              <a:gd name="connsiteY14" fmla="*/ 18288 h 18288"/>
+              <a:gd name="connsiteY14" fmla="*/ 27432 h 27432"/>
               <a:gd name="connsiteX15" fmla="*/ 0 w 4243589"/>
-              <a:gd name="connsiteY15" fmla="*/ 18288 h 18288"/>
+              <a:gd name="connsiteY15" fmla="*/ 27432 h 27432"/>
               <a:gd name="connsiteX16" fmla="*/ 0 w 4243589"/>
-              <a:gd name="connsiteY16" fmla="*/ 0 h 18288"/>
+              <a:gd name="connsiteY16" fmla="*/ 0 h 27432"/>
             </a:gdLst>
             <a:ahLst/>
             <a:cxnLst>
@@ -3703,7 +9181,7 @@
             </a:cxnLst>
             <a:rect l="l" t="t" r="r" b="b"/>
             <a:pathLst>
-              <a:path w="4243589" h="18288" fill="none" extrusionOk="0">
+              <a:path w="4243589" h="27432" fill="none" extrusionOk="0">
                 <a:moveTo>
                   <a:pt x="0" y="0"/>
                 </a:moveTo>
@@ -3743,53 +9221,53 @@
                   <a:pt x="4243589" y="0"/>
                 </a:cubicBezTo>
                 <a:cubicBezTo>
-                  <a:pt x="4243987" y="7429"/>
-                  <a:pt x="4243569" y="10822"/>
-                  <a:pt x="4243589" y="18288"/>
+                  <a:pt x="4242616" y="8304"/>
+                  <a:pt x="4243111" y="21512"/>
+                  <a:pt x="4243589" y="27432"/>
                 </a:cubicBezTo>
                 <a:cubicBezTo>
-                  <a:pt x="4112949" y="-2855"/>
-                  <a:pt x="3928037" y="1831"/>
-                  <a:pt x="3637362" y="18288"/>
+                  <a:pt x="4112949" y="6289"/>
+                  <a:pt x="3928037" y="10975"/>
+                  <a:pt x="3637362" y="27432"/>
                 </a:cubicBezTo>
                 <a:cubicBezTo>
-                  <a:pt x="3346687" y="34745"/>
-                  <a:pt x="3254446" y="26669"/>
-                  <a:pt x="3116007" y="18288"/>
+                  <a:pt x="3346687" y="43889"/>
+                  <a:pt x="3254446" y="35813"/>
+                  <a:pt x="3116007" y="27432"/>
                 </a:cubicBezTo>
                 <a:cubicBezTo>
-                  <a:pt x="2977569" y="9907"/>
-                  <a:pt x="2620228" y="28873"/>
-                  <a:pt x="2424908" y="18288"/>
+                  <a:pt x="2977569" y="19051"/>
+                  <a:pt x="2620228" y="38017"/>
+                  <a:pt x="2424908" y="27432"/>
                 </a:cubicBezTo>
                 <a:cubicBezTo>
-                  <a:pt x="2229588" y="7703"/>
-                  <a:pt x="2088287" y="-3854"/>
-                  <a:pt x="1861117" y="18288"/>
+                  <a:pt x="2229588" y="16847"/>
+                  <a:pt x="2088287" y="5290"/>
+                  <a:pt x="1861117" y="27432"/>
                 </a:cubicBezTo>
                 <a:cubicBezTo>
-                  <a:pt x="1633947" y="40430"/>
-                  <a:pt x="1502447" y="-871"/>
-                  <a:pt x="1382198" y="18288"/>
+                  <a:pt x="1633947" y="49574"/>
+                  <a:pt x="1502447" y="8273"/>
+                  <a:pt x="1382198" y="27432"/>
                 </a:cubicBezTo>
                 <a:cubicBezTo>
-                  <a:pt x="1261949" y="37447"/>
-                  <a:pt x="1045440" y="28353"/>
-                  <a:pt x="733535" y="18288"/>
+                  <a:pt x="1261949" y="46591"/>
+                  <a:pt x="1045440" y="37497"/>
+                  <a:pt x="733535" y="27432"/>
                 </a:cubicBezTo>
                 <a:cubicBezTo>
-                  <a:pt x="421630" y="8223"/>
-                  <a:pt x="341257" y="-18359"/>
-                  <a:pt x="0" y="18288"/>
+                  <a:pt x="421630" y="17367"/>
+                  <a:pt x="341257" y="-9215"/>
+                  <a:pt x="0" y="27432"/>
                 </a:cubicBezTo>
                 <a:cubicBezTo>
-                  <a:pt x="-591" y="13205"/>
-                  <a:pt x="-663" y="6329"/>
+                  <a:pt x="-1048" y="14992"/>
+                  <a:pt x="-1120" y="7447"/>
                   <a:pt x="0" y="0"/>
                 </a:cubicBezTo>
                 <a:close/>
               </a:path>
-              <a:path w="4243589" h="18288" stroke="0" extrusionOk="0">
+              <a:path w="4243589" h="27432" stroke="0" extrusionOk="0">
                 <a:moveTo>
                   <a:pt x="0" y="0"/>
                 </a:moveTo>
@@ -3829,48 +9307,48 @@
                   <a:pt x="4243589" y="0"/>
                 </a:cubicBezTo>
                 <a:cubicBezTo>
-                  <a:pt x="4242703" y="5429"/>
-                  <a:pt x="4244410" y="14046"/>
-                  <a:pt x="4243589" y="18288"/>
+                  <a:pt x="4244074" y="9333"/>
+                  <a:pt x="4244867" y="19699"/>
+                  <a:pt x="4243589" y="27432"/>
                 </a:cubicBezTo>
                 <a:cubicBezTo>
-                  <a:pt x="4130424" y="-1240"/>
-                  <a:pt x="3932803" y="42249"/>
-                  <a:pt x="3722234" y="18288"/>
+                  <a:pt x="4130424" y="7904"/>
+                  <a:pt x="3932803" y="51393"/>
+                  <a:pt x="3722234" y="27432"/>
                 </a:cubicBezTo>
                 <a:cubicBezTo>
-                  <a:pt x="3511665" y="-5673"/>
-                  <a:pt x="3269903" y="45994"/>
-                  <a:pt x="3116007" y="18288"/>
+                  <a:pt x="3511665" y="3471"/>
+                  <a:pt x="3269903" y="55138"/>
+                  <a:pt x="3116007" y="27432"/>
                 </a:cubicBezTo>
                 <a:cubicBezTo>
-                  <a:pt x="2962111" y="-9418"/>
-                  <a:pt x="2744280" y="23224"/>
-                  <a:pt x="2509780" y="18288"/>
+                  <a:pt x="2962111" y="-274"/>
+                  <a:pt x="2744280" y="32368"/>
+                  <a:pt x="2509780" y="27432"/>
                 </a:cubicBezTo>
                 <a:cubicBezTo>
-                  <a:pt x="2275280" y="13352"/>
-                  <a:pt x="2066059" y="43664"/>
-                  <a:pt x="1945989" y="18288"/>
+                  <a:pt x="2275280" y="22496"/>
+                  <a:pt x="2066059" y="52808"/>
+                  <a:pt x="1945989" y="27432"/>
                 </a:cubicBezTo>
                 <a:cubicBezTo>
-                  <a:pt x="1825919" y="-7088"/>
-                  <a:pt x="1407329" y="12616"/>
-                  <a:pt x="1254890" y="18288"/>
+                  <a:pt x="1825919" y="2056"/>
+                  <a:pt x="1407329" y="21760"/>
+                  <a:pt x="1254890" y="27432"/>
                 </a:cubicBezTo>
                 <a:cubicBezTo>
-                  <a:pt x="1102451" y="23960"/>
-                  <a:pt x="837950" y="31673"/>
-                  <a:pt x="563791" y="18288"/>
+                  <a:pt x="1102451" y="33104"/>
+                  <a:pt x="837950" y="40817"/>
+                  <a:pt x="563791" y="27432"/>
                 </a:cubicBezTo>
                 <a:cubicBezTo>
-                  <a:pt x="289632" y="4903"/>
-                  <a:pt x="132768" y="7105"/>
-                  <a:pt x="0" y="18288"/>
+                  <a:pt x="289632" y="14047"/>
+                  <a:pt x="132768" y="16249"/>
+                  <a:pt x="0" y="27432"/>
                 </a:cubicBezTo>
                 <a:cubicBezTo>
-                  <a:pt x="668" y="13665"/>
-                  <a:pt x="578" y="5675"/>
+                  <a:pt x="211" y="18145"/>
+                  <a:pt x="120" y="6480"/>
                   <a:pt x="0" y="0"/>
                 </a:cubicBezTo>
                 <a:close/>
@@ -3880,7 +9358,7 @@
           <a:solidFill>
             <a:schemeClr val="accent2"/>
           </a:solidFill>
-          <a:ln w="44450" cap="rnd">
+          <a:ln w="41275" cap="rnd">
             <a:solidFill>
               <a:schemeClr val="accent2"/>
             </a:solidFill>
@@ -4032,6 +9510,14 @@
 <file path=ppt/slides/slide2.xml><?xml version="1.0" encoding="utf-8"?>
 <p:sld xmlns:a="http://schemas.openxmlformats.org/drawingml/2006/main" xmlns:r="http://schemas.openxmlformats.org/officeDocument/2006/relationships" xmlns:p="http://schemas.openxmlformats.org/presentationml/2006/main">
   <p:cSld>
+    <p:bg>
+      <p:bgPr>
+        <a:solidFill>
+          <a:schemeClr val="bg1"/>
+        </a:solidFill>
+        <a:effectLst/>
+      </p:bgPr>
+    </p:bg>
     <p:spTree>
       <p:nvGrpSpPr>
         <p:cNvPr id="1" name=""/>
@@ -4046,6 +9532,122 @@
           <a:chExt cx="0" cy="0"/>
         </a:xfrm>
       </p:grpSpPr>
+      <p:pic>
+        <p:nvPicPr>
+          <p:cNvPr id="6" name="Picture 5">
+            <a:extLst>
+              <a:ext uri="{FF2B5EF4-FFF2-40B4-BE49-F238E27FC236}">
+                <a16:creationId xmlns:a16="http://schemas.microsoft.com/office/drawing/2014/main" id="{7F943536-56E8-ADF6-921F-106286C3C317}"/>
+              </a:ext>
+            </a:extLst>
+          </p:cNvPr>
+          <p:cNvPicPr>
+            <a:picLocks noChangeAspect="1"/>
+          </p:cNvPicPr>
+          <p:nvPr/>
+        </p:nvPicPr>
+        <p:blipFill>
+          <a:blip r:embed="rId2">
+            <a:duotone>
+              <a:schemeClr val="bg2">
+                <a:shade val="45000"/>
+                <a:satMod val="135000"/>
+              </a:schemeClr>
+              <a:prstClr val="white"/>
+            </a:duotone>
+          </a:blip>
+          <a:srcRect/>
+          <a:stretch>
+            <a:fillRect/>
+          </a:stretch>
+        </p:blipFill>
+        <p:spPr>
+          <a:xfrm>
+            <a:off x="20" y="10"/>
+            <a:ext cx="12191980" cy="6857990"/>
+          </a:xfrm>
+          <a:prstGeom prst="rect">
+            <a:avLst/>
+          </a:prstGeom>
+        </p:spPr>
+      </p:pic>
+      <p:sp>
+        <p:nvSpPr>
+          <p:cNvPr id="10" name="Rectangle 9">
+            <a:extLst>
+              <a:ext uri="{FF2B5EF4-FFF2-40B4-BE49-F238E27FC236}">
+                <a16:creationId xmlns:a16="http://schemas.microsoft.com/office/drawing/2014/main" id="{B50AB553-2A96-4A92-96F2-93548E096954}"/>
+              </a:ext>
+              <a:ext uri="{C183D7F6-B498-43B3-948B-1728B52AA6E4}">
+                <adec:decorative xmlns:adec="http://schemas.microsoft.com/office/drawing/2017/decorative" val="1"/>
+              </a:ext>
+            </a:extLst>
+          </p:cNvPr>
+          <p:cNvSpPr>
+            <a:spLocks noGrp="1" noRot="1" noChangeAspect="1" noMove="1" noResize="1" noEditPoints="1" noAdjustHandles="1" noChangeArrowheads="1" noChangeShapeType="1" noTextEdit="1"/>
+          </p:cNvSpPr>
+          <p:nvPr>
+            <p:extLst>
+              <p:ext uri="{386F3935-93C4-4BCD-93E2-E3B085C9AB24}">
+                <p16:designElem xmlns:p16="http://schemas.microsoft.com/office/powerpoint/2015/main" val="1"/>
+              </p:ext>
+            </p:extLst>
+          </p:nvPr>
+        </p:nvSpPr>
+        <p:spPr>
+          <a:xfrm>
+            <a:off x="0" y="0"/>
+            <a:ext cx="12192000" cy="6858000"/>
+          </a:xfrm>
+          <a:prstGeom prst="rect">
+            <a:avLst/>
+          </a:prstGeom>
+          <a:gradFill>
+            <a:gsLst>
+              <a:gs pos="10000">
+                <a:schemeClr val="bg2">
+                  <a:alpha val="68000"/>
+                </a:schemeClr>
+              </a:gs>
+              <a:gs pos="85000">
+                <a:schemeClr val="bg2">
+                  <a:alpha val="97000"/>
+                </a:schemeClr>
+              </a:gs>
+            </a:gsLst>
+            <a:path path="circle">
+              <a:fillToRect l="50000" t="50000" r="50000" b="50000"/>
+            </a:path>
+          </a:gradFill>
+          <a:ln>
+            <a:noFill/>
+          </a:ln>
+        </p:spPr>
+        <p:style>
+          <a:lnRef idx="2">
+            <a:schemeClr val="accent1">
+              <a:shade val="50000"/>
+            </a:schemeClr>
+          </a:lnRef>
+          <a:fillRef idx="1">
+            <a:schemeClr val="accent1"/>
+          </a:fillRef>
+          <a:effectRef idx="0">
+            <a:schemeClr val="accent1"/>
+          </a:effectRef>
+          <a:fontRef idx="minor">
+            <a:schemeClr val="lt1"/>
+          </a:fontRef>
+        </p:style>
+        <p:txBody>
+          <a:bodyPr rtlCol="0" anchor="ctr"/>
+          <a:lstStyle/>
+          <a:p>
+            <a:pPr algn="ctr"/>
+            <a:endParaRPr lang="en-US"/>
+          </a:p>
+        </p:txBody>
+      </p:sp>
       <p:sp>
         <p:nvSpPr>
           <p:cNvPr id="2" name="Title 1">
@@ -4062,9 +9664,16 @@
             <p:ph type="title"/>
           </p:nvPr>
         </p:nvSpPr>
-        <p:spPr/>
+        <p:spPr>
+          <a:xfrm>
+            <a:off x="838200" y="365125"/>
+            <a:ext cx="10515600" cy="1325563"/>
+          </a:xfrm>
+        </p:spPr>
         <p:txBody>
-          <a:bodyPr/>
+          <a:bodyPr>
+            <a:normAutofit/>
+          </a:bodyPr>
           <a:lstStyle/>
           <a:p>
             <a:r>
@@ -4074,86 +9683,37 @@
           </a:p>
         </p:txBody>
       </p:sp>
-      <p:sp>
-        <p:nvSpPr>
-          <p:cNvPr id="3" name="Content Placeholder 2">
+      <p:graphicFrame>
+        <p:nvGraphicFramePr>
+          <p:cNvPr id="5" name="Content Placeholder 2">
             <a:extLst>
               <a:ext uri="{FF2B5EF4-FFF2-40B4-BE49-F238E27FC236}">
-                <a16:creationId xmlns:a16="http://schemas.microsoft.com/office/drawing/2014/main" id="{D8B5C442-96DB-964E-C0AC-4EFDED58563D}"/>
+                <a16:creationId xmlns:a16="http://schemas.microsoft.com/office/drawing/2014/main" id="{CB07DD2A-863C-82C3-6894-76A1F05494EC}"/>
               </a:ext>
             </a:extLst>
           </p:cNvPr>
-          <p:cNvSpPr>
-            <a:spLocks noGrp="1"/>
-          </p:cNvSpPr>
+          <p:cNvGraphicFramePr>
+            <a:graphicFrameLocks noGrp="1"/>
+          </p:cNvGraphicFramePr>
           <p:nvPr>
             <p:ph idx="1"/>
+            <p:extLst>
+              <p:ext uri="{D42A27DB-BD31-4B8C-83A1-F6EECF244321}">
+                <p14:modId xmlns:p14="http://schemas.microsoft.com/office/powerpoint/2010/main" val="783823374"/>
+              </p:ext>
+            </p:extLst>
           </p:nvPr>
-        </p:nvSpPr>
-        <p:spPr/>
-        <p:txBody>
-          <a:bodyPr/>
-          <a:lstStyle/>
-          <a:p>
-            <a:r>
-              <a:rPr lang="en-US" dirty="0"/>
-              <a:t>Interests included:</a:t>
-            </a:r>
-          </a:p>
-          <a:p>
-            <a:pPr lvl="1"/>
-            <a:r>
-              <a:rPr lang="en-US" dirty="0"/>
-              <a:t>Housing market trends</a:t>
-            </a:r>
-          </a:p>
-          <a:p>
-            <a:pPr lvl="1"/>
-            <a:r>
-              <a:rPr lang="en-US" dirty="0"/>
-              <a:t>Predicting failure of Infrastructure</a:t>
-            </a:r>
-          </a:p>
-          <a:p>
-            <a:pPr lvl="1"/>
-            <a:r>
-              <a:rPr lang="en-US" dirty="0"/>
-              <a:t>Diagnostics for Healthcare </a:t>
-            </a:r>
-          </a:p>
-          <a:p>
-            <a:pPr lvl="1"/>
-            <a:r>
-              <a:rPr lang="en-US" dirty="0"/>
-              <a:t>Diagnostics for Machine Maintenance</a:t>
-            </a:r>
-          </a:p>
-          <a:p>
-            <a:pPr lvl="1"/>
-            <a:r>
-              <a:rPr lang="en-US" dirty="0"/>
-              <a:t>And a few more… </a:t>
-            </a:r>
-          </a:p>
-          <a:p>
-            <a:pPr lvl="1"/>
-            <a:endParaRPr lang="en-US" dirty="0"/>
-          </a:p>
-          <a:p>
-            <a:r>
-              <a:rPr lang="en-US" dirty="0"/>
-              <a:t>Decided on:</a:t>
-            </a:r>
-          </a:p>
-          <a:p>
-            <a:pPr lvl="1"/>
-            <a:r>
-              <a:rPr lang="en-US" dirty="0"/>
-              <a:t>Predict the sale price of a house going up for sale</a:t>
-            </a:r>
-          </a:p>
-        </p:txBody>
-      </p:sp>
+        </p:nvGraphicFramePr>
+        <p:xfrm>
+          <a:off x="838200" y="1825625"/>
+          <a:ext cx="10515600" cy="4351338"/>
+        </p:xfrm>
+        <a:graphic>
+          <a:graphicData uri="http://schemas.openxmlformats.org/drawingml/2006/diagram">
+            <dgm:relIds xmlns:dgm="http://schemas.openxmlformats.org/drawingml/2006/diagram" xmlns:r="http://schemas.openxmlformats.org/officeDocument/2006/relationships" r:dm="rId3" r:lo="rId4" r:qs="rId5" r:cs="rId6"/>
+          </a:graphicData>
+        </a:graphic>
+      </p:graphicFrame>
     </p:spTree>
     <p:extLst>
       <p:ext uri="{BB962C8B-B14F-4D97-AF65-F5344CB8AC3E}">
@@ -4170,6 +9730,14 @@
 <file path=ppt/slides/slide3.xml><?xml version="1.0" encoding="utf-8"?>
 <p:sld xmlns:a="http://schemas.openxmlformats.org/drawingml/2006/main" xmlns:r="http://schemas.openxmlformats.org/officeDocument/2006/relationships" xmlns:p="http://schemas.openxmlformats.org/presentationml/2006/main">
   <p:cSld>
+    <p:bg>
+      <p:bgPr>
+        <a:solidFill>
+          <a:schemeClr val="bg1"/>
+        </a:solidFill>
+        <a:effectLst/>
+      </p:bgPr>
+    </p:bg>
     <p:spTree>
       <p:nvGrpSpPr>
         <p:cNvPr id="1" name=""/>
@@ -4184,6 +9752,66 @@
           <a:chExt cx="0" cy="0"/>
         </a:xfrm>
       </p:grpSpPr>
+      <p:sp useBgFill="1">
+        <p:nvSpPr>
+          <p:cNvPr id="8" name="Rectangle 7">
+            <a:extLst>
+              <a:ext uri="{FF2B5EF4-FFF2-40B4-BE49-F238E27FC236}">
+                <a16:creationId xmlns:a16="http://schemas.microsoft.com/office/drawing/2014/main" id="{777A147A-9ED8-46B4-8660-1B3C2AA880B5}"/>
+              </a:ext>
+              <a:ext uri="{C183D7F6-B498-43B3-948B-1728B52AA6E4}">
+                <adec:decorative xmlns:adec="http://schemas.microsoft.com/office/drawing/2017/decorative" val="1"/>
+              </a:ext>
+            </a:extLst>
+          </p:cNvPr>
+          <p:cNvSpPr>
+            <a:spLocks noGrp="1" noRot="1" noChangeAspect="1" noMove="1" noResize="1" noEditPoints="1" noAdjustHandles="1" noChangeArrowheads="1" noChangeShapeType="1" noTextEdit="1"/>
+          </p:cNvSpPr>
+          <p:nvPr>
+            <p:extLst>
+              <p:ext uri="{386F3935-93C4-4BCD-93E2-E3B085C9AB24}">
+                <p16:designElem xmlns:p16="http://schemas.microsoft.com/office/powerpoint/2015/main" val="1"/>
+              </p:ext>
+            </p:extLst>
+          </p:nvPr>
+        </p:nvSpPr>
+        <p:spPr>
+          <a:xfrm>
+            <a:off x="0" y="0"/>
+            <a:ext cx="12188952" cy="6858000"/>
+          </a:xfrm>
+          <a:prstGeom prst="rect">
+            <a:avLst/>
+          </a:prstGeom>
+          <a:ln>
+            <a:noFill/>
+          </a:ln>
+        </p:spPr>
+        <p:style>
+          <a:lnRef idx="2">
+            <a:schemeClr val="accent1">
+              <a:shade val="50000"/>
+            </a:schemeClr>
+          </a:lnRef>
+          <a:fillRef idx="1">
+            <a:schemeClr val="accent1"/>
+          </a:fillRef>
+          <a:effectRef idx="0">
+            <a:schemeClr val="accent1"/>
+          </a:effectRef>
+          <a:fontRef idx="minor">
+            <a:schemeClr val="lt1"/>
+          </a:fontRef>
+        </p:style>
+        <p:txBody>
+          <a:bodyPr rtlCol="0" anchor="ctr"/>
+          <a:lstStyle/>
+          <a:p>
+            <a:pPr algn="ctr"/>
+            <a:endParaRPr lang="en-US"/>
+          </a:p>
+        </p:txBody>
+      </p:sp>
       <p:sp>
         <p:nvSpPr>
           <p:cNvPr id="2" name="Title 1">
@@ -4200,15 +9828,365 @@
             <p:ph type="title"/>
           </p:nvPr>
         </p:nvSpPr>
-        <p:spPr/>
+        <p:spPr>
+          <a:xfrm>
+            <a:off x="841248" y="548640"/>
+            <a:ext cx="3600860" cy="5431536"/>
+          </a:xfrm>
+        </p:spPr>
         <p:txBody>
-          <a:bodyPr/>
+          <a:bodyPr>
+            <a:normAutofit/>
+          </a:bodyPr>
           <a:lstStyle/>
           <a:p>
             <a:r>
-              <a:rPr lang="en-US" dirty="0"/>
+              <a:rPr lang="en-US" sz="5400"/>
               <a:t>Selecting the Dataset</a:t>
             </a:r>
+          </a:p>
+        </p:txBody>
+      </p:sp>
+      <p:sp>
+        <p:nvSpPr>
+          <p:cNvPr id="10" name="sketch line">
+            <a:extLst>
+              <a:ext uri="{FF2B5EF4-FFF2-40B4-BE49-F238E27FC236}">
+                <a16:creationId xmlns:a16="http://schemas.microsoft.com/office/drawing/2014/main" id="{5D6C15A0-C087-4593-8414-2B4EC1CDC3DE}"/>
+              </a:ext>
+              <a:ext uri="{C183D7F6-B498-43B3-948B-1728B52AA6E4}">
+                <adec:decorative xmlns:adec="http://schemas.microsoft.com/office/drawing/2017/decorative" val="1"/>
+              </a:ext>
+            </a:extLst>
+          </p:cNvPr>
+          <p:cNvSpPr>
+            <a:spLocks noGrp="1" noRot="1" noChangeAspect="1" noMove="1" noResize="1" noEditPoints="1" noAdjustHandles="1" noChangeArrowheads="1" noChangeShapeType="1" noTextEdit="1"/>
+          </p:cNvSpPr>
+          <p:nvPr>
+            <p:extLst>
+              <p:ext uri="{386F3935-93C4-4BCD-93E2-E3B085C9AB24}">
+                <p16:designElem xmlns:p16="http://schemas.microsoft.com/office/powerpoint/2015/main" val="1"/>
+              </p:ext>
+            </p:extLst>
+          </p:nvPr>
+        </p:nvSpPr>
+        <p:spPr>
+          <a:xfrm rot="5400000">
+            <a:off x="2543983" y="3258715"/>
+            <a:ext cx="4480560" cy="18288"/>
+          </a:xfrm>
+          <a:custGeom>
+            <a:avLst/>
+            <a:gdLst>
+              <a:gd name="connsiteX0" fmla="*/ 0 w 4480560"/>
+              <a:gd name="connsiteY0" fmla="*/ 0 h 18288"/>
+              <a:gd name="connsiteX1" fmla="*/ 595274 w 4480560"/>
+              <a:gd name="connsiteY1" fmla="*/ 0 h 18288"/>
+              <a:gd name="connsiteX2" fmla="*/ 1100938 w 4480560"/>
+              <a:gd name="connsiteY2" fmla="*/ 0 h 18288"/>
+              <a:gd name="connsiteX3" fmla="*/ 1651406 w 4480560"/>
+              <a:gd name="connsiteY3" fmla="*/ 0 h 18288"/>
+              <a:gd name="connsiteX4" fmla="*/ 2336292 w 4480560"/>
+              <a:gd name="connsiteY4" fmla="*/ 0 h 18288"/>
+              <a:gd name="connsiteX5" fmla="*/ 2931566 w 4480560"/>
+              <a:gd name="connsiteY5" fmla="*/ 0 h 18288"/>
+              <a:gd name="connsiteX6" fmla="*/ 3482035 w 4480560"/>
+              <a:gd name="connsiteY6" fmla="*/ 0 h 18288"/>
+              <a:gd name="connsiteX7" fmla="*/ 4480560 w 4480560"/>
+              <a:gd name="connsiteY7" fmla="*/ 0 h 18288"/>
+              <a:gd name="connsiteX8" fmla="*/ 4480560 w 4480560"/>
+              <a:gd name="connsiteY8" fmla="*/ 18288 h 18288"/>
+              <a:gd name="connsiteX9" fmla="*/ 3840480 w 4480560"/>
+              <a:gd name="connsiteY9" fmla="*/ 18288 h 18288"/>
+              <a:gd name="connsiteX10" fmla="*/ 3290011 w 4480560"/>
+              <a:gd name="connsiteY10" fmla="*/ 18288 h 18288"/>
+              <a:gd name="connsiteX11" fmla="*/ 2560320 w 4480560"/>
+              <a:gd name="connsiteY11" fmla="*/ 18288 h 18288"/>
+              <a:gd name="connsiteX12" fmla="*/ 1965046 w 4480560"/>
+              <a:gd name="connsiteY12" fmla="*/ 18288 h 18288"/>
+              <a:gd name="connsiteX13" fmla="*/ 1459382 w 4480560"/>
+              <a:gd name="connsiteY13" fmla="*/ 18288 h 18288"/>
+              <a:gd name="connsiteX14" fmla="*/ 774497 w 4480560"/>
+              <a:gd name="connsiteY14" fmla="*/ 18288 h 18288"/>
+              <a:gd name="connsiteX15" fmla="*/ 0 w 4480560"/>
+              <a:gd name="connsiteY15" fmla="*/ 18288 h 18288"/>
+              <a:gd name="connsiteX16" fmla="*/ 0 w 4480560"/>
+              <a:gd name="connsiteY16" fmla="*/ 0 h 18288"/>
+            </a:gdLst>
+            <a:ahLst/>
+            <a:cxnLst>
+              <a:cxn ang="0">
+                <a:pos x="connsiteX0" y="connsiteY0"/>
+              </a:cxn>
+              <a:cxn ang="0">
+                <a:pos x="connsiteX1" y="connsiteY1"/>
+              </a:cxn>
+              <a:cxn ang="0">
+                <a:pos x="connsiteX2" y="connsiteY2"/>
+              </a:cxn>
+              <a:cxn ang="0">
+                <a:pos x="connsiteX3" y="connsiteY3"/>
+              </a:cxn>
+              <a:cxn ang="0">
+                <a:pos x="connsiteX4" y="connsiteY4"/>
+              </a:cxn>
+              <a:cxn ang="0">
+                <a:pos x="connsiteX5" y="connsiteY5"/>
+              </a:cxn>
+              <a:cxn ang="0">
+                <a:pos x="connsiteX6" y="connsiteY6"/>
+              </a:cxn>
+              <a:cxn ang="0">
+                <a:pos x="connsiteX7" y="connsiteY7"/>
+              </a:cxn>
+              <a:cxn ang="0">
+                <a:pos x="connsiteX8" y="connsiteY8"/>
+              </a:cxn>
+              <a:cxn ang="0">
+                <a:pos x="connsiteX9" y="connsiteY9"/>
+              </a:cxn>
+              <a:cxn ang="0">
+                <a:pos x="connsiteX10" y="connsiteY10"/>
+              </a:cxn>
+              <a:cxn ang="0">
+                <a:pos x="connsiteX11" y="connsiteY11"/>
+              </a:cxn>
+              <a:cxn ang="0">
+                <a:pos x="connsiteX12" y="connsiteY12"/>
+              </a:cxn>
+              <a:cxn ang="0">
+                <a:pos x="connsiteX13" y="connsiteY13"/>
+              </a:cxn>
+              <a:cxn ang="0">
+                <a:pos x="connsiteX14" y="connsiteY14"/>
+              </a:cxn>
+              <a:cxn ang="0">
+                <a:pos x="connsiteX15" y="connsiteY15"/>
+              </a:cxn>
+              <a:cxn ang="0">
+                <a:pos x="connsiteX16" y="connsiteY16"/>
+              </a:cxn>
+            </a:cxnLst>
+            <a:rect l="l" t="t" r="r" b="b"/>
+            <a:pathLst>
+              <a:path w="4480560" h="18288" fill="none" extrusionOk="0">
+                <a:moveTo>
+                  <a:pt x="0" y="0"/>
+                </a:moveTo>
+                <a:cubicBezTo>
+                  <a:pt x="267821" y="8731"/>
+                  <a:pt x="334105" y="2629"/>
+                  <a:pt x="595274" y="0"/>
+                </a:cubicBezTo>
+                <a:cubicBezTo>
+                  <a:pt x="856443" y="-2629"/>
+                  <a:pt x="863808" y="-13353"/>
+                  <a:pt x="1100938" y="0"/>
+                </a:cubicBezTo>
+                <a:cubicBezTo>
+                  <a:pt x="1338068" y="13353"/>
+                  <a:pt x="1431663" y="-25862"/>
+                  <a:pt x="1651406" y="0"/>
+                </a:cubicBezTo>
+                <a:cubicBezTo>
+                  <a:pt x="1871149" y="25862"/>
+                  <a:pt x="2173163" y="23827"/>
+                  <a:pt x="2336292" y="0"/>
+                </a:cubicBezTo>
+                <a:cubicBezTo>
+                  <a:pt x="2499421" y="-23827"/>
+                  <a:pt x="2720589" y="28148"/>
+                  <a:pt x="2931566" y="0"/>
+                </a:cubicBezTo>
+                <a:cubicBezTo>
+                  <a:pt x="3142543" y="-28148"/>
+                  <a:pt x="3323630" y="27022"/>
+                  <a:pt x="3482035" y="0"/>
+                </a:cubicBezTo>
+                <a:cubicBezTo>
+                  <a:pt x="3640440" y="-27022"/>
+                  <a:pt x="4012110" y="-20118"/>
+                  <a:pt x="4480560" y="0"/>
+                </a:cubicBezTo>
+                <a:cubicBezTo>
+                  <a:pt x="4480958" y="7429"/>
+                  <a:pt x="4480540" y="10822"/>
+                  <a:pt x="4480560" y="18288"/>
+                </a:cubicBezTo>
+                <a:cubicBezTo>
+                  <a:pt x="4314132" y="14924"/>
+                  <a:pt x="4028383" y="36632"/>
+                  <a:pt x="3840480" y="18288"/>
+                </a:cubicBezTo>
+                <a:cubicBezTo>
+                  <a:pt x="3652577" y="-56"/>
+                  <a:pt x="3547615" y="2848"/>
+                  <a:pt x="3290011" y="18288"/>
+                </a:cubicBezTo>
+                <a:cubicBezTo>
+                  <a:pt x="3032407" y="33728"/>
+                  <a:pt x="2830268" y="8719"/>
+                  <a:pt x="2560320" y="18288"/>
+                </a:cubicBezTo>
+                <a:cubicBezTo>
+                  <a:pt x="2290372" y="27857"/>
+                  <a:pt x="2147422" y="6728"/>
+                  <a:pt x="1965046" y="18288"/>
+                </a:cubicBezTo>
+                <a:cubicBezTo>
+                  <a:pt x="1782670" y="29848"/>
+                  <a:pt x="1689791" y="40680"/>
+                  <a:pt x="1459382" y="18288"/>
+                </a:cubicBezTo>
+                <a:cubicBezTo>
+                  <a:pt x="1228973" y="-4104"/>
+                  <a:pt x="915486" y="36501"/>
+                  <a:pt x="774497" y="18288"/>
+                </a:cubicBezTo>
+                <a:cubicBezTo>
+                  <a:pt x="633508" y="75"/>
+                  <a:pt x="361442" y="-11107"/>
+                  <a:pt x="0" y="18288"/>
+                </a:cubicBezTo>
+                <a:cubicBezTo>
+                  <a:pt x="-591" y="13205"/>
+                  <a:pt x="-663" y="6329"/>
+                  <a:pt x="0" y="0"/>
+                </a:cubicBezTo>
+                <a:close/>
+              </a:path>
+              <a:path w="4480560" h="18288" stroke="0" extrusionOk="0">
+                <a:moveTo>
+                  <a:pt x="0" y="0"/>
+                </a:moveTo>
+                <a:cubicBezTo>
+                  <a:pt x="285465" y="225"/>
+                  <a:pt x="322691" y="16223"/>
+                  <a:pt x="595274" y="0"/>
+                </a:cubicBezTo>
+                <a:cubicBezTo>
+                  <a:pt x="867857" y="-16223"/>
+                  <a:pt x="989129" y="-11242"/>
+                  <a:pt x="1100938" y="0"/>
+                </a:cubicBezTo>
+                <a:cubicBezTo>
+                  <a:pt x="1212747" y="11242"/>
+                  <a:pt x="1574350" y="-36410"/>
+                  <a:pt x="1830629" y="0"/>
+                </a:cubicBezTo>
+                <a:cubicBezTo>
+                  <a:pt x="2086908" y="36410"/>
+                  <a:pt x="2180922" y="4645"/>
+                  <a:pt x="2425903" y="0"/>
+                </a:cubicBezTo>
+                <a:cubicBezTo>
+                  <a:pt x="2670884" y="-4645"/>
+                  <a:pt x="2782024" y="22929"/>
+                  <a:pt x="3021178" y="0"/>
+                </a:cubicBezTo>
+                <a:cubicBezTo>
+                  <a:pt x="3260332" y="-22929"/>
+                  <a:pt x="3456982" y="-1586"/>
+                  <a:pt x="3750869" y="0"/>
+                </a:cubicBezTo>
+                <a:cubicBezTo>
+                  <a:pt x="4044756" y="1586"/>
+                  <a:pt x="4302726" y="17043"/>
+                  <a:pt x="4480560" y="0"/>
+                </a:cubicBezTo>
+                <a:cubicBezTo>
+                  <a:pt x="4479674" y="5429"/>
+                  <a:pt x="4481381" y="14046"/>
+                  <a:pt x="4480560" y="18288"/>
+                </a:cubicBezTo>
+                <a:cubicBezTo>
+                  <a:pt x="4279652" y="-6850"/>
+                  <a:pt x="4200762" y="41566"/>
+                  <a:pt x="3930091" y="18288"/>
+                </a:cubicBezTo>
+                <a:cubicBezTo>
+                  <a:pt x="3659420" y="-4990"/>
+                  <a:pt x="3456052" y="22294"/>
+                  <a:pt x="3290011" y="18288"/>
+                </a:cubicBezTo>
+                <a:cubicBezTo>
+                  <a:pt x="3123970" y="14282"/>
+                  <a:pt x="2882392" y="32818"/>
+                  <a:pt x="2649931" y="18288"/>
+                </a:cubicBezTo>
+                <a:cubicBezTo>
+                  <a:pt x="2417470" y="3758"/>
+                  <a:pt x="2238426" y="7337"/>
+                  <a:pt x="2054657" y="18288"/>
+                </a:cubicBezTo>
+                <a:cubicBezTo>
+                  <a:pt x="1870888" y="29239"/>
+                  <a:pt x="1566368" y="45040"/>
+                  <a:pt x="1324966" y="18288"/>
+                </a:cubicBezTo>
+                <a:cubicBezTo>
+                  <a:pt x="1083564" y="-8464"/>
+                  <a:pt x="787410" y="10946"/>
+                  <a:pt x="595274" y="18288"/>
+                </a:cubicBezTo>
+                <a:cubicBezTo>
+                  <a:pt x="403138" y="25630"/>
+                  <a:pt x="169622" y="10499"/>
+                  <a:pt x="0" y="18288"/>
+                </a:cubicBezTo>
+                <a:cubicBezTo>
+                  <a:pt x="668" y="13665"/>
+                  <a:pt x="578" y="5675"/>
+                  <a:pt x="0" y="0"/>
+                </a:cubicBezTo>
+                <a:close/>
+              </a:path>
+            </a:pathLst>
+          </a:custGeom>
+          <a:solidFill>
+            <a:schemeClr val="accent2"/>
+          </a:solidFill>
+          <a:ln w="41275" cap="rnd">
+            <a:solidFill>
+              <a:schemeClr val="accent2"/>
+            </a:solidFill>
+            <a:round/>
+            <a:extLst>
+              <a:ext uri="{C807C97D-BFC1-408E-A445-0C87EB9F89A2}">
+                <ask:lineSketchStyleProps xmlns:ask="http://schemas.microsoft.com/office/drawing/2018/sketchyshapes" sd="1219033472">
+                  <a:prstGeom prst="rect">
+                    <a:avLst/>
+                  </a:prstGeom>
+                  <ask:type>
+                    <ask:lineSketchFreehand/>
+                  </ask:type>
+                </ask:lineSketchStyleProps>
+              </a:ext>
+            </a:extLst>
+          </a:ln>
+        </p:spPr>
+        <p:style>
+          <a:lnRef idx="2">
+            <a:schemeClr val="accent1">
+              <a:shade val="50000"/>
+            </a:schemeClr>
+          </a:lnRef>
+          <a:fillRef idx="1">
+            <a:schemeClr val="accent1"/>
+          </a:fillRef>
+          <a:effectRef idx="0">
+            <a:schemeClr val="accent1"/>
+          </a:effectRef>
+          <a:fontRef idx="minor">
+            <a:schemeClr val="lt1"/>
+          </a:fontRef>
+        </p:style>
+        <p:txBody>
+          <a:bodyPr rtlCol="0" anchor="ctr"/>
+          <a:lstStyle/>
+          <a:p>
+            <a:pPr algn="ctr"/>
+            <a:endParaRPr lang="en-US"/>
           </a:p>
         </p:txBody>
       </p:sp>
@@ -4228,80 +10206,84 @@
             <p:ph idx="1"/>
           </p:nvPr>
         </p:nvSpPr>
-        <p:spPr/>
+        <p:spPr>
+          <a:xfrm>
+            <a:off x="5126418" y="552091"/>
+            <a:ext cx="6224335" cy="5431536"/>
+          </a:xfrm>
+        </p:spPr>
         <p:txBody>
-          <a:bodyPr>
-            <a:normAutofit lnSpcReduction="10000"/>
+          <a:bodyPr anchor="ctr">
+            <a:normAutofit/>
           </a:bodyPr>
           <a:lstStyle/>
           <a:p>
             <a:r>
-              <a:rPr lang="en-US" dirty="0"/>
+              <a:rPr lang="en-US" sz="2200"/>
               <a:t>We examined the available datasets on </a:t>
             </a:r>
           </a:p>
           <a:p>
             <a:pPr lvl="1"/>
             <a:r>
-              <a:rPr lang="en-US" dirty="0"/>
+              <a:rPr lang="en-US" sz="2200"/>
               <a:t>Kaggle</a:t>
             </a:r>
           </a:p>
           <a:p>
             <a:pPr lvl="1"/>
             <a:r>
-              <a:rPr lang="en-US" dirty="0"/>
+              <a:rPr lang="en-US" sz="2200"/>
               <a:t>Data.gov</a:t>
             </a:r>
           </a:p>
           <a:p>
             <a:pPr lvl="1"/>
             <a:r>
-              <a:rPr lang="en-US" dirty="0"/>
+              <a:rPr lang="en-US" sz="2200"/>
               <a:t>FiveThirtyEight</a:t>
             </a:r>
           </a:p>
           <a:p>
             <a:pPr lvl="1"/>
             <a:r>
-              <a:rPr lang="en-US" dirty="0" err="1"/>
+              <a:rPr lang="en-US" sz="2200"/>
               <a:t>Zillo</a:t>
             </a:r>
-            <a:endParaRPr lang="en-US" dirty="0"/>
           </a:p>
           <a:p>
             <a:pPr lvl="1"/>
             <a:r>
-              <a:rPr lang="en-US" dirty="0"/>
+              <a:rPr lang="en-US" sz="2200"/>
               <a:t>Redfin</a:t>
             </a:r>
           </a:p>
           <a:p>
             <a:pPr lvl="1"/>
-            <a:endParaRPr lang="en-US" dirty="0"/>
+            <a:endParaRPr lang="en-US" sz="2200"/>
           </a:p>
           <a:p>
             <a:r>
-              <a:rPr lang="en-US" dirty="0"/>
+              <a:rPr lang="en-US" sz="2200"/>
               <a:t>Chose </a:t>
             </a:r>
           </a:p>
           <a:p>
             <a:pPr lvl="1"/>
             <a:r>
-              <a:rPr lang="en-US" dirty="0"/>
+              <a:rPr lang="en-US" sz="2200"/>
               <a:t>Ames Iowa Housing Sales from Kaggle</a:t>
             </a:r>
           </a:p>
           <a:p>
             <a:pPr lvl="1"/>
             <a:r>
-              <a:rPr lang="en-US" dirty="0">
+              <a:rPr lang="en-US" sz="2200">
                 <a:hlinkClick r:id="rId2"/>
               </a:rPr>
               <a:t>https://www.kaggle.com/datasets/shashanknecrothapa/ames-housing-dataset</a:t>
             </a:r>
-            <a:endParaRPr lang="en-US" dirty="0"/>
+            <a:endParaRPr lang="en-US" sz="2200"/>
           </a:p>
         </p:txBody>
       </p:sp>
@@ -4321,6 +10303,14 @@
 <file path=ppt/slides/slide4.xml><?xml version="1.0" encoding="utf-8"?>
 <p:sld xmlns:a="http://schemas.openxmlformats.org/drawingml/2006/main" xmlns:r="http://schemas.openxmlformats.org/officeDocument/2006/relationships" xmlns:p="http://schemas.openxmlformats.org/presentationml/2006/main">
   <p:cSld>
+    <p:bg>
+      <p:bgPr>
+        <a:solidFill>
+          <a:schemeClr val="bg1"/>
+        </a:solidFill>
+        <a:effectLst/>
+      </p:bgPr>
+    </p:bg>
     <p:spTree>
       <p:nvGrpSpPr>
         <p:cNvPr id="1" name=""/>
@@ -4335,6 +10325,66 @@
           <a:chExt cx="0" cy="0"/>
         </a:xfrm>
       </p:grpSpPr>
+      <p:sp useBgFill="1">
+        <p:nvSpPr>
+          <p:cNvPr id="9" name="Rectangle 8">
+            <a:extLst>
+              <a:ext uri="{FF2B5EF4-FFF2-40B4-BE49-F238E27FC236}">
+                <a16:creationId xmlns:a16="http://schemas.microsoft.com/office/drawing/2014/main" id="{2E442304-DDBD-4F7B-8017-36BCC863FB40}"/>
+              </a:ext>
+              <a:ext uri="{C183D7F6-B498-43B3-948B-1728B52AA6E4}">
+                <adec:decorative xmlns:adec="http://schemas.microsoft.com/office/drawing/2017/decorative" val="1"/>
+              </a:ext>
+            </a:extLst>
+          </p:cNvPr>
+          <p:cNvSpPr>
+            <a:spLocks noGrp="1" noRot="1" noChangeAspect="1" noMove="1" noResize="1" noEditPoints="1" noAdjustHandles="1" noChangeArrowheads="1" noChangeShapeType="1" noTextEdit="1"/>
+          </p:cNvSpPr>
+          <p:nvPr>
+            <p:extLst>
+              <p:ext uri="{386F3935-93C4-4BCD-93E2-E3B085C9AB24}">
+                <p16:designElem xmlns:p16="http://schemas.microsoft.com/office/powerpoint/2015/main" val="1"/>
+              </p:ext>
+            </p:extLst>
+          </p:nvPr>
+        </p:nvSpPr>
+        <p:spPr>
+          <a:xfrm>
+            <a:off x="0" y="0"/>
+            <a:ext cx="12188952" cy="6858000"/>
+          </a:xfrm>
+          <a:prstGeom prst="rect">
+            <a:avLst/>
+          </a:prstGeom>
+          <a:ln>
+            <a:noFill/>
+          </a:ln>
+        </p:spPr>
+        <p:style>
+          <a:lnRef idx="2">
+            <a:schemeClr val="accent1">
+              <a:shade val="50000"/>
+            </a:schemeClr>
+          </a:lnRef>
+          <a:fillRef idx="1">
+            <a:schemeClr val="accent1"/>
+          </a:fillRef>
+          <a:effectRef idx="0">
+            <a:schemeClr val="accent1"/>
+          </a:effectRef>
+          <a:fontRef idx="minor">
+            <a:schemeClr val="lt1"/>
+          </a:fontRef>
+        </p:style>
+        <p:txBody>
+          <a:bodyPr rtlCol="0" anchor="ctr"/>
+          <a:lstStyle/>
+          <a:p>
+            <a:pPr algn="ctr"/>
+            <a:endParaRPr lang="en-US"/>
+          </a:p>
+        </p:txBody>
+      </p:sp>
       <p:sp>
         <p:nvSpPr>
           <p:cNvPr id="2" name="Title 1">
@@ -4351,13 +10401,20 @@
             <p:ph type="title"/>
           </p:nvPr>
         </p:nvSpPr>
-        <p:spPr/>
+        <p:spPr>
+          <a:xfrm>
+            <a:off x="635000" y="640823"/>
+            <a:ext cx="3418659" cy="5583148"/>
+          </a:xfrm>
+        </p:spPr>
         <p:txBody>
-          <a:bodyPr/>
+          <a:bodyPr anchor="ctr">
+            <a:normAutofit/>
+          </a:bodyPr>
           <a:lstStyle/>
           <a:p>
             <a:r>
-              <a:rPr lang="en-US" dirty="0"/>
+              <a:rPr lang="en-US" sz="3800"/>
               <a:t>Dataset Characteristics</a:t>
             </a:r>
           </a:p>
@@ -4365,50 +10422,408 @@
       </p:sp>
       <p:sp>
         <p:nvSpPr>
-          <p:cNvPr id="3" name="Content Placeholder 2">
+          <p:cNvPr id="11" name="sketch line">
             <a:extLst>
               <a:ext uri="{FF2B5EF4-FFF2-40B4-BE49-F238E27FC236}">
-                <a16:creationId xmlns:a16="http://schemas.microsoft.com/office/drawing/2014/main" id="{2EE21A01-7AA3-7AFD-B731-4ACFFCC8C78A}"/>
+                <a16:creationId xmlns:a16="http://schemas.microsoft.com/office/drawing/2014/main" id="{5E107275-3853-46FD-A241-DE4355A42675}"/>
+              </a:ext>
+              <a:ext uri="{C183D7F6-B498-43B3-948B-1728B52AA6E4}">
+                <adec:decorative xmlns:adec="http://schemas.microsoft.com/office/drawing/2017/decorative" val="1"/>
               </a:ext>
             </a:extLst>
           </p:cNvPr>
           <p:cNvSpPr>
-            <a:spLocks noGrp="1"/>
+            <a:spLocks noGrp="1" noRot="1" noChangeAspect="1" noMove="1" noResize="1" noEditPoints="1" noAdjustHandles="1" noChangeArrowheads="1" noChangeShapeType="1" noTextEdit="1"/>
           </p:cNvSpPr>
           <p:nvPr>
-            <p:ph idx="1"/>
+            <p:extLst>
+              <p:ext uri="{386F3935-93C4-4BCD-93E2-E3B085C9AB24}">
+                <p16:designElem xmlns:p16="http://schemas.microsoft.com/office/powerpoint/2015/main" val="1"/>
+              </p:ext>
+            </p:extLst>
           </p:nvPr>
         </p:nvSpPr>
-        <p:spPr/>
+        <p:spPr>
+          <a:xfrm rot="5400000">
+            <a:off x="1627450" y="3462719"/>
+            <a:ext cx="5410200" cy="18288"/>
+          </a:xfrm>
+          <a:custGeom>
+            <a:avLst/>
+            <a:gdLst>
+              <a:gd name="connsiteX0" fmla="*/ 0 w 5410200"/>
+              <a:gd name="connsiteY0" fmla="*/ 0 h 18288"/>
+              <a:gd name="connsiteX1" fmla="*/ 568071 w 5410200"/>
+              <a:gd name="connsiteY1" fmla="*/ 0 h 18288"/>
+              <a:gd name="connsiteX2" fmla="*/ 1298448 w 5410200"/>
+              <a:gd name="connsiteY2" fmla="*/ 0 h 18288"/>
+              <a:gd name="connsiteX3" fmla="*/ 1920621 w 5410200"/>
+              <a:gd name="connsiteY3" fmla="*/ 0 h 18288"/>
+              <a:gd name="connsiteX4" fmla="*/ 2488692 w 5410200"/>
+              <a:gd name="connsiteY4" fmla="*/ 0 h 18288"/>
+              <a:gd name="connsiteX5" fmla="*/ 3219069 w 5410200"/>
+              <a:gd name="connsiteY5" fmla="*/ 0 h 18288"/>
+              <a:gd name="connsiteX6" fmla="*/ 3895344 w 5410200"/>
+              <a:gd name="connsiteY6" fmla="*/ 0 h 18288"/>
+              <a:gd name="connsiteX7" fmla="*/ 4571619 w 5410200"/>
+              <a:gd name="connsiteY7" fmla="*/ 0 h 18288"/>
+              <a:gd name="connsiteX8" fmla="*/ 5410200 w 5410200"/>
+              <a:gd name="connsiteY8" fmla="*/ 0 h 18288"/>
+              <a:gd name="connsiteX9" fmla="*/ 5410200 w 5410200"/>
+              <a:gd name="connsiteY9" fmla="*/ 18288 h 18288"/>
+              <a:gd name="connsiteX10" fmla="*/ 4842129 w 5410200"/>
+              <a:gd name="connsiteY10" fmla="*/ 18288 h 18288"/>
+              <a:gd name="connsiteX11" fmla="*/ 4328160 w 5410200"/>
+              <a:gd name="connsiteY11" fmla="*/ 18288 h 18288"/>
+              <a:gd name="connsiteX12" fmla="*/ 3597783 w 5410200"/>
+              <a:gd name="connsiteY12" fmla="*/ 18288 h 18288"/>
+              <a:gd name="connsiteX13" fmla="*/ 3029712 w 5410200"/>
+              <a:gd name="connsiteY13" fmla="*/ 18288 h 18288"/>
+              <a:gd name="connsiteX14" fmla="*/ 2299335 w 5410200"/>
+              <a:gd name="connsiteY14" fmla="*/ 18288 h 18288"/>
+              <a:gd name="connsiteX15" fmla="*/ 1514856 w 5410200"/>
+              <a:gd name="connsiteY15" fmla="*/ 18288 h 18288"/>
+              <a:gd name="connsiteX16" fmla="*/ 892683 w 5410200"/>
+              <a:gd name="connsiteY16" fmla="*/ 18288 h 18288"/>
+              <a:gd name="connsiteX17" fmla="*/ 0 w 5410200"/>
+              <a:gd name="connsiteY17" fmla="*/ 18288 h 18288"/>
+              <a:gd name="connsiteX18" fmla="*/ 0 w 5410200"/>
+              <a:gd name="connsiteY18" fmla="*/ 0 h 18288"/>
+            </a:gdLst>
+            <a:ahLst/>
+            <a:cxnLst>
+              <a:cxn ang="0">
+                <a:pos x="connsiteX0" y="connsiteY0"/>
+              </a:cxn>
+              <a:cxn ang="0">
+                <a:pos x="connsiteX1" y="connsiteY1"/>
+              </a:cxn>
+              <a:cxn ang="0">
+                <a:pos x="connsiteX2" y="connsiteY2"/>
+              </a:cxn>
+              <a:cxn ang="0">
+                <a:pos x="connsiteX3" y="connsiteY3"/>
+              </a:cxn>
+              <a:cxn ang="0">
+                <a:pos x="connsiteX4" y="connsiteY4"/>
+              </a:cxn>
+              <a:cxn ang="0">
+                <a:pos x="connsiteX5" y="connsiteY5"/>
+              </a:cxn>
+              <a:cxn ang="0">
+                <a:pos x="connsiteX6" y="connsiteY6"/>
+              </a:cxn>
+              <a:cxn ang="0">
+                <a:pos x="connsiteX7" y="connsiteY7"/>
+              </a:cxn>
+              <a:cxn ang="0">
+                <a:pos x="connsiteX8" y="connsiteY8"/>
+              </a:cxn>
+              <a:cxn ang="0">
+                <a:pos x="connsiteX9" y="connsiteY9"/>
+              </a:cxn>
+              <a:cxn ang="0">
+                <a:pos x="connsiteX10" y="connsiteY10"/>
+              </a:cxn>
+              <a:cxn ang="0">
+                <a:pos x="connsiteX11" y="connsiteY11"/>
+              </a:cxn>
+              <a:cxn ang="0">
+                <a:pos x="connsiteX12" y="connsiteY12"/>
+              </a:cxn>
+              <a:cxn ang="0">
+                <a:pos x="connsiteX13" y="connsiteY13"/>
+              </a:cxn>
+              <a:cxn ang="0">
+                <a:pos x="connsiteX14" y="connsiteY14"/>
+              </a:cxn>
+              <a:cxn ang="0">
+                <a:pos x="connsiteX15" y="connsiteY15"/>
+              </a:cxn>
+              <a:cxn ang="0">
+                <a:pos x="connsiteX16" y="connsiteY16"/>
+              </a:cxn>
+              <a:cxn ang="0">
+                <a:pos x="connsiteX17" y="connsiteY17"/>
+              </a:cxn>
+              <a:cxn ang="0">
+                <a:pos x="connsiteX18" y="connsiteY18"/>
+              </a:cxn>
+            </a:cxnLst>
+            <a:rect l="l" t="t" r="r" b="b"/>
+            <a:pathLst>
+              <a:path w="5410200" h="18288" fill="none" extrusionOk="0">
+                <a:moveTo>
+                  <a:pt x="0" y="0"/>
+                </a:moveTo>
+                <a:cubicBezTo>
+                  <a:pt x="163050" y="-18707"/>
+                  <a:pt x="319321" y="-16364"/>
+                  <a:pt x="568071" y="0"/>
+                </a:cubicBezTo>
+                <a:cubicBezTo>
+                  <a:pt x="816821" y="16364"/>
+                  <a:pt x="1013224" y="-7268"/>
+                  <a:pt x="1298448" y="0"/>
+                </a:cubicBezTo>
+                <a:cubicBezTo>
+                  <a:pt x="1583672" y="7268"/>
+                  <a:pt x="1631711" y="-3367"/>
+                  <a:pt x="1920621" y="0"/>
+                </a:cubicBezTo>
+                <a:cubicBezTo>
+                  <a:pt x="2209531" y="3367"/>
+                  <a:pt x="2364420" y="-19184"/>
+                  <a:pt x="2488692" y="0"/>
+                </a:cubicBezTo>
+                <a:cubicBezTo>
+                  <a:pt x="2612964" y="19184"/>
+                  <a:pt x="3023298" y="-34627"/>
+                  <a:pt x="3219069" y="0"/>
+                </a:cubicBezTo>
+                <a:cubicBezTo>
+                  <a:pt x="3414840" y="34627"/>
+                  <a:pt x="3656810" y="24043"/>
+                  <a:pt x="3895344" y="0"/>
+                </a:cubicBezTo>
+                <a:cubicBezTo>
+                  <a:pt x="4133879" y="-24043"/>
+                  <a:pt x="4393984" y="-19577"/>
+                  <a:pt x="4571619" y="0"/>
+                </a:cubicBezTo>
+                <a:cubicBezTo>
+                  <a:pt x="4749255" y="19577"/>
+                  <a:pt x="5179928" y="-6281"/>
+                  <a:pt x="5410200" y="0"/>
+                </a:cubicBezTo>
+                <a:cubicBezTo>
+                  <a:pt x="5410730" y="6954"/>
+                  <a:pt x="5410934" y="12839"/>
+                  <a:pt x="5410200" y="18288"/>
+                </a:cubicBezTo>
+                <a:cubicBezTo>
+                  <a:pt x="5139060" y="6751"/>
+                  <a:pt x="5121593" y="31035"/>
+                  <a:pt x="4842129" y="18288"/>
+                </a:cubicBezTo>
+                <a:cubicBezTo>
+                  <a:pt x="4562665" y="5541"/>
+                  <a:pt x="4448273" y="9487"/>
+                  <a:pt x="4328160" y="18288"/>
+                </a:cubicBezTo>
+                <a:cubicBezTo>
+                  <a:pt x="4208047" y="27089"/>
+                  <a:pt x="3760936" y="22567"/>
+                  <a:pt x="3597783" y="18288"/>
+                </a:cubicBezTo>
+                <a:cubicBezTo>
+                  <a:pt x="3434630" y="14009"/>
+                  <a:pt x="3299718" y="33213"/>
+                  <a:pt x="3029712" y="18288"/>
+                </a:cubicBezTo>
+                <a:cubicBezTo>
+                  <a:pt x="2759706" y="3363"/>
+                  <a:pt x="2640159" y="27394"/>
+                  <a:pt x="2299335" y="18288"/>
+                </a:cubicBezTo>
+                <a:cubicBezTo>
+                  <a:pt x="1958511" y="9182"/>
+                  <a:pt x="1801186" y="28985"/>
+                  <a:pt x="1514856" y="18288"/>
+                </a:cubicBezTo>
+                <a:cubicBezTo>
+                  <a:pt x="1228526" y="7591"/>
+                  <a:pt x="1063509" y="-5305"/>
+                  <a:pt x="892683" y="18288"/>
+                </a:cubicBezTo>
+                <a:cubicBezTo>
+                  <a:pt x="721857" y="41881"/>
+                  <a:pt x="186945" y="-20897"/>
+                  <a:pt x="0" y="18288"/>
+                </a:cubicBezTo>
+                <a:cubicBezTo>
+                  <a:pt x="-570" y="9279"/>
+                  <a:pt x="132" y="5100"/>
+                  <a:pt x="0" y="0"/>
+                </a:cubicBezTo>
+                <a:close/>
+              </a:path>
+              <a:path w="5410200" h="18288" stroke="0" extrusionOk="0">
+                <a:moveTo>
+                  <a:pt x="0" y="0"/>
+                </a:moveTo>
+                <a:cubicBezTo>
+                  <a:pt x="285096" y="-4925"/>
+                  <a:pt x="376456" y="22268"/>
+                  <a:pt x="622173" y="0"/>
+                </a:cubicBezTo>
+                <a:cubicBezTo>
+                  <a:pt x="867890" y="-22268"/>
+                  <a:pt x="1031392" y="7228"/>
+                  <a:pt x="1136142" y="0"/>
+                </a:cubicBezTo>
+                <a:cubicBezTo>
+                  <a:pt x="1240892" y="-7228"/>
+                  <a:pt x="1561853" y="9877"/>
+                  <a:pt x="1920621" y="0"/>
+                </a:cubicBezTo>
+                <a:cubicBezTo>
+                  <a:pt x="2279389" y="-9877"/>
+                  <a:pt x="2367255" y="19546"/>
+                  <a:pt x="2542794" y="0"/>
+                </a:cubicBezTo>
+                <a:cubicBezTo>
+                  <a:pt x="2718333" y="-19546"/>
+                  <a:pt x="2866732" y="-22226"/>
+                  <a:pt x="3164967" y="0"/>
+                </a:cubicBezTo>
+                <a:cubicBezTo>
+                  <a:pt x="3463202" y="22226"/>
+                  <a:pt x="3568055" y="-2765"/>
+                  <a:pt x="3949446" y="0"/>
+                </a:cubicBezTo>
+                <a:cubicBezTo>
+                  <a:pt x="4330837" y="2765"/>
+                  <a:pt x="4287895" y="10557"/>
+                  <a:pt x="4517517" y="0"/>
+                </a:cubicBezTo>
+                <a:cubicBezTo>
+                  <a:pt x="4747139" y="-10557"/>
+                  <a:pt x="5149588" y="8716"/>
+                  <a:pt x="5410200" y="0"/>
+                </a:cubicBezTo>
+                <a:cubicBezTo>
+                  <a:pt x="5409517" y="5414"/>
+                  <a:pt x="5409480" y="12510"/>
+                  <a:pt x="5410200" y="18288"/>
+                </a:cubicBezTo>
+                <a:cubicBezTo>
+                  <a:pt x="5163327" y="41494"/>
+                  <a:pt x="5008749" y="10693"/>
+                  <a:pt x="4842129" y="18288"/>
+                </a:cubicBezTo>
+                <a:cubicBezTo>
+                  <a:pt x="4675509" y="25883"/>
+                  <a:pt x="4433401" y="-615"/>
+                  <a:pt x="4165854" y="18288"/>
+                </a:cubicBezTo>
+                <a:cubicBezTo>
+                  <a:pt x="3898308" y="37191"/>
+                  <a:pt x="3809032" y="-8710"/>
+                  <a:pt x="3543681" y="18288"/>
+                </a:cubicBezTo>
+                <a:cubicBezTo>
+                  <a:pt x="3278330" y="45286"/>
+                  <a:pt x="3073876" y="-15917"/>
+                  <a:pt x="2759202" y="18288"/>
+                </a:cubicBezTo>
+                <a:cubicBezTo>
+                  <a:pt x="2444528" y="52493"/>
+                  <a:pt x="2204144" y="3372"/>
+                  <a:pt x="1974723" y="18288"/>
+                </a:cubicBezTo>
+                <a:cubicBezTo>
+                  <a:pt x="1745302" y="33204"/>
+                  <a:pt x="1602335" y="31490"/>
+                  <a:pt x="1406652" y="18288"/>
+                </a:cubicBezTo>
+                <a:cubicBezTo>
+                  <a:pt x="1210969" y="5086"/>
+                  <a:pt x="923948" y="3161"/>
+                  <a:pt x="730377" y="18288"/>
+                </a:cubicBezTo>
+                <a:cubicBezTo>
+                  <a:pt x="536806" y="33415"/>
+                  <a:pt x="336496" y="-141"/>
+                  <a:pt x="0" y="18288"/>
+                </a:cubicBezTo>
+                <a:cubicBezTo>
+                  <a:pt x="-306" y="11061"/>
+                  <a:pt x="-655" y="7751"/>
+                  <a:pt x="0" y="0"/>
+                </a:cubicBezTo>
+                <a:close/>
+              </a:path>
+            </a:pathLst>
+          </a:custGeom>
+          <a:solidFill>
+            <a:schemeClr val="accent2"/>
+          </a:solidFill>
+          <a:ln w="41275" cap="rnd">
+            <a:solidFill>
+              <a:schemeClr val="accent2"/>
+            </a:solidFill>
+            <a:round/>
+            <a:extLst>
+              <a:ext uri="{C807C97D-BFC1-408E-A445-0C87EB9F89A2}">
+                <ask:lineSketchStyleProps xmlns:ask="http://schemas.microsoft.com/office/drawing/2018/sketchyshapes" sd="1219033472">
+                  <a:prstGeom prst="rect">
+                    <a:avLst/>
+                  </a:prstGeom>
+                  <ask:type>
+                    <ask:lineSketchFreehand/>
+                  </ask:type>
+                </ask:lineSketchStyleProps>
+              </a:ext>
+            </a:extLst>
+          </a:ln>
+        </p:spPr>
+        <p:style>
+          <a:lnRef idx="2">
+            <a:schemeClr val="accent1">
+              <a:shade val="50000"/>
+            </a:schemeClr>
+          </a:lnRef>
+          <a:fillRef idx="1">
+            <a:schemeClr val="accent1"/>
+          </a:fillRef>
+          <a:effectRef idx="0">
+            <a:schemeClr val="accent1"/>
+          </a:effectRef>
+          <a:fontRef idx="minor">
+            <a:schemeClr val="lt1"/>
+          </a:fontRef>
+        </p:style>
         <p:txBody>
-          <a:bodyPr/>
+          <a:bodyPr rtlCol="0" anchor="ctr"/>
           <a:lstStyle/>
           <a:p>
-            <a:r>
-              <a:rPr lang="en-US" dirty="0"/>
-              <a:t>Number of Instances: 2,930</a:t>
-            </a:r>
-          </a:p>
-          <a:p>
-            <a:r>
-              <a:rPr lang="en-US" dirty="0"/>
-              <a:t>Number of Features: 79</a:t>
-            </a:r>
-          </a:p>
-          <a:p>
-            <a:r>
-              <a:rPr lang="en-US" dirty="0"/>
-              <a:t>Data types include both numerical and categorical values</a:t>
-            </a:r>
-          </a:p>
-          <a:p>
-            <a:r>
-              <a:rPr lang="en-US" dirty="0"/>
-              <a:t>Record of home sales from January 2006 to July 2010</a:t>
-            </a:r>
+            <a:pPr algn="ctr"/>
+            <a:endParaRPr lang="en-US"/>
           </a:p>
         </p:txBody>
       </p:sp>
+      <p:graphicFrame>
+        <p:nvGraphicFramePr>
+          <p:cNvPr id="5" name="Content Placeholder 2">
+            <a:extLst>
+              <a:ext uri="{FF2B5EF4-FFF2-40B4-BE49-F238E27FC236}">
+                <a16:creationId xmlns:a16="http://schemas.microsoft.com/office/drawing/2014/main" id="{9113ECCF-92CA-4C71-059C-40D86BE0C7C2}"/>
+              </a:ext>
+            </a:extLst>
+          </p:cNvPr>
+          <p:cNvGraphicFramePr>
+            <a:graphicFrameLocks noGrp="1"/>
+          </p:cNvGraphicFramePr>
+          <p:nvPr>
+            <p:ph idx="1"/>
+            <p:extLst>
+              <p:ext uri="{D42A27DB-BD31-4B8C-83A1-F6EECF244321}">
+                <p14:modId xmlns:p14="http://schemas.microsoft.com/office/powerpoint/2010/main" val="3881353026"/>
+              </p:ext>
+            </p:extLst>
+          </p:nvPr>
+        </p:nvGraphicFramePr>
+        <p:xfrm>
+          <a:off x="4648018" y="640822"/>
+          <a:ext cx="6900512" cy="5536141"/>
+        </p:xfrm>
+        <a:graphic>
+          <a:graphicData uri="http://schemas.openxmlformats.org/drawingml/2006/diagram">
+            <dgm:relIds xmlns:dgm="http://schemas.openxmlformats.org/drawingml/2006/diagram" xmlns:r="http://schemas.openxmlformats.org/officeDocument/2006/relationships" r:dm="rId2" r:lo="rId3" r:qs="rId4" r:cs="rId5"/>
+          </a:graphicData>
+        </a:graphic>
+      </p:graphicFrame>
     </p:spTree>
     <p:extLst>
       <p:ext uri="{BB962C8B-B14F-4D97-AF65-F5344CB8AC3E}">
@@ -4716,12 +11131,894 @@
           </a:p>
         </p:txBody>
       </p:sp>
+      <p:grpSp>
+        <p:nvGrpSpPr>
+          <p:cNvPr id="4" name="Group 3">
+            <a:extLst>
+              <a:ext uri="{FF2B5EF4-FFF2-40B4-BE49-F238E27FC236}">
+                <a16:creationId xmlns:a16="http://schemas.microsoft.com/office/drawing/2014/main" id="{14EB25AC-44EE-2742-0A98-90F8FCBCEADE}"/>
+              </a:ext>
+            </a:extLst>
+          </p:cNvPr>
+          <p:cNvGrpSpPr/>
+          <p:nvPr/>
+        </p:nvGrpSpPr>
+        <p:grpSpPr>
+          <a:xfrm>
+            <a:off x="1544317" y="1935377"/>
+            <a:ext cx="3394464" cy="3187581"/>
+            <a:chOff x="1502276" y="1136591"/>
+            <a:chExt cx="3394464" cy="3187581"/>
+          </a:xfrm>
+        </p:grpSpPr>
+        <p:pic>
+          <p:nvPicPr>
+            <p:cNvPr id="5" name="Picture 2" descr="Make Flask Fast and Reliable – Simple ...">
+              <a:extLst>
+                <a:ext uri="{FF2B5EF4-FFF2-40B4-BE49-F238E27FC236}">
+                  <a16:creationId xmlns:a16="http://schemas.microsoft.com/office/drawing/2014/main" id="{43E35A78-C2B3-6F59-62E0-1F9439F416D0}"/>
+                </a:ext>
+              </a:extLst>
+            </p:cNvPr>
+            <p:cNvPicPr>
+              <a:picLocks noChangeAspect="1" noChangeArrowheads="1"/>
+            </p:cNvPicPr>
+            <p:nvPr/>
+          </p:nvPicPr>
+          <p:blipFill>
+            <a:blip r:embed="rId2">
+              <a:extLst>
+                <a:ext uri="{28A0092B-C50C-407E-A947-70E740481C1C}">
+                  <a14:useLocalDpi xmlns:a14="http://schemas.microsoft.com/office/drawing/2010/main" val="0"/>
+                </a:ext>
+              </a:extLst>
+            </a:blip>
+            <a:srcRect/>
+            <a:stretch>
+              <a:fillRect/>
+            </a:stretch>
+          </p:blipFill>
+          <p:spPr bwMode="auto">
+            <a:xfrm>
+              <a:off x="1656101" y="1233578"/>
+              <a:ext cx="1471660" cy="531214"/>
+            </a:xfrm>
+            <a:prstGeom prst="rect">
+              <a:avLst/>
+            </a:prstGeom>
+            <a:noFill/>
+            <a:extLst>
+              <a:ext uri="{909E8E84-426E-40DD-AFC4-6F175D3DCCD1}">
+                <a14:hiddenFill xmlns:a14="http://schemas.microsoft.com/office/drawing/2010/main">
+                  <a:solidFill>
+                    <a:srgbClr val="FFFFFF"/>
+                  </a:solidFill>
+                </a14:hiddenFill>
+              </a:ext>
+            </a:extLst>
+          </p:spPr>
+        </p:pic>
+        <p:sp>
+          <p:nvSpPr>
+            <p:cNvPr id="6" name="Rectangle: Rounded Corners 5">
+              <a:extLst>
+                <a:ext uri="{FF2B5EF4-FFF2-40B4-BE49-F238E27FC236}">
+                  <a16:creationId xmlns:a16="http://schemas.microsoft.com/office/drawing/2014/main" id="{19D495EE-CF0A-549D-9862-CFCFC844D616}"/>
+                </a:ext>
+              </a:extLst>
+            </p:cNvPr>
+            <p:cNvSpPr/>
+            <p:nvPr/>
+          </p:nvSpPr>
+          <p:spPr>
+            <a:xfrm>
+              <a:off x="1502276" y="1136591"/>
+              <a:ext cx="3394464" cy="3187581"/>
+            </a:xfrm>
+            <a:prstGeom prst="roundRect">
+              <a:avLst>
+                <a:gd name="adj" fmla="val 5373"/>
+              </a:avLst>
+            </a:prstGeom>
+            <a:noFill/>
+            <a:ln w="28575"/>
+          </p:spPr>
+          <p:style>
+            <a:lnRef idx="2">
+              <a:schemeClr val="accent1">
+                <a:shade val="15000"/>
+              </a:schemeClr>
+            </a:lnRef>
+            <a:fillRef idx="1">
+              <a:schemeClr val="accent1"/>
+            </a:fillRef>
+            <a:effectRef idx="0">
+              <a:schemeClr val="accent1"/>
+            </a:effectRef>
+            <a:fontRef idx="minor">
+              <a:schemeClr val="lt1"/>
+            </a:fontRef>
+          </p:style>
+          <p:txBody>
+            <a:bodyPr rtlCol="0" anchor="t"/>
+            <a:lstStyle/>
+            <a:p>
+              <a:pPr algn="r"/>
+              <a:r>
+                <a:rPr lang="en-US" sz="1200" dirty="0">
+                  <a:solidFill>
+                    <a:schemeClr val="tx1"/>
+                  </a:solidFill>
+                </a:rPr>
+                <a:t>Front End Web Server</a:t>
+              </a:r>
+            </a:p>
+          </p:txBody>
+        </p:sp>
+      </p:grpSp>
+      <p:pic>
+        <p:nvPicPr>
+          <p:cNvPr id="7" name="Picture 6">
+            <a:extLst>
+              <a:ext uri="{FF2B5EF4-FFF2-40B4-BE49-F238E27FC236}">
+                <a16:creationId xmlns:a16="http://schemas.microsoft.com/office/drawing/2014/main" id="{51669F39-4231-CA4E-8223-380F4847E4A3}"/>
+              </a:ext>
+            </a:extLst>
+          </p:cNvPr>
+          <p:cNvPicPr>
+            <a:picLocks noChangeAspect="1"/>
+          </p:cNvPicPr>
+          <p:nvPr/>
+        </p:nvPicPr>
+        <p:blipFill>
+          <a:blip r:embed="rId3"/>
+          <a:stretch>
+            <a:fillRect/>
+          </a:stretch>
+        </p:blipFill>
+        <p:spPr>
+          <a:xfrm>
+            <a:off x="280846" y="3183848"/>
+            <a:ext cx="1071712" cy="1071712"/>
+          </a:xfrm>
+          <a:prstGeom prst="rect">
+            <a:avLst/>
+          </a:prstGeom>
+        </p:spPr>
+      </p:pic>
+      <p:grpSp>
+        <p:nvGrpSpPr>
+          <p:cNvPr id="8" name="Group 7">
+            <a:extLst>
+              <a:ext uri="{FF2B5EF4-FFF2-40B4-BE49-F238E27FC236}">
+                <a16:creationId xmlns:a16="http://schemas.microsoft.com/office/drawing/2014/main" id="{03CD7A73-C3B3-0D03-10B5-E2B87735A980}"/>
+              </a:ext>
+            </a:extLst>
+          </p:cNvPr>
+          <p:cNvGrpSpPr/>
+          <p:nvPr/>
+        </p:nvGrpSpPr>
+        <p:grpSpPr>
+          <a:xfrm>
+            <a:off x="1927835" y="2563578"/>
+            <a:ext cx="2670392" cy="2291255"/>
+            <a:chOff x="1885794" y="1764792"/>
+            <a:chExt cx="2670392" cy="2291255"/>
+          </a:xfrm>
+        </p:grpSpPr>
+        <p:sp>
+          <p:nvSpPr>
+            <p:cNvPr id="9" name="Cloud 8">
+              <a:extLst>
+                <a:ext uri="{FF2B5EF4-FFF2-40B4-BE49-F238E27FC236}">
+                  <a16:creationId xmlns:a16="http://schemas.microsoft.com/office/drawing/2014/main" id="{5B20E8A7-1D05-AF0D-E4B5-EE4E264897EE}"/>
+                </a:ext>
+              </a:extLst>
+            </p:cNvPr>
+            <p:cNvSpPr/>
+            <p:nvPr/>
+          </p:nvSpPr>
+          <p:spPr>
+            <a:xfrm>
+              <a:off x="1885794" y="1764792"/>
+              <a:ext cx="2670392" cy="2291255"/>
+            </a:xfrm>
+            <a:prstGeom prst="cloud">
+              <a:avLst/>
+            </a:prstGeom>
+          </p:spPr>
+          <p:style>
+            <a:lnRef idx="1">
+              <a:schemeClr val="accent3"/>
+            </a:lnRef>
+            <a:fillRef idx="2">
+              <a:schemeClr val="accent3"/>
+            </a:fillRef>
+            <a:effectRef idx="1">
+              <a:schemeClr val="accent3"/>
+            </a:effectRef>
+            <a:fontRef idx="minor">
+              <a:schemeClr val="dk1"/>
+            </a:fontRef>
+          </p:style>
+          <p:txBody>
+            <a:bodyPr rtlCol="0" anchor="t"/>
+            <a:lstStyle/>
+            <a:p>
+              <a:pPr algn="ctr"/>
+              <a:r>
+                <a:rPr lang="en-US" dirty="0"/>
+                <a:t>Web Application</a:t>
+              </a:r>
+            </a:p>
+          </p:txBody>
+        </p:sp>
+        <p:pic>
+          <p:nvPicPr>
+            <p:cNvPr id="10" name="Picture 9">
+              <a:extLst>
+                <a:ext uri="{FF2B5EF4-FFF2-40B4-BE49-F238E27FC236}">
+                  <a16:creationId xmlns:a16="http://schemas.microsoft.com/office/drawing/2014/main" id="{A7DE32E8-65D0-A09D-3EAA-DE0D7AB734EA}"/>
+                </a:ext>
+              </a:extLst>
+            </p:cNvPr>
+            <p:cNvPicPr>
+              <a:picLocks noChangeAspect="1"/>
+            </p:cNvPicPr>
+            <p:nvPr/>
+          </p:nvPicPr>
+          <p:blipFill>
+            <a:blip r:embed="rId4"/>
+            <a:stretch>
+              <a:fillRect/>
+            </a:stretch>
+          </p:blipFill>
+          <p:spPr>
+            <a:xfrm>
+              <a:off x="2764715" y="2849503"/>
+              <a:ext cx="713423" cy="713423"/>
+            </a:xfrm>
+            <a:prstGeom prst="rect">
+              <a:avLst/>
+            </a:prstGeom>
+          </p:spPr>
+        </p:pic>
+      </p:grpSp>
+      <p:grpSp>
+        <p:nvGrpSpPr>
+          <p:cNvPr id="11" name="Group 10">
+            <a:extLst>
+              <a:ext uri="{FF2B5EF4-FFF2-40B4-BE49-F238E27FC236}">
+                <a16:creationId xmlns:a16="http://schemas.microsoft.com/office/drawing/2014/main" id="{6DC907F5-2FEA-EFB2-18AA-3933C77B2943}"/>
+              </a:ext>
+            </a:extLst>
+          </p:cNvPr>
+          <p:cNvGrpSpPr/>
+          <p:nvPr/>
+        </p:nvGrpSpPr>
+        <p:grpSpPr>
+          <a:xfrm>
+            <a:off x="5800122" y="1935377"/>
+            <a:ext cx="3394464" cy="3187581"/>
+            <a:chOff x="1502276" y="1136591"/>
+            <a:chExt cx="3394464" cy="3187581"/>
+          </a:xfrm>
+        </p:grpSpPr>
+        <p:pic>
+          <p:nvPicPr>
+            <p:cNvPr id="12" name="Picture 2" descr="Make Flask Fast and Reliable – Simple ...">
+              <a:extLst>
+                <a:ext uri="{FF2B5EF4-FFF2-40B4-BE49-F238E27FC236}">
+                  <a16:creationId xmlns:a16="http://schemas.microsoft.com/office/drawing/2014/main" id="{72ACB32A-6E57-2771-FBDF-B6B7D3517378}"/>
+                </a:ext>
+              </a:extLst>
+            </p:cNvPr>
+            <p:cNvPicPr>
+              <a:picLocks noChangeAspect="1" noChangeArrowheads="1"/>
+            </p:cNvPicPr>
+            <p:nvPr/>
+          </p:nvPicPr>
+          <p:blipFill>
+            <a:blip r:embed="rId2">
+              <a:extLst>
+                <a:ext uri="{28A0092B-C50C-407E-A947-70E740481C1C}">
+                  <a14:useLocalDpi xmlns:a14="http://schemas.microsoft.com/office/drawing/2010/main" val="0"/>
+                </a:ext>
+              </a:extLst>
+            </a:blip>
+            <a:srcRect/>
+            <a:stretch>
+              <a:fillRect/>
+            </a:stretch>
+          </p:blipFill>
+          <p:spPr bwMode="auto">
+            <a:xfrm>
+              <a:off x="1656101" y="1233578"/>
+              <a:ext cx="1471660" cy="531214"/>
+            </a:xfrm>
+            <a:prstGeom prst="rect">
+              <a:avLst/>
+            </a:prstGeom>
+            <a:noFill/>
+            <a:extLst>
+              <a:ext uri="{909E8E84-426E-40DD-AFC4-6F175D3DCCD1}">
+                <a14:hiddenFill xmlns:a14="http://schemas.microsoft.com/office/drawing/2010/main">
+                  <a:solidFill>
+                    <a:srgbClr val="FFFFFF"/>
+                  </a:solidFill>
+                </a14:hiddenFill>
+              </a:ext>
+            </a:extLst>
+          </p:spPr>
+        </p:pic>
+        <p:sp>
+          <p:nvSpPr>
+            <p:cNvPr id="13" name="Rectangle: Rounded Corners 12">
+              <a:extLst>
+                <a:ext uri="{FF2B5EF4-FFF2-40B4-BE49-F238E27FC236}">
+                  <a16:creationId xmlns:a16="http://schemas.microsoft.com/office/drawing/2014/main" id="{6BF67B23-6691-5A8C-58EB-FA99FDB5F0B5}"/>
+                </a:ext>
+              </a:extLst>
+            </p:cNvPr>
+            <p:cNvSpPr/>
+            <p:nvPr/>
+          </p:nvSpPr>
+          <p:spPr>
+            <a:xfrm>
+              <a:off x="1502276" y="1136591"/>
+              <a:ext cx="3394464" cy="3187581"/>
+            </a:xfrm>
+            <a:prstGeom prst="roundRect">
+              <a:avLst>
+                <a:gd name="adj" fmla="val 5373"/>
+              </a:avLst>
+            </a:prstGeom>
+            <a:noFill/>
+            <a:ln w="28575"/>
+          </p:spPr>
+          <p:style>
+            <a:lnRef idx="2">
+              <a:schemeClr val="accent1">
+                <a:shade val="15000"/>
+              </a:schemeClr>
+            </a:lnRef>
+            <a:fillRef idx="1">
+              <a:schemeClr val="accent1"/>
+            </a:fillRef>
+            <a:effectRef idx="0">
+              <a:schemeClr val="accent1"/>
+            </a:effectRef>
+            <a:fontRef idx="minor">
+              <a:schemeClr val="lt1"/>
+            </a:fontRef>
+          </p:style>
+          <p:txBody>
+            <a:bodyPr rtlCol="0" anchor="t"/>
+            <a:lstStyle/>
+            <a:p>
+              <a:pPr algn="r"/>
+              <a:r>
+                <a:rPr lang="en-US" sz="1200" dirty="0">
+                  <a:solidFill>
+                    <a:schemeClr val="tx1"/>
+                  </a:solidFill>
+                </a:rPr>
+                <a:t>Back End Web Server</a:t>
+              </a:r>
+            </a:p>
+          </p:txBody>
+        </p:sp>
+      </p:grpSp>
+      <p:grpSp>
+        <p:nvGrpSpPr>
+          <p:cNvPr id="14" name="Group 13">
+            <a:extLst>
+              <a:ext uri="{FF2B5EF4-FFF2-40B4-BE49-F238E27FC236}">
+                <a16:creationId xmlns:a16="http://schemas.microsoft.com/office/drawing/2014/main" id="{DA6AA5BE-FA09-A589-C60D-7AF9ECFC6551}"/>
+              </a:ext>
+            </a:extLst>
+          </p:cNvPr>
+          <p:cNvGrpSpPr/>
+          <p:nvPr/>
+        </p:nvGrpSpPr>
+        <p:grpSpPr>
+          <a:xfrm>
+            <a:off x="6162158" y="2563578"/>
+            <a:ext cx="2670392" cy="2291255"/>
+            <a:chOff x="1885794" y="1764792"/>
+            <a:chExt cx="2670392" cy="2291255"/>
+          </a:xfrm>
+        </p:grpSpPr>
+        <p:sp>
+          <p:nvSpPr>
+            <p:cNvPr id="15" name="Cloud 14">
+              <a:extLst>
+                <a:ext uri="{FF2B5EF4-FFF2-40B4-BE49-F238E27FC236}">
+                  <a16:creationId xmlns:a16="http://schemas.microsoft.com/office/drawing/2014/main" id="{B36EC94B-DC76-6627-5FB7-7144D9AED8C8}"/>
+                </a:ext>
+              </a:extLst>
+            </p:cNvPr>
+            <p:cNvSpPr/>
+            <p:nvPr/>
+          </p:nvSpPr>
+          <p:spPr>
+            <a:xfrm>
+              <a:off x="1885794" y="1764792"/>
+              <a:ext cx="2670392" cy="2291255"/>
+            </a:xfrm>
+            <a:prstGeom prst="cloud">
+              <a:avLst/>
+            </a:prstGeom>
+          </p:spPr>
+          <p:style>
+            <a:lnRef idx="1">
+              <a:schemeClr val="accent3"/>
+            </a:lnRef>
+            <a:fillRef idx="2">
+              <a:schemeClr val="accent3"/>
+            </a:fillRef>
+            <a:effectRef idx="1">
+              <a:schemeClr val="accent3"/>
+            </a:effectRef>
+            <a:fontRef idx="minor">
+              <a:schemeClr val="dk1"/>
+            </a:fontRef>
+          </p:style>
+          <p:txBody>
+            <a:bodyPr rtlCol="0" anchor="t"/>
+            <a:lstStyle/>
+            <a:p>
+              <a:pPr algn="ctr"/>
+              <a:r>
+                <a:rPr lang="en-US" dirty="0"/>
+                <a:t>ML Engine</a:t>
+              </a:r>
+            </a:p>
+          </p:txBody>
+        </p:sp>
+        <p:pic>
+          <p:nvPicPr>
+            <p:cNvPr id="16" name="Picture 15">
+              <a:extLst>
+                <a:ext uri="{FF2B5EF4-FFF2-40B4-BE49-F238E27FC236}">
+                  <a16:creationId xmlns:a16="http://schemas.microsoft.com/office/drawing/2014/main" id="{FAF28972-9C68-222E-DED6-C9F423ADB0A0}"/>
+                </a:ext>
+              </a:extLst>
+            </p:cNvPr>
+            <p:cNvPicPr>
+              <a:picLocks noChangeAspect="1"/>
+            </p:cNvPicPr>
+            <p:nvPr/>
+          </p:nvPicPr>
+          <p:blipFill>
+            <a:blip r:embed="rId4"/>
+            <a:stretch>
+              <a:fillRect/>
+            </a:stretch>
+          </p:blipFill>
+          <p:spPr>
+            <a:xfrm>
+              <a:off x="2764715" y="2849503"/>
+              <a:ext cx="713423" cy="713423"/>
+            </a:xfrm>
+            <a:prstGeom prst="rect">
+              <a:avLst/>
+            </a:prstGeom>
+          </p:spPr>
+        </p:pic>
+      </p:grpSp>
       <p:sp>
         <p:nvSpPr>
-          <p:cNvPr id="3" name="Content Placeholder 2">
+          <p:cNvPr id="17" name="Cylinder 16">
             <a:extLst>
               <a:ext uri="{FF2B5EF4-FFF2-40B4-BE49-F238E27FC236}">
-                <a16:creationId xmlns:a16="http://schemas.microsoft.com/office/drawing/2014/main" id="{2DF1307D-5362-D148-6A74-D168AF4A2176}"/>
+                <a16:creationId xmlns:a16="http://schemas.microsoft.com/office/drawing/2014/main" id="{7EC0A112-75C2-A792-47DF-5FE3F1FB29FD}"/>
+              </a:ext>
+            </a:extLst>
+          </p:cNvPr>
+          <p:cNvSpPr/>
+          <p:nvPr/>
+        </p:nvSpPr>
+        <p:spPr>
+          <a:xfrm>
+            <a:off x="10264165" y="2810840"/>
+            <a:ext cx="1204957" cy="1786071"/>
+          </a:xfrm>
+          <a:prstGeom prst="can">
+            <a:avLst/>
+          </a:prstGeom>
+        </p:spPr>
+        <p:style>
+          <a:lnRef idx="2">
+            <a:schemeClr val="accent1">
+              <a:shade val="15000"/>
+            </a:schemeClr>
+          </a:lnRef>
+          <a:fillRef idx="1">
+            <a:schemeClr val="accent1"/>
+          </a:fillRef>
+          <a:effectRef idx="0">
+            <a:schemeClr val="accent1"/>
+          </a:effectRef>
+          <a:fontRef idx="minor">
+            <a:schemeClr val="lt1"/>
+          </a:fontRef>
+        </p:style>
+        <p:txBody>
+          <a:bodyPr rtlCol="0" anchor="ctr"/>
+          <a:lstStyle/>
+          <a:p>
+            <a:pPr algn="ctr"/>
+            <a:r>
+              <a:rPr lang="en-US" dirty="0"/>
+              <a:t>Ames Iowa Home Sales</a:t>
+            </a:r>
+          </a:p>
+        </p:txBody>
+      </p:sp>
+      <p:cxnSp>
+        <p:nvCxnSpPr>
+          <p:cNvPr id="18" name="Straight Arrow Connector 17">
+            <a:extLst>
+              <a:ext uri="{FF2B5EF4-FFF2-40B4-BE49-F238E27FC236}">
+                <a16:creationId xmlns:a16="http://schemas.microsoft.com/office/drawing/2014/main" id="{6D2F2F1F-58B0-F964-18DF-6D902C695763}"/>
+              </a:ext>
+            </a:extLst>
+          </p:cNvPr>
+          <p:cNvCxnSpPr>
+            <a:cxnSpLocks/>
+            <a:stCxn id="17" idx="2"/>
+            <a:endCxn id="15" idx="0"/>
+          </p:cNvCxnSpPr>
+          <p:nvPr/>
+        </p:nvCxnSpPr>
+        <p:spPr>
+          <a:xfrm flipH="1">
+            <a:off x="8830325" y="3703876"/>
+            <a:ext cx="1433840" cy="5330"/>
+          </a:xfrm>
+          <a:prstGeom prst="straightConnector1">
+            <a:avLst/>
+          </a:prstGeom>
+          <a:ln w="38100">
+            <a:tailEnd type="triangle"/>
+          </a:ln>
+        </p:spPr>
+        <p:style>
+          <a:lnRef idx="2">
+            <a:schemeClr val="dk1"/>
+          </a:lnRef>
+          <a:fillRef idx="0">
+            <a:schemeClr val="dk1"/>
+          </a:fillRef>
+          <a:effectRef idx="1">
+            <a:schemeClr val="dk1"/>
+          </a:effectRef>
+          <a:fontRef idx="minor">
+            <a:schemeClr val="tx1"/>
+          </a:fontRef>
+        </p:style>
+      </p:cxnSp>
+      <p:sp>
+        <p:nvSpPr>
+          <p:cNvPr id="19" name="Rectangle 18">
+            <a:extLst>
+              <a:ext uri="{FF2B5EF4-FFF2-40B4-BE49-F238E27FC236}">
+                <a16:creationId xmlns:a16="http://schemas.microsoft.com/office/drawing/2014/main" id="{55BB45D3-80C3-CD95-D38A-4BCED6926F59}"/>
+              </a:ext>
+            </a:extLst>
+          </p:cNvPr>
+          <p:cNvSpPr/>
+          <p:nvPr/>
+        </p:nvSpPr>
+        <p:spPr>
+          <a:xfrm>
+            <a:off x="6113925" y="2926689"/>
+            <a:ext cx="429073" cy="1572426"/>
+          </a:xfrm>
+          <a:prstGeom prst="rect">
+            <a:avLst/>
+          </a:prstGeom>
+        </p:spPr>
+        <p:style>
+          <a:lnRef idx="2">
+            <a:schemeClr val="accent3">
+              <a:shade val="15000"/>
+            </a:schemeClr>
+          </a:lnRef>
+          <a:fillRef idx="1">
+            <a:schemeClr val="accent3"/>
+          </a:fillRef>
+          <a:effectRef idx="0">
+            <a:schemeClr val="accent3"/>
+          </a:effectRef>
+          <a:fontRef idx="minor">
+            <a:schemeClr val="lt1"/>
+          </a:fontRef>
+        </p:style>
+        <p:txBody>
+          <a:bodyPr vert="vert270" rtlCol="0" anchor="ctr"/>
+          <a:lstStyle/>
+          <a:p>
+            <a:pPr algn="ctr"/>
+            <a:r>
+              <a:rPr lang="en-US" dirty="0"/>
+              <a:t>Rest API</a:t>
+            </a:r>
+          </a:p>
+        </p:txBody>
+      </p:sp>
+      <p:cxnSp>
+        <p:nvCxnSpPr>
+          <p:cNvPr id="20" name="Straight Arrow Connector 19">
+            <a:extLst>
+              <a:ext uri="{FF2B5EF4-FFF2-40B4-BE49-F238E27FC236}">
+                <a16:creationId xmlns:a16="http://schemas.microsoft.com/office/drawing/2014/main" id="{AEA9E5F3-39D3-651D-8226-604FE1E34F71}"/>
+              </a:ext>
+            </a:extLst>
+          </p:cNvPr>
+          <p:cNvCxnSpPr>
+            <a:cxnSpLocks/>
+            <a:endCxn id="19" idx="1"/>
+          </p:cNvCxnSpPr>
+          <p:nvPr/>
+        </p:nvCxnSpPr>
+        <p:spPr>
+          <a:xfrm>
+            <a:off x="3819282" y="3712902"/>
+            <a:ext cx="2294643" cy="0"/>
+          </a:xfrm>
+          <a:prstGeom prst="straightConnector1">
+            <a:avLst/>
+          </a:prstGeom>
+          <a:ln w="38100">
+            <a:tailEnd type="triangle"/>
+          </a:ln>
+        </p:spPr>
+        <p:style>
+          <a:lnRef idx="2">
+            <a:schemeClr val="dk1"/>
+          </a:lnRef>
+          <a:fillRef idx="0">
+            <a:schemeClr val="dk1"/>
+          </a:fillRef>
+          <a:effectRef idx="1">
+            <a:schemeClr val="dk1"/>
+          </a:effectRef>
+          <a:fontRef idx="minor">
+            <a:schemeClr val="tx1"/>
+          </a:fontRef>
+        </p:style>
+      </p:cxnSp>
+      <p:cxnSp>
+        <p:nvCxnSpPr>
+          <p:cNvPr id="21" name="Straight Arrow Connector 20">
+            <a:extLst>
+              <a:ext uri="{FF2B5EF4-FFF2-40B4-BE49-F238E27FC236}">
+                <a16:creationId xmlns:a16="http://schemas.microsoft.com/office/drawing/2014/main" id="{0D61B9AC-C7D6-79A4-B8B7-E6FFCE5B0352}"/>
+              </a:ext>
+            </a:extLst>
+          </p:cNvPr>
+          <p:cNvCxnSpPr>
+            <a:cxnSpLocks/>
+          </p:cNvCxnSpPr>
+          <p:nvPr/>
+        </p:nvCxnSpPr>
+        <p:spPr>
+          <a:xfrm flipH="1">
+            <a:off x="3819282" y="4227786"/>
+            <a:ext cx="2294643" cy="0"/>
+          </a:xfrm>
+          <a:prstGeom prst="straightConnector1">
+            <a:avLst/>
+          </a:prstGeom>
+          <a:ln w="38100">
+            <a:tailEnd type="triangle"/>
+          </a:ln>
+        </p:spPr>
+        <p:style>
+          <a:lnRef idx="2">
+            <a:schemeClr val="dk1"/>
+          </a:lnRef>
+          <a:fillRef idx="0">
+            <a:schemeClr val="dk1"/>
+          </a:fillRef>
+          <a:effectRef idx="1">
+            <a:schemeClr val="dk1"/>
+          </a:effectRef>
+          <a:fontRef idx="minor">
+            <a:schemeClr val="tx1"/>
+          </a:fontRef>
+        </p:style>
+      </p:cxnSp>
+      <p:sp>
+        <p:nvSpPr>
+          <p:cNvPr id="22" name="TextBox 21">
+            <a:extLst>
+              <a:ext uri="{FF2B5EF4-FFF2-40B4-BE49-F238E27FC236}">
+                <a16:creationId xmlns:a16="http://schemas.microsoft.com/office/drawing/2014/main" id="{5A1D4CB0-FCEA-62D8-D41C-6F45A33FCAE4}"/>
+              </a:ext>
+            </a:extLst>
+          </p:cNvPr>
+          <p:cNvSpPr txBox="1"/>
+          <p:nvPr/>
+        </p:nvSpPr>
+        <p:spPr>
+          <a:xfrm rot="16200000">
+            <a:off x="1249724" y="2943342"/>
+            <a:ext cx="946734" cy="276999"/>
+          </a:xfrm>
+          <a:prstGeom prst="rect">
+            <a:avLst/>
+          </a:prstGeom>
+          <a:noFill/>
+        </p:spPr>
+        <p:txBody>
+          <a:bodyPr wrap="none" rtlCol="0">
+            <a:spAutoFit/>
+          </a:bodyPr>
+          <a:lstStyle/>
+          <a:p>
+            <a:r>
+              <a:rPr lang="en-US" sz="1200" dirty="0"/>
+              <a:t>Port 80/443</a:t>
+            </a:r>
+          </a:p>
+        </p:txBody>
+      </p:sp>
+      <p:sp>
+        <p:nvSpPr>
+          <p:cNvPr id="23" name="TextBox 22">
+            <a:extLst>
+              <a:ext uri="{FF2B5EF4-FFF2-40B4-BE49-F238E27FC236}">
+                <a16:creationId xmlns:a16="http://schemas.microsoft.com/office/drawing/2014/main" id="{68396363-5840-EBC7-6114-861B3243ABCC}"/>
+              </a:ext>
+            </a:extLst>
+          </p:cNvPr>
+          <p:cNvSpPr txBox="1"/>
+          <p:nvPr/>
+        </p:nvSpPr>
+        <p:spPr>
+          <a:xfrm rot="16200000">
+            <a:off x="5547907" y="3036422"/>
+            <a:ext cx="812082" cy="276999"/>
+          </a:xfrm>
+          <a:prstGeom prst="rect">
+            <a:avLst/>
+          </a:prstGeom>
+          <a:noFill/>
+        </p:spPr>
+        <p:txBody>
+          <a:bodyPr wrap="none" rtlCol="0">
+            <a:spAutoFit/>
+          </a:bodyPr>
+          <a:lstStyle/>
+          <a:p>
+            <a:r>
+              <a:rPr lang="en-US" sz="1200" dirty="0"/>
+              <a:t>Port 5000</a:t>
+            </a:r>
+          </a:p>
+        </p:txBody>
+      </p:sp>
+      <p:cxnSp>
+        <p:nvCxnSpPr>
+          <p:cNvPr id="24" name="Straight Arrow Connector 23">
+            <a:extLst>
+              <a:ext uri="{FF2B5EF4-FFF2-40B4-BE49-F238E27FC236}">
+                <a16:creationId xmlns:a16="http://schemas.microsoft.com/office/drawing/2014/main" id="{D300FCDD-2832-EDC0-9CB0-2EDB46611D10}"/>
+              </a:ext>
+            </a:extLst>
+          </p:cNvPr>
+          <p:cNvCxnSpPr>
+            <a:cxnSpLocks/>
+          </p:cNvCxnSpPr>
+          <p:nvPr/>
+        </p:nvCxnSpPr>
+        <p:spPr>
+          <a:xfrm>
+            <a:off x="1212815" y="3529167"/>
+            <a:ext cx="715020" cy="0"/>
+          </a:xfrm>
+          <a:prstGeom prst="straightConnector1">
+            <a:avLst/>
+          </a:prstGeom>
+          <a:ln w="38100">
+            <a:tailEnd type="triangle"/>
+          </a:ln>
+        </p:spPr>
+        <p:style>
+          <a:lnRef idx="2">
+            <a:schemeClr val="dk1"/>
+          </a:lnRef>
+          <a:fillRef idx="0">
+            <a:schemeClr val="dk1"/>
+          </a:fillRef>
+          <a:effectRef idx="1">
+            <a:schemeClr val="dk1"/>
+          </a:effectRef>
+          <a:fontRef idx="minor">
+            <a:schemeClr val="tx1"/>
+          </a:fontRef>
+        </p:style>
+      </p:cxnSp>
+      <p:cxnSp>
+        <p:nvCxnSpPr>
+          <p:cNvPr id="25" name="Straight Arrow Connector 24">
+            <a:extLst>
+              <a:ext uri="{FF2B5EF4-FFF2-40B4-BE49-F238E27FC236}">
+                <a16:creationId xmlns:a16="http://schemas.microsoft.com/office/drawing/2014/main" id="{768524C9-552A-A1D8-2F19-4630F34CD9B3}"/>
+              </a:ext>
+            </a:extLst>
+          </p:cNvPr>
+          <p:cNvCxnSpPr>
+            <a:cxnSpLocks/>
+          </p:cNvCxnSpPr>
+          <p:nvPr/>
+        </p:nvCxnSpPr>
+        <p:spPr>
+          <a:xfrm flipH="1">
+            <a:off x="1212815" y="3732522"/>
+            <a:ext cx="715020" cy="0"/>
+          </a:xfrm>
+          <a:prstGeom prst="straightConnector1">
+            <a:avLst/>
+          </a:prstGeom>
+          <a:ln w="38100">
+            <a:tailEnd type="triangle"/>
+          </a:ln>
+        </p:spPr>
+        <p:style>
+          <a:lnRef idx="2">
+            <a:schemeClr val="dk1"/>
+          </a:lnRef>
+          <a:fillRef idx="0">
+            <a:schemeClr val="dk1"/>
+          </a:fillRef>
+          <a:effectRef idx="1">
+            <a:schemeClr val="dk1"/>
+          </a:effectRef>
+          <a:fontRef idx="minor">
+            <a:schemeClr val="tx1"/>
+          </a:fontRef>
+        </p:style>
+      </p:cxnSp>
+    </p:spTree>
+    <p:extLst>
+      <p:ext uri="{BB962C8B-B14F-4D97-AF65-F5344CB8AC3E}">
+        <p14:creationId xmlns:p14="http://schemas.microsoft.com/office/powerpoint/2010/main" val="3574266469"/>
+      </p:ext>
+    </p:extLst>
+  </p:cSld>
+  <p:clrMapOvr>
+    <a:masterClrMapping/>
+  </p:clrMapOvr>
+</p:sld>
+</file>
+
+<file path=ppt/slides/slide9.xml><?xml version="1.0" encoding="utf-8"?>
+<p:sld xmlns:a="http://schemas.openxmlformats.org/drawingml/2006/main" xmlns:r="http://schemas.openxmlformats.org/officeDocument/2006/relationships" xmlns:p="http://schemas.openxmlformats.org/presentationml/2006/main">
+  <p:cSld>
+    <p:spTree>
+      <p:nvGrpSpPr>
+        <p:cNvPr id="1" name=""/>
+        <p:cNvGrpSpPr/>
+        <p:nvPr/>
+      </p:nvGrpSpPr>
+      <p:grpSpPr>
+        <a:xfrm>
+          <a:off x="0" y="0"/>
+          <a:ext cx="0" cy="0"/>
+          <a:chOff x="0" y="0"/>
+          <a:chExt cx="0" cy="0"/>
+        </a:xfrm>
+      </p:grpSpPr>
+      <p:sp>
+        <p:nvSpPr>
+          <p:cNvPr id="2" name="Title 1">
+            <a:extLst>
+              <a:ext uri="{FF2B5EF4-FFF2-40B4-BE49-F238E27FC236}">
+                <a16:creationId xmlns:a16="http://schemas.microsoft.com/office/drawing/2014/main" id="{9EEA2AE9-10DE-3EE7-1AE4-14A5412EF873}"/>
               </a:ext>
             </a:extLst>
           </p:cNvPr>
@@ -4729,7 +12026,7 @@
             <a:spLocks noGrp="1"/>
           </p:cNvSpPr>
           <p:nvPr>
-            <p:ph idx="1"/>
+            <p:ph type="title"/>
           </p:nvPr>
         </p:nvSpPr>
         <p:spPr/>
@@ -4737,14 +12034,228 @@
           <a:bodyPr/>
           <a:lstStyle/>
           <a:p>
+            <a:r>
+              <a:rPr lang="en-US" dirty="0"/>
+              <a:t>Presentation</a:t>
+            </a:r>
+          </a:p>
+        </p:txBody>
+      </p:sp>
+      <p:pic>
+        <p:nvPicPr>
+          <p:cNvPr id="4" name="Picture 2">
+            <a:extLst>
+              <a:ext uri="{FF2B5EF4-FFF2-40B4-BE49-F238E27FC236}">
+                <a16:creationId xmlns:a16="http://schemas.microsoft.com/office/drawing/2014/main" id="{66907907-3872-A901-9745-FB64F519EA23}"/>
+              </a:ext>
+            </a:extLst>
+          </p:cNvPr>
+          <p:cNvPicPr>
+            <a:picLocks noChangeAspect="1" noChangeArrowheads="1"/>
+          </p:cNvPicPr>
+          <p:nvPr/>
+        </p:nvPicPr>
+        <p:blipFill>
+          <a:blip r:embed="rId2">
+            <a:extLst>
+              <a:ext uri="{28A0092B-C50C-407E-A947-70E740481C1C}">
+                <a14:useLocalDpi xmlns:a14="http://schemas.microsoft.com/office/drawing/2010/main" val="0"/>
+              </a:ext>
+            </a:extLst>
+          </a:blip>
+          <a:srcRect/>
+          <a:stretch>
+            <a:fillRect/>
+          </a:stretch>
+        </p:blipFill>
+        <p:spPr bwMode="auto">
+          <a:xfrm>
+            <a:off x="4079721" y="1383650"/>
+            <a:ext cx="5452206" cy="5109226"/>
+          </a:xfrm>
+          <a:prstGeom prst="rect">
+            <a:avLst/>
+          </a:prstGeom>
+          <a:noFill/>
+          <a:extLst>
+            <a:ext uri="{909E8E84-426E-40DD-AFC4-6F175D3DCCD1}">
+              <a14:hiddenFill xmlns:a14="http://schemas.microsoft.com/office/drawing/2010/main">
+                <a:solidFill>
+                  <a:srgbClr val="FFFFFF"/>
+                </a:solidFill>
+              </a14:hiddenFill>
+            </a:ext>
+          </a:extLst>
+        </p:spPr>
+      </p:pic>
+      <p:sp>
+        <p:nvSpPr>
+          <p:cNvPr id="5" name="Left Brace 4">
+            <a:extLst>
+              <a:ext uri="{FF2B5EF4-FFF2-40B4-BE49-F238E27FC236}">
+                <a16:creationId xmlns:a16="http://schemas.microsoft.com/office/drawing/2014/main" id="{2723AF89-185D-3537-43C2-4CEC92A6FD1B}"/>
+              </a:ext>
+            </a:extLst>
+          </p:cNvPr>
+          <p:cNvSpPr/>
+          <p:nvPr/>
+        </p:nvSpPr>
+        <p:spPr>
+          <a:xfrm>
+            <a:off x="3811597" y="2752437"/>
+            <a:ext cx="228600" cy="2097496"/>
+          </a:xfrm>
+          <a:prstGeom prst="leftBrace">
+            <a:avLst>
+              <a:gd name="adj1" fmla="val 59934"/>
+              <a:gd name="adj2" fmla="val 50000"/>
+            </a:avLst>
+          </a:prstGeom>
+        </p:spPr>
+        <p:style>
+          <a:lnRef idx="2">
+            <a:schemeClr val="accent1"/>
+          </a:lnRef>
+          <a:fillRef idx="0">
+            <a:schemeClr val="accent1"/>
+          </a:fillRef>
+          <a:effectRef idx="1">
+            <a:schemeClr val="accent1"/>
+          </a:effectRef>
+          <a:fontRef idx="minor">
+            <a:schemeClr val="tx1"/>
+          </a:fontRef>
+        </p:style>
+        <p:txBody>
+          <a:bodyPr rtlCol="0" anchor="ctr"/>
+          <a:lstStyle/>
+          <a:p>
+            <a:pPr algn="ctr"/>
             <a:endParaRPr lang="en-US"/>
+          </a:p>
+        </p:txBody>
+      </p:sp>
+      <p:sp>
+        <p:nvSpPr>
+          <p:cNvPr id="6" name="TextBox 5">
+            <a:extLst>
+              <a:ext uri="{FF2B5EF4-FFF2-40B4-BE49-F238E27FC236}">
+                <a16:creationId xmlns:a16="http://schemas.microsoft.com/office/drawing/2014/main" id="{0E2F80F2-E5AC-C32A-D303-E563338A31B7}"/>
+              </a:ext>
+            </a:extLst>
+          </p:cNvPr>
+          <p:cNvSpPr txBox="1"/>
+          <p:nvPr/>
+        </p:nvSpPr>
+        <p:spPr>
+          <a:xfrm>
+            <a:off x="304800" y="3162720"/>
+            <a:ext cx="3467273" cy="954107"/>
+          </a:xfrm>
+          <a:prstGeom prst="rect">
+            <a:avLst/>
+          </a:prstGeom>
+          <a:noFill/>
+        </p:spPr>
+        <p:txBody>
+          <a:bodyPr wrap="square" rtlCol="0">
+            <a:spAutoFit/>
+          </a:bodyPr>
+          <a:lstStyle/>
+          <a:p>
+            <a:r>
+              <a:rPr lang="en-US" sz="1400" dirty="0"/>
+              <a:t>Form for user to input parameters to predict price of home.  The result of each request is saved as a table below, allowing “what-if” comparisons. </a:t>
+            </a:r>
+          </a:p>
+        </p:txBody>
+      </p:sp>
+      <p:sp>
+        <p:nvSpPr>
+          <p:cNvPr id="7" name="Left Brace 6">
+            <a:extLst>
+              <a:ext uri="{FF2B5EF4-FFF2-40B4-BE49-F238E27FC236}">
+                <a16:creationId xmlns:a16="http://schemas.microsoft.com/office/drawing/2014/main" id="{8B2C6316-E78F-BFC9-C2B4-47B517A42E64}"/>
+              </a:ext>
+            </a:extLst>
+          </p:cNvPr>
+          <p:cNvSpPr/>
+          <p:nvPr/>
+        </p:nvSpPr>
+        <p:spPr>
+          <a:xfrm>
+            <a:off x="3811597" y="4932218"/>
+            <a:ext cx="228600" cy="1560655"/>
+          </a:xfrm>
+          <a:prstGeom prst="leftBrace">
+            <a:avLst>
+              <a:gd name="adj1" fmla="val 68333"/>
+              <a:gd name="adj2" fmla="val 50000"/>
+            </a:avLst>
+          </a:prstGeom>
+        </p:spPr>
+        <p:style>
+          <a:lnRef idx="2">
+            <a:schemeClr val="accent1"/>
+          </a:lnRef>
+          <a:fillRef idx="0">
+            <a:schemeClr val="accent1"/>
+          </a:fillRef>
+          <a:effectRef idx="1">
+            <a:schemeClr val="accent1"/>
+          </a:effectRef>
+          <a:fontRef idx="minor">
+            <a:schemeClr val="tx1"/>
+          </a:fontRef>
+        </p:style>
+        <p:txBody>
+          <a:bodyPr rtlCol="0" anchor="ctr"/>
+          <a:lstStyle/>
+          <a:p>
+            <a:pPr algn="ctr"/>
+            <a:endParaRPr lang="en-US"/>
+          </a:p>
+        </p:txBody>
+      </p:sp>
+      <p:sp>
+        <p:nvSpPr>
+          <p:cNvPr id="8" name="TextBox 7">
+            <a:extLst>
+              <a:ext uri="{FF2B5EF4-FFF2-40B4-BE49-F238E27FC236}">
+                <a16:creationId xmlns:a16="http://schemas.microsoft.com/office/drawing/2014/main" id="{D904C179-98B4-85F7-D08A-2D76F99D43AF}"/>
+              </a:ext>
+            </a:extLst>
+          </p:cNvPr>
+          <p:cNvSpPr txBox="1"/>
+          <p:nvPr/>
+        </p:nvSpPr>
+        <p:spPr>
+          <a:xfrm>
+            <a:off x="256623" y="5086760"/>
+            <a:ext cx="3467273" cy="1169551"/>
+          </a:xfrm>
+          <a:prstGeom prst="rect">
+            <a:avLst/>
+          </a:prstGeom>
+          <a:noFill/>
+        </p:spPr>
+        <p:txBody>
+          <a:bodyPr wrap="square" rtlCol="0">
+            <a:spAutoFit/>
+          </a:bodyPr>
+          <a:lstStyle/>
+          <a:p>
+            <a:r>
+              <a:rPr lang="en-US" sz="1400" dirty="0"/>
+              <a:t>Each result of the input calculation is saved in a table.  All columns of the table are sortable.  This allows the user to perform what-if comparisons and to compare multiple properties.</a:t>
+            </a:r>
           </a:p>
         </p:txBody>
       </p:sp>
     </p:spTree>
     <p:extLst>
       <p:ext uri="{BB962C8B-B14F-4D97-AF65-F5344CB8AC3E}">
-        <p14:creationId xmlns:p14="http://schemas.microsoft.com/office/powerpoint/2010/main" val="3574266469"/>
+        <p14:creationId xmlns:p14="http://schemas.microsoft.com/office/powerpoint/2010/main" val="1363362429"/>
       </p:ext>
     </p:extLst>
   </p:cSld>

--- a/Petabyte Pirates.pptx
+++ b/Petabyte Pirates.pptx
@@ -5851,7 +5851,7 @@
           <a:p>
             <a:fld id="{D900DB5A-B4C6-47BD-B3A5-6F5ED2310554}" type="datetimeFigureOut">
               <a:rPr lang="en-US" smtClean="0"/>
-              <a:t>7/11/2025</a:t>
+              <a:t>7/13/2025</a:t>
             </a:fld>
             <a:endParaRPr lang="en-US"/>
           </a:p>
@@ -6049,7 +6049,7 @@
           <a:p>
             <a:fld id="{D900DB5A-B4C6-47BD-B3A5-6F5ED2310554}" type="datetimeFigureOut">
               <a:rPr lang="en-US" smtClean="0"/>
-              <a:t>7/11/2025</a:t>
+              <a:t>7/13/2025</a:t>
             </a:fld>
             <a:endParaRPr lang="en-US"/>
           </a:p>
@@ -6257,7 +6257,7 @@
           <a:p>
             <a:fld id="{D900DB5A-B4C6-47BD-B3A5-6F5ED2310554}" type="datetimeFigureOut">
               <a:rPr lang="en-US" smtClean="0"/>
-              <a:t>7/11/2025</a:t>
+              <a:t>7/13/2025</a:t>
             </a:fld>
             <a:endParaRPr lang="en-US"/>
           </a:p>
@@ -6455,7 +6455,7 @@
           <a:p>
             <a:fld id="{D900DB5A-B4C6-47BD-B3A5-6F5ED2310554}" type="datetimeFigureOut">
               <a:rPr lang="en-US" smtClean="0"/>
-              <a:t>7/11/2025</a:t>
+              <a:t>7/13/2025</a:t>
             </a:fld>
             <a:endParaRPr lang="en-US"/>
           </a:p>
@@ -6730,7 +6730,7 @@
           <a:p>
             <a:fld id="{D900DB5A-B4C6-47BD-B3A5-6F5ED2310554}" type="datetimeFigureOut">
               <a:rPr lang="en-US" smtClean="0"/>
-              <a:t>7/11/2025</a:t>
+              <a:t>7/13/2025</a:t>
             </a:fld>
             <a:endParaRPr lang="en-US"/>
           </a:p>
@@ -6995,7 +6995,7 @@
           <a:p>
             <a:fld id="{D900DB5A-B4C6-47BD-B3A5-6F5ED2310554}" type="datetimeFigureOut">
               <a:rPr lang="en-US" smtClean="0"/>
-              <a:t>7/11/2025</a:t>
+              <a:t>7/13/2025</a:t>
             </a:fld>
             <a:endParaRPr lang="en-US"/>
           </a:p>
@@ -7407,7 +7407,7 @@
           <a:p>
             <a:fld id="{D900DB5A-B4C6-47BD-B3A5-6F5ED2310554}" type="datetimeFigureOut">
               <a:rPr lang="en-US" smtClean="0"/>
-              <a:t>7/11/2025</a:t>
+              <a:t>7/13/2025</a:t>
             </a:fld>
             <a:endParaRPr lang="en-US"/>
           </a:p>
@@ -7548,7 +7548,7 @@
           <a:p>
             <a:fld id="{D900DB5A-B4C6-47BD-B3A5-6F5ED2310554}" type="datetimeFigureOut">
               <a:rPr lang="en-US" smtClean="0"/>
-              <a:t>7/11/2025</a:t>
+              <a:t>7/13/2025</a:t>
             </a:fld>
             <a:endParaRPr lang="en-US"/>
           </a:p>
@@ -7661,7 +7661,7 @@
           <a:p>
             <a:fld id="{D900DB5A-B4C6-47BD-B3A5-6F5ED2310554}" type="datetimeFigureOut">
               <a:rPr lang="en-US" smtClean="0"/>
-              <a:t>7/11/2025</a:t>
+              <a:t>7/13/2025</a:t>
             </a:fld>
             <a:endParaRPr lang="en-US"/>
           </a:p>
@@ -7972,7 +7972,7 @@
           <a:p>
             <a:fld id="{D900DB5A-B4C6-47BD-B3A5-6F5ED2310554}" type="datetimeFigureOut">
               <a:rPr lang="en-US" smtClean="0"/>
-              <a:t>7/11/2025</a:t>
+              <a:t>7/13/2025</a:t>
             </a:fld>
             <a:endParaRPr lang="en-US"/>
           </a:p>
@@ -8260,7 +8260,7 @@
           <a:p>
             <a:fld id="{D900DB5A-B4C6-47BD-B3A5-6F5ED2310554}" type="datetimeFigureOut">
               <a:rPr lang="en-US" smtClean="0"/>
-              <a:t>7/11/2025</a:t>
+              <a:t>7/13/2025</a:t>
             </a:fld>
             <a:endParaRPr lang="en-US"/>
           </a:p>
@@ -8501,7 +8501,7 @@
           <a:p>
             <a:fld id="{D900DB5A-B4C6-47BD-B3A5-6F5ED2310554}" type="datetimeFigureOut">
               <a:rPr lang="en-US" smtClean="0"/>
-              <a:t>7/11/2025</a:t>
+              <a:t>7/13/2025</a:t>
             </a:fld>
             <a:endParaRPr lang="en-US"/>
           </a:p>
@@ -10840,6 +10840,14 @@
 <file path=ppt/slides/slide5.xml><?xml version="1.0" encoding="utf-8"?>
 <p:sld xmlns:a="http://schemas.openxmlformats.org/drawingml/2006/main" xmlns:r="http://schemas.openxmlformats.org/officeDocument/2006/relationships" xmlns:p="http://schemas.openxmlformats.org/presentationml/2006/main">
   <p:cSld>
+    <p:bg>
+      <p:bgPr>
+        <a:solidFill>
+          <a:schemeClr val="bg1"/>
+        </a:solidFill>
+        <a:effectLst/>
+      </p:bgPr>
+    </p:bg>
     <p:spTree>
       <p:nvGrpSpPr>
         <p:cNvPr id="1" name=""/>
@@ -10854,6 +10862,227 @@
           <a:chExt cx="0" cy="0"/>
         </a:xfrm>
       </p:grpSpPr>
+      <p:sp useBgFill="1">
+        <p:nvSpPr>
+          <p:cNvPr id="9" name="Slide Background">
+            <a:extLst>
+              <a:ext uri="{FF2B5EF4-FFF2-40B4-BE49-F238E27FC236}">
+                <a16:creationId xmlns:a16="http://schemas.microsoft.com/office/drawing/2014/main" id="{C0763A76-9F1C-4FC5-82B7-DD475DA461B2}"/>
+              </a:ext>
+              <a:ext uri="{C183D7F6-B498-43B3-948B-1728B52AA6E4}">
+                <adec:decorative xmlns:adec="http://schemas.microsoft.com/office/drawing/2017/decorative" val="1"/>
+              </a:ext>
+            </a:extLst>
+          </p:cNvPr>
+          <p:cNvSpPr>
+            <a:spLocks noGrp="1" noRot="1" noChangeAspect="1" noMove="1" noResize="1" noEditPoints="1" noAdjustHandles="1" noChangeArrowheads="1" noChangeShapeType="1" noTextEdit="1"/>
+          </p:cNvSpPr>
+          <p:nvPr>
+            <p:extLst>
+              <p:ext uri="{386F3935-93C4-4BCD-93E2-E3B085C9AB24}">
+                <p16:designElem xmlns:p16="http://schemas.microsoft.com/office/powerpoint/2015/main" val="1"/>
+              </p:ext>
+            </p:extLst>
+          </p:nvPr>
+        </p:nvSpPr>
+        <p:spPr bwMode="white">
+          <a:xfrm>
+            <a:off x="-1" y="0"/>
+            <a:ext cx="12191999" cy="6858000"/>
+          </a:xfrm>
+          <a:prstGeom prst="rect">
+            <a:avLst/>
+          </a:prstGeom>
+          <a:ln>
+            <a:noFill/>
+          </a:ln>
+        </p:spPr>
+        <p:style>
+          <a:lnRef idx="2">
+            <a:schemeClr val="accent1">
+              <a:shade val="50000"/>
+            </a:schemeClr>
+          </a:lnRef>
+          <a:fillRef idx="1">
+            <a:schemeClr val="accent1"/>
+          </a:fillRef>
+          <a:effectRef idx="0">
+            <a:schemeClr val="accent1"/>
+          </a:effectRef>
+          <a:fontRef idx="minor">
+            <a:schemeClr val="lt1"/>
+          </a:fontRef>
+        </p:style>
+        <p:txBody>
+          <a:bodyPr rtlCol="0" anchor="ctr"/>
+          <a:lstStyle>
+            <a:defPPr>
+              <a:defRPr lang="en-US"/>
+            </a:defPPr>
+            <a:lvl1pPr marL="0" algn="l" defTabSz="914400" rtl="0" eaLnBrk="1" latinLnBrk="0" hangingPunct="1">
+              <a:defRPr sz="1800" kern="1200">
+                <a:solidFill>
+                  <a:schemeClr val="lt1"/>
+                </a:solidFill>
+                <a:latin typeface="+mn-lt"/>
+                <a:ea typeface="+mn-ea"/>
+                <a:cs typeface="+mn-cs"/>
+              </a:defRPr>
+            </a:lvl1pPr>
+            <a:lvl2pPr marL="457200" algn="l" defTabSz="914400" rtl="0" eaLnBrk="1" latinLnBrk="0" hangingPunct="1">
+              <a:defRPr sz="1800" kern="1200">
+                <a:solidFill>
+                  <a:schemeClr val="lt1"/>
+                </a:solidFill>
+                <a:latin typeface="+mn-lt"/>
+                <a:ea typeface="+mn-ea"/>
+                <a:cs typeface="+mn-cs"/>
+              </a:defRPr>
+            </a:lvl2pPr>
+            <a:lvl3pPr marL="914400" algn="l" defTabSz="914400" rtl="0" eaLnBrk="1" latinLnBrk="0" hangingPunct="1">
+              <a:defRPr sz="1800" kern="1200">
+                <a:solidFill>
+                  <a:schemeClr val="lt1"/>
+                </a:solidFill>
+                <a:latin typeface="+mn-lt"/>
+                <a:ea typeface="+mn-ea"/>
+                <a:cs typeface="+mn-cs"/>
+              </a:defRPr>
+            </a:lvl3pPr>
+            <a:lvl4pPr marL="1371600" algn="l" defTabSz="914400" rtl="0" eaLnBrk="1" latinLnBrk="0" hangingPunct="1">
+              <a:defRPr sz="1800" kern="1200">
+                <a:solidFill>
+                  <a:schemeClr val="lt1"/>
+                </a:solidFill>
+                <a:latin typeface="+mn-lt"/>
+                <a:ea typeface="+mn-ea"/>
+                <a:cs typeface="+mn-cs"/>
+              </a:defRPr>
+            </a:lvl4pPr>
+            <a:lvl5pPr marL="1828800" algn="l" defTabSz="914400" rtl="0" eaLnBrk="1" latinLnBrk="0" hangingPunct="1">
+              <a:defRPr sz="1800" kern="1200">
+                <a:solidFill>
+                  <a:schemeClr val="lt1"/>
+                </a:solidFill>
+                <a:latin typeface="+mn-lt"/>
+                <a:ea typeface="+mn-ea"/>
+                <a:cs typeface="+mn-cs"/>
+              </a:defRPr>
+            </a:lvl5pPr>
+            <a:lvl6pPr marL="2286000" algn="l" defTabSz="914400" rtl="0" eaLnBrk="1" latinLnBrk="0" hangingPunct="1">
+              <a:defRPr sz="1800" kern="1200">
+                <a:solidFill>
+                  <a:schemeClr val="lt1"/>
+                </a:solidFill>
+                <a:latin typeface="+mn-lt"/>
+                <a:ea typeface="+mn-ea"/>
+                <a:cs typeface="+mn-cs"/>
+              </a:defRPr>
+            </a:lvl6pPr>
+            <a:lvl7pPr marL="2743200" algn="l" defTabSz="914400" rtl="0" eaLnBrk="1" latinLnBrk="0" hangingPunct="1">
+              <a:defRPr sz="1800" kern="1200">
+                <a:solidFill>
+                  <a:schemeClr val="lt1"/>
+                </a:solidFill>
+                <a:latin typeface="+mn-lt"/>
+                <a:ea typeface="+mn-ea"/>
+                <a:cs typeface="+mn-cs"/>
+              </a:defRPr>
+            </a:lvl7pPr>
+            <a:lvl8pPr marL="3200400" algn="l" defTabSz="914400" rtl="0" eaLnBrk="1" latinLnBrk="0" hangingPunct="1">
+              <a:defRPr sz="1800" kern="1200">
+                <a:solidFill>
+                  <a:schemeClr val="lt1"/>
+                </a:solidFill>
+                <a:latin typeface="+mn-lt"/>
+                <a:ea typeface="+mn-ea"/>
+                <a:cs typeface="+mn-cs"/>
+              </a:defRPr>
+            </a:lvl8pPr>
+            <a:lvl9pPr marL="3657600" algn="l" defTabSz="914400" rtl="0" eaLnBrk="1" latinLnBrk="0" hangingPunct="1">
+              <a:defRPr sz="1800" kern="1200">
+                <a:solidFill>
+                  <a:schemeClr val="lt1"/>
+                </a:solidFill>
+                <a:latin typeface="+mn-lt"/>
+                <a:ea typeface="+mn-ea"/>
+                <a:cs typeface="+mn-cs"/>
+              </a:defRPr>
+            </a:lvl9pPr>
+          </a:lstStyle>
+          <a:p>
+            <a:pPr algn="ctr"/>
+            <a:endParaRPr lang="en-US"/>
+          </a:p>
+        </p:txBody>
+      </p:sp>
+      <p:sp useBgFill="1">
+        <p:nvSpPr>
+          <p:cNvPr id="11" name="Rectangle 10">
+            <a:extLst>
+              <a:ext uri="{FF2B5EF4-FFF2-40B4-BE49-F238E27FC236}">
+                <a16:creationId xmlns:a16="http://schemas.microsoft.com/office/drawing/2014/main" id="{E81BF4F6-F2CF-4984-9D14-D6966D92F99F}"/>
+              </a:ext>
+              <a:ext uri="{C183D7F6-B498-43B3-948B-1728B52AA6E4}">
+                <adec:decorative xmlns:adec="http://schemas.microsoft.com/office/drawing/2017/decorative" val="1"/>
+              </a:ext>
+            </a:extLst>
+          </p:cNvPr>
+          <p:cNvSpPr>
+            <a:spLocks noGrp="1" noRot="1" noChangeAspect="1" noMove="1" noResize="1" noEditPoints="1" noAdjustHandles="1" noChangeArrowheads="1" noChangeShapeType="1" noTextEdit="1"/>
+          </p:cNvSpPr>
+          <p:nvPr>
+            <p:extLst>
+              <p:ext uri="{386F3935-93C4-4BCD-93E2-E3B085C9AB24}">
+                <p16:designElem xmlns:p16="http://schemas.microsoft.com/office/powerpoint/2015/main" val="1"/>
+              </p:ext>
+            </p:extLst>
+          </p:nvPr>
+        </p:nvSpPr>
+        <p:spPr>
+          <a:xfrm>
+            <a:off x="1" y="0"/>
+            <a:ext cx="8522446" cy="2285999"/>
+          </a:xfrm>
+          <a:prstGeom prst="rect">
+            <a:avLst/>
+          </a:prstGeom>
+          <a:ln>
+            <a:noFill/>
+          </a:ln>
+          <a:effectLst>
+            <a:outerShdw blurRad="596900" dist="304800" dir="7140000" sx="90000" sy="90000" algn="t" rotWithShape="0">
+              <a:srgbClr val="000000">
+                <a:alpha val="15000"/>
+              </a:srgbClr>
+            </a:outerShdw>
+          </a:effectLst>
+        </p:spPr>
+        <p:style>
+          <a:lnRef idx="2">
+            <a:schemeClr val="accent1">
+              <a:shade val="50000"/>
+            </a:schemeClr>
+          </a:lnRef>
+          <a:fillRef idx="1">
+            <a:schemeClr val="accent1"/>
+          </a:fillRef>
+          <a:effectRef idx="0">
+            <a:schemeClr val="accent1"/>
+          </a:effectRef>
+          <a:fontRef idx="minor">
+            <a:schemeClr val="lt1"/>
+          </a:fontRef>
+        </p:style>
+        <p:txBody>
+          <a:bodyPr rtlCol="0" anchor="ctr"/>
+          <a:lstStyle/>
+          <a:p>
+            <a:pPr algn="ctr"/>
+            <a:endParaRPr lang="en-US"/>
+          </a:p>
+        </p:txBody>
+      </p:sp>
       <p:sp>
         <p:nvSpPr>
           <p:cNvPr id="2" name="Title 1">
@@ -10870,13 +11099,20 @@
             <p:ph type="title"/>
           </p:nvPr>
         </p:nvSpPr>
-        <p:spPr/>
+        <p:spPr>
+          <a:xfrm>
+            <a:off x="761803" y="350196"/>
+            <a:ext cx="4646904" cy="1624520"/>
+          </a:xfrm>
+        </p:spPr>
         <p:txBody>
-          <a:bodyPr/>
+          <a:bodyPr anchor="ctr">
+            <a:normAutofit/>
+          </a:bodyPr>
           <a:lstStyle/>
           <a:p>
             <a:r>
-              <a:rPr lang="en-US" dirty="0"/>
+              <a:rPr lang="en-US" sz="4000" dirty="0"/>
               <a:t>Discovery</a:t>
             </a:r>
           </a:p>
@@ -10898,15 +11134,95 @@
             <p:ph idx="1"/>
           </p:nvPr>
         </p:nvSpPr>
-        <p:spPr/>
+        <p:spPr>
+          <a:xfrm>
+            <a:off x="761802" y="2743200"/>
+            <a:ext cx="4646905" cy="3613149"/>
+          </a:xfrm>
+        </p:spPr>
         <p:txBody>
-          <a:bodyPr/>
+          <a:bodyPr anchor="ctr">
+            <a:normAutofit/>
+          </a:bodyPr>
           <a:lstStyle/>
           <a:p>
-            <a:endParaRPr lang="en-US"/>
+            <a:r>
+              <a:rPr lang="en-US" sz="2000"/>
+              <a:t>Number of features</a:t>
+            </a:r>
+          </a:p>
+          <a:p>
+            <a:r>
+              <a:rPr lang="en-US" sz="2000"/>
+              <a:t>Ratio of missing data by feature</a:t>
+            </a:r>
+          </a:p>
+          <a:p>
+            <a:r>
+              <a:rPr lang="en-US" sz="2000"/>
+              <a:t>Correlation of features to actual sale price</a:t>
+            </a:r>
+          </a:p>
+          <a:p>
+            <a:r>
+              <a:rPr lang="en-US" sz="2000"/>
+              <a:t>Identified engineered features of interest</a:t>
+            </a:r>
+          </a:p>
+          <a:p>
+            <a:r>
+              <a:rPr lang="en-US" sz="2000"/>
+              <a:t>Correlation of engineered features to actual sale price</a:t>
+            </a:r>
+          </a:p>
+          <a:p>
+            <a:r>
+              <a:rPr lang="en-US" sz="2000"/>
+              <a:t>Scatter plots of all features having correlation &gt; .50</a:t>
+            </a:r>
+          </a:p>
+          <a:p>
+            <a:endParaRPr lang="en-US" sz="2000"/>
+          </a:p>
+          <a:p>
+            <a:pPr marL="0" indent="0">
+              <a:buNone/>
+            </a:pPr>
+            <a:endParaRPr lang="en-US" sz="2000"/>
           </a:p>
         </p:txBody>
       </p:sp>
+      <p:pic>
+        <p:nvPicPr>
+          <p:cNvPr id="5" name="Picture 4" descr="Magnifying glass showing decling performance">
+            <a:extLst>
+              <a:ext uri="{FF2B5EF4-FFF2-40B4-BE49-F238E27FC236}">
+                <a16:creationId xmlns:a16="http://schemas.microsoft.com/office/drawing/2014/main" id="{8D28A8F0-D101-27F8-AAE6-0782E1C2422D}"/>
+              </a:ext>
+            </a:extLst>
+          </p:cNvPr>
+          <p:cNvPicPr>
+            <a:picLocks noChangeAspect="1"/>
+          </p:cNvPicPr>
+          <p:nvPr/>
+        </p:nvPicPr>
+        <p:blipFill>
+          <a:blip r:embed="rId2"/>
+          <a:srcRect l="13740" r="26860" b="-2"/>
+          <a:stretch>
+            <a:fillRect/>
+          </a:stretch>
+        </p:blipFill>
+        <p:spPr>
+          <a:xfrm>
+            <a:off x="6096000" y="1"/>
+            <a:ext cx="6102825" cy="6858000"/>
+          </a:xfrm>
+          <a:prstGeom prst="rect">
+            <a:avLst/>
+          </a:prstGeom>
+        </p:spPr>
+      </p:pic>
     </p:spTree>
     <p:extLst>
       <p:ext uri="{BB962C8B-B14F-4D97-AF65-F5344CB8AC3E}">
@@ -10923,6 +11239,14 @@
 <file path=ppt/slides/slide6.xml><?xml version="1.0" encoding="utf-8"?>
 <p:sld xmlns:a="http://schemas.openxmlformats.org/drawingml/2006/main" xmlns:r="http://schemas.openxmlformats.org/officeDocument/2006/relationships" xmlns:p="http://schemas.openxmlformats.org/presentationml/2006/main">
   <p:cSld>
+    <p:bg>
+      <p:bgPr>
+        <a:solidFill>
+          <a:schemeClr val="bg1"/>
+        </a:solidFill>
+        <a:effectLst/>
+      </p:bgPr>
+    </p:bg>
     <p:spTree>
       <p:nvGrpSpPr>
         <p:cNvPr id="1" name=""/>
@@ -10937,6 +11261,200 @@
           <a:chExt cx="0" cy="0"/>
         </a:xfrm>
       </p:grpSpPr>
+      <p:sp useBgFill="1">
+        <p:nvSpPr>
+          <p:cNvPr id="19" name="Rectangle 18">
+            <a:extLst>
+              <a:ext uri="{FF2B5EF4-FFF2-40B4-BE49-F238E27FC236}">
+                <a16:creationId xmlns:a16="http://schemas.microsoft.com/office/drawing/2014/main" id="{907EF6B7-1338-4443-8C46-6A318D952DFD}"/>
+              </a:ext>
+              <a:ext uri="{C183D7F6-B498-43B3-948B-1728B52AA6E4}">
+                <adec:decorative xmlns:adec="http://schemas.microsoft.com/office/drawing/2017/decorative" val="1"/>
+              </a:ext>
+            </a:extLst>
+          </p:cNvPr>
+          <p:cNvSpPr>
+            <a:spLocks noGrp="1" noRot="1" noChangeAspect="1" noMove="1" noResize="1" noEditPoints="1" noAdjustHandles="1" noChangeArrowheads="1" noChangeShapeType="1" noTextEdit="1"/>
+          </p:cNvSpPr>
+          <p:nvPr>
+            <p:extLst>
+              <p:ext uri="{386F3935-93C4-4BCD-93E2-E3B085C9AB24}">
+                <p16:designElem xmlns:p16="http://schemas.microsoft.com/office/powerpoint/2015/main" val="1"/>
+              </p:ext>
+            </p:extLst>
+          </p:nvPr>
+        </p:nvSpPr>
+        <p:spPr>
+          <a:xfrm>
+            <a:off x="3048" y="0"/>
+            <a:ext cx="12188952" cy="6858000"/>
+          </a:xfrm>
+          <a:prstGeom prst="rect">
+            <a:avLst/>
+          </a:prstGeom>
+          <a:ln>
+            <a:noFill/>
+          </a:ln>
+        </p:spPr>
+        <p:style>
+          <a:lnRef idx="2">
+            <a:schemeClr val="accent1">
+              <a:shade val="50000"/>
+            </a:schemeClr>
+          </a:lnRef>
+          <a:fillRef idx="1">
+            <a:schemeClr val="accent1"/>
+          </a:fillRef>
+          <a:effectRef idx="0">
+            <a:schemeClr val="accent1"/>
+          </a:effectRef>
+          <a:fontRef idx="minor">
+            <a:schemeClr val="lt1"/>
+          </a:fontRef>
+        </p:style>
+        <p:txBody>
+          <a:bodyPr rtlCol="0" anchor="ctr"/>
+          <a:lstStyle/>
+          <a:p>
+            <a:pPr algn="ctr"/>
+            <a:endParaRPr lang="en-US"/>
+          </a:p>
+        </p:txBody>
+      </p:sp>
+      <p:sp>
+        <p:nvSpPr>
+          <p:cNvPr id="20" name="Freeform: Shape 19">
+            <a:extLst>
+              <a:ext uri="{FF2B5EF4-FFF2-40B4-BE49-F238E27FC236}">
+                <a16:creationId xmlns:a16="http://schemas.microsoft.com/office/drawing/2014/main" id="{DAAE4CDD-124C-4DCF-9584-B6033B545DD5}"/>
+              </a:ext>
+              <a:ext uri="{C183D7F6-B498-43B3-948B-1728B52AA6E4}">
+                <adec:decorative xmlns:adec="http://schemas.microsoft.com/office/drawing/2017/decorative" val="1"/>
+              </a:ext>
+            </a:extLst>
+          </p:cNvPr>
+          <p:cNvSpPr>
+            <a:spLocks noGrp="1" noRot="1" noChangeAspect="1" noMove="1" noResize="1" noEditPoints="1" noAdjustHandles="1" noChangeArrowheads="1" noChangeShapeType="1" noTextEdit="1"/>
+          </p:cNvSpPr>
+          <p:nvPr>
+            <p:extLst>
+              <p:ext uri="{386F3935-93C4-4BCD-93E2-E3B085C9AB24}">
+                <p16:designElem xmlns:p16="http://schemas.microsoft.com/office/powerpoint/2015/main" val="1"/>
+              </p:ext>
+            </p:extLst>
+          </p:nvPr>
+        </p:nvSpPr>
+        <p:spPr>
+          <a:xfrm>
+            <a:off x="1" y="0"/>
+            <a:ext cx="4167271" cy="6858000"/>
+          </a:xfrm>
+          <a:custGeom>
+            <a:avLst/>
+            <a:gdLst>
+              <a:gd name="connsiteX0" fmla="*/ 0 w 4167271"/>
+              <a:gd name="connsiteY0" fmla="*/ 0 h 6858000"/>
+              <a:gd name="connsiteX1" fmla="*/ 2259550 w 4167271"/>
+              <a:gd name="connsiteY1" fmla="*/ 0 h 6858000"/>
+              <a:gd name="connsiteX2" fmla="*/ 2387803 w 4167271"/>
+              <a:gd name="connsiteY2" fmla="*/ 82222 h 6858000"/>
+              <a:gd name="connsiteX3" fmla="*/ 4167271 w 4167271"/>
+              <a:gd name="connsiteY3" fmla="*/ 3429000 h 6858000"/>
+              <a:gd name="connsiteX4" fmla="*/ 2387803 w 4167271"/>
+              <a:gd name="connsiteY4" fmla="*/ 6775779 h 6858000"/>
+              <a:gd name="connsiteX5" fmla="*/ 2259550 w 4167271"/>
+              <a:gd name="connsiteY5" fmla="*/ 6858000 h 6858000"/>
+              <a:gd name="connsiteX6" fmla="*/ 0 w 4167271"/>
+              <a:gd name="connsiteY6" fmla="*/ 6858000 h 6858000"/>
+            </a:gdLst>
+            <a:ahLst/>
+            <a:cxnLst>
+              <a:cxn ang="0">
+                <a:pos x="connsiteX0" y="connsiteY0"/>
+              </a:cxn>
+              <a:cxn ang="0">
+                <a:pos x="connsiteX1" y="connsiteY1"/>
+              </a:cxn>
+              <a:cxn ang="0">
+                <a:pos x="connsiteX2" y="connsiteY2"/>
+              </a:cxn>
+              <a:cxn ang="0">
+                <a:pos x="connsiteX3" y="connsiteY3"/>
+              </a:cxn>
+              <a:cxn ang="0">
+                <a:pos x="connsiteX4" y="connsiteY4"/>
+              </a:cxn>
+              <a:cxn ang="0">
+                <a:pos x="connsiteX5" y="connsiteY5"/>
+              </a:cxn>
+              <a:cxn ang="0">
+                <a:pos x="connsiteX6" y="connsiteY6"/>
+              </a:cxn>
+            </a:cxnLst>
+            <a:rect l="l" t="t" r="r" b="b"/>
+            <a:pathLst>
+              <a:path w="4167271" h="6858000">
+                <a:moveTo>
+                  <a:pt x="0" y="0"/>
+                </a:moveTo>
+                <a:lnTo>
+                  <a:pt x="2259550" y="0"/>
+                </a:lnTo>
+                <a:lnTo>
+                  <a:pt x="2387803" y="82222"/>
+                </a:lnTo>
+                <a:cubicBezTo>
+                  <a:pt x="3461407" y="807534"/>
+                  <a:pt x="4167271" y="2035835"/>
+                  <a:pt x="4167271" y="3429000"/>
+                </a:cubicBezTo>
+                <a:cubicBezTo>
+                  <a:pt x="4167271" y="4822165"/>
+                  <a:pt x="3461407" y="6050467"/>
+                  <a:pt x="2387803" y="6775779"/>
+                </a:cubicBezTo>
+                <a:lnTo>
+                  <a:pt x="2259550" y="6858000"/>
+                </a:lnTo>
+                <a:lnTo>
+                  <a:pt x="0" y="6858000"/>
+                </a:lnTo>
+                <a:close/>
+              </a:path>
+            </a:pathLst>
+          </a:custGeom>
+          <a:solidFill>
+            <a:schemeClr val="accent2"/>
+          </a:solidFill>
+          <a:ln>
+            <a:noFill/>
+          </a:ln>
+        </p:spPr>
+        <p:style>
+          <a:lnRef idx="2">
+            <a:schemeClr val="accent1">
+              <a:shade val="50000"/>
+            </a:schemeClr>
+          </a:lnRef>
+          <a:fillRef idx="1">
+            <a:schemeClr val="accent1"/>
+          </a:fillRef>
+          <a:effectRef idx="0">
+            <a:schemeClr val="accent1"/>
+          </a:effectRef>
+          <a:fontRef idx="minor">
+            <a:schemeClr val="lt1"/>
+          </a:fontRef>
+        </p:style>
+        <p:txBody>
+          <a:bodyPr rtlCol="0" anchor="ctr"/>
+          <a:lstStyle/>
+          <a:p>
+            <a:pPr algn="ctr"/>
+            <a:endParaRPr lang="en-US"/>
+          </a:p>
+        </p:txBody>
+      </p:sp>
       <p:sp>
         <p:nvSpPr>
           <p:cNvPr id="2" name="Title 1">
@@ -10953,15 +11471,87 @@
             <p:ph type="title"/>
           </p:nvPr>
         </p:nvSpPr>
-        <p:spPr/>
+        <p:spPr>
+          <a:xfrm>
+            <a:off x="686834" y="1153572"/>
+            <a:ext cx="3200400" cy="4461163"/>
+          </a:xfrm>
+        </p:spPr>
         <p:txBody>
-          <a:bodyPr/>
+          <a:bodyPr>
+            <a:normAutofit/>
+          </a:bodyPr>
           <a:lstStyle/>
           <a:p>
             <a:r>
-              <a:rPr lang="en-US" dirty="0"/>
+              <a:rPr lang="en-US">
+                <a:solidFill>
+                  <a:srgbClr val="FFFFFF"/>
+                </a:solidFill>
+              </a:rPr>
               <a:t>Features</a:t>
             </a:r>
+          </a:p>
+        </p:txBody>
+      </p:sp>
+      <p:sp>
+        <p:nvSpPr>
+          <p:cNvPr id="21" name="Arc 20">
+            <a:extLst>
+              <a:ext uri="{FF2B5EF4-FFF2-40B4-BE49-F238E27FC236}">
+                <a16:creationId xmlns:a16="http://schemas.microsoft.com/office/drawing/2014/main" id="{081E4A58-353D-44AE-B2FC-2A74E2E400F7}"/>
+              </a:ext>
+              <a:ext uri="{C183D7F6-B498-43B3-948B-1728B52AA6E4}">
+                <adec:decorative xmlns:adec="http://schemas.microsoft.com/office/drawing/2017/decorative" val="1"/>
+              </a:ext>
+            </a:extLst>
+          </p:cNvPr>
+          <p:cNvSpPr>
+            <a:spLocks noGrp="1" noRot="1" noChangeAspect="1" noMove="1" noResize="1" noEditPoints="1" noAdjustHandles="1" noChangeArrowheads="1" noChangeShapeType="1" noTextEdit="1"/>
+          </p:cNvSpPr>
+          <p:nvPr>
+            <p:extLst>
+              <p:ext uri="{386F3935-93C4-4BCD-93E2-E3B085C9AB24}">
+                <p16:designElem xmlns:p16="http://schemas.microsoft.com/office/powerpoint/2015/main" val="1"/>
+              </p:ext>
+            </p:extLst>
+          </p:nvPr>
+        </p:nvSpPr>
+        <p:spPr>
+          <a:xfrm flipV="1">
+            <a:off x="7550402" y="2455479"/>
+            <a:ext cx="4083433" cy="4083433"/>
+          </a:xfrm>
+          <a:prstGeom prst="arc">
+            <a:avLst/>
+          </a:prstGeom>
+          <a:ln w="127000" cap="rnd">
+            <a:solidFill>
+              <a:schemeClr val="accent4"/>
+            </a:solidFill>
+            <a:prstDash val="dash"/>
+          </a:ln>
+        </p:spPr>
+        <p:style>
+          <a:lnRef idx="1">
+            <a:schemeClr val="accent1"/>
+          </a:lnRef>
+          <a:fillRef idx="0">
+            <a:schemeClr val="accent1"/>
+          </a:fillRef>
+          <a:effectRef idx="0">
+            <a:schemeClr val="accent1"/>
+          </a:effectRef>
+          <a:fontRef idx="minor">
+            <a:schemeClr val="tx1"/>
+          </a:fontRef>
+        </p:style>
+        <p:txBody>
+          <a:bodyPr rtlCol="0" anchor="ctr"/>
+          <a:lstStyle/>
+          <a:p>
+            <a:pPr algn="ctr"/>
+            <a:endParaRPr lang="en-US" dirty="0"/>
           </a:p>
         </p:txBody>
       </p:sp>
@@ -10981,12 +11571,173 @@
             <p:ph idx="1"/>
           </p:nvPr>
         </p:nvSpPr>
-        <p:spPr/>
+        <p:spPr>
+          <a:xfrm>
+            <a:off x="4447308" y="591344"/>
+            <a:ext cx="6906491" cy="5585619"/>
+          </a:xfrm>
+        </p:spPr>
         <p:txBody>
-          <a:bodyPr/>
+          <a:bodyPr anchor="ctr">
+            <a:normAutofit/>
+          </a:bodyPr>
           <a:lstStyle/>
           <a:p>
-            <a:endParaRPr lang="en-US"/>
+            <a:r>
+              <a:rPr lang="en-US" sz="1000" dirty="0"/>
+              <a:t>Identified 21 features</a:t>
+            </a:r>
+          </a:p>
+          <a:p>
+            <a:pPr lvl="1"/>
+            <a:r>
+              <a:rPr lang="en-US" sz="1000" dirty="0"/>
+              <a:t>Overall Quality</a:t>
+            </a:r>
+          </a:p>
+          <a:p>
+            <a:pPr lvl="1"/>
+            <a:r>
+              <a:rPr lang="en-US" sz="1000" dirty="0"/>
+              <a:t>Year Built</a:t>
+            </a:r>
+          </a:p>
+          <a:p>
+            <a:pPr lvl="1"/>
+            <a:r>
+              <a:rPr lang="en-US" sz="1000" dirty="0"/>
+              <a:t>Year remodeled/addition</a:t>
+            </a:r>
+          </a:p>
+          <a:p>
+            <a:pPr lvl="1"/>
+            <a:r>
+              <a:rPr lang="en-US" sz="1000" dirty="0"/>
+              <a:t>Total Basement SF</a:t>
+            </a:r>
+          </a:p>
+          <a:p>
+            <a:pPr lvl="1"/>
+            <a:r>
+              <a:rPr lang="en-US" sz="1000" dirty="0"/>
+              <a:t>First Floor SF</a:t>
+            </a:r>
+          </a:p>
+          <a:p>
+            <a:pPr lvl="1"/>
+            <a:r>
+              <a:rPr lang="en-US" sz="1000" dirty="0"/>
+              <a:t>Above Grade Living Area SF</a:t>
+            </a:r>
+          </a:p>
+          <a:p>
+            <a:pPr lvl="1"/>
+            <a:r>
+              <a:rPr lang="en-US" sz="1000" dirty="0"/>
+              <a:t>Full Baths</a:t>
+            </a:r>
+          </a:p>
+          <a:p>
+            <a:pPr lvl="1"/>
+            <a:r>
+              <a:rPr lang="en-US" sz="1000" dirty="0"/>
+              <a:t>Garage Year Built</a:t>
+            </a:r>
+          </a:p>
+          <a:p>
+            <a:pPr lvl="1"/>
+            <a:r>
+              <a:rPr lang="en-US" sz="1000" dirty="0"/>
+              <a:t>Garage Cars</a:t>
+            </a:r>
+          </a:p>
+          <a:p>
+            <a:pPr lvl="1"/>
+            <a:r>
+              <a:rPr lang="en-US" sz="1000" dirty="0"/>
+              <a:t>Garage Area</a:t>
+            </a:r>
+          </a:p>
+          <a:p>
+            <a:pPr lvl="1"/>
+            <a:r>
+              <a:rPr lang="en-US" sz="1000" dirty="0"/>
+              <a:t>House Age</a:t>
+            </a:r>
+          </a:p>
+          <a:p>
+            <a:pPr lvl="1"/>
+            <a:r>
+              <a:rPr lang="en-US" sz="1000" dirty="0"/>
+              <a:t>Remodel Age</a:t>
+            </a:r>
+          </a:p>
+          <a:p>
+            <a:pPr lvl="1"/>
+            <a:r>
+              <a:rPr lang="en-US" sz="1000" dirty="0"/>
+              <a:t>Total SF</a:t>
+            </a:r>
+          </a:p>
+          <a:p>
+            <a:pPr lvl="1"/>
+            <a:r>
+              <a:rPr lang="en-US" sz="1000" dirty="0"/>
+              <a:t>Total SF plus Garage</a:t>
+            </a:r>
+          </a:p>
+          <a:p>
+            <a:pPr lvl="1"/>
+            <a:r>
+              <a:rPr lang="en-US" sz="1000" dirty="0"/>
+              <a:t>Total Baths</a:t>
+            </a:r>
+          </a:p>
+          <a:p>
+            <a:pPr lvl="1"/>
+            <a:r>
+              <a:rPr lang="en-US" sz="1000" dirty="0"/>
+              <a:t>Price per Square Foot</a:t>
+            </a:r>
+          </a:p>
+          <a:p>
+            <a:pPr lvl="1"/>
+            <a:r>
+              <a:rPr lang="en-US" sz="1000" dirty="0"/>
+              <a:t>Quality X Square Foot</a:t>
+            </a:r>
+          </a:p>
+          <a:p>
+            <a:pPr lvl="1"/>
+            <a:r>
+              <a:rPr lang="en-US" sz="1000" dirty="0"/>
+              <a:t>Exterior Quality</a:t>
+            </a:r>
+          </a:p>
+          <a:p>
+            <a:pPr lvl="1"/>
+            <a:r>
+              <a:rPr lang="en-US" sz="1000" dirty="0"/>
+              <a:t>Basement Quality</a:t>
+            </a:r>
+          </a:p>
+          <a:p>
+            <a:pPr lvl="1"/>
+            <a:r>
+              <a:rPr lang="en-US" sz="1000" dirty="0"/>
+              <a:t>Kitchen Quality</a:t>
+            </a:r>
+          </a:p>
+          <a:p>
+            <a:pPr lvl="1"/>
+            <a:r>
+              <a:rPr lang="en-US" sz="1000" dirty="0"/>
+              <a:t>Fireplace Quality</a:t>
+            </a:r>
+          </a:p>
+          <a:p>
+            <a:pPr lvl="1"/>
+            <a:endParaRPr lang="en-US" sz="1000" dirty="0"/>
           </a:p>
         </p:txBody>
       </p:sp>
@@ -11006,6 +11757,14 @@
 <file path=ppt/slides/slide7.xml><?xml version="1.0" encoding="utf-8"?>
 <p:sld xmlns:a="http://schemas.openxmlformats.org/drawingml/2006/main" xmlns:r="http://schemas.openxmlformats.org/officeDocument/2006/relationships" xmlns:p="http://schemas.openxmlformats.org/presentationml/2006/main">
   <p:cSld>
+    <p:bg>
+      <p:bgPr>
+        <a:solidFill>
+          <a:schemeClr val="bg1"/>
+        </a:solidFill>
+        <a:effectLst/>
+      </p:bgPr>
+    </p:bg>
     <p:spTree>
       <p:nvGrpSpPr>
         <p:cNvPr id="1" name=""/>
@@ -11020,6 +11779,384 @@
           <a:chExt cx="0" cy="0"/>
         </a:xfrm>
       </p:grpSpPr>
+      <p:sp useBgFill="1">
+        <p:nvSpPr>
+          <p:cNvPr id="13" name="Rectangle 12">
+            <a:extLst>
+              <a:ext uri="{FF2B5EF4-FFF2-40B4-BE49-F238E27FC236}">
+                <a16:creationId xmlns:a16="http://schemas.microsoft.com/office/drawing/2014/main" id="{2151139A-886F-4B97-8815-729AD3831BBD}"/>
+              </a:ext>
+              <a:ext uri="{C183D7F6-B498-43B3-948B-1728B52AA6E4}">
+                <adec:decorative xmlns:adec="http://schemas.microsoft.com/office/drawing/2017/decorative" val="1"/>
+              </a:ext>
+            </a:extLst>
+          </p:cNvPr>
+          <p:cNvSpPr>
+            <a:spLocks noGrp="1" noRot="1" noChangeAspect="1" noMove="1" noResize="1" noEditPoints="1" noAdjustHandles="1" noChangeArrowheads="1" noChangeShapeType="1" noTextEdit="1"/>
+          </p:cNvSpPr>
+          <p:nvPr>
+            <p:extLst>
+              <p:ext uri="{386F3935-93C4-4BCD-93E2-E3B085C9AB24}">
+                <p16:designElem xmlns:p16="http://schemas.microsoft.com/office/powerpoint/2015/main" val="1"/>
+              </p:ext>
+            </p:extLst>
+          </p:nvPr>
+        </p:nvSpPr>
+        <p:spPr>
+          <a:xfrm>
+            <a:off x="0" y="0"/>
+            <a:ext cx="12192000" cy="6858000"/>
+          </a:xfrm>
+          <a:prstGeom prst="rect">
+            <a:avLst/>
+          </a:prstGeom>
+          <a:ln w="12700" cap="flat" cmpd="sng" algn="ctr">
+            <a:noFill/>
+            <a:prstDash val="solid"/>
+            <a:miter lim="800000"/>
+          </a:ln>
+          <a:effectLst/>
+          <a:extLst>
+            <a:ext uri="{91240B29-F687-4F45-9708-019B960494DF}">
+              <a14:hiddenLine xmlns:a14="http://schemas.microsoft.com/office/drawing/2010/main" w="12700" cap="flat" cmpd="sng" algn="ctr">
+                <a:solidFill>
+                  <a:schemeClr val="accent1">
+                    <a:shade val="50000"/>
+                  </a:schemeClr>
+                </a:solidFill>
+                <a:prstDash val="solid"/>
+                <a:miter lim="800000"/>
+              </a14:hiddenLine>
+            </a:ext>
+          </a:extLst>
+        </p:spPr>
+        <p:style>
+          <a:lnRef idx="2">
+            <a:schemeClr val="accent1">
+              <a:shade val="50000"/>
+            </a:schemeClr>
+          </a:lnRef>
+          <a:fillRef idx="1">
+            <a:schemeClr val="accent1"/>
+          </a:fillRef>
+          <a:effectRef idx="0">
+            <a:schemeClr val="accent1"/>
+          </a:effectRef>
+          <a:fontRef idx="minor">
+            <a:schemeClr val="lt1"/>
+          </a:fontRef>
+        </p:style>
+        <p:txBody>
+          <a:bodyPr rtlCol="0" anchor="ctr"/>
+          <a:lstStyle/>
+          <a:p>
+            <a:pPr algn="ctr"/>
+            <a:endParaRPr lang="en-US" sz="2000"/>
+          </a:p>
+        </p:txBody>
+      </p:sp>
+      <p:sp>
+        <p:nvSpPr>
+          <p:cNvPr id="15" name="Rectangle 14">
+            <a:extLst>
+              <a:ext uri="{FF2B5EF4-FFF2-40B4-BE49-F238E27FC236}">
+                <a16:creationId xmlns:a16="http://schemas.microsoft.com/office/drawing/2014/main" id="{AB5E08C4-8CDD-4623-A5B8-E998C6DEE3B7}"/>
+              </a:ext>
+              <a:ext uri="{C183D7F6-B498-43B3-948B-1728B52AA6E4}">
+                <adec:decorative xmlns:adec="http://schemas.microsoft.com/office/drawing/2017/decorative" val="1"/>
+              </a:ext>
+            </a:extLst>
+          </p:cNvPr>
+          <p:cNvSpPr>
+            <a:spLocks noGrp="1" noRot="1" noChangeAspect="1" noMove="1" noResize="1" noEditPoints="1" noAdjustHandles="1" noChangeArrowheads="1" noChangeShapeType="1" noTextEdit="1"/>
+          </p:cNvSpPr>
+          <p:nvPr>
+            <p:extLst>
+              <p:ext uri="{386F3935-93C4-4BCD-93E2-E3B085C9AB24}">
+                <p16:designElem xmlns:p16="http://schemas.microsoft.com/office/powerpoint/2015/main" val="1"/>
+              </p:ext>
+            </p:extLst>
+          </p:nvPr>
+        </p:nvSpPr>
+        <p:spPr>
+          <a:xfrm flipH="1">
+            <a:off x="2" y="492"/>
+            <a:ext cx="12191998" cy="1575955"/>
+          </a:xfrm>
+          <a:prstGeom prst="rect">
+            <a:avLst/>
+          </a:prstGeom>
+          <a:gradFill>
+            <a:gsLst>
+              <a:gs pos="0">
+                <a:schemeClr val="accent1">
+                  <a:lumMod val="50000"/>
+                </a:schemeClr>
+              </a:gs>
+              <a:gs pos="100000">
+                <a:schemeClr val="accent1">
+                  <a:lumMod val="75000"/>
+                </a:schemeClr>
+              </a:gs>
+            </a:gsLst>
+            <a:lin ang="8400000" scaled="0"/>
+          </a:gradFill>
+          <a:ln>
+            <a:noFill/>
+          </a:ln>
+        </p:spPr>
+        <p:style>
+          <a:lnRef idx="2">
+            <a:schemeClr val="accent1">
+              <a:shade val="50000"/>
+            </a:schemeClr>
+          </a:lnRef>
+          <a:fillRef idx="1">
+            <a:schemeClr val="accent1"/>
+          </a:fillRef>
+          <a:effectRef idx="0">
+            <a:schemeClr val="accent1"/>
+          </a:effectRef>
+          <a:fontRef idx="minor">
+            <a:schemeClr val="lt1"/>
+          </a:fontRef>
+        </p:style>
+        <p:txBody>
+          <a:bodyPr rtlCol="0" anchor="ctr"/>
+          <a:lstStyle/>
+          <a:p>
+            <a:pPr algn="ctr"/>
+            <a:endParaRPr lang="en-US"/>
+          </a:p>
+        </p:txBody>
+      </p:sp>
+      <p:sp>
+        <p:nvSpPr>
+          <p:cNvPr id="17" name="Rectangle 16">
+            <a:extLst>
+              <a:ext uri="{FF2B5EF4-FFF2-40B4-BE49-F238E27FC236}">
+                <a16:creationId xmlns:a16="http://schemas.microsoft.com/office/drawing/2014/main" id="{15F33878-D502-4FFA-8ACE-F2AECDB2A23F}"/>
+              </a:ext>
+              <a:ext uri="{C183D7F6-B498-43B3-948B-1728B52AA6E4}">
+                <adec:decorative xmlns:adec="http://schemas.microsoft.com/office/drawing/2017/decorative" val="1"/>
+              </a:ext>
+            </a:extLst>
+          </p:cNvPr>
+          <p:cNvSpPr>
+            <a:spLocks noGrp="1" noRot="1" noChangeAspect="1" noMove="1" noResize="1" noEditPoints="1" noAdjustHandles="1" noChangeArrowheads="1" noChangeShapeType="1" noTextEdit="1"/>
+          </p:cNvSpPr>
+          <p:nvPr>
+            <p:extLst>
+              <p:ext uri="{386F3935-93C4-4BCD-93E2-E3B085C9AB24}">
+                <p16:designElem xmlns:p16="http://schemas.microsoft.com/office/powerpoint/2015/main" val="1"/>
+              </p:ext>
+            </p:extLst>
+          </p:nvPr>
+        </p:nvSpPr>
+        <p:spPr>
+          <a:xfrm rot="10800000" flipH="1">
+            <a:off x="8128857" y="35"/>
+            <a:ext cx="4063143" cy="1576412"/>
+          </a:xfrm>
+          <a:prstGeom prst="rect">
+            <a:avLst/>
+          </a:prstGeom>
+          <a:gradFill>
+            <a:gsLst>
+              <a:gs pos="19000">
+                <a:schemeClr val="accent1">
+                  <a:lumMod val="50000"/>
+                  <a:alpha val="68000"/>
+                </a:schemeClr>
+              </a:gs>
+              <a:gs pos="100000">
+                <a:schemeClr val="accent1">
+                  <a:alpha val="79000"/>
+                </a:schemeClr>
+              </a:gs>
+            </a:gsLst>
+            <a:lin ang="19200000" scaled="0"/>
+          </a:gradFill>
+          <a:ln>
+            <a:noFill/>
+          </a:ln>
+        </p:spPr>
+        <p:style>
+          <a:lnRef idx="2">
+            <a:schemeClr val="accent1">
+              <a:shade val="50000"/>
+            </a:schemeClr>
+          </a:lnRef>
+          <a:fillRef idx="1">
+            <a:schemeClr val="accent1"/>
+          </a:fillRef>
+          <a:effectRef idx="0">
+            <a:schemeClr val="accent1"/>
+          </a:effectRef>
+          <a:fontRef idx="minor">
+            <a:schemeClr val="lt1"/>
+          </a:fontRef>
+        </p:style>
+        <p:txBody>
+          <a:bodyPr rtlCol="0" anchor="ctr"/>
+          <a:lstStyle/>
+          <a:p>
+            <a:pPr algn="ctr"/>
+            <a:endParaRPr lang="en-US"/>
+          </a:p>
+        </p:txBody>
+      </p:sp>
+      <p:sp>
+        <p:nvSpPr>
+          <p:cNvPr id="19" name="Rectangle 18">
+            <a:extLst>
+              <a:ext uri="{FF2B5EF4-FFF2-40B4-BE49-F238E27FC236}">
+                <a16:creationId xmlns:a16="http://schemas.microsoft.com/office/drawing/2014/main" id="{D3539FEE-81D3-4406-802E-60B20B16F4F6}"/>
+              </a:ext>
+              <a:ext uri="{C183D7F6-B498-43B3-948B-1728B52AA6E4}">
+                <adec:decorative xmlns:adec="http://schemas.microsoft.com/office/drawing/2017/decorative" val="1"/>
+              </a:ext>
+            </a:extLst>
+          </p:cNvPr>
+          <p:cNvSpPr>
+            <a:spLocks noGrp="1" noRot="1" noChangeAspect="1" noMove="1" noResize="1" noEditPoints="1" noAdjustHandles="1" noChangeArrowheads="1" noChangeShapeType="1" noTextEdit="1"/>
+          </p:cNvSpPr>
+          <p:nvPr>
+            <p:extLst>
+              <p:ext uri="{386F3935-93C4-4BCD-93E2-E3B085C9AB24}">
+                <p16:designElem xmlns:p16="http://schemas.microsoft.com/office/powerpoint/2015/main" val="1"/>
+              </p:ext>
+            </p:extLst>
+          </p:nvPr>
+        </p:nvSpPr>
+        <p:spPr>
+          <a:xfrm rot="5400000">
+            <a:off x="5307778" y="-5307777"/>
+            <a:ext cx="1576446" cy="12192001"/>
+          </a:xfrm>
+          <a:prstGeom prst="rect">
+            <a:avLst/>
+          </a:prstGeom>
+          <a:gradFill>
+            <a:gsLst>
+              <a:gs pos="16000">
+                <a:srgbClr val="000000">
+                  <a:alpha val="0"/>
+                </a:srgbClr>
+              </a:gs>
+              <a:gs pos="99000">
+                <a:srgbClr val="000000">
+                  <a:alpha val="87000"/>
+                </a:srgbClr>
+              </a:gs>
+            </a:gsLst>
+            <a:lin ang="11400000" scaled="0"/>
+          </a:gradFill>
+          <a:ln>
+            <a:noFill/>
+          </a:ln>
+        </p:spPr>
+        <p:style>
+          <a:lnRef idx="2">
+            <a:schemeClr val="accent1">
+              <a:shade val="50000"/>
+            </a:schemeClr>
+          </a:lnRef>
+          <a:fillRef idx="1">
+            <a:schemeClr val="accent1"/>
+          </a:fillRef>
+          <a:effectRef idx="0">
+            <a:schemeClr val="accent1"/>
+          </a:effectRef>
+          <a:fontRef idx="minor">
+            <a:schemeClr val="lt1"/>
+          </a:fontRef>
+        </p:style>
+        <p:txBody>
+          <a:bodyPr rtlCol="0" anchor="ctr"/>
+          <a:lstStyle/>
+          <a:p>
+            <a:pPr algn="ctr"/>
+            <a:endParaRPr lang="en-US" dirty="0"/>
+          </a:p>
+        </p:txBody>
+      </p:sp>
+      <p:sp>
+        <p:nvSpPr>
+          <p:cNvPr id="21" name="Rectangle 20">
+            <a:extLst>
+              <a:ext uri="{FF2B5EF4-FFF2-40B4-BE49-F238E27FC236}">
+                <a16:creationId xmlns:a16="http://schemas.microsoft.com/office/drawing/2014/main" id="{DC701763-729E-462F-A5A8-E0DEFEB1E2E4}"/>
+              </a:ext>
+              <a:ext uri="{C183D7F6-B498-43B3-948B-1728B52AA6E4}">
+                <adec:decorative xmlns:adec="http://schemas.microsoft.com/office/drawing/2017/decorative" val="1"/>
+              </a:ext>
+            </a:extLst>
+          </p:cNvPr>
+          <p:cNvSpPr>
+            <a:spLocks noGrp="1" noRot="1" noChangeAspect="1" noMove="1" noResize="1" noEditPoints="1" noAdjustHandles="1" noChangeArrowheads="1" noChangeShapeType="1" noTextEdit="1"/>
+          </p:cNvSpPr>
+          <p:nvPr>
+            <p:extLst>
+              <p:ext uri="{386F3935-93C4-4BCD-93E2-E3B085C9AB24}">
+                <p16:designElem xmlns:p16="http://schemas.microsoft.com/office/powerpoint/2015/main" val="1"/>
+              </p:ext>
+            </p:extLst>
+          </p:nvPr>
+        </p:nvSpPr>
+        <p:spPr>
+          <a:xfrm>
+            <a:off x="3825434" y="986"/>
+            <a:ext cx="4303422" cy="1575461"/>
+          </a:xfrm>
+          <a:prstGeom prst="rect">
+            <a:avLst/>
+          </a:prstGeom>
+          <a:gradFill>
+            <a:gsLst>
+              <a:gs pos="0">
+                <a:schemeClr val="accent1">
+                  <a:alpha val="17000"/>
+                </a:schemeClr>
+              </a:gs>
+              <a:gs pos="74000">
+                <a:schemeClr val="accent1">
+                  <a:lumMod val="50000"/>
+                  <a:alpha val="0"/>
+                </a:schemeClr>
+              </a:gs>
+            </a:gsLst>
+            <a:lin ang="14400000" scaled="0"/>
+          </a:gradFill>
+          <a:ln>
+            <a:noFill/>
+          </a:ln>
+        </p:spPr>
+        <p:style>
+          <a:lnRef idx="2">
+            <a:schemeClr val="accent1">
+              <a:shade val="50000"/>
+            </a:schemeClr>
+          </a:lnRef>
+          <a:fillRef idx="1">
+            <a:schemeClr val="accent1"/>
+          </a:fillRef>
+          <a:effectRef idx="0">
+            <a:schemeClr val="accent1"/>
+          </a:effectRef>
+          <a:fontRef idx="minor">
+            <a:schemeClr val="lt1"/>
+          </a:fontRef>
+        </p:style>
+        <p:txBody>
+          <a:bodyPr rtlCol="0" anchor="ctr"/>
+          <a:lstStyle/>
+          <a:p>
+            <a:pPr algn="ctr"/>
+            <a:endParaRPr lang="en-US"/>
+          </a:p>
+        </p:txBody>
+      </p:sp>
       <p:sp>
         <p:nvSpPr>
           <p:cNvPr id="2" name="Title 1">
@@ -11036,43 +12173,89 @@
             <p:ph type="title"/>
           </p:nvPr>
         </p:nvSpPr>
-        <p:spPr/>
+        <p:spPr>
+          <a:xfrm>
+            <a:off x="699714" y="353160"/>
+            <a:ext cx="7091300" cy="898581"/>
+          </a:xfrm>
+        </p:spPr>
         <p:txBody>
-          <a:bodyPr/>
+          <a:bodyPr vert="horz" lIns="91440" tIns="45720" rIns="91440" bIns="45720" rtlCol="0" anchor="ctr">
+            <a:normAutofit/>
+          </a:bodyPr>
           <a:lstStyle/>
           <a:p>
             <a:r>
-              <a:rPr lang="en-US" dirty="0"/>
+              <a:rPr lang="en-US" sz="4000">
+                <a:solidFill>
+                  <a:srgbClr val="FFFFFF"/>
+                </a:solidFill>
+              </a:rPr>
               <a:t>Analysis</a:t>
             </a:r>
           </a:p>
         </p:txBody>
       </p:sp>
-      <p:sp>
-        <p:nvSpPr>
-          <p:cNvPr id="3" name="Content Placeholder 2">
+      <p:pic>
+        <p:nvPicPr>
+          <p:cNvPr id="8" name="Picture 7">
             <a:extLst>
               <a:ext uri="{FF2B5EF4-FFF2-40B4-BE49-F238E27FC236}">
-                <a16:creationId xmlns:a16="http://schemas.microsoft.com/office/drawing/2014/main" id="{701F7617-F786-4A9C-F59D-58F03C7FCB2E}"/>
+                <a16:creationId xmlns:a16="http://schemas.microsoft.com/office/drawing/2014/main" id="{41038E00-70E2-A36B-986C-2855A0A09F3F}"/>
               </a:ext>
             </a:extLst>
           </p:cNvPr>
-          <p:cNvSpPr>
-            <a:spLocks noGrp="1"/>
-          </p:cNvSpPr>
-          <p:nvPr>
-            <p:ph idx="1"/>
-          </p:nvPr>
-        </p:nvSpPr>
-        <p:spPr/>
-        <p:txBody>
-          <a:bodyPr/>
-          <a:lstStyle/>
-          <a:p>
-            <a:endParaRPr lang="en-US"/>
-          </a:p>
-        </p:txBody>
-      </p:sp>
+          <p:cNvPicPr>
+            <a:picLocks noChangeAspect="1"/>
+          </p:cNvPicPr>
+          <p:nvPr/>
+        </p:nvPicPr>
+        <p:blipFill>
+          <a:blip r:embed="rId2"/>
+          <a:stretch>
+            <a:fillRect/>
+          </a:stretch>
+        </p:blipFill>
+        <p:spPr>
+          <a:xfrm>
+            <a:off x="1704206" y="2181426"/>
+            <a:ext cx="4142629" cy="3997637"/>
+          </a:xfrm>
+          <a:prstGeom prst="rect">
+            <a:avLst/>
+          </a:prstGeom>
+        </p:spPr>
+      </p:pic>
+      <p:pic>
+        <p:nvPicPr>
+          <p:cNvPr id="6" name="Picture 5">
+            <a:extLst>
+              <a:ext uri="{FF2B5EF4-FFF2-40B4-BE49-F238E27FC236}">
+                <a16:creationId xmlns:a16="http://schemas.microsoft.com/office/drawing/2014/main" id="{3F5DA466-3359-D249-2D9E-71D458C884BB}"/>
+              </a:ext>
+            </a:extLst>
+          </p:cNvPr>
+          <p:cNvPicPr>
+            <a:picLocks noChangeAspect="1"/>
+          </p:cNvPicPr>
+          <p:nvPr/>
+        </p:nvPicPr>
+        <p:blipFill>
+          <a:blip r:embed="rId3"/>
+          <a:stretch>
+            <a:fillRect/>
+          </a:stretch>
+        </p:blipFill>
+        <p:spPr>
+          <a:xfrm>
+            <a:off x="6345165" y="2217815"/>
+            <a:ext cx="4048436" cy="3997831"/>
+          </a:xfrm>
+          <a:prstGeom prst="rect">
+            <a:avLst/>
+          </a:prstGeom>
+        </p:spPr>
+      </p:pic>
     </p:spTree>
     <p:extLst>
       <p:ext uri="{BB962C8B-B14F-4D97-AF65-F5344CB8AC3E}">

--- a/Petabyte Pirates.pptx
+++ b/Petabyte Pirates.pptx
@@ -2151,9 +2151,9 @@
     <dgm:cxn modelId="{0224EB1A-9AF9-41B5-9927-0363B306A192}" type="presOf" srcId="{8ABAB5FB-26B5-4029-B918-F4E23B7FCD22}" destId="{C0BFD27A-0820-474D-9B58-0E907D39BF43}" srcOrd="0" destOrd="0" presId="urn:microsoft.com/office/officeart/2005/8/layout/vList5"/>
     <dgm:cxn modelId="{FE8C2333-3546-4193-B13A-281D824107F8}" srcId="{8ABAB5FB-26B5-4029-B918-F4E23B7FCD22}" destId="{4D38DDA3-070A-4135-8298-BF3475077549}" srcOrd="2" destOrd="0" parTransId="{092CF4F5-B4A4-4384-A3AF-78D62D79FD7F}" sibTransId="{3265ED6B-0A45-42EA-A133-1008832419E6}"/>
     <dgm:cxn modelId="{B1A15F3E-4834-4EB6-A05F-38AF86202287}" type="presOf" srcId="{CCAC5222-A613-4E15-8546-296F5C98AEFF}" destId="{4DC8C6CD-4A4A-4C00-8D18-8E2CC7C70E7A}" srcOrd="0" destOrd="0" presId="urn:microsoft.com/office/officeart/2005/8/layout/vList5"/>
-    <dgm:cxn modelId="{D9E90E61-64AB-4CEC-93CB-0258EF864616}" type="presOf" srcId="{9AC471E7-6965-4FD0-85F0-AA4B3DEE53D9}" destId="{799EB899-16B5-4DF0-BD54-8AEFA5EF4735}" srcOrd="0" destOrd="4" presId="urn:microsoft.com/office/officeart/2005/8/layout/vList5"/>
     <dgm:cxn modelId="{C5A59241-8547-435E-BF37-C96A86B95FBA}" type="presOf" srcId="{F25DD8B4-520E-4135-AA1D-A2623232AB6E}" destId="{F085642B-E7D8-4B2E-A09E-86186F2B7DA7}" srcOrd="0" destOrd="0" presId="urn:microsoft.com/office/officeart/2005/8/layout/vList5"/>
     <dgm:cxn modelId="{94208845-1F90-4E6B-8E53-2BA135C195DD}" type="presOf" srcId="{4D38DDA3-070A-4135-8298-BF3475077549}" destId="{799EB899-16B5-4DF0-BD54-8AEFA5EF4735}" srcOrd="0" destOrd="2" presId="urn:microsoft.com/office/officeart/2005/8/layout/vList5"/>
+    <dgm:cxn modelId="{D9E90E61-64AB-4CEC-93CB-0258EF864616}" type="presOf" srcId="{9AC471E7-6965-4FD0-85F0-AA4B3DEE53D9}" destId="{799EB899-16B5-4DF0-BD54-8AEFA5EF4735}" srcOrd="0" destOrd="4" presId="urn:microsoft.com/office/officeart/2005/8/layout/vList5"/>
     <dgm:cxn modelId="{EF2EE877-28B9-4DB9-929D-5FE8DD448142}" type="presOf" srcId="{7BE53DC9-BFCD-4002-A129-3EDB477B4EE2}" destId="{799EB899-16B5-4DF0-BD54-8AEFA5EF4735}" srcOrd="0" destOrd="0" presId="urn:microsoft.com/office/officeart/2005/8/layout/vList5"/>
     <dgm:cxn modelId="{45521C8B-5E60-4E31-ACA0-02826AC7B967}" srcId="{CCAC5222-A613-4E15-8546-296F5C98AEFF}" destId="{97F3F97E-5E35-43CE-892D-82E10EB4E0F5}" srcOrd="0" destOrd="0" parTransId="{1019F09C-C02C-4A11-9C12-49CF0856922C}" sibTransId="{2D07A651-0254-4FA9-AF6F-0ED8A66259BD}"/>
     <dgm:cxn modelId="{01F70191-F7C2-47C8-A98F-BD9A24029850}" type="presOf" srcId="{3B74D6AB-AD31-40AC-B54F-6289F189EB0A}" destId="{799EB899-16B5-4DF0-BD54-8AEFA5EF4735}" srcOrd="0" destOrd="3" presId="urn:microsoft.com/office/officeart/2005/8/layout/vList5"/>
@@ -5851,7 +5851,7 @@
           <a:p>
             <a:fld id="{D900DB5A-B4C6-47BD-B3A5-6F5ED2310554}" type="datetimeFigureOut">
               <a:rPr lang="en-US" smtClean="0"/>
-              <a:t>7/13/2025</a:t>
+              <a:t>7/13/25</a:t>
             </a:fld>
             <a:endParaRPr lang="en-US"/>
           </a:p>
@@ -6049,7 +6049,7 @@
           <a:p>
             <a:fld id="{D900DB5A-B4C6-47BD-B3A5-6F5ED2310554}" type="datetimeFigureOut">
               <a:rPr lang="en-US" smtClean="0"/>
-              <a:t>7/13/2025</a:t>
+              <a:t>7/13/25</a:t>
             </a:fld>
             <a:endParaRPr lang="en-US"/>
           </a:p>
@@ -6257,7 +6257,7 @@
           <a:p>
             <a:fld id="{D900DB5A-B4C6-47BD-B3A5-6F5ED2310554}" type="datetimeFigureOut">
               <a:rPr lang="en-US" smtClean="0"/>
-              <a:t>7/13/2025</a:t>
+              <a:t>7/13/25</a:t>
             </a:fld>
             <a:endParaRPr lang="en-US"/>
           </a:p>
@@ -6455,7 +6455,7 @@
           <a:p>
             <a:fld id="{D900DB5A-B4C6-47BD-B3A5-6F5ED2310554}" type="datetimeFigureOut">
               <a:rPr lang="en-US" smtClean="0"/>
-              <a:t>7/13/2025</a:t>
+              <a:t>7/13/25</a:t>
             </a:fld>
             <a:endParaRPr lang="en-US"/>
           </a:p>
@@ -6730,7 +6730,7 @@
           <a:p>
             <a:fld id="{D900DB5A-B4C6-47BD-B3A5-6F5ED2310554}" type="datetimeFigureOut">
               <a:rPr lang="en-US" smtClean="0"/>
-              <a:t>7/13/2025</a:t>
+              <a:t>7/13/25</a:t>
             </a:fld>
             <a:endParaRPr lang="en-US"/>
           </a:p>
@@ -6995,7 +6995,7 @@
           <a:p>
             <a:fld id="{D900DB5A-B4C6-47BD-B3A5-6F5ED2310554}" type="datetimeFigureOut">
               <a:rPr lang="en-US" smtClean="0"/>
-              <a:t>7/13/2025</a:t>
+              <a:t>7/13/25</a:t>
             </a:fld>
             <a:endParaRPr lang="en-US"/>
           </a:p>
@@ -7407,7 +7407,7 @@
           <a:p>
             <a:fld id="{D900DB5A-B4C6-47BD-B3A5-6F5ED2310554}" type="datetimeFigureOut">
               <a:rPr lang="en-US" smtClean="0"/>
-              <a:t>7/13/2025</a:t>
+              <a:t>7/13/25</a:t>
             </a:fld>
             <a:endParaRPr lang="en-US"/>
           </a:p>
@@ -7548,7 +7548,7 @@
           <a:p>
             <a:fld id="{D900DB5A-B4C6-47BD-B3A5-6F5ED2310554}" type="datetimeFigureOut">
               <a:rPr lang="en-US" smtClean="0"/>
-              <a:t>7/13/2025</a:t>
+              <a:t>7/13/25</a:t>
             </a:fld>
             <a:endParaRPr lang="en-US"/>
           </a:p>
@@ -7661,7 +7661,7 @@
           <a:p>
             <a:fld id="{D900DB5A-B4C6-47BD-B3A5-6F5ED2310554}" type="datetimeFigureOut">
               <a:rPr lang="en-US" smtClean="0"/>
-              <a:t>7/13/2025</a:t>
+              <a:t>7/13/25</a:t>
             </a:fld>
             <a:endParaRPr lang="en-US"/>
           </a:p>
@@ -7972,7 +7972,7 @@
           <a:p>
             <a:fld id="{D900DB5A-B4C6-47BD-B3A5-6F5ED2310554}" type="datetimeFigureOut">
               <a:rPr lang="en-US" smtClean="0"/>
-              <a:t>7/13/2025</a:t>
+              <a:t>7/13/25</a:t>
             </a:fld>
             <a:endParaRPr lang="en-US"/>
           </a:p>
@@ -8260,7 +8260,7 @@
           <a:p>
             <a:fld id="{D900DB5A-B4C6-47BD-B3A5-6F5ED2310554}" type="datetimeFigureOut">
               <a:rPr lang="en-US" smtClean="0"/>
-              <a:t>7/13/2025</a:t>
+              <a:t>7/13/25</a:t>
             </a:fld>
             <a:endParaRPr lang="en-US"/>
           </a:p>
@@ -8501,7 +8501,7 @@
           <a:p>
             <a:fld id="{D900DB5A-B4C6-47BD-B3A5-6F5ED2310554}" type="datetimeFigureOut">
               <a:rPr lang="en-US" smtClean="0"/>
-              <a:t>7/13/2025</a:t>
+              <a:t>7/13/25</a:t>
             </a:fld>
             <a:endParaRPr lang="en-US"/>
           </a:p>
@@ -11484,12 +11484,12 @@
           <a:lstStyle/>
           <a:p>
             <a:r>
-              <a:rPr lang="en-US">
+              <a:rPr lang="en-US" dirty="0">
                 <a:solidFill>
                   <a:srgbClr val="FFFFFF"/>
                 </a:solidFill>
               </a:rPr>
-              <a:t>Features</a:t>
+              <a:t>Features in Final Data Frame</a:t>
             </a:r>
           </a:p>
         </p:txBody>
@@ -11557,187 +11557,504 @@
       </p:sp>
       <p:sp>
         <p:nvSpPr>
-          <p:cNvPr id="3" name="Content Placeholder 2">
+          <p:cNvPr id="4" name="Rounded Rectangle 3">
             <a:extLst>
               <a:ext uri="{FF2B5EF4-FFF2-40B4-BE49-F238E27FC236}">
-                <a16:creationId xmlns:a16="http://schemas.microsoft.com/office/drawing/2014/main" id="{A0BA163A-D9FA-3D89-3D2D-03AC273218C8}"/>
+                <a16:creationId xmlns:a16="http://schemas.microsoft.com/office/drawing/2014/main" id="{85DC90AD-E6D1-B73C-2CC5-9607A9F224C9}"/>
               </a:ext>
             </a:extLst>
           </p:cNvPr>
-          <p:cNvSpPr>
-            <a:spLocks noGrp="1"/>
-          </p:cNvSpPr>
-          <p:nvPr>
-            <p:ph idx="1"/>
-          </p:nvPr>
+          <p:cNvSpPr/>
+          <p:nvPr/>
         </p:nvSpPr>
         <p:spPr>
           <a:xfrm>
-            <a:off x="4447308" y="591344"/>
-            <a:ext cx="6906491" cy="5585619"/>
+            <a:off x="4671682" y="58478"/>
+            <a:ext cx="2682945" cy="3136605"/>
           </a:xfrm>
+          <a:prstGeom prst="roundRect">
+            <a:avLst/>
+          </a:prstGeom>
+          <a:solidFill>
+            <a:schemeClr val="accent6"/>
+          </a:solidFill>
+          <a:ln>
+            <a:solidFill>
+              <a:schemeClr val="bg1"/>
+            </a:solidFill>
+          </a:ln>
         </p:spPr>
+        <p:style>
+          <a:lnRef idx="2">
+            <a:schemeClr val="accent1">
+              <a:shade val="15000"/>
+            </a:schemeClr>
+          </a:lnRef>
+          <a:fillRef idx="1">
+            <a:schemeClr val="accent1"/>
+          </a:fillRef>
+          <a:effectRef idx="0">
+            <a:schemeClr val="accent1"/>
+          </a:effectRef>
+          <a:fontRef idx="minor">
+            <a:schemeClr val="lt1"/>
+          </a:fontRef>
+        </p:style>
         <p:txBody>
-          <a:bodyPr anchor="ctr">
-            <a:normAutofit/>
-          </a:bodyPr>
+          <a:bodyPr rtlCol="0" anchor="t"/>
           <a:lstStyle/>
           <a:p>
+            <a:pPr algn="ctr"/>
             <a:r>
-              <a:rPr lang="en-US" sz="1000" dirty="0"/>
-              <a:t>Identified 21 features</a:t>
+              <a:rPr lang="en-US" sz="1400" dirty="0"/>
+              <a:t>Retained 13 Raw Features</a:t>
             </a:r>
           </a:p>
           <a:p>
-            <a:pPr lvl="1"/>
+            <a:pPr marL="285750" indent="-285750">
+              <a:buFont typeface="Arial" panose="020B0604020202020204" pitchFamily="34" charset="0"/>
+              <a:buChar char="•"/>
+            </a:pPr>
             <a:r>
-              <a:rPr lang="en-US" sz="1000" dirty="0"/>
+              <a:rPr lang="en-US" sz="1200" dirty="0"/>
+              <a:t>MS </a:t>
+            </a:r>
+            <a:r>
+              <a:rPr lang="en-US" sz="1200" dirty="0" err="1"/>
+              <a:t>SubClass</a:t>
+            </a:r>
+            <a:endParaRPr lang="en-US" sz="1200" dirty="0"/>
+          </a:p>
+          <a:p>
+            <a:pPr marL="285750" indent="-285750">
+              <a:buFont typeface="Arial" panose="020B0604020202020204" pitchFamily="34" charset="0"/>
+              <a:buChar char="•"/>
+            </a:pPr>
+            <a:r>
+              <a:rPr lang="en-US" sz="1200" dirty="0"/>
               <a:t>Overall Quality</a:t>
             </a:r>
           </a:p>
           <a:p>
-            <a:pPr lvl="1"/>
+            <a:pPr marL="285750" indent="-285750">
+              <a:buFont typeface="Arial" panose="020B0604020202020204" pitchFamily="34" charset="0"/>
+              <a:buChar char="•"/>
+            </a:pPr>
             <a:r>
-              <a:rPr lang="en-US" sz="1000" dirty="0"/>
+              <a:rPr lang="en-US" sz="1200" dirty="0"/>
               <a:t>Year Built</a:t>
             </a:r>
           </a:p>
           <a:p>
-            <a:pPr lvl="1"/>
+            <a:pPr marL="285750" indent="-285750">
+              <a:buFont typeface="Arial" panose="020B0604020202020204" pitchFamily="34" charset="0"/>
+              <a:buChar char="•"/>
+            </a:pPr>
             <a:r>
-              <a:rPr lang="en-US" sz="1000" dirty="0"/>
-              <a:t>Year remodeled/addition</a:t>
+              <a:rPr lang="en-US" sz="1200" dirty="0"/>
+              <a:t>Year Remod/Add</a:t>
             </a:r>
           </a:p>
           <a:p>
-            <a:pPr lvl="1"/>
+            <a:pPr marL="285750" indent="-285750">
+              <a:buFont typeface="Arial" panose="020B0604020202020204" pitchFamily="34" charset="0"/>
+              <a:buChar char="•"/>
+            </a:pPr>
             <a:r>
-              <a:rPr lang="en-US" sz="1000" dirty="0"/>
-              <a:t>Total Basement SF</a:t>
+              <a:rPr lang="en-US" sz="1200" dirty="0"/>
+              <a:t>Basement Finishings</a:t>
             </a:r>
           </a:p>
           <a:p>
-            <a:pPr lvl="1"/>
+            <a:pPr marL="285750" indent="-285750">
+              <a:buFont typeface="Arial" panose="020B0604020202020204" pitchFamily="34" charset="0"/>
+              <a:buChar char="•"/>
+            </a:pPr>
             <a:r>
-              <a:rPr lang="en-US" sz="1000" dirty="0"/>
-              <a:t>First Floor SF</a:t>
+              <a:rPr lang="en-US" sz="1200" dirty="0"/>
+              <a:t>Total Basement Square Feet</a:t>
             </a:r>
           </a:p>
           <a:p>
-            <a:pPr lvl="1"/>
+            <a:pPr marL="285750" indent="-285750">
+              <a:buFont typeface="Arial" panose="020B0604020202020204" pitchFamily="34" charset="0"/>
+              <a:buChar char="•"/>
+            </a:pPr>
             <a:r>
-              <a:rPr lang="en-US" sz="1000" dirty="0"/>
-              <a:t>Above Grade Living Area SF</a:t>
+              <a:rPr lang="en-US" sz="1200" dirty="0"/>
+              <a:t>First Floor Square Feet</a:t>
             </a:r>
           </a:p>
           <a:p>
-            <a:pPr lvl="1"/>
+            <a:pPr marL="285750" indent="-285750">
+              <a:buFont typeface="Arial" panose="020B0604020202020204" pitchFamily="34" charset="0"/>
+              <a:buChar char="•"/>
+            </a:pPr>
             <a:r>
-              <a:rPr lang="en-US" sz="1000" dirty="0"/>
-              <a:t>Full Baths</a:t>
+              <a:rPr lang="en-US" sz="1200" dirty="0"/>
+              <a:t>Above Ground Living Area</a:t>
             </a:r>
           </a:p>
           <a:p>
-            <a:pPr lvl="1"/>
+            <a:pPr marL="285750" indent="-285750">
+              <a:buFont typeface="Arial" panose="020B0604020202020204" pitchFamily="34" charset="0"/>
+              <a:buChar char="•"/>
+            </a:pPr>
             <a:r>
-              <a:rPr lang="en-US" sz="1000" dirty="0"/>
+              <a:rPr lang="en-US" sz="1200" dirty="0"/>
+              <a:t>Number of Full Baths</a:t>
+            </a:r>
+          </a:p>
+          <a:p>
+            <a:pPr marL="285750" indent="-285750">
+              <a:buFont typeface="Arial" panose="020B0604020202020204" pitchFamily="34" charset="0"/>
+              <a:buChar char="•"/>
+            </a:pPr>
+            <a:r>
+              <a:rPr lang="en-US" sz="1200" dirty="0"/>
               <a:t>Garage Year Built</a:t>
             </a:r>
           </a:p>
           <a:p>
-            <a:pPr lvl="1"/>
+            <a:pPr marL="285750" indent="-285750">
+              <a:buFont typeface="Arial" panose="020B0604020202020204" pitchFamily="34" charset="0"/>
+              <a:buChar char="•"/>
+            </a:pPr>
             <a:r>
-              <a:rPr lang="en-US" sz="1000" dirty="0"/>
+              <a:rPr lang="en-US" sz="1200" dirty="0"/>
+              <a:t>Garage Finishings</a:t>
+            </a:r>
+          </a:p>
+          <a:p>
+            <a:pPr marL="285750" indent="-285750">
+              <a:buFont typeface="Arial" panose="020B0604020202020204" pitchFamily="34" charset="0"/>
+              <a:buChar char="•"/>
+            </a:pPr>
+            <a:r>
+              <a:rPr lang="en-US" sz="1200" dirty="0"/>
               <a:t>Garage Cars</a:t>
             </a:r>
           </a:p>
           <a:p>
-            <a:pPr lvl="1"/>
+            <a:pPr marL="285750" indent="-285750">
+              <a:buFont typeface="Arial" panose="020B0604020202020204" pitchFamily="34" charset="0"/>
+              <a:buChar char="•"/>
+            </a:pPr>
             <a:r>
-              <a:rPr lang="en-US" sz="1000" dirty="0"/>
+              <a:rPr lang="en-US" sz="1200" dirty="0"/>
               <a:t>Garage Area</a:t>
             </a:r>
           </a:p>
-          <a:p>
-            <a:pPr lvl="1"/>
+        </p:txBody>
+      </p:sp>
+      <p:sp>
+        <p:nvSpPr>
+          <p:cNvPr id="8" name="Rounded Rectangle 7">
+            <a:extLst>
+              <a:ext uri="{FF2B5EF4-FFF2-40B4-BE49-F238E27FC236}">
+                <a16:creationId xmlns:a16="http://schemas.microsoft.com/office/drawing/2014/main" id="{4D2689CA-3581-E5D2-17DC-78805BD103BB}"/>
+              </a:ext>
+            </a:extLst>
+          </p:cNvPr>
+          <p:cNvSpPr/>
+          <p:nvPr/>
+        </p:nvSpPr>
+        <p:spPr>
+          <a:xfrm>
+            <a:off x="7859037" y="2502638"/>
+            <a:ext cx="2682945" cy="1852723"/>
+          </a:xfrm>
+          <a:prstGeom prst="roundRect">
+            <a:avLst/>
+          </a:prstGeom>
+          <a:solidFill>
+            <a:schemeClr val="accent6"/>
+          </a:solidFill>
+          <a:ln>
+            <a:solidFill>
+              <a:schemeClr val="bg1"/>
+            </a:solidFill>
+          </a:ln>
+        </p:spPr>
+        <p:style>
+          <a:lnRef idx="2">
+            <a:schemeClr val="accent1">
+              <a:shade val="15000"/>
+            </a:schemeClr>
+          </a:lnRef>
+          <a:fillRef idx="1">
+            <a:schemeClr val="accent1"/>
+          </a:fillRef>
+          <a:effectRef idx="0">
+            <a:schemeClr val="accent1"/>
+          </a:effectRef>
+          <a:fontRef idx="minor">
+            <a:schemeClr val="lt1"/>
+          </a:fontRef>
+        </p:style>
+        <p:txBody>
+          <a:bodyPr rtlCol="0" anchor="t"/>
+          <a:lstStyle/>
+          <a:p>
+            <a:pPr algn="ctr"/>
             <a:r>
-              <a:rPr lang="en-US" sz="1000" dirty="0"/>
-              <a:t>House Age</a:t>
+              <a:rPr lang="en-US" sz="1400" dirty="0"/>
+              <a:t>Encoded 6 Features w/ Ordinal Mapping</a:t>
             </a:r>
           </a:p>
           <a:p>
-            <a:pPr lvl="1"/>
+            <a:pPr marL="285750" indent="-285750">
+              <a:buFont typeface="Arial" panose="020B0604020202020204" pitchFamily="34" charset="0"/>
+              <a:buChar char="•"/>
+            </a:pPr>
             <a:r>
-              <a:rPr lang="en-US" sz="1000" dirty="0"/>
-              <a:t>Remodel Age</a:t>
-            </a:r>
-          </a:p>
-          <a:p>
-            <a:pPr lvl="1"/>
-            <a:r>
-              <a:rPr lang="en-US" sz="1000" dirty="0"/>
-              <a:t>Total SF</a:t>
-            </a:r>
-          </a:p>
-          <a:p>
-            <a:pPr lvl="1"/>
-            <a:r>
-              <a:rPr lang="en-US" sz="1000" dirty="0"/>
-              <a:t>Total SF plus Garage</a:t>
-            </a:r>
-          </a:p>
-          <a:p>
-            <a:pPr lvl="1"/>
-            <a:r>
-              <a:rPr lang="en-US" sz="1000" dirty="0"/>
-              <a:t>Total Baths</a:t>
-            </a:r>
-          </a:p>
-          <a:p>
-            <a:pPr lvl="1"/>
-            <a:r>
-              <a:rPr lang="en-US" sz="1000" dirty="0"/>
-              <a:t>Price per Square Foot</a:t>
-            </a:r>
-          </a:p>
-          <a:p>
-            <a:pPr lvl="1"/>
-            <a:r>
-              <a:rPr lang="en-US" sz="1000" dirty="0"/>
-              <a:t>Quality X Square Foot</a:t>
-            </a:r>
-          </a:p>
-          <a:p>
-            <a:pPr lvl="1"/>
-            <a:r>
-              <a:rPr lang="en-US" sz="1000" dirty="0"/>
+              <a:rPr lang="en-US" sz="1200" dirty="0"/>
               <a:t>Exterior Quality</a:t>
             </a:r>
           </a:p>
           <a:p>
-            <a:pPr lvl="1"/>
+            <a:pPr marL="285750" indent="-285750">
+              <a:buFont typeface="Arial" panose="020B0604020202020204" pitchFamily="34" charset="0"/>
+              <a:buChar char="•"/>
+            </a:pPr>
             <a:r>
-              <a:rPr lang="en-US" sz="1000" dirty="0"/>
+              <a:rPr lang="en-US" sz="1200" dirty="0"/>
               <a:t>Basement Quality</a:t>
             </a:r>
           </a:p>
           <a:p>
-            <a:pPr lvl="1"/>
+            <a:pPr marL="285750" indent="-285750">
+              <a:buFont typeface="Arial" panose="020B0604020202020204" pitchFamily="34" charset="0"/>
+              <a:buChar char="•"/>
+            </a:pPr>
             <a:r>
-              <a:rPr lang="en-US" sz="1000" dirty="0"/>
+              <a:rPr lang="en-US" sz="1200" dirty="0"/>
+              <a:t>Heating Quality</a:t>
+            </a:r>
+          </a:p>
+          <a:p>
+            <a:pPr marL="285750" indent="-285750">
+              <a:buFont typeface="Arial" panose="020B0604020202020204" pitchFamily="34" charset="0"/>
+              <a:buChar char="•"/>
+            </a:pPr>
+            <a:r>
+              <a:rPr lang="en-US" sz="1200" dirty="0"/>
               <a:t>Kitchen Quality</a:t>
             </a:r>
           </a:p>
           <a:p>
-            <a:pPr lvl="1"/>
+            <a:pPr marL="285750" indent="-285750">
+              <a:buFont typeface="Arial" panose="020B0604020202020204" pitchFamily="34" charset="0"/>
+              <a:buChar char="•"/>
+            </a:pPr>
             <a:r>
-              <a:rPr lang="en-US" sz="1000" dirty="0"/>
+              <a:rPr lang="en-US" sz="1200" dirty="0"/>
               <a:t>Fireplace Quality</a:t>
             </a:r>
           </a:p>
           <a:p>
-            <a:pPr lvl="1"/>
-            <a:endParaRPr lang="en-US" sz="1000" dirty="0"/>
+            <a:pPr marL="285750" indent="-285750">
+              <a:buFont typeface="Arial" panose="020B0604020202020204" pitchFamily="34" charset="0"/>
+              <a:buChar char="•"/>
+            </a:pPr>
+            <a:r>
+              <a:rPr lang="en-US" sz="1200" dirty="0"/>
+              <a:t>Functional</a:t>
+            </a:r>
+          </a:p>
+        </p:txBody>
+      </p:sp>
+      <p:sp>
+        <p:nvSpPr>
+          <p:cNvPr id="9" name="Rounded Rectangle 8">
+            <a:extLst>
+              <a:ext uri="{FF2B5EF4-FFF2-40B4-BE49-F238E27FC236}">
+                <a16:creationId xmlns:a16="http://schemas.microsoft.com/office/drawing/2014/main" id="{F8B1B0B0-8B1A-B4C0-5A8B-5680479C57CF}"/>
+              </a:ext>
+            </a:extLst>
+          </p:cNvPr>
+          <p:cNvSpPr/>
+          <p:nvPr/>
+        </p:nvSpPr>
+        <p:spPr>
+          <a:xfrm>
+            <a:off x="4675226" y="3428999"/>
+            <a:ext cx="2682945" cy="3136605"/>
+          </a:xfrm>
+          <a:prstGeom prst="roundRect">
+            <a:avLst/>
+          </a:prstGeom>
+          <a:solidFill>
+            <a:schemeClr val="accent6"/>
+          </a:solidFill>
+          <a:ln>
+            <a:solidFill>
+              <a:schemeClr val="bg1"/>
+            </a:solidFill>
+          </a:ln>
+        </p:spPr>
+        <p:style>
+          <a:lnRef idx="2">
+            <a:schemeClr val="accent1">
+              <a:shade val="15000"/>
+            </a:schemeClr>
+          </a:lnRef>
+          <a:fillRef idx="1">
+            <a:schemeClr val="accent1"/>
+          </a:fillRef>
+          <a:effectRef idx="0">
+            <a:schemeClr val="accent1"/>
+          </a:effectRef>
+          <a:fontRef idx="minor">
+            <a:schemeClr val="lt1"/>
+          </a:fontRef>
+        </p:style>
+        <p:txBody>
+          <a:bodyPr rtlCol="0" anchor="t"/>
+          <a:lstStyle/>
+          <a:p>
+            <a:pPr algn="ctr"/>
+            <a:r>
+              <a:rPr lang="en-US" sz="1400" dirty="0"/>
+              <a:t>One-Hot Encoded 13 Features </a:t>
+            </a:r>
+          </a:p>
+          <a:p>
+            <a:pPr marL="285750" indent="-285750">
+              <a:buFont typeface="Arial" panose="020B0604020202020204" pitchFamily="34" charset="0"/>
+              <a:buChar char="•"/>
+            </a:pPr>
+            <a:r>
+              <a:rPr lang="en-US" sz="1200" dirty="0"/>
+              <a:t>Neighborhood</a:t>
+            </a:r>
+          </a:p>
+          <a:p>
+            <a:pPr marL="285750" indent="-285750">
+              <a:buFont typeface="Arial" panose="020B0604020202020204" pitchFamily="34" charset="0"/>
+              <a:buChar char="•"/>
+            </a:pPr>
+            <a:r>
+              <a:rPr lang="en-US" sz="1200" dirty="0"/>
+              <a:t>House Style</a:t>
+            </a:r>
+          </a:p>
+          <a:p>
+            <a:pPr marL="285750" indent="-285750">
+              <a:buFont typeface="Arial" panose="020B0604020202020204" pitchFamily="34" charset="0"/>
+              <a:buChar char="•"/>
+            </a:pPr>
+            <a:r>
+              <a:rPr lang="en-US" sz="1200" dirty="0"/>
+              <a:t>Building Type</a:t>
+            </a:r>
+          </a:p>
+          <a:p>
+            <a:pPr marL="285750" indent="-285750">
+              <a:buFont typeface="Arial" panose="020B0604020202020204" pitchFamily="34" charset="0"/>
+              <a:buChar char="•"/>
+            </a:pPr>
+            <a:r>
+              <a:rPr lang="en-US" sz="1200" dirty="0"/>
+              <a:t>Sale Condition</a:t>
+            </a:r>
+          </a:p>
+          <a:p>
+            <a:pPr marL="285750" indent="-285750">
+              <a:buFont typeface="Arial" panose="020B0604020202020204" pitchFamily="34" charset="0"/>
+              <a:buChar char="•"/>
+            </a:pPr>
+            <a:r>
+              <a:rPr lang="en-US" sz="1200" dirty="0"/>
+              <a:t>Sale Type</a:t>
+            </a:r>
+          </a:p>
+          <a:p>
+            <a:pPr marL="285750" indent="-285750">
+              <a:buFont typeface="Arial" panose="020B0604020202020204" pitchFamily="34" charset="0"/>
+              <a:buChar char="•"/>
+            </a:pPr>
+            <a:r>
+              <a:rPr lang="en-US" sz="1200" dirty="0"/>
+              <a:t>Garage Type</a:t>
+            </a:r>
+          </a:p>
+          <a:p>
+            <a:pPr marL="285750" indent="-285750">
+              <a:buFont typeface="Arial" panose="020B0604020202020204" pitchFamily="34" charset="0"/>
+              <a:buChar char="•"/>
+            </a:pPr>
+            <a:r>
+              <a:rPr lang="en-US" sz="1200" dirty="0"/>
+              <a:t>Foundation</a:t>
+            </a:r>
+          </a:p>
+          <a:p>
+            <a:pPr marL="285750" indent="-285750">
+              <a:buFont typeface="Arial" panose="020B0604020202020204" pitchFamily="34" charset="0"/>
+              <a:buChar char="•"/>
+            </a:pPr>
+            <a:r>
+              <a:rPr lang="en-US" sz="1200" dirty="0"/>
+              <a:t>Exterior Primary Materials</a:t>
+            </a:r>
+          </a:p>
+          <a:p>
+            <a:pPr marL="285750" indent="-285750">
+              <a:buFont typeface="Arial" panose="020B0604020202020204" pitchFamily="34" charset="0"/>
+              <a:buChar char="•"/>
+            </a:pPr>
+            <a:r>
+              <a:rPr lang="en-US" sz="1200" dirty="0"/>
+              <a:t>Exterior Secondary Materials</a:t>
+            </a:r>
+          </a:p>
+          <a:p>
+            <a:pPr marL="285750" indent="-285750">
+              <a:buFont typeface="Arial" panose="020B0604020202020204" pitchFamily="34" charset="0"/>
+              <a:buChar char="•"/>
+            </a:pPr>
+            <a:r>
+              <a:rPr lang="en-US" sz="1200" dirty="0"/>
+              <a:t>MS Zoning</a:t>
+            </a:r>
+          </a:p>
+          <a:p>
+            <a:pPr marL="285750" indent="-285750">
+              <a:buFont typeface="Arial" panose="020B0604020202020204" pitchFamily="34" charset="0"/>
+              <a:buChar char="•"/>
+            </a:pPr>
+            <a:r>
+              <a:rPr lang="en-US" sz="1200" dirty="0"/>
+              <a:t>Lot Shape</a:t>
+            </a:r>
+          </a:p>
+          <a:p>
+            <a:pPr marL="285750" indent="-285750">
+              <a:buFont typeface="Arial" panose="020B0604020202020204" pitchFamily="34" charset="0"/>
+              <a:buChar char="•"/>
+            </a:pPr>
+            <a:r>
+              <a:rPr lang="en-US" sz="1200" dirty="0"/>
+              <a:t>Lot Config</a:t>
+            </a:r>
+          </a:p>
+          <a:p>
+            <a:pPr marL="285750" indent="-285750">
+              <a:buFont typeface="Arial" panose="020B0604020202020204" pitchFamily="34" charset="0"/>
+              <a:buChar char="•"/>
+            </a:pPr>
+            <a:r>
+              <a:rPr lang="en-US" sz="1200" dirty="0"/>
+              <a:t>Primary Condition</a:t>
+            </a:r>
+          </a:p>
+          <a:p>
+            <a:pPr marL="285750" indent="-285750">
+              <a:buFont typeface="Arial" panose="020B0604020202020204" pitchFamily="34" charset="0"/>
+              <a:buChar char="•"/>
+            </a:pPr>
+            <a:endParaRPr lang="en-US" sz="1200" dirty="0"/>
           </a:p>
         </p:txBody>
       </p:sp>

--- a/Petabyte Pirates.pptx
+++ b/Petabyte Pirates.pptx
@@ -11569,7 +11569,7 @@
         </p:nvSpPr>
         <p:spPr>
           <a:xfrm>
-            <a:off x="4671682" y="58478"/>
+            <a:off x="4305748" y="58478"/>
             <a:ext cx="2682945" cy="3136605"/>
           </a:xfrm>
           <a:prstGeom prst="roundRect">
@@ -11761,124 +11761,7 @@
         </p:nvSpPr>
         <p:spPr>
           <a:xfrm>
-            <a:off x="7859037" y="2502638"/>
-            <a:ext cx="2682945" cy="1852723"/>
-          </a:xfrm>
-          <a:prstGeom prst="roundRect">
-            <a:avLst/>
-          </a:prstGeom>
-          <a:solidFill>
-            <a:schemeClr val="accent6"/>
-          </a:solidFill>
-          <a:ln>
-            <a:solidFill>
-              <a:schemeClr val="bg1"/>
-            </a:solidFill>
-          </a:ln>
-        </p:spPr>
-        <p:style>
-          <a:lnRef idx="2">
-            <a:schemeClr val="accent1">
-              <a:shade val="15000"/>
-            </a:schemeClr>
-          </a:lnRef>
-          <a:fillRef idx="1">
-            <a:schemeClr val="accent1"/>
-          </a:fillRef>
-          <a:effectRef idx="0">
-            <a:schemeClr val="accent1"/>
-          </a:effectRef>
-          <a:fontRef idx="minor">
-            <a:schemeClr val="lt1"/>
-          </a:fontRef>
-        </p:style>
-        <p:txBody>
-          <a:bodyPr rtlCol="0" anchor="t"/>
-          <a:lstStyle/>
-          <a:p>
-            <a:pPr algn="ctr"/>
-            <a:r>
-              <a:rPr lang="en-US" sz="1400" dirty="0"/>
-              <a:t>Encoded 6 Features w/ Ordinal Mapping</a:t>
-            </a:r>
-          </a:p>
-          <a:p>
-            <a:pPr marL="285750" indent="-285750">
-              <a:buFont typeface="Arial" panose="020B0604020202020204" pitchFamily="34" charset="0"/>
-              <a:buChar char="•"/>
-            </a:pPr>
-            <a:r>
-              <a:rPr lang="en-US" sz="1200" dirty="0"/>
-              <a:t>Exterior Quality</a:t>
-            </a:r>
-          </a:p>
-          <a:p>
-            <a:pPr marL="285750" indent="-285750">
-              <a:buFont typeface="Arial" panose="020B0604020202020204" pitchFamily="34" charset="0"/>
-              <a:buChar char="•"/>
-            </a:pPr>
-            <a:r>
-              <a:rPr lang="en-US" sz="1200" dirty="0"/>
-              <a:t>Basement Quality</a:t>
-            </a:r>
-          </a:p>
-          <a:p>
-            <a:pPr marL="285750" indent="-285750">
-              <a:buFont typeface="Arial" panose="020B0604020202020204" pitchFamily="34" charset="0"/>
-              <a:buChar char="•"/>
-            </a:pPr>
-            <a:r>
-              <a:rPr lang="en-US" sz="1200" dirty="0"/>
-              <a:t>Heating Quality</a:t>
-            </a:r>
-          </a:p>
-          <a:p>
-            <a:pPr marL="285750" indent="-285750">
-              <a:buFont typeface="Arial" panose="020B0604020202020204" pitchFamily="34" charset="0"/>
-              <a:buChar char="•"/>
-            </a:pPr>
-            <a:r>
-              <a:rPr lang="en-US" sz="1200" dirty="0"/>
-              <a:t>Kitchen Quality</a:t>
-            </a:r>
-          </a:p>
-          <a:p>
-            <a:pPr marL="285750" indent="-285750">
-              <a:buFont typeface="Arial" panose="020B0604020202020204" pitchFamily="34" charset="0"/>
-              <a:buChar char="•"/>
-            </a:pPr>
-            <a:r>
-              <a:rPr lang="en-US" sz="1200" dirty="0"/>
-              <a:t>Fireplace Quality</a:t>
-            </a:r>
-          </a:p>
-          <a:p>
-            <a:pPr marL="285750" indent="-285750">
-              <a:buFont typeface="Arial" panose="020B0604020202020204" pitchFamily="34" charset="0"/>
-              <a:buChar char="•"/>
-            </a:pPr>
-            <a:r>
-              <a:rPr lang="en-US" sz="1200" dirty="0"/>
-              <a:t>Functional</a:t>
-            </a:r>
-          </a:p>
-        </p:txBody>
-      </p:sp>
-      <p:sp>
-        <p:nvSpPr>
-          <p:cNvPr id="9" name="Rounded Rectangle 8">
-            <a:extLst>
-              <a:ext uri="{FF2B5EF4-FFF2-40B4-BE49-F238E27FC236}">
-                <a16:creationId xmlns:a16="http://schemas.microsoft.com/office/drawing/2014/main" id="{F8B1B0B0-8B1A-B4C0-5A8B-5680479C57CF}"/>
-              </a:ext>
-            </a:extLst>
-          </p:cNvPr>
-          <p:cNvSpPr/>
-          <p:nvPr/>
-        </p:nvSpPr>
-        <p:spPr>
-          <a:xfrm>
-            <a:off x="4675226" y="3428999"/>
+            <a:off x="7270702" y="58478"/>
             <a:ext cx="2682945" cy="3136605"/>
           </a:xfrm>
           <a:prstGeom prst="roundRect">
@@ -11916,6 +11799,123 @@
             <a:pPr algn="ctr"/>
             <a:r>
               <a:rPr lang="en-US" sz="1400" dirty="0"/>
+              <a:t>Encoded 6 Features w/ Ordinal Mapping</a:t>
+            </a:r>
+          </a:p>
+          <a:p>
+            <a:pPr marL="285750" indent="-285750">
+              <a:buFont typeface="Arial" panose="020B0604020202020204" pitchFamily="34" charset="0"/>
+              <a:buChar char="•"/>
+            </a:pPr>
+            <a:r>
+              <a:rPr lang="en-US" sz="1200" dirty="0"/>
+              <a:t>Exterior Quality</a:t>
+            </a:r>
+          </a:p>
+          <a:p>
+            <a:pPr marL="285750" indent="-285750">
+              <a:buFont typeface="Arial" panose="020B0604020202020204" pitchFamily="34" charset="0"/>
+              <a:buChar char="•"/>
+            </a:pPr>
+            <a:r>
+              <a:rPr lang="en-US" sz="1200" dirty="0"/>
+              <a:t>Basement Quality</a:t>
+            </a:r>
+          </a:p>
+          <a:p>
+            <a:pPr marL="285750" indent="-285750">
+              <a:buFont typeface="Arial" panose="020B0604020202020204" pitchFamily="34" charset="0"/>
+              <a:buChar char="•"/>
+            </a:pPr>
+            <a:r>
+              <a:rPr lang="en-US" sz="1200" dirty="0"/>
+              <a:t>Heating Quality</a:t>
+            </a:r>
+          </a:p>
+          <a:p>
+            <a:pPr marL="285750" indent="-285750">
+              <a:buFont typeface="Arial" panose="020B0604020202020204" pitchFamily="34" charset="0"/>
+              <a:buChar char="•"/>
+            </a:pPr>
+            <a:r>
+              <a:rPr lang="en-US" sz="1200" dirty="0"/>
+              <a:t>Kitchen Quality</a:t>
+            </a:r>
+          </a:p>
+          <a:p>
+            <a:pPr marL="285750" indent="-285750">
+              <a:buFont typeface="Arial" panose="020B0604020202020204" pitchFamily="34" charset="0"/>
+              <a:buChar char="•"/>
+            </a:pPr>
+            <a:r>
+              <a:rPr lang="en-US" sz="1200" dirty="0"/>
+              <a:t>Fireplace Quality</a:t>
+            </a:r>
+          </a:p>
+          <a:p>
+            <a:pPr marL="285750" indent="-285750">
+              <a:buFont typeface="Arial" panose="020B0604020202020204" pitchFamily="34" charset="0"/>
+              <a:buChar char="•"/>
+            </a:pPr>
+            <a:r>
+              <a:rPr lang="en-US" sz="1200" dirty="0"/>
+              <a:t>Functional</a:t>
+            </a:r>
+          </a:p>
+        </p:txBody>
+      </p:sp>
+      <p:sp>
+        <p:nvSpPr>
+          <p:cNvPr id="9" name="Rounded Rectangle 8">
+            <a:extLst>
+              <a:ext uri="{FF2B5EF4-FFF2-40B4-BE49-F238E27FC236}">
+                <a16:creationId xmlns:a16="http://schemas.microsoft.com/office/drawing/2014/main" id="{F8B1B0B0-8B1A-B4C0-5A8B-5680479C57CF}"/>
+              </a:ext>
+            </a:extLst>
+          </p:cNvPr>
+          <p:cNvSpPr/>
+          <p:nvPr/>
+        </p:nvSpPr>
+        <p:spPr>
+          <a:xfrm>
+            <a:off x="4309292" y="3428999"/>
+            <a:ext cx="2682945" cy="3136605"/>
+          </a:xfrm>
+          <a:prstGeom prst="roundRect">
+            <a:avLst/>
+          </a:prstGeom>
+          <a:solidFill>
+            <a:schemeClr val="accent6"/>
+          </a:solidFill>
+          <a:ln>
+            <a:solidFill>
+              <a:schemeClr val="bg1"/>
+            </a:solidFill>
+          </a:ln>
+        </p:spPr>
+        <p:style>
+          <a:lnRef idx="2">
+            <a:schemeClr val="accent1">
+              <a:shade val="15000"/>
+            </a:schemeClr>
+          </a:lnRef>
+          <a:fillRef idx="1">
+            <a:schemeClr val="accent1"/>
+          </a:fillRef>
+          <a:effectRef idx="0">
+            <a:schemeClr val="accent1"/>
+          </a:effectRef>
+          <a:fontRef idx="minor">
+            <a:schemeClr val="lt1"/>
+          </a:fontRef>
+        </p:style>
+        <p:txBody>
+          <a:bodyPr rtlCol="0" anchor="t"/>
+          <a:lstStyle/>
+          <a:p>
+            <a:pPr algn="ctr"/>
+            <a:r>
+              <a:rPr lang="en-US" sz="1400" dirty="0"/>
               <a:t>One-Hot Encoded 13 Features </a:t>
             </a:r>
           </a:p>
@@ -12055,6 +12055,163 @@
               <a:buChar char="•"/>
             </a:pPr>
             <a:endParaRPr lang="en-US" sz="1200" dirty="0"/>
+          </a:p>
+        </p:txBody>
+      </p:sp>
+      <p:sp>
+        <p:nvSpPr>
+          <p:cNvPr id="12" name="Rounded Rectangle 11">
+            <a:extLst>
+              <a:ext uri="{FF2B5EF4-FFF2-40B4-BE49-F238E27FC236}">
+                <a16:creationId xmlns:a16="http://schemas.microsoft.com/office/drawing/2014/main" id="{AF0B9E90-3F9A-6BBC-6D91-588FA2AF300F}"/>
+              </a:ext>
+            </a:extLst>
+          </p:cNvPr>
+          <p:cNvSpPr/>
+          <p:nvPr/>
+        </p:nvSpPr>
+        <p:spPr>
+          <a:xfrm>
+            <a:off x="7270702" y="3428998"/>
+            <a:ext cx="2682945" cy="3136605"/>
+          </a:xfrm>
+          <a:prstGeom prst="roundRect">
+            <a:avLst/>
+          </a:prstGeom>
+          <a:solidFill>
+            <a:schemeClr val="accent6"/>
+          </a:solidFill>
+          <a:ln>
+            <a:solidFill>
+              <a:schemeClr val="bg1"/>
+            </a:solidFill>
+          </a:ln>
+        </p:spPr>
+        <p:style>
+          <a:lnRef idx="2">
+            <a:schemeClr val="accent1">
+              <a:shade val="15000"/>
+            </a:schemeClr>
+          </a:lnRef>
+          <a:fillRef idx="1">
+            <a:schemeClr val="accent1"/>
+          </a:fillRef>
+          <a:effectRef idx="0">
+            <a:schemeClr val="accent1"/>
+          </a:effectRef>
+          <a:fontRef idx="minor">
+            <a:schemeClr val="lt1"/>
+          </a:fontRef>
+        </p:style>
+        <p:txBody>
+          <a:bodyPr rtlCol="0" anchor="t"/>
+          <a:lstStyle/>
+          <a:p>
+            <a:pPr algn="ctr"/>
+            <a:r>
+              <a:rPr lang="en-US" sz="1400" dirty="0"/>
+              <a:t>Engineered 10 Features</a:t>
+            </a:r>
+          </a:p>
+          <a:p>
+            <a:pPr marL="285750" indent="-285750">
+              <a:buFont typeface="Arial" panose="020B0604020202020204" pitchFamily="34" charset="0"/>
+              <a:buChar char="•"/>
+            </a:pPr>
+            <a:r>
+              <a:rPr lang="en-US" sz="1200" dirty="0"/>
+              <a:t>Quality x Square Feet</a:t>
+            </a:r>
+          </a:p>
+          <a:p>
+            <a:pPr marL="285750" indent="-285750">
+              <a:buFont typeface="Arial" panose="020B0604020202020204" pitchFamily="34" charset="0"/>
+              <a:buChar char="•"/>
+            </a:pPr>
+            <a:r>
+              <a:rPr lang="en-US" sz="1200" dirty="0"/>
+              <a:t>Sale Date (Yr Sold + Mo Sold)</a:t>
+            </a:r>
+          </a:p>
+          <a:p>
+            <a:pPr marL="285750" indent="-285750">
+              <a:buFont typeface="Arial" panose="020B0604020202020204" pitchFamily="34" charset="0"/>
+              <a:buChar char="•"/>
+            </a:pPr>
+            <a:r>
+              <a:rPr lang="en-US" sz="1200" dirty="0"/>
+              <a:t>House Age</a:t>
+            </a:r>
+          </a:p>
+          <a:p>
+            <a:pPr marL="285750" indent="-285750">
+              <a:buFont typeface="Arial" panose="020B0604020202020204" pitchFamily="34" charset="0"/>
+              <a:buChar char="•"/>
+            </a:pPr>
+            <a:r>
+              <a:rPr lang="en-US" sz="1200" dirty="0"/>
+              <a:t>Remodel Age</a:t>
+            </a:r>
+          </a:p>
+          <a:p>
+            <a:pPr marL="285750" indent="-285750">
+              <a:buFont typeface="Arial" panose="020B0604020202020204" pitchFamily="34" charset="0"/>
+              <a:buChar char="•"/>
+            </a:pPr>
+            <a:r>
+              <a:rPr lang="en-US" sz="1200" dirty="0"/>
+              <a:t>Age Bucket</a:t>
+            </a:r>
+          </a:p>
+          <a:p>
+            <a:pPr marL="285750" indent="-285750">
+              <a:buFont typeface="Arial" panose="020B0604020202020204" pitchFamily="34" charset="0"/>
+              <a:buChar char="•"/>
+            </a:pPr>
+            <a:r>
+              <a:rPr lang="en-US" sz="1200" dirty="0"/>
+              <a:t>Total Square Feet</a:t>
+            </a:r>
+          </a:p>
+          <a:p>
+            <a:pPr marL="285750" indent="-285750">
+              <a:buFont typeface="Arial" panose="020B0604020202020204" pitchFamily="34" charset="0"/>
+              <a:buChar char="•"/>
+            </a:pPr>
+            <a:r>
+              <a:rPr lang="en-US" sz="1200" dirty="0"/>
+              <a:t>Total Square Feet w/ Garage</a:t>
+            </a:r>
+          </a:p>
+          <a:p>
+            <a:pPr marL="285750" indent="-285750">
+              <a:buFont typeface="Arial" panose="020B0604020202020204" pitchFamily="34" charset="0"/>
+              <a:buChar char="•"/>
+            </a:pPr>
+            <a:r>
+              <a:rPr lang="en-US" sz="1200" dirty="0"/>
+              <a:t>Total Baths</a:t>
+            </a:r>
+          </a:p>
+          <a:p>
+            <a:pPr marL="285750" indent="-285750">
+              <a:buFont typeface="Arial" panose="020B0604020202020204" pitchFamily="34" charset="0"/>
+              <a:buChar char="•"/>
+            </a:pPr>
+            <a:r>
+              <a:rPr lang="en-US" sz="1200" dirty="0"/>
+              <a:t>Price per Square Feet</a:t>
+            </a:r>
+          </a:p>
+          <a:p>
+            <a:pPr marL="285750" indent="-285750">
+              <a:buFont typeface="Arial" panose="020B0604020202020204" pitchFamily="34" charset="0"/>
+              <a:buChar char="•"/>
+            </a:pPr>
+            <a:r>
+              <a:rPr lang="en-US" sz="1200" dirty="0"/>
+              <a:t>Season Sold</a:t>
+            </a:r>
           </a:p>
         </p:txBody>
       </p:sp>
